--- a/doc/Labels.pptx
+++ b/doc/Labels.pptx
@@ -260,7 +260,7 @@
           <a:p>
             <a:fld id="{C6985964-12C0-46FB-9AC3-21523FFAE508}" type="datetimeFigureOut">
               <a:rPr lang="de-DE" smtClean="0"/>
-              <a:t>01.06.2024</a:t>
+              <a:t>09.06.2024</a:t>
             </a:fld>
             <a:endParaRPr lang="de-DE"/>
           </a:p>
@@ -458,7 +458,7 @@
           <a:p>
             <a:fld id="{C6985964-12C0-46FB-9AC3-21523FFAE508}" type="datetimeFigureOut">
               <a:rPr lang="de-DE" smtClean="0"/>
-              <a:t>01.06.2024</a:t>
+              <a:t>09.06.2024</a:t>
             </a:fld>
             <a:endParaRPr lang="de-DE"/>
           </a:p>
@@ -666,7 +666,7 @@
           <a:p>
             <a:fld id="{C6985964-12C0-46FB-9AC3-21523FFAE508}" type="datetimeFigureOut">
               <a:rPr lang="de-DE" smtClean="0"/>
-              <a:t>01.06.2024</a:t>
+              <a:t>09.06.2024</a:t>
             </a:fld>
             <a:endParaRPr lang="de-DE"/>
           </a:p>
@@ -864,7 +864,7 @@
           <a:p>
             <a:fld id="{C6985964-12C0-46FB-9AC3-21523FFAE508}" type="datetimeFigureOut">
               <a:rPr lang="de-DE" smtClean="0"/>
-              <a:t>01.06.2024</a:t>
+              <a:t>09.06.2024</a:t>
             </a:fld>
             <a:endParaRPr lang="de-DE"/>
           </a:p>
@@ -1139,7 +1139,7 @@
           <a:p>
             <a:fld id="{C6985964-12C0-46FB-9AC3-21523FFAE508}" type="datetimeFigureOut">
               <a:rPr lang="de-DE" smtClean="0"/>
-              <a:t>01.06.2024</a:t>
+              <a:t>09.06.2024</a:t>
             </a:fld>
             <a:endParaRPr lang="de-DE"/>
           </a:p>
@@ -1404,7 +1404,7 @@
           <a:p>
             <a:fld id="{C6985964-12C0-46FB-9AC3-21523FFAE508}" type="datetimeFigureOut">
               <a:rPr lang="de-DE" smtClean="0"/>
-              <a:t>01.06.2024</a:t>
+              <a:t>09.06.2024</a:t>
             </a:fld>
             <a:endParaRPr lang="de-DE"/>
           </a:p>
@@ -1816,7 +1816,7 @@
           <a:p>
             <a:fld id="{C6985964-12C0-46FB-9AC3-21523FFAE508}" type="datetimeFigureOut">
               <a:rPr lang="de-DE" smtClean="0"/>
-              <a:t>01.06.2024</a:t>
+              <a:t>09.06.2024</a:t>
             </a:fld>
             <a:endParaRPr lang="de-DE"/>
           </a:p>
@@ -1957,7 +1957,7 @@
           <a:p>
             <a:fld id="{C6985964-12C0-46FB-9AC3-21523FFAE508}" type="datetimeFigureOut">
               <a:rPr lang="de-DE" smtClean="0"/>
-              <a:t>01.06.2024</a:t>
+              <a:t>09.06.2024</a:t>
             </a:fld>
             <a:endParaRPr lang="de-DE"/>
           </a:p>
@@ -2070,7 +2070,7 @@
           <a:p>
             <a:fld id="{C6985964-12C0-46FB-9AC3-21523FFAE508}" type="datetimeFigureOut">
               <a:rPr lang="de-DE" smtClean="0"/>
-              <a:t>01.06.2024</a:t>
+              <a:t>09.06.2024</a:t>
             </a:fld>
             <a:endParaRPr lang="de-DE"/>
           </a:p>
@@ -2381,7 +2381,7 @@
           <a:p>
             <a:fld id="{C6985964-12C0-46FB-9AC3-21523FFAE508}" type="datetimeFigureOut">
               <a:rPr lang="de-DE" smtClean="0"/>
-              <a:t>01.06.2024</a:t>
+              <a:t>09.06.2024</a:t>
             </a:fld>
             <a:endParaRPr lang="de-DE"/>
           </a:p>
@@ -2669,7 +2669,7 @@
           <a:p>
             <a:fld id="{C6985964-12C0-46FB-9AC3-21523FFAE508}" type="datetimeFigureOut">
               <a:rPr lang="de-DE" smtClean="0"/>
-              <a:t>01.06.2024</a:t>
+              <a:t>09.06.2024</a:t>
             </a:fld>
             <a:endParaRPr lang="de-DE"/>
           </a:p>
@@ -2910,7 +2910,7 @@
           <a:p>
             <a:fld id="{C6985964-12C0-46FB-9AC3-21523FFAE508}" type="datetimeFigureOut">
               <a:rPr lang="de-DE" smtClean="0"/>
-              <a:t>01.06.2024</a:t>
+              <a:t>09.06.2024</a:t>
             </a:fld>
             <a:endParaRPr lang="de-DE"/>
           </a:p>
@@ -11876,7 +11876,7 @@
         </p:nvGrpSpPr>
         <p:grpSpPr>
           <a:xfrm>
-            <a:off x="435501" y="2684928"/>
+            <a:off x="458754" y="3406602"/>
             <a:ext cx="2885758" cy="601738"/>
             <a:chOff x="435501" y="2684928"/>
             <a:chExt cx="2885758" cy="601738"/>
@@ -12913,7 +12913,7 @@
         </p:nvGrpSpPr>
         <p:grpSpPr>
           <a:xfrm>
-            <a:off x="435501" y="3448106"/>
+            <a:off x="446713" y="4199246"/>
             <a:ext cx="2885758" cy="601738"/>
             <a:chOff x="435501" y="3448106"/>
             <a:chExt cx="2885758" cy="601738"/>
@@ -13951,7 +13951,7 @@
         </p:nvGrpSpPr>
         <p:grpSpPr>
           <a:xfrm>
-            <a:off x="435501" y="4280690"/>
+            <a:off x="461688" y="4821282"/>
             <a:ext cx="2885758" cy="601738"/>
             <a:chOff x="435501" y="4280690"/>
             <a:chExt cx="2885758" cy="601738"/>
@@ -14997,7 +14997,7 @@
         </p:nvGrpSpPr>
         <p:grpSpPr>
           <a:xfrm>
-            <a:off x="437447" y="5053957"/>
+            <a:off x="464512" y="5460942"/>
             <a:ext cx="2885758" cy="601738"/>
             <a:chOff x="437447" y="5053957"/>
             <a:chExt cx="2885758" cy="601738"/>
@@ -16039,7 +16039,7 @@
         </p:nvGrpSpPr>
         <p:grpSpPr>
           <a:xfrm>
-            <a:off x="435501" y="5817124"/>
+            <a:off x="468939" y="6055109"/>
             <a:ext cx="2885758" cy="601738"/>
             <a:chOff x="435501" y="5817124"/>
             <a:chExt cx="2885758" cy="601738"/>
@@ -17082,7 +17082,7 @@
         </p:nvGrpSpPr>
         <p:grpSpPr>
           <a:xfrm>
-            <a:off x="4334052" y="3230414"/>
+            <a:off x="4334052" y="3090932"/>
             <a:ext cx="3163702" cy="1220390"/>
             <a:chOff x="4334052" y="3230414"/>
             <a:chExt cx="3163702" cy="1220390"/>
@@ -19417,7 +19417,7 @@
         </p:nvGrpSpPr>
         <p:grpSpPr>
           <a:xfrm>
-            <a:off x="4334052" y="4594911"/>
+            <a:off x="4334052" y="4269453"/>
             <a:ext cx="3163702" cy="1220390"/>
             <a:chOff x="4334052" y="4594911"/>
             <a:chExt cx="3163702" cy="1220390"/>
@@ -24115,7 +24115,7 @@
         </p:nvGrpSpPr>
         <p:grpSpPr>
           <a:xfrm>
-            <a:off x="8058657" y="3222007"/>
+            <a:off x="8058657" y="3082525"/>
             <a:ext cx="3163702" cy="1220390"/>
             <a:chOff x="8058657" y="3222007"/>
             <a:chExt cx="3163702" cy="1220390"/>
@@ -26455,7 +26455,7 @@
         </p:nvGrpSpPr>
         <p:grpSpPr>
           <a:xfrm>
-            <a:off x="8060231" y="4574208"/>
+            <a:off x="8060231" y="4248750"/>
             <a:ext cx="3163702" cy="1220390"/>
             <a:chOff x="4334052" y="3230414"/>
             <a:chExt cx="3163702" cy="1220390"/>
@@ -28757,6 +28757,3243 @@
           <p:spPr>
             <a:xfrm>
               <a:off x="4614622" y="4189194"/>
+              <a:ext cx="335348" cy="261610"/>
+            </a:xfrm>
+            <a:prstGeom prst="rect">
+              <a:avLst/>
+            </a:prstGeom>
+            <a:noFill/>
+          </p:spPr>
+          <p:txBody>
+            <a:bodyPr wrap="none" rtlCol="0">
+              <a:spAutoFit/>
+            </a:bodyPr>
+            <a:lstStyle/>
+            <a:p>
+              <a:r>
+                <a:rPr lang="de-DE" sz="1100" dirty="0"/>
+                <a:t>V+</a:t>
+              </a:r>
+            </a:p>
+          </p:txBody>
+        </p:sp>
+      </p:grpSp>
+      <p:grpSp>
+        <p:nvGrpSpPr>
+          <p:cNvPr id="558" name="Gruppieren 557">
+            <a:extLst>
+              <a:ext uri="{FF2B5EF4-FFF2-40B4-BE49-F238E27FC236}">
+                <a16:creationId xmlns:a16="http://schemas.microsoft.com/office/drawing/2014/main" id="{1A6A1B30-D839-4209-A32F-CAC92436C19C}"/>
+              </a:ext>
+            </a:extLst>
+          </p:cNvPr>
+          <p:cNvGrpSpPr/>
+          <p:nvPr/>
+        </p:nvGrpSpPr>
+        <p:grpSpPr>
+          <a:xfrm>
+            <a:off x="4331431" y="5489843"/>
+            <a:ext cx="3163702" cy="1220390"/>
+            <a:chOff x="4334052" y="1915775"/>
+            <a:chExt cx="3163702" cy="1220390"/>
+          </a:xfrm>
+        </p:grpSpPr>
+        <p:sp>
+          <p:nvSpPr>
+            <p:cNvPr id="559" name="Rechteck 558">
+              <a:extLst>
+                <a:ext uri="{FF2B5EF4-FFF2-40B4-BE49-F238E27FC236}">
+                  <a16:creationId xmlns:a16="http://schemas.microsoft.com/office/drawing/2014/main" id="{E73A8055-76A7-49EF-A93A-BCD202B7EEFF}"/>
+                </a:ext>
+              </a:extLst>
+            </p:cNvPr>
+            <p:cNvSpPr/>
+            <p:nvPr/>
+          </p:nvSpPr>
+          <p:spPr>
+            <a:xfrm>
+              <a:off x="4918003" y="2277289"/>
+              <a:ext cx="431417" cy="240224"/>
+            </a:xfrm>
+            <a:prstGeom prst="rect">
+              <a:avLst/>
+            </a:prstGeom>
+            <a:solidFill>
+              <a:schemeClr val="bg1">
+                <a:lumMod val="95000"/>
+              </a:schemeClr>
+            </a:solidFill>
+            <a:ln w="15875">
+              <a:solidFill>
+                <a:schemeClr val="tx1"/>
+              </a:solidFill>
+            </a:ln>
+          </p:spPr>
+          <p:style>
+            <a:lnRef idx="2">
+              <a:schemeClr val="accent1">
+                <a:shade val="50000"/>
+              </a:schemeClr>
+            </a:lnRef>
+            <a:fillRef idx="1">
+              <a:schemeClr val="accent1"/>
+            </a:fillRef>
+            <a:effectRef idx="0">
+              <a:schemeClr val="accent1"/>
+            </a:effectRef>
+            <a:fontRef idx="minor">
+              <a:schemeClr val="lt1"/>
+            </a:fontRef>
+          </p:style>
+          <p:txBody>
+            <a:bodyPr lIns="36000" rIns="36000" rtlCol="0" anchor="ctr"/>
+            <a:lstStyle/>
+            <a:p>
+              <a:pPr algn="ctr"/>
+              <a:endParaRPr lang="de-DE" sz="1400" dirty="0">
+                <a:solidFill>
+                  <a:schemeClr val="tx1"/>
+                </a:solidFill>
+              </a:endParaRPr>
+            </a:p>
+          </p:txBody>
+        </p:sp>
+        <p:cxnSp>
+          <p:nvCxnSpPr>
+            <p:cNvPr id="560" name="Gerader Verbinder 559">
+              <a:extLst>
+                <a:ext uri="{FF2B5EF4-FFF2-40B4-BE49-F238E27FC236}">
+                  <a16:creationId xmlns:a16="http://schemas.microsoft.com/office/drawing/2014/main" id="{07183B11-F739-4CF3-93E2-23E5693A4957}"/>
+                </a:ext>
+              </a:extLst>
+            </p:cNvPr>
+            <p:cNvCxnSpPr>
+              <a:cxnSpLocks/>
+            </p:cNvCxnSpPr>
+            <p:nvPr/>
+          </p:nvCxnSpPr>
+          <p:spPr>
+            <a:xfrm>
+              <a:off x="4481331" y="2152630"/>
+              <a:ext cx="0" cy="127578"/>
+            </a:xfrm>
+            <a:prstGeom prst="line">
+              <a:avLst/>
+            </a:prstGeom>
+            <a:ln w="12700" cmpd="sng">
+              <a:solidFill>
+                <a:schemeClr val="tx1"/>
+              </a:solidFill>
+              <a:headEnd type="oval"/>
+            </a:ln>
+          </p:spPr>
+          <p:style>
+            <a:lnRef idx="1">
+              <a:schemeClr val="accent1"/>
+            </a:lnRef>
+            <a:fillRef idx="0">
+              <a:schemeClr val="accent1"/>
+            </a:fillRef>
+            <a:effectRef idx="0">
+              <a:schemeClr val="accent1"/>
+            </a:effectRef>
+            <a:fontRef idx="minor">
+              <a:schemeClr val="tx1"/>
+            </a:fontRef>
+          </p:style>
+        </p:cxnSp>
+        <p:sp>
+          <p:nvSpPr>
+            <p:cNvPr id="561" name="Textfeld 560">
+              <a:extLst>
+                <a:ext uri="{FF2B5EF4-FFF2-40B4-BE49-F238E27FC236}">
+                  <a16:creationId xmlns:a16="http://schemas.microsoft.com/office/drawing/2014/main" id="{1C3A6C92-DF87-4DA9-AFE1-B049EA331F61}"/>
+                </a:ext>
+              </a:extLst>
+            </p:cNvPr>
+            <p:cNvSpPr txBox="1"/>
+            <p:nvPr/>
+          </p:nvSpPr>
+          <p:spPr>
+            <a:xfrm>
+              <a:off x="5000122" y="1915775"/>
+              <a:ext cx="266420" cy="261610"/>
+            </a:xfrm>
+            <a:prstGeom prst="rect">
+              <a:avLst/>
+            </a:prstGeom>
+            <a:noFill/>
+          </p:spPr>
+          <p:txBody>
+            <a:bodyPr wrap="none" rtlCol="0">
+              <a:spAutoFit/>
+            </a:bodyPr>
+            <a:lstStyle/>
+            <a:p>
+              <a:r>
+                <a:rPr lang="de-DE" sz="1100" dirty="0"/>
+                <a:t>A</a:t>
+              </a:r>
+            </a:p>
+          </p:txBody>
+        </p:sp>
+        <p:sp>
+          <p:nvSpPr>
+            <p:cNvPr id="620" name="Textfeld 619">
+              <a:extLst>
+                <a:ext uri="{FF2B5EF4-FFF2-40B4-BE49-F238E27FC236}">
+                  <a16:creationId xmlns:a16="http://schemas.microsoft.com/office/drawing/2014/main" id="{5A3301B6-6B22-4F81-9C43-A3DC640F4525}"/>
+                </a:ext>
+              </a:extLst>
+            </p:cNvPr>
+            <p:cNvSpPr txBox="1"/>
+            <p:nvPr/>
+          </p:nvSpPr>
+          <p:spPr>
+            <a:xfrm>
+              <a:off x="5434478" y="1915775"/>
+              <a:ext cx="261610" cy="261610"/>
+            </a:xfrm>
+            <a:prstGeom prst="rect">
+              <a:avLst/>
+            </a:prstGeom>
+            <a:noFill/>
+          </p:spPr>
+          <p:txBody>
+            <a:bodyPr wrap="none" rtlCol="0">
+              <a:spAutoFit/>
+            </a:bodyPr>
+            <a:lstStyle/>
+            <a:p>
+              <a:r>
+                <a:rPr lang="de-DE" sz="1100" dirty="0"/>
+                <a:t>B</a:t>
+              </a:r>
+            </a:p>
+          </p:txBody>
+        </p:sp>
+        <p:sp>
+          <p:nvSpPr>
+            <p:cNvPr id="621" name="Textfeld 620">
+              <a:extLst>
+                <a:ext uri="{FF2B5EF4-FFF2-40B4-BE49-F238E27FC236}">
+                  <a16:creationId xmlns:a16="http://schemas.microsoft.com/office/drawing/2014/main" id="{C084D1FA-92DE-43A5-96EB-D058823A676C}"/>
+                </a:ext>
+              </a:extLst>
+            </p:cNvPr>
+            <p:cNvSpPr txBox="1"/>
+            <p:nvPr/>
+          </p:nvSpPr>
+          <p:spPr>
+            <a:xfrm>
+              <a:off x="5864870" y="1915775"/>
+              <a:ext cx="260008" cy="261610"/>
+            </a:xfrm>
+            <a:prstGeom prst="rect">
+              <a:avLst/>
+            </a:prstGeom>
+            <a:noFill/>
+          </p:spPr>
+          <p:txBody>
+            <a:bodyPr wrap="none" rtlCol="0">
+              <a:spAutoFit/>
+            </a:bodyPr>
+            <a:lstStyle/>
+            <a:p>
+              <a:r>
+                <a:rPr lang="de-DE" sz="1100" dirty="0"/>
+                <a:t>C</a:t>
+              </a:r>
+            </a:p>
+          </p:txBody>
+        </p:sp>
+        <p:sp>
+          <p:nvSpPr>
+            <p:cNvPr id="622" name="Textfeld 621">
+              <a:extLst>
+                <a:ext uri="{FF2B5EF4-FFF2-40B4-BE49-F238E27FC236}">
+                  <a16:creationId xmlns:a16="http://schemas.microsoft.com/office/drawing/2014/main" id="{95B721EB-B23B-41F7-8C80-38ED4315678D}"/>
+                </a:ext>
+              </a:extLst>
+            </p:cNvPr>
+            <p:cNvSpPr txBox="1"/>
+            <p:nvPr/>
+          </p:nvSpPr>
+          <p:spPr>
+            <a:xfrm>
+              <a:off x="6299223" y="1915775"/>
+              <a:ext cx="271228" cy="261610"/>
+            </a:xfrm>
+            <a:prstGeom prst="rect">
+              <a:avLst/>
+            </a:prstGeom>
+            <a:noFill/>
+          </p:spPr>
+          <p:txBody>
+            <a:bodyPr wrap="none" rtlCol="0">
+              <a:spAutoFit/>
+            </a:bodyPr>
+            <a:lstStyle/>
+            <a:p>
+              <a:r>
+                <a:rPr lang="de-DE" sz="1100" dirty="0"/>
+                <a:t>D</a:t>
+              </a:r>
+            </a:p>
+          </p:txBody>
+        </p:sp>
+        <p:sp>
+          <p:nvSpPr>
+            <p:cNvPr id="623" name="Textfeld 622">
+              <a:extLst>
+                <a:ext uri="{FF2B5EF4-FFF2-40B4-BE49-F238E27FC236}">
+                  <a16:creationId xmlns:a16="http://schemas.microsoft.com/office/drawing/2014/main" id="{CF12194D-27B3-4BF2-82E9-94E705076697}"/>
+                </a:ext>
+              </a:extLst>
+            </p:cNvPr>
+            <p:cNvSpPr txBox="1"/>
+            <p:nvPr/>
+          </p:nvSpPr>
+          <p:spPr>
+            <a:xfrm>
+              <a:off x="6729998" y="1915775"/>
+              <a:ext cx="253596" cy="261610"/>
+            </a:xfrm>
+            <a:prstGeom prst="rect">
+              <a:avLst/>
+            </a:prstGeom>
+            <a:noFill/>
+          </p:spPr>
+          <p:txBody>
+            <a:bodyPr wrap="none" rtlCol="0">
+              <a:spAutoFit/>
+            </a:bodyPr>
+            <a:lstStyle/>
+            <a:p>
+              <a:r>
+                <a:rPr lang="de-DE" sz="1100" dirty="0"/>
+                <a:t>E</a:t>
+              </a:r>
+            </a:p>
+          </p:txBody>
+        </p:sp>
+        <p:sp>
+          <p:nvSpPr>
+            <p:cNvPr id="624" name="Textfeld 623">
+              <a:extLst>
+                <a:ext uri="{FF2B5EF4-FFF2-40B4-BE49-F238E27FC236}">
+                  <a16:creationId xmlns:a16="http://schemas.microsoft.com/office/drawing/2014/main" id="{DD0304BC-A552-43D6-ADBF-EB043D674FBD}"/>
+                </a:ext>
+              </a:extLst>
+            </p:cNvPr>
+            <p:cNvSpPr txBox="1"/>
+            <p:nvPr/>
+          </p:nvSpPr>
+          <p:spPr>
+            <a:xfrm>
+              <a:off x="7163598" y="1915775"/>
+              <a:ext cx="248786" cy="261610"/>
+            </a:xfrm>
+            <a:prstGeom prst="rect">
+              <a:avLst/>
+            </a:prstGeom>
+            <a:noFill/>
+          </p:spPr>
+          <p:txBody>
+            <a:bodyPr wrap="none" rtlCol="0">
+              <a:spAutoFit/>
+            </a:bodyPr>
+            <a:lstStyle/>
+            <a:p>
+              <a:r>
+                <a:rPr lang="de-DE" sz="1100" dirty="0"/>
+                <a:t>F</a:t>
+              </a:r>
+            </a:p>
+          </p:txBody>
+        </p:sp>
+        <p:sp>
+          <p:nvSpPr>
+            <p:cNvPr id="625" name="Rechteck 624">
+              <a:extLst>
+                <a:ext uri="{FF2B5EF4-FFF2-40B4-BE49-F238E27FC236}">
+                  <a16:creationId xmlns:a16="http://schemas.microsoft.com/office/drawing/2014/main" id="{273A0FBC-4FB4-49E3-B45D-DF174132D743}"/>
+                </a:ext>
+              </a:extLst>
+            </p:cNvPr>
+            <p:cNvSpPr/>
+            <p:nvPr/>
+          </p:nvSpPr>
+          <p:spPr>
+            <a:xfrm>
+              <a:off x="5348741" y="2277289"/>
+              <a:ext cx="431417" cy="240224"/>
+            </a:xfrm>
+            <a:prstGeom prst="rect">
+              <a:avLst/>
+            </a:prstGeom>
+            <a:solidFill>
+              <a:schemeClr val="bg1">
+                <a:lumMod val="95000"/>
+              </a:schemeClr>
+            </a:solidFill>
+            <a:ln w="15875">
+              <a:solidFill>
+                <a:schemeClr val="tx1"/>
+              </a:solidFill>
+            </a:ln>
+          </p:spPr>
+          <p:style>
+            <a:lnRef idx="2">
+              <a:schemeClr val="accent1">
+                <a:shade val="50000"/>
+              </a:schemeClr>
+            </a:lnRef>
+            <a:fillRef idx="1">
+              <a:schemeClr val="accent1"/>
+            </a:fillRef>
+            <a:effectRef idx="0">
+              <a:schemeClr val="accent1"/>
+            </a:effectRef>
+            <a:fontRef idx="minor">
+              <a:schemeClr val="lt1"/>
+            </a:fontRef>
+          </p:style>
+          <p:txBody>
+            <a:bodyPr lIns="36000" rIns="36000" rtlCol="0" anchor="ctr"/>
+            <a:lstStyle/>
+            <a:p>
+              <a:pPr algn="ctr"/>
+              <a:endParaRPr lang="de-DE" sz="1400" dirty="0">
+                <a:solidFill>
+                  <a:schemeClr val="tx1"/>
+                </a:solidFill>
+              </a:endParaRPr>
+            </a:p>
+          </p:txBody>
+        </p:sp>
+        <p:sp>
+          <p:nvSpPr>
+            <p:cNvPr id="626" name="Rechteck 625">
+              <a:extLst>
+                <a:ext uri="{FF2B5EF4-FFF2-40B4-BE49-F238E27FC236}">
+                  <a16:creationId xmlns:a16="http://schemas.microsoft.com/office/drawing/2014/main" id="{4E5DA603-3FFE-4BCE-8A74-7909406EDA1C}"/>
+                </a:ext>
+              </a:extLst>
+            </p:cNvPr>
+            <p:cNvSpPr/>
+            <p:nvPr/>
+          </p:nvSpPr>
+          <p:spPr>
+            <a:xfrm>
+              <a:off x="5779198" y="2277289"/>
+              <a:ext cx="431417" cy="240224"/>
+            </a:xfrm>
+            <a:prstGeom prst="rect">
+              <a:avLst/>
+            </a:prstGeom>
+            <a:solidFill>
+              <a:schemeClr val="bg1">
+                <a:lumMod val="95000"/>
+              </a:schemeClr>
+            </a:solidFill>
+            <a:ln w="15875">
+              <a:solidFill>
+                <a:schemeClr val="tx1"/>
+              </a:solidFill>
+            </a:ln>
+          </p:spPr>
+          <p:style>
+            <a:lnRef idx="2">
+              <a:schemeClr val="accent1">
+                <a:shade val="50000"/>
+              </a:schemeClr>
+            </a:lnRef>
+            <a:fillRef idx="1">
+              <a:schemeClr val="accent1"/>
+            </a:fillRef>
+            <a:effectRef idx="0">
+              <a:schemeClr val="accent1"/>
+            </a:effectRef>
+            <a:fontRef idx="minor">
+              <a:schemeClr val="lt1"/>
+            </a:fontRef>
+          </p:style>
+          <p:txBody>
+            <a:bodyPr lIns="36000" rIns="36000" rtlCol="0" anchor="ctr"/>
+            <a:lstStyle/>
+            <a:p>
+              <a:pPr algn="ctr"/>
+              <a:endParaRPr lang="de-DE" sz="1400" dirty="0">
+                <a:solidFill>
+                  <a:schemeClr val="tx1"/>
+                </a:solidFill>
+              </a:endParaRPr>
+            </a:p>
+          </p:txBody>
+        </p:sp>
+        <p:sp>
+          <p:nvSpPr>
+            <p:cNvPr id="627" name="Rechteck 626">
+              <a:extLst>
+                <a:ext uri="{FF2B5EF4-FFF2-40B4-BE49-F238E27FC236}">
+                  <a16:creationId xmlns:a16="http://schemas.microsoft.com/office/drawing/2014/main" id="{CB46DEB9-18AA-4CDF-915D-3088A8CAD750}"/>
+                </a:ext>
+              </a:extLst>
+            </p:cNvPr>
+            <p:cNvSpPr/>
+            <p:nvPr/>
+          </p:nvSpPr>
+          <p:spPr>
+            <a:xfrm>
+              <a:off x="6209029" y="2277289"/>
+              <a:ext cx="431417" cy="240224"/>
+            </a:xfrm>
+            <a:prstGeom prst="rect">
+              <a:avLst/>
+            </a:prstGeom>
+            <a:solidFill>
+              <a:schemeClr val="bg1">
+                <a:lumMod val="95000"/>
+              </a:schemeClr>
+            </a:solidFill>
+            <a:ln w="15875">
+              <a:solidFill>
+                <a:schemeClr val="tx1"/>
+              </a:solidFill>
+            </a:ln>
+          </p:spPr>
+          <p:style>
+            <a:lnRef idx="2">
+              <a:schemeClr val="accent1">
+                <a:shade val="50000"/>
+              </a:schemeClr>
+            </a:lnRef>
+            <a:fillRef idx="1">
+              <a:schemeClr val="accent1"/>
+            </a:fillRef>
+            <a:effectRef idx="0">
+              <a:schemeClr val="accent1"/>
+            </a:effectRef>
+            <a:fontRef idx="minor">
+              <a:schemeClr val="lt1"/>
+            </a:fontRef>
+          </p:style>
+          <p:txBody>
+            <a:bodyPr lIns="36000" rIns="36000" rtlCol="0" anchor="ctr"/>
+            <a:lstStyle/>
+            <a:p>
+              <a:pPr algn="ctr"/>
+              <a:endParaRPr lang="de-DE" sz="1400" dirty="0">
+                <a:solidFill>
+                  <a:schemeClr val="tx1"/>
+                </a:solidFill>
+              </a:endParaRPr>
+            </a:p>
+          </p:txBody>
+        </p:sp>
+        <p:sp>
+          <p:nvSpPr>
+            <p:cNvPr id="628" name="Rechteck 627">
+              <a:extLst>
+                <a:ext uri="{FF2B5EF4-FFF2-40B4-BE49-F238E27FC236}">
+                  <a16:creationId xmlns:a16="http://schemas.microsoft.com/office/drawing/2014/main" id="{1C73CE5C-DA73-4EC5-A48B-7051A0AB4542}"/>
+                </a:ext>
+              </a:extLst>
+            </p:cNvPr>
+            <p:cNvSpPr/>
+            <p:nvPr/>
+          </p:nvSpPr>
+          <p:spPr>
+            <a:xfrm>
+              <a:off x="6639767" y="2277289"/>
+              <a:ext cx="431417" cy="240224"/>
+            </a:xfrm>
+            <a:prstGeom prst="rect">
+              <a:avLst/>
+            </a:prstGeom>
+            <a:solidFill>
+              <a:schemeClr val="bg1">
+                <a:lumMod val="95000"/>
+              </a:schemeClr>
+            </a:solidFill>
+            <a:ln w="15875">
+              <a:solidFill>
+                <a:schemeClr val="tx1"/>
+              </a:solidFill>
+            </a:ln>
+          </p:spPr>
+          <p:style>
+            <a:lnRef idx="2">
+              <a:schemeClr val="accent1">
+                <a:shade val="50000"/>
+              </a:schemeClr>
+            </a:lnRef>
+            <a:fillRef idx="1">
+              <a:schemeClr val="accent1"/>
+            </a:fillRef>
+            <a:effectRef idx="0">
+              <a:schemeClr val="accent1"/>
+            </a:effectRef>
+            <a:fontRef idx="minor">
+              <a:schemeClr val="lt1"/>
+            </a:fontRef>
+          </p:style>
+          <p:txBody>
+            <a:bodyPr lIns="36000" rIns="36000" rtlCol="0" anchor="ctr"/>
+            <a:lstStyle/>
+            <a:p>
+              <a:pPr algn="ctr"/>
+              <a:endParaRPr lang="de-DE" sz="1400" dirty="0">
+                <a:solidFill>
+                  <a:schemeClr val="tx1"/>
+                </a:solidFill>
+              </a:endParaRPr>
+            </a:p>
+          </p:txBody>
+        </p:sp>
+        <p:sp>
+          <p:nvSpPr>
+            <p:cNvPr id="629" name="Rechteck 628">
+              <a:extLst>
+                <a:ext uri="{FF2B5EF4-FFF2-40B4-BE49-F238E27FC236}">
+                  <a16:creationId xmlns:a16="http://schemas.microsoft.com/office/drawing/2014/main" id="{950DB6DB-6696-4515-A201-D6FA8B507CD3}"/>
+                </a:ext>
+              </a:extLst>
+            </p:cNvPr>
+            <p:cNvSpPr/>
+            <p:nvPr/>
+          </p:nvSpPr>
+          <p:spPr>
+            <a:xfrm>
+              <a:off x="7067375" y="2277289"/>
+              <a:ext cx="426628" cy="240224"/>
+            </a:xfrm>
+            <a:prstGeom prst="rect">
+              <a:avLst/>
+            </a:prstGeom>
+            <a:solidFill>
+              <a:schemeClr val="bg1">
+                <a:lumMod val="95000"/>
+              </a:schemeClr>
+            </a:solidFill>
+            <a:ln w="15875">
+              <a:solidFill>
+                <a:schemeClr val="tx1"/>
+              </a:solidFill>
+            </a:ln>
+          </p:spPr>
+          <p:style>
+            <a:lnRef idx="2">
+              <a:schemeClr val="accent1">
+                <a:shade val="50000"/>
+              </a:schemeClr>
+            </a:lnRef>
+            <a:fillRef idx="1">
+              <a:schemeClr val="accent1"/>
+            </a:fillRef>
+            <a:effectRef idx="0">
+              <a:schemeClr val="accent1"/>
+            </a:effectRef>
+            <a:fontRef idx="minor">
+              <a:schemeClr val="lt1"/>
+            </a:fontRef>
+          </p:style>
+          <p:txBody>
+            <a:bodyPr lIns="36000" rIns="36000" rtlCol="0" anchor="ctr"/>
+            <a:lstStyle/>
+            <a:p>
+              <a:pPr algn="ctr"/>
+              <a:endParaRPr lang="de-DE" sz="1400" dirty="0">
+                <a:solidFill>
+                  <a:schemeClr val="tx1"/>
+                </a:solidFill>
+              </a:endParaRPr>
+            </a:p>
+          </p:txBody>
+        </p:sp>
+        <p:sp>
+          <p:nvSpPr>
+            <p:cNvPr id="630" name="Rechteck 629">
+              <a:extLst>
+                <a:ext uri="{FF2B5EF4-FFF2-40B4-BE49-F238E27FC236}">
+                  <a16:creationId xmlns:a16="http://schemas.microsoft.com/office/drawing/2014/main" id="{0A7C7D1F-7C35-4A85-88FC-ACB11C92B9EB}"/>
+                </a:ext>
+              </a:extLst>
+            </p:cNvPr>
+            <p:cNvSpPr/>
+            <p:nvPr/>
+          </p:nvSpPr>
+          <p:spPr>
+            <a:xfrm>
+              <a:off x="4335626" y="2277289"/>
+              <a:ext cx="291253" cy="240224"/>
+            </a:xfrm>
+            <a:prstGeom prst="rect">
+              <a:avLst/>
+            </a:prstGeom>
+            <a:solidFill>
+              <a:srgbClr val="FF7D7D"/>
+            </a:solidFill>
+            <a:ln w="15875">
+              <a:solidFill>
+                <a:schemeClr val="tx1"/>
+              </a:solidFill>
+            </a:ln>
+          </p:spPr>
+          <p:style>
+            <a:lnRef idx="2">
+              <a:schemeClr val="accent1">
+                <a:shade val="50000"/>
+              </a:schemeClr>
+            </a:lnRef>
+            <a:fillRef idx="1">
+              <a:schemeClr val="accent1"/>
+            </a:fillRef>
+            <a:effectRef idx="0">
+              <a:schemeClr val="accent1"/>
+            </a:effectRef>
+            <a:fontRef idx="minor">
+              <a:schemeClr val="lt1"/>
+            </a:fontRef>
+          </p:style>
+          <p:txBody>
+            <a:bodyPr lIns="36000" rIns="36000" rtlCol="0" anchor="ctr"/>
+            <a:lstStyle/>
+            <a:p>
+              <a:pPr algn="ctr"/>
+              <a:endParaRPr lang="de-DE" sz="1400" dirty="0">
+                <a:solidFill>
+                  <a:schemeClr val="tx1"/>
+                </a:solidFill>
+              </a:endParaRPr>
+            </a:p>
+          </p:txBody>
+        </p:sp>
+        <p:sp>
+          <p:nvSpPr>
+            <p:cNvPr id="631" name="Rechteck 630">
+              <a:extLst>
+                <a:ext uri="{FF2B5EF4-FFF2-40B4-BE49-F238E27FC236}">
+                  <a16:creationId xmlns:a16="http://schemas.microsoft.com/office/drawing/2014/main" id="{861BEA17-B7DA-45CF-9711-9326C4E9A14F}"/>
+                </a:ext>
+              </a:extLst>
+            </p:cNvPr>
+            <p:cNvSpPr/>
+            <p:nvPr/>
+          </p:nvSpPr>
+          <p:spPr>
+            <a:xfrm>
+              <a:off x="4627408" y="2277278"/>
+              <a:ext cx="291253" cy="240224"/>
+            </a:xfrm>
+            <a:prstGeom prst="rect">
+              <a:avLst/>
+            </a:prstGeom>
+            <a:solidFill>
+              <a:srgbClr val="FF7D7D"/>
+            </a:solidFill>
+            <a:ln w="15875">
+              <a:solidFill>
+                <a:schemeClr val="tx1"/>
+              </a:solidFill>
+            </a:ln>
+          </p:spPr>
+          <p:style>
+            <a:lnRef idx="2">
+              <a:schemeClr val="accent1">
+                <a:shade val="50000"/>
+              </a:schemeClr>
+            </a:lnRef>
+            <a:fillRef idx="1">
+              <a:schemeClr val="accent1"/>
+            </a:fillRef>
+            <a:effectRef idx="0">
+              <a:schemeClr val="accent1"/>
+            </a:effectRef>
+            <a:fontRef idx="minor">
+              <a:schemeClr val="lt1"/>
+            </a:fontRef>
+          </p:style>
+          <p:txBody>
+            <a:bodyPr lIns="36000" rIns="36000" rtlCol="0" anchor="ctr"/>
+            <a:lstStyle/>
+            <a:p>
+              <a:pPr algn="ctr"/>
+              <a:endParaRPr lang="de-DE" sz="1400" dirty="0">
+                <a:solidFill>
+                  <a:schemeClr val="tx1"/>
+                </a:solidFill>
+              </a:endParaRPr>
+            </a:p>
+          </p:txBody>
+        </p:sp>
+        <p:cxnSp>
+          <p:nvCxnSpPr>
+            <p:cNvPr id="632" name="Gerader Verbinder 631">
+              <a:extLst>
+                <a:ext uri="{FF2B5EF4-FFF2-40B4-BE49-F238E27FC236}">
+                  <a16:creationId xmlns:a16="http://schemas.microsoft.com/office/drawing/2014/main" id="{C6134BC6-05A9-4759-BD86-015BFDED82CE}"/>
+                </a:ext>
+              </a:extLst>
+            </p:cNvPr>
+            <p:cNvCxnSpPr>
+              <a:cxnSpLocks/>
+            </p:cNvCxnSpPr>
+            <p:nvPr/>
+          </p:nvCxnSpPr>
+          <p:spPr>
+            <a:xfrm>
+              <a:off x="4766130" y="2152630"/>
+              <a:ext cx="0" cy="127578"/>
+            </a:xfrm>
+            <a:prstGeom prst="line">
+              <a:avLst/>
+            </a:prstGeom>
+            <a:ln w="12700" cmpd="sng">
+              <a:solidFill>
+                <a:schemeClr val="tx1"/>
+              </a:solidFill>
+              <a:headEnd type="oval"/>
+            </a:ln>
+          </p:spPr>
+          <p:style>
+            <a:lnRef idx="1">
+              <a:schemeClr val="accent1"/>
+            </a:lnRef>
+            <a:fillRef idx="0">
+              <a:schemeClr val="accent1"/>
+            </a:fillRef>
+            <a:effectRef idx="0">
+              <a:schemeClr val="accent1"/>
+            </a:effectRef>
+            <a:fontRef idx="minor">
+              <a:schemeClr val="tx1"/>
+            </a:fontRef>
+          </p:style>
+        </p:cxnSp>
+        <p:cxnSp>
+          <p:nvCxnSpPr>
+            <p:cNvPr id="633" name="Gerader Verbinder 632">
+              <a:extLst>
+                <a:ext uri="{FF2B5EF4-FFF2-40B4-BE49-F238E27FC236}">
+                  <a16:creationId xmlns:a16="http://schemas.microsoft.com/office/drawing/2014/main" id="{A82CA2B6-BDCF-4EB8-83AD-A623F6F4A7FE}"/>
+                </a:ext>
+              </a:extLst>
+            </p:cNvPr>
+            <p:cNvCxnSpPr>
+              <a:cxnSpLocks/>
+            </p:cNvCxnSpPr>
+            <p:nvPr/>
+          </p:nvCxnSpPr>
+          <p:spPr>
+            <a:xfrm>
+              <a:off x="5132671" y="2149700"/>
+              <a:ext cx="0" cy="127578"/>
+            </a:xfrm>
+            <a:prstGeom prst="line">
+              <a:avLst/>
+            </a:prstGeom>
+            <a:ln w="12700" cmpd="sng">
+              <a:solidFill>
+                <a:schemeClr val="tx1"/>
+              </a:solidFill>
+              <a:headEnd type="oval"/>
+            </a:ln>
+          </p:spPr>
+          <p:style>
+            <a:lnRef idx="1">
+              <a:schemeClr val="accent1"/>
+            </a:lnRef>
+            <a:fillRef idx="0">
+              <a:schemeClr val="accent1"/>
+            </a:fillRef>
+            <a:effectRef idx="0">
+              <a:schemeClr val="accent1"/>
+            </a:effectRef>
+            <a:fontRef idx="minor">
+              <a:schemeClr val="tx1"/>
+            </a:fontRef>
+          </p:style>
+        </p:cxnSp>
+        <p:cxnSp>
+          <p:nvCxnSpPr>
+            <p:cNvPr id="634" name="Gerader Verbinder 633">
+              <a:extLst>
+                <a:ext uri="{FF2B5EF4-FFF2-40B4-BE49-F238E27FC236}">
+                  <a16:creationId xmlns:a16="http://schemas.microsoft.com/office/drawing/2014/main" id="{6134B9CA-BCEE-440B-ABED-C53286C6AD9D}"/>
+                </a:ext>
+              </a:extLst>
+            </p:cNvPr>
+            <p:cNvCxnSpPr>
+              <a:cxnSpLocks/>
+            </p:cNvCxnSpPr>
+            <p:nvPr/>
+          </p:nvCxnSpPr>
+          <p:spPr>
+            <a:xfrm>
+              <a:off x="5564449" y="2149700"/>
+              <a:ext cx="0" cy="127578"/>
+            </a:xfrm>
+            <a:prstGeom prst="line">
+              <a:avLst/>
+            </a:prstGeom>
+            <a:ln w="12700" cmpd="sng">
+              <a:solidFill>
+                <a:schemeClr val="tx1"/>
+              </a:solidFill>
+              <a:headEnd type="oval"/>
+            </a:ln>
+          </p:spPr>
+          <p:style>
+            <a:lnRef idx="1">
+              <a:schemeClr val="accent1"/>
+            </a:lnRef>
+            <a:fillRef idx="0">
+              <a:schemeClr val="accent1"/>
+            </a:fillRef>
+            <a:effectRef idx="0">
+              <a:schemeClr val="accent1"/>
+            </a:effectRef>
+            <a:fontRef idx="minor">
+              <a:schemeClr val="tx1"/>
+            </a:fontRef>
+          </p:style>
+        </p:cxnSp>
+        <p:cxnSp>
+          <p:nvCxnSpPr>
+            <p:cNvPr id="635" name="Gerader Verbinder 634">
+              <a:extLst>
+                <a:ext uri="{FF2B5EF4-FFF2-40B4-BE49-F238E27FC236}">
+                  <a16:creationId xmlns:a16="http://schemas.microsoft.com/office/drawing/2014/main" id="{B3D2E250-B910-466B-A67E-C09D734B2B0B}"/>
+                </a:ext>
+              </a:extLst>
+            </p:cNvPr>
+            <p:cNvCxnSpPr>
+              <a:cxnSpLocks/>
+            </p:cNvCxnSpPr>
+            <p:nvPr/>
+          </p:nvCxnSpPr>
+          <p:spPr>
+            <a:xfrm>
+              <a:off x="5994906" y="2149700"/>
+              <a:ext cx="0" cy="127578"/>
+            </a:xfrm>
+            <a:prstGeom prst="line">
+              <a:avLst/>
+            </a:prstGeom>
+            <a:ln w="12700" cmpd="sng">
+              <a:solidFill>
+                <a:schemeClr val="tx1"/>
+              </a:solidFill>
+              <a:headEnd type="oval"/>
+            </a:ln>
+          </p:spPr>
+          <p:style>
+            <a:lnRef idx="1">
+              <a:schemeClr val="accent1"/>
+            </a:lnRef>
+            <a:fillRef idx="0">
+              <a:schemeClr val="accent1"/>
+            </a:fillRef>
+            <a:effectRef idx="0">
+              <a:schemeClr val="accent1"/>
+            </a:effectRef>
+            <a:fontRef idx="minor">
+              <a:schemeClr val="tx1"/>
+            </a:fontRef>
+          </p:style>
+        </p:cxnSp>
+        <p:cxnSp>
+          <p:nvCxnSpPr>
+            <p:cNvPr id="636" name="Gerader Verbinder 635">
+              <a:extLst>
+                <a:ext uri="{FF2B5EF4-FFF2-40B4-BE49-F238E27FC236}">
+                  <a16:creationId xmlns:a16="http://schemas.microsoft.com/office/drawing/2014/main" id="{92B17BFA-7630-4898-955C-9EA7FE95B4BE}"/>
+                </a:ext>
+              </a:extLst>
+            </p:cNvPr>
+            <p:cNvCxnSpPr>
+              <a:cxnSpLocks/>
+            </p:cNvCxnSpPr>
+            <p:nvPr/>
+          </p:nvCxnSpPr>
+          <p:spPr>
+            <a:xfrm>
+              <a:off x="6426684" y="2149700"/>
+              <a:ext cx="0" cy="127578"/>
+            </a:xfrm>
+            <a:prstGeom prst="line">
+              <a:avLst/>
+            </a:prstGeom>
+            <a:ln w="12700" cmpd="sng">
+              <a:solidFill>
+                <a:schemeClr val="tx1"/>
+              </a:solidFill>
+              <a:headEnd type="oval"/>
+            </a:ln>
+          </p:spPr>
+          <p:style>
+            <a:lnRef idx="1">
+              <a:schemeClr val="accent1"/>
+            </a:lnRef>
+            <a:fillRef idx="0">
+              <a:schemeClr val="accent1"/>
+            </a:fillRef>
+            <a:effectRef idx="0">
+              <a:schemeClr val="accent1"/>
+            </a:effectRef>
+            <a:fontRef idx="minor">
+              <a:schemeClr val="tx1"/>
+            </a:fontRef>
+          </p:style>
+        </p:cxnSp>
+        <p:cxnSp>
+          <p:nvCxnSpPr>
+            <p:cNvPr id="637" name="Gerader Verbinder 636">
+              <a:extLst>
+                <a:ext uri="{FF2B5EF4-FFF2-40B4-BE49-F238E27FC236}">
+                  <a16:creationId xmlns:a16="http://schemas.microsoft.com/office/drawing/2014/main" id="{0E04BBA4-DEE8-4BA6-A964-B1D11FCFE9F6}"/>
+                </a:ext>
+              </a:extLst>
+            </p:cNvPr>
+            <p:cNvCxnSpPr>
+              <a:cxnSpLocks/>
+            </p:cNvCxnSpPr>
+            <p:nvPr/>
+          </p:nvCxnSpPr>
+          <p:spPr>
+            <a:xfrm>
+              <a:off x="6855475" y="2149700"/>
+              <a:ext cx="0" cy="127578"/>
+            </a:xfrm>
+            <a:prstGeom prst="line">
+              <a:avLst/>
+            </a:prstGeom>
+            <a:ln w="12700" cmpd="sng">
+              <a:solidFill>
+                <a:schemeClr val="tx1"/>
+              </a:solidFill>
+              <a:headEnd type="oval"/>
+            </a:ln>
+          </p:spPr>
+          <p:style>
+            <a:lnRef idx="1">
+              <a:schemeClr val="accent1"/>
+            </a:lnRef>
+            <a:fillRef idx="0">
+              <a:schemeClr val="accent1"/>
+            </a:fillRef>
+            <a:effectRef idx="0">
+              <a:schemeClr val="accent1"/>
+            </a:effectRef>
+            <a:fontRef idx="minor">
+              <a:schemeClr val="tx1"/>
+            </a:fontRef>
+          </p:style>
+        </p:cxnSp>
+        <p:cxnSp>
+          <p:nvCxnSpPr>
+            <p:cNvPr id="638" name="Gerader Verbinder 637">
+              <a:extLst>
+                <a:ext uri="{FF2B5EF4-FFF2-40B4-BE49-F238E27FC236}">
+                  <a16:creationId xmlns:a16="http://schemas.microsoft.com/office/drawing/2014/main" id="{EF1BB67D-717A-4CE4-B1B9-6195418E0F26}"/>
+                </a:ext>
+              </a:extLst>
+            </p:cNvPr>
+            <p:cNvCxnSpPr>
+              <a:cxnSpLocks/>
+            </p:cNvCxnSpPr>
+            <p:nvPr/>
+          </p:nvCxnSpPr>
+          <p:spPr>
+            <a:xfrm>
+              <a:off x="7287253" y="2149700"/>
+              <a:ext cx="0" cy="127578"/>
+            </a:xfrm>
+            <a:prstGeom prst="line">
+              <a:avLst/>
+            </a:prstGeom>
+            <a:ln w="12700" cmpd="sng">
+              <a:solidFill>
+                <a:schemeClr val="tx1"/>
+              </a:solidFill>
+              <a:headEnd type="oval"/>
+            </a:ln>
+          </p:spPr>
+          <p:style>
+            <a:lnRef idx="1">
+              <a:schemeClr val="accent1"/>
+            </a:lnRef>
+            <a:fillRef idx="0">
+              <a:schemeClr val="accent1"/>
+            </a:fillRef>
+            <a:effectRef idx="0">
+              <a:schemeClr val="accent1"/>
+            </a:effectRef>
+            <a:fontRef idx="minor">
+              <a:schemeClr val="tx1"/>
+            </a:fontRef>
+          </p:style>
+        </p:cxnSp>
+        <p:sp>
+          <p:nvSpPr>
+            <p:cNvPr id="639" name="Textfeld 638">
+              <a:extLst>
+                <a:ext uri="{FF2B5EF4-FFF2-40B4-BE49-F238E27FC236}">
+                  <a16:creationId xmlns:a16="http://schemas.microsoft.com/office/drawing/2014/main" id="{0C0CD4E5-0BFD-46BE-B94B-32FC710A14C8}"/>
+                </a:ext>
+              </a:extLst>
+            </p:cNvPr>
+            <p:cNvSpPr txBox="1"/>
+            <p:nvPr/>
+          </p:nvSpPr>
+          <p:spPr>
+            <a:xfrm>
+              <a:off x="4335313" y="1915775"/>
+              <a:ext cx="335348" cy="261610"/>
+            </a:xfrm>
+            <a:prstGeom prst="rect">
+              <a:avLst/>
+            </a:prstGeom>
+            <a:noFill/>
+          </p:spPr>
+          <p:txBody>
+            <a:bodyPr wrap="none" rtlCol="0">
+              <a:spAutoFit/>
+            </a:bodyPr>
+            <a:lstStyle/>
+            <a:p>
+              <a:r>
+                <a:rPr lang="de-DE" sz="1100" dirty="0"/>
+                <a:t>V+</a:t>
+              </a:r>
+            </a:p>
+          </p:txBody>
+        </p:sp>
+        <p:sp>
+          <p:nvSpPr>
+            <p:cNvPr id="640" name="Textfeld 639">
+              <a:extLst>
+                <a:ext uri="{FF2B5EF4-FFF2-40B4-BE49-F238E27FC236}">
+                  <a16:creationId xmlns:a16="http://schemas.microsoft.com/office/drawing/2014/main" id="{BF4F6AB6-2F9E-4CD7-B10F-ADADCB2035EC}"/>
+                </a:ext>
+              </a:extLst>
+            </p:cNvPr>
+            <p:cNvSpPr txBox="1"/>
+            <p:nvPr/>
+          </p:nvSpPr>
+          <p:spPr>
+            <a:xfrm>
+              <a:off x="4615883" y="1915775"/>
+              <a:ext cx="335348" cy="261610"/>
+            </a:xfrm>
+            <a:prstGeom prst="rect">
+              <a:avLst/>
+            </a:prstGeom>
+            <a:noFill/>
+          </p:spPr>
+          <p:txBody>
+            <a:bodyPr wrap="none" rtlCol="0">
+              <a:spAutoFit/>
+            </a:bodyPr>
+            <a:lstStyle/>
+            <a:p>
+              <a:r>
+                <a:rPr lang="de-DE" sz="1100" dirty="0"/>
+                <a:t>V+</a:t>
+              </a:r>
+            </a:p>
+          </p:txBody>
+        </p:sp>
+        <p:sp>
+          <p:nvSpPr>
+            <p:cNvPr id="641" name="Rechteck 640">
+              <a:extLst>
+                <a:ext uri="{FF2B5EF4-FFF2-40B4-BE49-F238E27FC236}">
+                  <a16:creationId xmlns:a16="http://schemas.microsoft.com/office/drawing/2014/main" id="{AE7C4A17-B8FD-4F6B-8EBA-B1B2874EF62E}"/>
+                </a:ext>
+              </a:extLst>
+            </p:cNvPr>
+            <p:cNvSpPr/>
+            <p:nvPr/>
+          </p:nvSpPr>
+          <p:spPr>
+            <a:xfrm>
+              <a:off x="4916742" y="2516929"/>
+              <a:ext cx="431417" cy="240224"/>
+            </a:xfrm>
+            <a:prstGeom prst="rect">
+              <a:avLst/>
+            </a:prstGeom>
+            <a:solidFill>
+              <a:schemeClr val="bg1">
+                <a:lumMod val="95000"/>
+              </a:schemeClr>
+            </a:solidFill>
+            <a:ln w="15875">
+              <a:solidFill>
+                <a:schemeClr val="tx1"/>
+              </a:solidFill>
+            </a:ln>
+          </p:spPr>
+          <p:style>
+            <a:lnRef idx="2">
+              <a:schemeClr val="accent1">
+                <a:shade val="50000"/>
+              </a:schemeClr>
+            </a:lnRef>
+            <a:fillRef idx="1">
+              <a:schemeClr val="accent1"/>
+            </a:fillRef>
+            <a:effectRef idx="0">
+              <a:schemeClr val="accent1"/>
+            </a:effectRef>
+            <a:fontRef idx="minor">
+              <a:schemeClr val="lt1"/>
+            </a:fontRef>
+          </p:style>
+          <p:txBody>
+            <a:bodyPr lIns="36000" rIns="36000" rtlCol="0" anchor="ctr"/>
+            <a:lstStyle/>
+            <a:p>
+              <a:pPr algn="ctr"/>
+              <a:endParaRPr lang="de-DE" sz="1400" dirty="0">
+                <a:solidFill>
+                  <a:schemeClr val="tx1"/>
+                </a:solidFill>
+              </a:endParaRPr>
+            </a:p>
+          </p:txBody>
+        </p:sp>
+        <p:cxnSp>
+          <p:nvCxnSpPr>
+            <p:cNvPr id="642" name="Gerader Verbinder 641">
+              <a:extLst>
+                <a:ext uri="{FF2B5EF4-FFF2-40B4-BE49-F238E27FC236}">
+                  <a16:creationId xmlns:a16="http://schemas.microsoft.com/office/drawing/2014/main" id="{E008FB99-660F-4B11-A445-DAFFAB007741}"/>
+                </a:ext>
+              </a:extLst>
+            </p:cNvPr>
+            <p:cNvCxnSpPr>
+              <a:cxnSpLocks/>
+            </p:cNvCxnSpPr>
+            <p:nvPr/>
+          </p:nvCxnSpPr>
+          <p:spPr>
+            <a:xfrm>
+              <a:off x="4480070" y="2758988"/>
+              <a:ext cx="0" cy="127578"/>
+            </a:xfrm>
+            <a:prstGeom prst="line">
+              <a:avLst/>
+            </a:prstGeom>
+            <a:ln w="12700" cmpd="sng">
+              <a:solidFill>
+                <a:schemeClr val="tx1"/>
+              </a:solidFill>
+              <a:headEnd type="none"/>
+              <a:tailEnd type="oval"/>
+            </a:ln>
+          </p:spPr>
+          <p:style>
+            <a:lnRef idx="1">
+              <a:schemeClr val="accent1"/>
+            </a:lnRef>
+            <a:fillRef idx="0">
+              <a:schemeClr val="accent1"/>
+            </a:fillRef>
+            <a:effectRef idx="0">
+              <a:schemeClr val="accent1"/>
+            </a:effectRef>
+            <a:fontRef idx="minor">
+              <a:schemeClr val="tx1"/>
+            </a:fontRef>
+          </p:style>
+        </p:cxnSp>
+        <p:sp>
+          <p:nvSpPr>
+            <p:cNvPr id="643" name="Textfeld 642">
+              <a:extLst>
+                <a:ext uri="{FF2B5EF4-FFF2-40B4-BE49-F238E27FC236}">
+                  <a16:creationId xmlns:a16="http://schemas.microsoft.com/office/drawing/2014/main" id="{E521BBCF-9494-4214-828B-D9B73C845E91}"/>
+                </a:ext>
+              </a:extLst>
+            </p:cNvPr>
+            <p:cNvSpPr txBox="1"/>
+            <p:nvPr/>
+          </p:nvSpPr>
+          <p:spPr>
+            <a:xfrm>
+              <a:off x="4998861" y="2874555"/>
+              <a:ext cx="274434" cy="261610"/>
+            </a:xfrm>
+            <a:prstGeom prst="rect">
+              <a:avLst/>
+            </a:prstGeom>
+            <a:noFill/>
+          </p:spPr>
+          <p:txBody>
+            <a:bodyPr wrap="none" rtlCol="0">
+              <a:spAutoFit/>
+            </a:bodyPr>
+            <a:lstStyle/>
+            <a:p>
+              <a:r>
+                <a:rPr lang="de-DE" sz="1100" dirty="0"/>
+                <a:t>G</a:t>
+              </a:r>
+            </a:p>
+          </p:txBody>
+        </p:sp>
+        <p:sp>
+          <p:nvSpPr>
+            <p:cNvPr id="644" name="Textfeld 643">
+              <a:extLst>
+                <a:ext uri="{FF2B5EF4-FFF2-40B4-BE49-F238E27FC236}">
+                  <a16:creationId xmlns:a16="http://schemas.microsoft.com/office/drawing/2014/main" id="{053BF983-46E5-40DD-AED9-03CAA74CB0C9}"/>
+                </a:ext>
+              </a:extLst>
+            </p:cNvPr>
+            <p:cNvSpPr txBox="1"/>
+            <p:nvPr/>
+          </p:nvSpPr>
+          <p:spPr>
+            <a:xfrm>
+              <a:off x="5433217" y="2874555"/>
+              <a:ext cx="272832" cy="261610"/>
+            </a:xfrm>
+            <a:prstGeom prst="rect">
+              <a:avLst/>
+            </a:prstGeom>
+            <a:noFill/>
+          </p:spPr>
+          <p:txBody>
+            <a:bodyPr wrap="none" rtlCol="0">
+              <a:spAutoFit/>
+            </a:bodyPr>
+            <a:lstStyle/>
+            <a:p>
+              <a:r>
+                <a:rPr lang="de-DE" sz="1100" dirty="0"/>
+                <a:t>H</a:t>
+              </a:r>
+            </a:p>
+          </p:txBody>
+        </p:sp>
+        <p:sp>
+          <p:nvSpPr>
+            <p:cNvPr id="645" name="Textfeld 644">
+              <a:extLst>
+                <a:ext uri="{FF2B5EF4-FFF2-40B4-BE49-F238E27FC236}">
+                  <a16:creationId xmlns:a16="http://schemas.microsoft.com/office/drawing/2014/main" id="{4B756ED9-BEA4-4FAE-A9B2-89D856085E61}"/>
+                </a:ext>
+              </a:extLst>
+            </p:cNvPr>
+            <p:cNvSpPr txBox="1"/>
+            <p:nvPr/>
+          </p:nvSpPr>
+          <p:spPr>
+            <a:xfrm>
+              <a:off x="5892184" y="2874555"/>
+              <a:ext cx="219932" cy="261610"/>
+            </a:xfrm>
+            <a:prstGeom prst="rect">
+              <a:avLst/>
+            </a:prstGeom>
+            <a:noFill/>
+          </p:spPr>
+          <p:txBody>
+            <a:bodyPr wrap="none" rtlCol="0">
+              <a:spAutoFit/>
+            </a:bodyPr>
+            <a:lstStyle/>
+            <a:p>
+              <a:r>
+                <a:rPr lang="de-DE" sz="1100" dirty="0"/>
+                <a:t>I</a:t>
+              </a:r>
+            </a:p>
+          </p:txBody>
+        </p:sp>
+        <p:sp>
+          <p:nvSpPr>
+            <p:cNvPr id="646" name="Textfeld 645">
+              <a:extLst>
+                <a:ext uri="{FF2B5EF4-FFF2-40B4-BE49-F238E27FC236}">
+                  <a16:creationId xmlns:a16="http://schemas.microsoft.com/office/drawing/2014/main" id="{B654F31E-0C63-4F23-B5C1-8D017F26D829}"/>
+                </a:ext>
+              </a:extLst>
+            </p:cNvPr>
+            <p:cNvSpPr txBox="1"/>
+            <p:nvPr/>
+          </p:nvSpPr>
+          <p:spPr>
+            <a:xfrm>
+              <a:off x="6307487" y="2874555"/>
+              <a:ext cx="229550" cy="261610"/>
+            </a:xfrm>
+            <a:prstGeom prst="rect">
+              <a:avLst/>
+            </a:prstGeom>
+            <a:noFill/>
+          </p:spPr>
+          <p:txBody>
+            <a:bodyPr wrap="none" rtlCol="0">
+              <a:spAutoFit/>
+            </a:bodyPr>
+            <a:lstStyle/>
+            <a:p>
+              <a:r>
+                <a:rPr lang="de-DE" sz="1100" dirty="0"/>
+                <a:t>J</a:t>
+              </a:r>
+            </a:p>
+          </p:txBody>
+        </p:sp>
+        <p:sp>
+          <p:nvSpPr>
+            <p:cNvPr id="647" name="Textfeld 646">
+              <a:extLst>
+                <a:ext uri="{FF2B5EF4-FFF2-40B4-BE49-F238E27FC236}">
+                  <a16:creationId xmlns:a16="http://schemas.microsoft.com/office/drawing/2014/main" id="{0EC99D9E-1CE2-4ABD-AD99-88D4418E46BE}"/>
+                </a:ext>
+              </a:extLst>
+            </p:cNvPr>
+            <p:cNvSpPr txBox="1"/>
+            <p:nvPr/>
+          </p:nvSpPr>
+          <p:spPr>
+            <a:xfrm>
+              <a:off x="6728737" y="2874555"/>
+              <a:ext cx="258404" cy="261610"/>
+            </a:xfrm>
+            <a:prstGeom prst="rect">
+              <a:avLst/>
+            </a:prstGeom>
+            <a:noFill/>
+          </p:spPr>
+          <p:txBody>
+            <a:bodyPr wrap="none" rtlCol="0">
+              <a:spAutoFit/>
+            </a:bodyPr>
+            <a:lstStyle/>
+            <a:p>
+              <a:r>
+                <a:rPr lang="de-DE" sz="1100" dirty="0"/>
+                <a:t>K</a:t>
+              </a:r>
+            </a:p>
+          </p:txBody>
+        </p:sp>
+        <p:sp>
+          <p:nvSpPr>
+            <p:cNvPr id="648" name="Textfeld 647">
+              <a:extLst>
+                <a:ext uri="{FF2B5EF4-FFF2-40B4-BE49-F238E27FC236}">
+                  <a16:creationId xmlns:a16="http://schemas.microsoft.com/office/drawing/2014/main" id="{2539A8AD-0729-488A-BF9B-4FFC0B88E8E2}"/>
+                </a:ext>
+              </a:extLst>
+            </p:cNvPr>
+            <p:cNvSpPr txBox="1"/>
+            <p:nvPr/>
+          </p:nvSpPr>
+          <p:spPr>
+            <a:xfrm>
+              <a:off x="7162337" y="2874555"/>
+              <a:ext cx="243978" cy="261610"/>
+            </a:xfrm>
+            <a:prstGeom prst="rect">
+              <a:avLst/>
+            </a:prstGeom>
+            <a:noFill/>
+          </p:spPr>
+          <p:txBody>
+            <a:bodyPr wrap="none" rtlCol="0">
+              <a:spAutoFit/>
+            </a:bodyPr>
+            <a:lstStyle/>
+            <a:p>
+              <a:r>
+                <a:rPr lang="de-DE" sz="1100" dirty="0"/>
+                <a:t>L</a:t>
+              </a:r>
+            </a:p>
+          </p:txBody>
+        </p:sp>
+        <p:sp>
+          <p:nvSpPr>
+            <p:cNvPr id="649" name="Rechteck 648">
+              <a:extLst>
+                <a:ext uri="{FF2B5EF4-FFF2-40B4-BE49-F238E27FC236}">
+                  <a16:creationId xmlns:a16="http://schemas.microsoft.com/office/drawing/2014/main" id="{D30CDCA7-2DA9-43D9-8CF0-1DA792DF84BE}"/>
+                </a:ext>
+              </a:extLst>
+            </p:cNvPr>
+            <p:cNvSpPr/>
+            <p:nvPr/>
+          </p:nvSpPr>
+          <p:spPr>
+            <a:xfrm>
+              <a:off x="5347480" y="2516929"/>
+              <a:ext cx="431417" cy="240224"/>
+            </a:xfrm>
+            <a:prstGeom prst="rect">
+              <a:avLst/>
+            </a:prstGeom>
+            <a:solidFill>
+              <a:schemeClr val="bg1">
+                <a:lumMod val="95000"/>
+              </a:schemeClr>
+            </a:solidFill>
+            <a:ln w="15875">
+              <a:solidFill>
+                <a:schemeClr val="tx1"/>
+              </a:solidFill>
+            </a:ln>
+          </p:spPr>
+          <p:style>
+            <a:lnRef idx="2">
+              <a:schemeClr val="accent1">
+                <a:shade val="50000"/>
+              </a:schemeClr>
+            </a:lnRef>
+            <a:fillRef idx="1">
+              <a:schemeClr val="accent1"/>
+            </a:fillRef>
+            <a:effectRef idx="0">
+              <a:schemeClr val="accent1"/>
+            </a:effectRef>
+            <a:fontRef idx="minor">
+              <a:schemeClr val="lt1"/>
+            </a:fontRef>
+          </p:style>
+          <p:txBody>
+            <a:bodyPr lIns="36000" rIns="36000" rtlCol="0" anchor="ctr"/>
+            <a:lstStyle/>
+            <a:p>
+              <a:pPr algn="ctr"/>
+              <a:endParaRPr lang="de-DE" sz="1400" dirty="0">
+                <a:solidFill>
+                  <a:schemeClr val="tx1"/>
+                </a:solidFill>
+              </a:endParaRPr>
+            </a:p>
+          </p:txBody>
+        </p:sp>
+        <p:sp>
+          <p:nvSpPr>
+            <p:cNvPr id="650" name="Rechteck 649">
+              <a:extLst>
+                <a:ext uri="{FF2B5EF4-FFF2-40B4-BE49-F238E27FC236}">
+                  <a16:creationId xmlns:a16="http://schemas.microsoft.com/office/drawing/2014/main" id="{67D139C7-B127-46FA-AB7A-FC6BE29C8C2E}"/>
+                </a:ext>
+              </a:extLst>
+            </p:cNvPr>
+            <p:cNvSpPr/>
+            <p:nvPr/>
+          </p:nvSpPr>
+          <p:spPr>
+            <a:xfrm>
+              <a:off x="5777937" y="2516929"/>
+              <a:ext cx="431417" cy="240224"/>
+            </a:xfrm>
+            <a:prstGeom prst="rect">
+              <a:avLst/>
+            </a:prstGeom>
+            <a:solidFill>
+              <a:schemeClr val="bg1">
+                <a:lumMod val="95000"/>
+              </a:schemeClr>
+            </a:solidFill>
+            <a:ln w="15875">
+              <a:solidFill>
+                <a:schemeClr val="tx1"/>
+              </a:solidFill>
+            </a:ln>
+          </p:spPr>
+          <p:style>
+            <a:lnRef idx="2">
+              <a:schemeClr val="accent1">
+                <a:shade val="50000"/>
+              </a:schemeClr>
+            </a:lnRef>
+            <a:fillRef idx="1">
+              <a:schemeClr val="accent1"/>
+            </a:fillRef>
+            <a:effectRef idx="0">
+              <a:schemeClr val="accent1"/>
+            </a:effectRef>
+            <a:fontRef idx="minor">
+              <a:schemeClr val="lt1"/>
+            </a:fontRef>
+          </p:style>
+          <p:txBody>
+            <a:bodyPr lIns="36000" rIns="36000" rtlCol="0" anchor="ctr"/>
+            <a:lstStyle/>
+            <a:p>
+              <a:pPr algn="ctr"/>
+              <a:endParaRPr lang="de-DE" sz="1400" dirty="0">
+                <a:solidFill>
+                  <a:schemeClr val="tx1"/>
+                </a:solidFill>
+              </a:endParaRPr>
+            </a:p>
+          </p:txBody>
+        </p:sp>
+        <p:sp>
+          <p:nvSpPr>
+            <p:cNvPr id="651" name="Rechteck 650">
+              <a:extLst>
+                <a:ext uri="{FF2B5EF4-FFF2-40B4-BE49-F238E27FC236}">
+                  <a16:creationId xmlns:a16="http://schemas.microsoft.com/office/drawing/2014/main" id="{1DAF2196-40A7-4838-9955-FAF93E3245C0}"/>
+                </a:ext>
+              </a:extLst>
+            </p:cNvPr>
+            <p:cNvSpPr/>
+            <p:nvPr/>
+          </p:nvSpPr>
+          <p:spPr>
+            <a:xfrm>
+              <a:off x="6207768" y="2516929"/>
+              <a:ext cx="431417" cy="240224"/>
+            </a:xfrm>
+            <a:prstGeom prst="rect">
+              <a:avLst/>
+            </a:prstGeom>
+            <a:solidFill>
+              <a:schemeClr val="bg1">
+                <a:lumMod val="95000"/>
+              </a:schemeClr>
+            </a:solidFill>
+            <a:ln w="15875">
+              <a:solidFill>
+                <a:schemeClr val="tx1"/>
+              </a:solidFill>
+            </a:ln>
+          </p:spPr>
+          <p:style>
+            <a:lnRef idx="2">
+              <a:schemeClr val="accent1">
+                <a:shade val="50000"/>
+              </a:schemeClr>
+            </a:lnRef>
+            <a:fillRef idx="1">
+              <a:schemeClr val="accent1"/>
+            </a:fillRef>
+            <a:effectRef idx="0">
+              <a:schemeClr val="accent1"/>
+            </a:effectRef>
+            <a:fontRef idx="minor">
+              <a:schemeClr val="lt1"/>
+            </a:fontRef>
+          </p:style>
+          <p:txBody>
+            <a:bodyPr lIns="36000" rIns="36000" rtlCol="0" anchor="ctr"/>
+            <a:lstStyle/>
+            <a:p>
+              <a:pPr algn="ctr"/>
+              <a:endParaRPr lang="de-DE" sz="1400" dirty="0">
+                <a:solidFill>
+                  <a:schemeClr val="tx1"/>
+                </a:solidFill>
+              </a:endParaRPr>
+            </a:p>
+          </p:txBody>
+        </p:sp>
+        <p:sp>
+          <p:nvSpPr>
+            <p:cNvPr id="652" name="Rechteck 651">
+              <a:extLst>
+                <a:ext uri="{FF2B5EF4-FFF2-40B4-BE49-F238E27FC236}">
+                  <a16:creationId xmlns:a16="http://schemas.microsoft.com/office/drawing/2014/main" id="{28369E8F-CB62-471C-94E1-954405B5CF85}"/>
+                </a:ext>
+              </a:extLst>
+            </p:cNvPr>
+            <p:cNvSpPr/>
+            <p:nvPr/>
+          </p:nvSpPr>
+          <p:spPr>
+            <a:xfrm>
+              <a:off x="6638506" y="2516929"/>
+              <a:ext cx="431417" cy="240224"/>
+            </a:xfrm>
+            <a:prstGeom prst="rect">
+              <a:avLst/>
+            </a:prstGeom>
+            <a:solidFill>
+              <a:schemeClr val="bg1">
+                <a:lumMod val="95000"/>
+              </a:schemeClr>
+            </a:solidFill>
+            <a:ln w="15875">
+              <a:solidFill>
+                <a:schemeClr val="tx1"/>
+              </a:solidFill>
+            </a:ln>
+          </p:spPr>
+          <p:style>
+            <a:lnRef idx="2">
+              <a:schemeClr val="accent1">
+                <a:shade val="50000"/>
+              </a:schemeClr>
+            </a:lnRef>
+            <a:fillRef idx="1">
+              <a:schemeClr val="accent1"/>
+            </a:fillRef>
+            <a:effectRef idx="0">
+              <a:schemeClr val="accent1"/>
+            </a:effectRef>
+            <a:fontRef idx="minor">
+              <a:schemeClr val="lt1"/>
+            </a:fontRef>
+          </p:style>
+          <p:txBody>
+            <a:bodyPr lIns="36000" rIns="36000" rtlCol="0" anchor="ctr"/>
+            <a:lstStyle/>
+            <a:p>
+              <a:pPr algn="ctr"/>
+              <a:endParaRPr lang="de-DE" sz="1400" dirty="0">
+                <a:solidFill>
+                  <a:schemeClr val="tx1"/>
+                </a:solidFill>
+              </a:endParaRPr>
+            </a:p>
+          </p:txBody>
+        </p:sp>
+        <p:sp>
+          <p:nvSpPr>
+            <p:cNvPr id="653" name="Rechteck 652">
+              <a:extLst>
+                <a:ext uri="{FF2B5EF4-FFF2-40B4-BE49-F238E27FC236}">
+                  <a16:creationId xmlns:a16="http://schemas.microsoft.com/office/drawing/2014/main" id="{1CB7129F-8DD9-41C4-886F-AB6B88700961}"/>
+                </a:ext>
+              </a:extLst>
+            </p:cNvPr>
+            <p:cNvSpPr/>
+            <p:nvPr/>
+          </p:nvSpPr>
+          <p:spPr>
+            <a:xfrm>
+              <a:off x="7067375" y="2516929"/>
+              <a:ext cx="430379" cy="240224"/>
+            </a:xfrm>
+            <a:prstGeom prst="rect">
+              <a:avLst/>
+            </a:prstGeom>
+            <a:solidFill>
+              <a:schemeClr val="bg1">
+                <a:lumMod val="95000"/>
+              </a:schemeClr>
+            </a:solidFill>
+            <a:ln w="15875">
+              <a:solidFill>
+                <a:schemeClr val="tx1"/>
+              </a:solidFill>
+            </a:ln>
+          </p:spPr>
+          <p:style>
+            <a:lnRef idx="2">
+              <a:schemeClr val="accent1">
+                <a:shade val="50000"/>
+              </a:schemeClr>
+            </a:lnRef>
+            <a:fillRef idx="1">
+              <a:schemeClr val="accent1"/>
+            </a:fillRef>
+            <a:effectRef idx="0">
+              <a:schemeClr val="accent1"/>
+            </a:effectRef>
+            <a:fontRef idx="minor">
+              <a:schemeClr val="lt1"/>
+            </a:fontRef>
+          </p:style>
+          <p:txBody>
+            <a:bodyPr lIns="36000" rIns="36000" rtlCol="0" anchor="ctr"/>
+            <a:lstStyle/>
+            <a:p>
+              <a:pPr algn="ctr"/>
+              <a:endParaRPr lang="de-DE" sz="1400" dirty="0">
+                <a:solidFill>
+                  <a:schemeClr val="tx1"/>
+                </a:solidFill>
+              </a:endParaRPr>
+            </a:p>
+          </p:txBody>
+        </p:sp>
+        <p:sp>
+          <p:nvSpPr>
+            <p:cNvPr id="654" name="Rechteck 653">
+              <a:extLst>
+                <a:ext uri="{FF2B5EF4-FFF2-40B4-BE49-F238E27FC236}">
+                  <a16:creationId xmlns:a16="http://schemas.microsoft.com/office/drawing/2014/main" id="{3C31418E-E2CA-44D4-9672-0C1D45CDD73E}"/>
+                </a:ext>
+              </a:extLst>
+            </p:cNvPr>
+            <p:cNvSpPr/>
+            <p:nvPr/>
+          </p:nvSpPr>
+          <p:spPr>
+            <a:xfrm>
+              <a:off x="4335626" y="2516929"/>
+              <a:ext cx="291253" cy="240224"/>
+            </a:xfrm>
+            <a:prstGeom prst="rect">
+              <a:avLst/>
+            </a:prstGeom>
+            <a:solidFill>
+              <a:srgbClr val="FF7D7D"/>
+            </a:solidFill>
+            <a:ln w="15875">
+              <a:solidFill>
+                <a:schemeClr val="tx1"/>
+              </a:solidFill>
+            </a:ln>
+          </p:spPr>
+          <p:style>
+            <a:lnRef idx="2">
+              <a:schemeClr val="accent1">
+                <a:shade val="50000"/>
+              </a:schemeClr>
+            </a:lnRef>
+            <a:fillRef idx="1">
+              <a:schemeClr val="accent1"/>
+            </a:fillRef>
+            <a:effectRef idx="0">
+              <a:schemeClr val="accent1"/>
+            </a:effectRef>
+            <a:fontRef idx="minor">
+              <a:schemeClr val="lt1"/>
+            </a:fontRef>
+          </p:style>
+          <p:txBody>
+            <a:bodyPr lIns="36000" rIns="36000" rtlCol="0" anchor="ctr"/>
+            <a:lstStyle/>
+            <a:p>
+              <a:pPr algn="ctr"/>
+              <a:endParaRPr lang="de-DE" sz="1400" dirty="0">
+                <a:solidFill>
+                  <a:schemeClr val="tx1"/>
+                </a:solidFill>
+              </a:endParaRPr>
+            </a:p>
+          </p:txBody>
+        </p:sp>
+        <p:sp>
+          <p:nvSpPr>
+            <p:cNvPr id="655" name="Rechteck 654">
+              <a:extLst>
+                <a:ext uri="{FF2B5EF4-FFF2-40B4-BE49-F238E27FC236}">
+                  <a16:creationId xmlns:a16="http://schemas.microsoft.com/office/drawing/2014/main" id="{07B133FE-50E7-4D2A-9C3A-4FCBF63828DF}"/>
+                </a:ext>
+              </a:extLst>
+            </p:cNvPr>
+            <p:cNvSpPr/>
+            <p:nvPr/>
+          </p:nvSpPr>
+          <p:spPr>
+            <a:xfrm>
+              <a:off x="4626147" y="2516918"/>
+              <a:ext cx="291253" cy="240224"/>
+            </a:xfrm>
+            <a:prstGeom prst="rect">
+              <a:avLst/>
+            </a:prstGeom>
+            <a:solidFill>
+              <a:srgbClr val="FF7D7D"/>
+            </a:solidFill>
+            <a:ln w="15875">
+              <a:solidFill>
+                <a:schemeClr val="tx1"/>
+              </a:solidFill>
+            </a:ln>
+          </p:spPr>
+          <p:style>
+            <a:lnRef idx="2">
+              <a:schemeClr val="accent1">
+                <a:shade val="50000"/>
+              </a:schemeClr>
+            </a:lnRef>
+            <a:fillRef idx="1">
+              <a:schemeClr val="accent1"/>
+            </a:fillRef>
+            <a:effectRef idx="0">
+              <a:schemeClr val="accent1"/>
+            </a:effectRef>
+            <a:fontRef idx="minor">
+              <a:schemeClr val="lt1"/>
+            </a:fontRef>
+          </p:style>
+          <p:txBody>
+            <a:bodyPr lIns="36000" rIns="36000" rtlCol="0" anchor="ctr"/>
+            <a:lstStyle/>
+            <a:p>
+              <a:pPr algn="ctr"/>
+              <a:endParaRPr lang="de-DE" sz="1400" dirty="0">
+                <a:solidFill>
+                  <a:schemeClr val="tx1"/>
+                </a:solidFill>
+              </a:endParaRPr>
+            </a:p>
+          </p:txBody>
+        </p:sp>
+        <p:cxnSp>
+          <p:nvCxnSpPr>
+            <p:cNvPr id="656" name="Gerader Verbinder 655">
+              <a:extLst>
+                <a:ext uri="{FF2B5EF4-FFF2-40B4-BE49-F238E27FC236}">
+                  <a16:creationId xmlns:a16="http://schemas.microsoft.com/office/drawing/2014/main" id="{49ABCBED-65D5-430A-96C8-13D10130AF42}"/>
+                </a:ext>
+              </a:extLst>
+            </p:cNvPr>
+            <p:cNvCxnSpPr>
+              <a:cxnSpLocks/>
+            </p:cNvCxnSpPr>
+            <p:nvPr/>
+          </p:nvCxnSpPr>
+          <p:spPr>
+            <a:xfrm>
+              <a:off x="4764869" y="2758988"/>
+              <a:ext cx="0" cy="127578"/>
+            </a:xfrm>
+            <a:prstGeom prst="line">
+              <a:avLst/>
+            </a:prstGeom>
+            <a:ln w="12700" cmpd="sng">
+              <a:solidFill>
+                <a:schemeClr val="tx1"/>
+              </a:solidFill>
+              <a:headEnd type="none"/>
+              <a:tailEnd type="oval"/>
+            </a:ln>
+          </p:spPr>
+          <p:style>
+            <a:lnRef idx="1">
+              <a:schemeClr val="accent1"/>
+            </a:lnRef>
+            <a:fillRef idx="0">
+              <a:schemeClr val="accent1"/>
+            </a:fillRef>
+            <a:effectRef idx="0">
+              <a:schemeClr val="accent1"/>
+            </a:effectRef>
+            <a:fontRef idx="minor">
+              <a:schemeClr val="tx1"/>
+            </a:fontRef>
+          </p:style>
+        </p:cxnSp>
+        <p:cxnSp>
+          <p:nvCxnSpPr>
+            <p:cNvPr id="657" name="Gerader Verbinder 656">
+              <a:extLst>
+                <a:ext uri="{FF2B5EF4-FFF2-40B4-BE49-F238E27FC236}">
+                  <a16:creationId xmlns:a16="http://schemas.microsoft.com/office/drawing/2014/main" id="{F0DCB532-1B0B-4BD6-AF3B-927663C33E81}"/>
+                </a:ext>
+              </a:extLst>
+            </p:cNvPr>
+            <p:cNvCxnSpPr>
+              <a:cxnSpLocks/>
+            </p:cNvCxnSpPr>
+            <p:nvPr/>
+          </p:nvCxnSpPr>
+          <p:spPr>
+            <a:xfrm>
+              <a:off x="5131410" y="2756058"/>
+              <a:ext cx="0" cy="127578"/>
+            </a:xfrm>
+            <a:prstGeom prst="line">
+              <a:avLst/>
+            </a:prstGeom>
+            <a:ln w="12700" cmpd="sng">
+              <a:solidFill>
+                <a:schemeClr val="tx1"/>
+              </a:solidFill>
+              <a:headEnd type="none"/>
+              <a:tailEnd type="oval"/>
+            </a:ln>
+          </p:spPr>
+          <p:style>
+            <a:lnRef idx="1">
+              <a:schemeClr val="accent1"/>
+            </a:lnRef>
+            <a:fillRef idx="0">
+              <a:schemeClr val="accent1"/>
+            </a:fillRef>
+            <a:effectRef idx="0">
+              <a:schemeClr val="accent1"/>
+            </a:effectRef>
+            <a:fontRef idx="minor">
+              <a:schemeClr val="tx1"/>
+            </a:fontRef>
+          </p:style>
+        </p:cxnSp>
+        <p:cxnSp>
+          <p:nvCxnSpPr>
+            <p:cNvPr id="658" name="Gerader Verbinder 657">
+              <a:extLst>
+                <a:ext uri="{FF2B5EF4-FFF2-40B4-BE49-F238E27FC236}">
+                  <a16:creationId xmlns:a16="http://schemas.microsoft.com/office/drawing/2014/main" id="{4BA1CCF3-CB7A-4296-95EB-E41445411FB2}"/>
+                </a:ext>
+              </a:extLst>
+            </p:cNvPr>
+            <p:cNvCxnSpPr>
+              <a:cxnSpLocks/>
+            </p:cNvCxnSpPr>
+            <p:nvPr/>
+          </p:nvCxnSpPr>
+          <p:spPr>
+            <a:xfrm>
+              <a:off x="5563188" y="2756058"/>
+              <a:ext cx="0" cy="127578"/>
+            </a:xfrm>
+            <a:prstGeom prst="line">
+              <a:avLst/>
+            </a:prstGeom>
+            <a:ln w="12700" cmpd="sng">
+              <a:solidFill>
+                <a:schemeClr val="tx1"/>
+              </a:solidFill>
+              <a:headEnd type="none"/>
+              <a:tailEnd type="oval"/>
+            </a:ln>
+          </p:spPr>
+          <p:style>
+            <a:lnRef idx="1">
+              <a:schemeClr val="accent1"/>
+            </a:lnRef>
+            <a:fillRef idx="0">
+              <a:schemeClr val="accent1"/>
+            </a:fillRef>
+            <a:effectRef idx="0">
+              <a:schemeClr val="accent1"/>
+            </a:effectRef>
+            <a:fontRef idx="minor">
+              <a:schemeClr val="tx1"/>
+            </a:fontRef>
+          </p:style>
+        </p:cxnSp>
+        <p:cxnSp>
+          <p:nvCxnSpPr>
+            <p:cNvPr id="659" name="Gerader Verbinder 658">
+              <a:extLst>
+                <a:ext uri="{FF2B5EF4-FFF2-40B4-BE49-F238E27FC236}">
+                  <a16:creationId xmlns:a16="http://schemas.microsoft.com/office/drawing/2014/main" id="{DE49BAED-2770-4325-A2F7-72E971179791}"/>
+                </a:ext>
+              </a:extLst>
+            </p:cNvPr>
+            <p:cNvCxnSpPr>
+              <a:cxnSpLocks/>
+            </p:cNvCxnSpPr>
+            <p:nvPr/>
+          </p:nvCxnSpPr>
+          <p:spPr>
+            <a:xfrm>
+              <a:off x="5993645" y="2756058"/>
+              <a:ext cx="0" cy="127578"/>
+            </a:xfrm>
+            <a:prstGeom prst="line">
+              <a:avLst/>
+            </a:prstGeom>
+            <a:ln w="12700" cmpd="sng">
+              <a:solidFill>
+                <a:schemeClr val="tx1"/>
+              </a:solidFill>
+              <a:headEnd type="none"/>
+              <a:tailEnd type="oval"/>
+            </a:ln>
+          </p:spPr>
+          <p:style>
+            <a:lnRef idx="1">
+              <a:schemeClr val="accent1"/>
+            </a:lnRef>
+            <a:fillRef idx="0">
+              <a:schemeClr val="accent1"/>
+            </a:fillRef>
+            <a:effectRef idx="0">
+              <a:schemeClr val="accent1"/>
+            </a:effectRef>
+            <a:fontRef idx="minor">
+              <a:schemeClr val="tx1"/>
+            </a:fontRef>
+          </p:style>
+        </p:cxnSp>
+        <p:cxnSp>
+          <p:nvCxnSpPr>
+            <p:cNvPr id="660" name="Gerader Verbinder 659">
+              <a:extLst>
+                <a:ext uri="{FF2B5EF4-FFF2-40B4-BE49-F238E27FC236}">
+                  <a16:creationId xmlns:a16="http://schemas.microsoft.com/office/drawing/2014/main" id="{91A763F4-A9DD-4C00-B500-DC2AE60FE2A5}"/>
+                </a:ext>
+              </a:extLst>
+            </p:cNvPr>
+            <p:cNvCxnSpPr>
+              <a:cxnSpLocks/>
+            </p:cNvCxnSpPr>
+            <p:nvPr/>
+          </p:nvCxnSpPr>
+          <p:spPr>
+            <a:xfrm>
+              <a:off x="6425423" y="2756058"/>
+              <a:ext cx="0" cy="127578"/>
+            </a:xfrm>
+            <a:prstGeom prst="line">
+              <a:avLst/>
+            </a:prstGeom>
+            <a:ln w="12700" cmpd="sng">
+              <a:solidFill>
+                <a:schemeClr val="tx1"/>
+              </a:solidFill>
+              <a:headEnd type="none"/>
+              <a:tailEnd type="oval"/>
+            </a:ln>
+          </p:spPr>
+          <p:style>
+            <a:lnRef idx="1">
+              <a:schemeClr val="accent1"/>
+            </a:lnRef>
+            <a:fillRef idx="0">
+              <a:schemeClr val="accent1"/>
+            </a:fillRef>
+            <a:effectRef idx="0">
+              <a:schemeClr val="accent1"/>
+            </a:effectRef>
+            <a:fontRef idx="minor">
+              <a:schemeClr val="tx1"/>
+            </a:fontRef>
+          </p:style>
+        </p:cxnSp>
+        <p:cxnSp>
+          <p:nvCxnSpPr>
+            <p:cNvPr id="661" name="Gerader Verbinder 660">
+              <a:extLst>
+                <a:ext uri="{FF2B5EF4-FFF2-40B4-BE49-F238E27FC236}">
+                  <a16:creationId xmlns:a16="http://schemas.microsoft.com/office/drawing/2014/main" id="{84C97A27-06F0-4D73-944F-FA09D3F3EC4A}"/>
+                </a:ext>
+              </a:extLst>
+            </p:cNvPr>
+            <p:cNvCxnSpPr>
+              <a:cxnSpLocks/>
+            </p:cNvCxnSpPr>
+            <p:nvPr/>
+          </p:nvCxnSpPr>
+          <p:spPr>
+            <a:xfrm>
+              <a:off x="6854214" y="2756058"/>
+              <a:ext cx="0" cy="127578"/>
+            </a:xfrm>
+            <a:prstGeom prst="line">
+              <a:avLst/>
+            </a:prstGeom>
+            <a:ln w="12700" cmpd="sng">
+              <a:solidFill>
+                <a:schemeClr val="tx1"/>
+              </a:solidFill>
+              <a:headEnd type="none"/>
+              <a:tailEnd type="oval"/>
+            </a:ln>
+          </p:spPr>
+          <p:style>
+            <a:lnRef idx="1">
+              <a:schemeClr val="accent1"/>
+            </a:lnRef>
+            <a:fillRef idx="0">
+              <a:schemeClr val="accent1"/>
+            </a:fillRef>
+            <a:effectRef idx="0">
+              <a:schemeClr val="accent1"/>
+            </a:effectRef>
+            <a:fontRef idx="minor">
+              <a:schemeClr val="tx1"/>
+            </a:fontRef>
+          </p:style>
+        </p:cxnSp>
+        <p:cxnSp>
+          <p:nvCxnSpPr>
+            <p:cNvPr id="662" name="Gerader Verbinder 661">
+              <a:extLst>
+                <a:ext uri="{FF2B5EF4-FFF2-40B4-BE49-F238E27FC236}">
+                  <a16:creationId xmlns:a16="http://schemas.microsoft.com/office/drawing/2014/main" id="{3197CD46-2DB7-45DE-804A-40E218832684}"/>
+                </a:ext>
+              </a:extLst>
+            </p:cNvPr>
+            <p:cNvCxnSpPr>
+              <a:cxnSpLocks/>
+            </p:cNvCxnSpPr>
+            <p:nvPr/>
+          </p:nvCxnSpPr>
+          <p:spPr>
+            <a:xfrm>
+              <a:off x="7285992" y="2756058"/>
+              <a:ext cx="0" cy="127578"/>
+            </a:xfrm>
+            <a:prstGeom prst="line">
+              <a:avLst/>
+            </a:prstGeom>
+            <a:ln w="12700" cmpd="sng">
+              <a:solidFill>
+                <a:schemeClr val="tx1"/>
+              </a:solidFill>
+              <a:headEnd type="none"/>
+              <a:tailEnd type="oval"/>
+            </a:ln>
+          </p:spPr>
+          <p:style>
+            <a:lnRef idx="1">
+              <a:schemeClr val="accent1"/>
+            </a:lnRef>
+            <a:fillRef idx="0">
+              <a:schemeClr val="accent1"/>
+            </a:fillRef>
+            <a:effectRef idx="0">
+              <a:schemeClr val="accent1"/>
+            </a:effectRef>
+            <a:fontRef idx="minor">
+              <a:schemeClr val="tx1"/>
+            </a:fontRef>
+          </p:style>
+        </p:cxnSp>
+        <p:sp>
+          <p:nvSpPr>
+            <p:cNvPr id="663" name="Textfeld 662">
+              <a:extLst>
+                <a:ext uri="{FF2B5EF4-FFF2-40B4-BE49-F238E27FC236}">
+                  <a16:creationId xmlns:a16="http://schemas.microsoft.com/office/drawing/2014/main" id="{89F14A28-B2FC-4E43-9F0C-85574ACB5821}"/>
+                </a:ext>
+              </a:extLst>
+            </p:cNvPr>
+            <p:cNvSpPr txBox="1"/>
+            <p:nvPr/>
+          </p:nvSpPr>
+          <p:spPr>
+            <a:xfrm>
+              <a:off x="4334052" y="2874555"/>
+              <a:ext cx="335348" cy="261610"/>
+            </a:xfrm>
+            <a:prstGeom prst="rect">
+              <a:avLst/>
+            </a:prstGeom>
+            <a:noFill/>
+          </p:spPr>
+          <p:txBody>
+            <a:bodyPr wrap="none" rtlCol="0">
+              <a:spAutoFit/>
+            </a:bodyPr>
+            <a:lstStyle/>
+            <a:p>
+              <a:r>
+                <a:rPr lang="de-DE" sz="1100" dirty="0"/>
+                <a:t>V+</a:t>
+              </a:r>
+            </a:p>
+          </p:txBody>
+        </p:sp>
+        <p:sp>
+          <p:nvSpPr>
+            <p:cNvPr id="664" name="Textfeld 663">
+              <a:extLst>
+                <a:ext uri="{FF2B5EF4-FFF2-40B4-BE49-F238E27FC236}">
+                  <a16:creationId xmlns:a16="http://schemas.microsoft.com/office/drawing/2014/main" id="{941390E5-259D-4176-A772-649E364B7A4F}"/>
+                </a:ext>
+              </a:extLst>
+            </p:cNvPr>
+            <p:cNvSpPr txBox="1"/>
+            <p:nvPr/>
+          </p:nvSpPr>
+          <p:spPr>
+            <a:xfrm>
+              <a:off x="4614622" y="2874555"/>
+              <a:ext cx="335348" cy="261610"/>
+            </a:xfrm>
+            <a:prstGeom prst="rect">
+              <a:avLst/>
+            </a:prstGeom>
+            <a:noFill/>
+          </p:spPr>
+          <p:txBody>
+            <a:bodyPr wrap="none" rtlCol="0">
+              <a:spAutoFit/>
+            </a:bodyPr>
+            <a:lstStyle/>
+            <a:p>
+              <a:r>
+                <a:rPr lang="de-DE" sz="1100" dirty="0"/>
+                <a:t>V+</a:t>
+              </a:r>
+            </a:p>
+          </p:txBody>
+        </p:sp>
+      </p:grpSp>
+      <p:grpSp>
+        <p:nvGrpSpPr>
+          <p:cNvPr id="665" name="Gruppieren 664">
+            <a:extLst>
+              <a:ext uri="{FF2B5EF4-FFF2-40B4-BE49-F238E27FC236}">
+                <a16:creationId xmlns:a16="http://schemas.microsoft.com/office/drawing/2014/main" id="{D37B6AE4-D086-41A1-8A0E-ABAEB9849539}"/>
+              </a:ext>
+            </a:extLst>
+          </p:cNvPr>
+          <p:cNvGrpSpPr/>
+          <p:nvPr/>
+        </p:nvGrpSpPr>
+        <p:grpSpPr>
+          <a:xfrm>
+            <a:off x="447914" y="2672333"/>
+            <a:ext cx="2885758" cy="601738"/>
+            <a:chOff x="435501" y="1968434"/>
+            <a:chExt cx="2885758" cy="601738"/>
+          </a:xfrm>
+        </p:grpSpPr>
+        <p:sp>
+          <p:nvSpPr>
+            <p:cNvPr id="666" name="Rechteck 665">
+              <a:extLst>
+                <a:ext uri="{FF2B5EF4-FFF2-40B4-BE49-F238E27FC236}">
+                  <a16:creationId xmlns:a16="http://schemas.microsoft.com/office/drawing/2014/main" id="{0C5260C6-18A5-4569-85B5-799FBE6336F0}"/>
+                </a:ext>
+              </a:extLst>
+            </p:cNvPr>
+            <p:cNvSpPr/>
+            <p:nvPr/>
+          </p:nvSpPr>
+          <p:spPr>
+            <a:xfrm>
+              <a:off x="737621" y="2329948"/>
+              <a:ext cx="431417" cy="240224"/>
+            </a:xfrm>
+            <a:prstGeom prst="rect">
+              <a:avLst/>
+            </a:prstGeom>
+            <a:solidFill>
+              <a:schemeClr val="bg1">
+                <a:lumMod val="95000"/>
+              </a:schemeClr>
+            </a:solidFill>
+            <a:ln w="15875">
+              <a:solidFill>
+                <a:schemeClr val="tx1"/>
+              </a:solidFill>
+            </a:ln>
+          </p:spPr>
+          <p:style>
+            <a:lnRef idx="2">
+              <a:schemeClr val="accent1">
+                <a:shade val="50000"/>
+              </a:schemeClr>
+            </a:lnRef>
+            <a:fillRef idx="1">
+              <a:schemeClr val="accent1"/>
+            </a:fillRef>
+            <a:effectRef idx="0">
+              <a:schemeClr val="accent1"/>
+            </a:effectRef>
+            <a:fontRef idx="minor">
+              <a:schemeClr val="lt1"/>
+            </a:fontRef>
+          </p:style>
+          <p:txBody>
+            <a:bodyPr lIns="36000" rIns="36000" rtlCol="0" anchor="ctr"/>
+            <a:lstStyle/>
+            <a:p>
+              <a:pPr algn="ctr"/>
+              <a:endParaRPr lang="de-DE" sz="1400" dirty="0">
+                <a:solidFill>
+                  <a:schemeClr val="tx1"/>
+                </a:solidFill>
+              </a:endParaRPr>
+            </a:p>
+          </p:txBody>
+        </p:sp>
+        <p:sp>
+          <p:nvSpPr>
+            <p:cNvPr id="667" name="Textfeld 666">
+              <a:extLst>
+                <a:ext uri="{FF2B5EF4-FFF2-40B4-BE49-F238E27FC236}">
+                  <a16:creationId xmlns:a16="http://schemas.microsoft.com/office/drawing/2014/main" id="{CE883199-E5AA-4C75-940B-8508AF00BD77}"/>
+                </a:ext>
+              </a:extLst>
+            </p:cNvPr>
+            <p:cNvSpPr txBox="1"/>
+            <p:nvPr/>
+          </p:nvSpPr>
+          <p:spPr>
+            <a:xfrm>
+              <a:off x="819740" y="1968434"/>
+              <a:ext cx="266420" cy="261610"/>
+            </a:xfrm>
+            <a:prstGeom prst="rect">
+              <a:avLst/>
+            </a:prstGeom>
+            <a:noFill/>
+          </p:spPr>
+          <p:txBody>
+            <a:bodyPr wrap="none" rtlCol="0">
+              <a:spAutoFit/>
+            </a:bodyPr>
+            <a:lstStyle/>
+            <a:p>
+              <a:r>
+                <a:rPr lang="de-DE" sz="1100" dirty="0"/>
+                <a:t>A</a:t>
+              </a:r>
+            </a:p>
+          </p:txBody>
+        </p:sp>
+        <p:sp>
+          <p:nvSpPr>
+            <p:cNvPr id="668" name="Textfeld 667">
+              <a:extLst>
+                <a:ext uri="{FF2B5EF4-FFF2-40B4-BE49-F238E27FC236}">
+                  <a16:creationId xmlns:a16="http://schemas.microsoft.com/office/drawing/2014/main" id="{0EC07D0D-1938-4BD1-9F40-5D42FF2DD0AC}"/>
+                </a:ext>
+              </a:extLst>
+            </p:cNvPr>
+            <p:cNvSpPr txBox="1"/>
+            <p:nvPr/>
+          </p:nvSpPr>
+          <p:spPr>
+            <a:xfrm>
+              <a:off x="1254096" y="1968434"/>
+              <a:ext cx="261610" cy="261610"/>
+            </a:xfrm>
+            <a:prstGeom prst="rect">
+              <a:avLst/>
+            </a:prstGeom>
+            <a:noFill/>
+          </p:spPr>
+          <p:txBody>
+            <a:bodyPr wrap="none" rtlCol="0">
+              <a:spAutoFit/>
+            </a:bodyPr>
+            <a:lstStyle/>
+            <a:p>
+              <a:r>
+                <a:rPr lang="de-DE" sz="1100" dirty="0"/>
+                <a:t>B</a:t>
+              </a:r>
+            </a:p>
+          </p:txBody>
+        </p:sp>
+        <p:sp>
+          <p:nvSpPr>
+            <p:cNvPr id="669" name="Textfeld 668">
+              <a:extLst>
+                <a:ext uri="{FF2B5EF4-FFF2-40B4-BE49-F238E27FC236}">
+                  <a16:creationId xmlns:a16="http://schemas.microsoft.com/office/drawing/2014/main" id="{87EF2C04-2694-4F76-84BD-F34AD1C70727}"/>
+                </a:ext>
+              </a:extLst>
+            </p:cNvPr>
+            <p:cNvSpPr txBox="1"/>
+            <p:nvPr/>
+          </p:nvSpPr>
+          <p:spPr>
+            <a:xfrm>
+              <a:off x="1684488" y="1968434"/>
+              <a:ext cx="260008" cy="261610"/>
+            </a:xfrm>
+            <a:prstGeom prst="rect">
+              <a:avLst/>
+            </a:prstGeom>
+            <a:noFill/>
+          </p:spPr>
+          <p:txBody>
+            <a:bodyPr wrap="none" rtlCol="0">
+              <a:spAutoFit/>
+            </a:bodyPr>
+            <a:lstStyle/>
+            <a:p>
+              <a:r>
+                <a:rPr lang="de-DE" sz="1100" dirty="0"/>
+                <a:t>C</a:t>
+              </a:r>
+            </a:p>
+          </p:txBody>
+        </p:sp>
+        <p:sp>
+          <p:nvSpPr>
+            <p:cNvPr id="670" name="Textfeld 669">
+              <a:extLst>
+                <a:ext uri="{FF2B5EF4-FFF2-40B4-BE49-F238E27FC236}">
+                  <a16:creationId xmlns:a16="http://schemas.microsoft.com/office/drawing/2014/main" id="{3705F37F-8924-45FB-AB76-2558B4CB2A04}"/>
+                </a:ext>
+              </a:extLst>
+            </p:cNvPr>
+            <p:cNvSpPr txBox="1"/>
+            <p:nvPr/>
+          </p:nvSpPr>
+          <p:spPr>
+            <a:xfrm>
+              <a:off x="2118841" y="1968434"/>
+              <a:ext cx="271228" cy="261610"/>
+            </a:xfrm>
+            <a:prstGeom prst="rect">
+              <a:avLst/>
+            </a:prstGeom>
+            <a:noFill/>
+          </p:spPr>
+          <p:txBody>
+            <a:bodyPr wrap="none" rtlCol="0">
+              <a:spAutoFit/>
+            </a:bodyPr>
+            <a:lstStyle/>
+            <a:p>
+              <a:r>
+                <a:rPr lang="de-DE" sz="1100" dirty="0"/>
+                <a:t>D</a:t>
+              </a:r>
+            </a:p>
+          </p:txBody>
+        </p:sp>
+        <p:sp>
+          <p:nvSpPr>
+            <p:cNvPr id="671" name="Textfeld 670">
+              <a:extLst>
+                <a:ext uri="{FF2B5EF4-FFF2-40B4-BE49-F238E27FC236}">
+                  <a16:creationId xmlns:a16="http://schemas.microsoft.com/office/drawing/2014/main" id="{A27184F4-DE25-4DB0-8025-3FE70133D7F7}"/>
+                </a:ext>
+              </a:extLst>
+            </p:cNvPr>
+            <p:cNvSpPr txBox="1"/>
+            <p:nvPr/>
+          </p:nvSpPr>
+          <p:spPr>
+            <a:xfrm>
+              <a:off x="2549616" y="1968434"/>
+              <a:ext cx="253596" cy="261610"/>
+            </a:xfrm>
+            <a:prstGeom prst="rect">
+              <a:avLst/>
+            </a:prstGeom>
+            <a:noFill/>
+          </p:spPr>
+          <p:txBody>
+            <a:bodyPr wrap="none" rtlCol="0">
+              <a:spAutoFit/>
+            </a:bodyPr>
+            <a:lstStyle/>
+            <a:p>
+              <a:r>
+                <a:rPr lang="de-DE" sz="1100" dirty="0"/>
+                <a:t>E</a:t>
+              </a:r>
+            </a:p>
+          </p:txBody>
+        </p:sp>
+        <p:sp>
+          <p:nvSpPr>
+            <p:cNvPr id="672" name="Textfeld 671">
+              <a:extLst>
+                <a:ext uri="{FF2B5EF4-FFF2-40B4-BE49-F238E27FC236}">
+                  <a16:creationId xmlns:a16="http://schemas.microsoft.com/office/drawing/2014/main" id="{5AA4F7D6-BA4E-4D7A-8D75-388FAC3E2851}"/>
+                </a:ext>
+              </a:extLst>
+            </p:cNvPr>
+            <p:cNvSpPr txBox="1"/>
+            <p:nvPr/>
+          </p:nvSpPr>
+          <p:spPr>
+            <a:xfrm>
+              <a:off x="2983216" y="1968434"/>
+              <a:ext cx="248786" cy="261610"/>
+            </a:xfrm>
+            <a:prstGeom prst="rect">
+              <a:avLst/>
+            </a:prstGeom>
+            <a:noFill/>
+          </p:spPr>
+          <p:txBody>
+            <a:bodyPr wrap="none" rtlCol="0">
+              <a:spAutoFit/>
+            </a:bodyPr>
+            <a:lstStyle/>
+            <a:p>
+              <a:r>
+                <a:rPr lang="de-DE" sz="1100" dirty="0"/>
+                <a:t>F</a:t>
+              </a:r>
+            </a:p>
+          </p:txBody>
+        </p:sp>
+        <p:sp>
+          <p:nvSpPr>
+            <p:cNvPr id="673" name="Rechteck 672">
+              <a:extLst>
+                <a:ext uri="{FF2B5EF4-FFF2-40B4-BE49-F238E27FC236}">
+                  <a16:creationId xmlns:a16="http://schemas.microsoft.com/office/drawing/2014/main" id="{11FD5769-B122-4D51-B97C-D2296CE0CB4F}"/>
+                </a:ext>
+              </a:extLst>
+            </p:cNvPr>
+            <p:cNvSpPr/>
+            <p:nvPr/>
+          </p:nvSpPr>
+          <p:spPr>
+            <a:xfrm>
+              <a:off x="1168359" y="2329948"/>
+              <a:ext cx="431417" cy="240224"/>
+            </a:xfrm>
+            <a:prstGeom prst="rect">
+              <a:avLst/>
+            </a:prstGeom>
+            <a:solidFill>
+              <a:schemeClr val="bg1">
+                <a:lumMod val="95000"/>
+              </a:schemeClr>
+            </a:solidFill>
+            <a:ln w="15875">
+              <a:solidFill>
+                <a:schemeClr val="tx1"/>
+              </a:solidFill>
+            </a:ln>
+          </p:spPr>
+          <p:style>
+            <a:lnRef idx="2">
+              <a:schemeClr val="accent1">
+                <a:shade val="50000"/>
+              </a:schemeClr>
+            </a:lnRef>
+            <a:fillRef idx="1">
+              <a:schemeClr val="accent1"/>
+            </a:fillRef>
+            <a:effectRef idx="0">
+              <a:schemeClr val="accent1"/>
+            </a:effectRef>
+            <a:fontRef idx="minor">
+              <a:schemeClr val="lt1"/>
+            </a:fontRef>
+          </p:style>
+          <p:txBody>
+            <a:bodyPr lIns="36000" rIns="36000" rtlCol="0" anchor="ctr"/>
+            <a:lstStyle/>
+            <a:p>
+              <a:pPr algn="ctr"/>
+              <a:endParaRPr lang="de-DE" sz="1400" dirty="0">
+                <a:solidFill>
+                  <a:schemeClr val="tx1"/>
+                </a:solidFill>
+              </a:endParaRPr>
+            </a:p>
+          </p:txBody>
+        </p:sp>
+        <p:sp>
+          <p:nvSpPr>
+            <p:cNvPr id="674" name="Rechteck 673">
+              <a:extLst>
+                <a:ext uri="{FF2B5EF4-FFF2-40B4-BE49-F238E27FC236}">
+                  <a16:creationId xmlns:a16="http://schemas.microsoft.com/office/drawing/2014/main" id="{1F2EFE77-6809-42D3-B3D6-728D3CFF11A7}"/>
+                </a:ext>
+              </a:extLst>
+            </p:cNvPr>
+            <p:cNvSpPr/>
+            <p:nvPr/>
+          </p:nvSpPr>
+          <p:spPr>
+            <a:xfrm>
+              <a:off x="1598816" y="2329948"/>
+              <a:ext cx="431417" cy="240224"/>
+            </a:xfrm>
+            <a:prstGeom prst="rect">
+              <a:avLst/>
+            </a:prstGeom>
+            <a:solidFill>
+              <a:schemeClr val="bg1">
+                <a:lumMod val="95000"/>
+              </a:schemeClr>
+            </a:solidFill>
+            <a:ln w="15875">
+              <a:solidFill>
+                <a:schemeClr val="tx1"/>
+              </a:solidFill>
+            </a:ln>
+          </p:spPr>
+          <p:style>
+            <a:lnRef idx="2">
+              <a:schemeClr val="accent1">
+                <a:shade val="50000"/>
+              </a:schemeClr>
+            </a:lnRef>
+            <a:fillRef idx="1">
+              <a:schemeClr val="accent1"/>
+            </a:fillRef>
+            <a:effectRef idx="0">
+              <a:schemeClr val="accent1"/>
+            </a:effectRef>
+            <a:fontRef idx="minor">
+              <a:schemeClr val="lt1"/>
+            </a:fontRef>
+          </p:style>
+          <p:txBody>
+            <a:bodyPr lIns="36000" rIns="36000" rtlCol="0" anchor="ctr"/>
+            <a:lstStyle/>
+            <a:p>
+              <a:pPr algn="ctr"/>
+              <a:endParaRPr lang="de-DE" sz="1400" dirty="0">
+                <a:solidFill>
+                  <a:schemeClr val="tx1"/>
+                </a:solidFill>
+              </a:endParaRPr>
+            </a:p>
+          </p:txBody>
+        </p:sp>
+        <p:sp>
+          <p:nvSpPr>
+            <p:cNvPr id="675" name="Rechteck 674">
+              <a:extLst>
+                <a:ext uri="{FF2B5EF4-FFF2-40B4-BE49-F238E27FC236}">
+                  <a16:creationId xmlns:a16="http://schemas.microsoft.com/office/drawing/2014/main" id="{5DCA5A32-FAEF-4086-8EDF-769DF78B9852}"/>
+                </a:ext>
+              </a:extLst>
+            </p:cNvPr>
+            <p:cNvSpPr/>
+            <p:nvPr/>
+          </p:nvSpPr>
+          <p:spPr>
+            <a:xfrm>
+              <a:off x="2028647" y="2329948"/>
+              <a:ext cx="431417" cy="240224"/>
+            </a:xfrm>
+            <a:prstGeom prst="rect">
+              <a:avLst/>
+            </a:prstGeom>
+            <a:solidFill>
+              <a:schemeClr val="bg1">
+                <a:lumMod val="95000"/>
+              </a:schemeClr>
+            </a:solidFill>
+            <a:ln w="15875">
+              <a:solidFill>
+                <a:schemeClr val="tx1"/>
+              </a:solidFill>
+            </a:ln>
+          </p:spPr>
+          <p:style>
+            <a:lnRef idx="2">
+              <a:schemeClr val="accent1">
+                <a:shade val="50000"/>
+              </a:schemeClr>
+            </a:lnRef>
+            <a:fillRef idx="1">
+              <a:schemeClr val="accent1"/>
+            </a:fillRef>
+            <a:effectRef idx="0">
+              <a:schemeClr val="accent1"/>
+            </a:effectRef>
+            <a:fontRef idx="minor">
+              <a:schemeClr val="lt1"/>
+            </a:fontRef>
+          </p:style>
+          <p:txBody>
+            <a:bodyPr lIns="36000" rIns="36000" rtlCol="0" anchor="ctr"/>
+            <a:lstStyle/>
+            <a:p>
+              <a:pPr algn="ctr"/>
+              <a:endParaRPr lang="de-DE" sz="1400" dirty="0">
+                <a:solidFill>
+                  <a:schemeClr val="tx1"/>
+                </a:solidFill>
+              </a:endParaRPr>
+            </a:p>
+          </p:txBody>
+        </p:sp>
+        <p:sp>
+          <p:nvSpPr>
+            <p:cNvPr id="676" name="Rechteck 675">
+              <a:extLst>
+                <a:ext uri="{FF2B5EF4-FFF2-40B4-BE49-F238E27FC236}">
+                  <a16:creationId xmlns:a16="http://schemas.microsoft.com/office/drawing/2014/main" id="{6B1D4DED-A8B6-4315-9F5D-442A40FA49BC}"/>
+                </a:ext>
+              </a:extLst>
+            </p:cNvPr>
+            <p:cNvSpPr/>
+            <p:nvPr/>
+          </p:nvSpPr>
+          <p:spPr>
+            <a:xfrm>
+              <a:off x="2459385" y="2329948"/>
+              <a:ext cx="431417" cy="240224"/>
+            </a:xfrm>
+            <a:prstGeom prst="rect">
+              <a:avLst/>
+            </a:prstGeom>
+            <a:solidFill>
+              <a:schemeClr val="bg1">
+                <a:lumMod val="95000"/>
+              </a:schemeClr>
+            </a:solidFill>
+            <a:ln w="15875">
+              <a:solidFill>
+                <a:schemeClr val="tx1"/>
+              </a:solidFill>
+            </a:ln>
+          </p:spPr>
+          <p:style>
+            <a:lnRef idx="2">
+              <a:schemeClr val="accent1">
+                <a:shade val="50000"/>
+              </a:schemeClr>
+            </a:lnRef>
+            <a:fillRef idx="1">
+              <a:schemeClr val="accent1"/>
+            </a:fillRef>
+            <a:effectRef idx="0">
+              <a:schemeClr val="accent1"/>
+            </a:effectRef>
+            <a:fontRef idx="minor">
+              <a:schemeClr val="lt1"/>
+            </a:fontRef>
+          </p:style>
+          <p:txBody>
+            <a:bodyPr lIns="36000" rIns="36000" rtlCol="0" anchor="ctr"/>
+            <a:lstStyle/>
+            <a:p>
+              <a:pPr algn="ctr"/>
+              <a:endParaRPr lang="de-DE" sz="1400" dirty="0">
+                <a:solidFill>
+                  <a:schemeClr val="tx1"/>
+                </a:solidFill>
+              </a:endParaRPr>
+            </a:p>
+          </p:txBody>
+        </p:sp>
+        <p:sp>
+          <p:nvSpPr>
+            <p:cNvPr id="677" name="Rechteck 676">
+              <a:extLst>
+                <a:ext uri="{FF2B5EF4-FFF2-40B4-BE49-F238E27FC236}">
+                  <a16:creationId xmlns:a16="http://schemas.microsoft.com/office/drawing/2014/main" id="{3BEBD137-B1B5-402B-9C71-0B0B6AE5ECB1}"/>
+                </a:ext>
+              </a:extLst>
+            </p:cNvPr>
+            <p:cNvSpPr/>
+            <p:nvPr/>
+          </p:nvSpPr>
+          <p:spPr>
+            <a:xfrm>
+              <a:off x="2889842" y="2329948"/>
+              <a:ext cx="431417" cy="240224"/>
+            </a:xfrm>
+            <a:prstGeom prst="rect">
+              <a:avLst/>
+            </a:prstGeom>
+            <a:solidFill>
+              <a:schemeClr val="bg1">
+                <a:lumMod val="95000"/>
+              </a:schemeClr>
+            </a:solidFill>
+            <a:ln w="15875">
+              <a:solidFill>
+                <a:schemeClr val="tx1"/>
+              </a:solidFill>
+            </a:ln>
+          </p:spPr>
+          <p:style>
+            <a:lnRef idx="2">
+              <a:schemeClr val="accent1">
+                <a:shade val="50000"/>
+              </a:schemeClr>
+            </a:lnRef>
+            <a:fillRef idx="1">
+              <a:schemeClr val="accent1"/>
+            </a:fillRef>
+            <a:effectRef idx="0">
+              <a:schemeClr val="accent1"/>
+            </a:effectRef>
+            <a:fontRef idx="minor">
+              <a:schemeClr val="lt1"/>
+            </a:fontRef>
+          </p:style>
+          <p:txBody>
+            <a:bodyPr lIns="36000" rIns="36000" rtlCol="0" anchor="ctr"/>
+            <a:lstStyle/>
+            <a:p>
+              <a:pPr algn="ctr"/>
+              <a:endParaRPr lang="de-DE" sz="1400" dirty="0">
+                <a:solidFill>
+                  <a:schemeClr val="tx1"/>
+                </a:solidFill>
+              </a:endParaRPr>
+            </a:p>
+          </p:txBody>
+        </p:sp>
+        <p:sp>
+          <p:nvSpPr>
+            <p:cNvPr id="678" name="Rechteck 677">
+              <a:extLst>
+                <a:ext uri="{FF2B5EF4-FFF2-40B4-BE49-F238E27FC236}">
+                  <a16:creationId xmlns:a16="http://schemas.microsoft.com/office/drawing/2014/main" id="{5798FD55-C272-4724-ACED-14280E3B219D}"/>
+                </a:ext>
+              </a:extLst>
+            </p:cNvPr>
+            <p:cNvSpPr/>
+            <p:nvPr/>
+          </p:nvSpPr>
+          <p:spPr>
+            <a:xfrm>
+              <a:off x="447026" y="2329937"/>
+              <a:ext cx="291253" cy="240224"/>
+            </a:xfrm>
+            <a:prstGeom prst="rect">
+              <a:avLst/>
+            </a:prstGeom>
+            <a:solidFill>
+              <a:srgbClr val="FF7D7D"/>
+            </a:solidFill>
+            <a:ln w="15875">
+              <a:solidFill>
+                <a:schemeClr val="tx1"/>
+              </a:solidFill>
+            </a:ln>
+          </p:spPr>
+          <p:style>
+            <a:lnRef idx="2">
+              <a:schemeClr val="accent1">
+                <a:shade val="50000"/>
+              </a:schemeClr>
+            </a:lnRef>
+            <a:fillRef idx="1">
+              <a:schemeClr val="accent1"/>
+            </a:fillRef>
+            <a:effectRef idx="0">
+              <a:schemeClr val="accent1"/>
+            </a:effectRef>
+            <a:fontRef idx="minor">
+              <a:schemeClr val="lt1"/>
+            </a:fontRef>
+          </p:style>
+          <p:txBody>
+            <a:bodyPr lIns="36000" rIns="36000" rtlCol="0" anchor="ctr"/>
+            <a:lstStyle/>
+            <a:p>
+              <a:pPr algn="ctr"/>
+              <a:endParaRPr lang="de-DE" sz="1400" dirty="0">
+                <a:solidFill>
+                  <a:schemeClr val="tx1"/>
+                </a:solidFill>
+              </a:endParaRPr>
+            </a:p>
+          </p:txBody>
+        </p:sp>
+        <p:cxnSp>
+          <p:nvCxnSpPr>
+            <p:cNvPr id="679" name="Gerader Verbinder 678">
+              <a:extLst>
+                <a:ext uri="{FF2B5EF4-FFF2-40B4-BE49-F238E27FC236}">
+                  <a16:creationId xmlns:a16="http://schemas.microsoft.com/office/drawing/2014/main" id="{3967B278-C841-4865-93B2-95F93C534BD4}"/>
+                </a:ext>
+              </a:extLst>
+            </p:cNvPr>
+            <p:cNvCxnSpPr>
+              <a:cxnSpLocks/>
+            </p:cNvCxnSpPr>
+            <p:nvPr/>
+          </p:nvCxnSpPr>
+          <p:spPr>
+            <a:xfrm>
+              <a:off x="585748" y="2205289"/>
+              <a:ext cx="0" cy="127578"/>
+            </a:xfrm>
+            <a:prstGeom prst="line">
+              <a:avLst/>
+            </a:prstGeom>
+            <a:ln w="12700" cmpd="sng">
+              <a:solidFill>
+                <a:schemeClr val="tx1"/>
+              </a:solidFill>
+              <a:headEnd type="oval"/>
+            </a:ln>
+          </p:spPr>
+          <p:style>
+            <a:lnRef idx="1">
+              <a:schemeClr val="accent1"/>
+            </a:lnRef>
+            <a:fillRef idx="0">
+              <a:schemeClr val="accent1"/>
+            </a:fillRef>
+            <a:effectRef idx="0">
+              <a:schemeClr val="accent1"/>
+            </a:effectRef>
+            <a:fontRef idx="minor">
+              <a:schemeClr val="tx1"/>
+            </a:fontRef>
+          </p:style>
+        </p:cxnSp>
+        <p:cxnSp>
+          <p:nvCxnSpPr>
+            <p:cNvPr id="680" name="Gerader Verbinder 679">
+              <a:extLst>
+                <a:ext uri="{FF2B5EF4-FFF2-40B4-BE49-F238E27FC236}">
+                  <a16:creationId xmlns:a16="http://schemas.microsoft.com/office/drawing/2014/main" id="{7CF52F96-8B3C-4E0E-BB2F-785D80D32BD1}"/>
+                </a:ext>
+              </a:extLst>
+            </p:cNvPr>
+            <p:cNvCxnSpPr>
+              <a:cxnSpLocks/>
+            </p:cNvCxnSpPr>
+            <p:nvPr/>
+          </p:nvCxnSpPr>
+          <p:spPr>
+            <a:xfrm>
+              <a:off x="952289" y="2202359"/>
+              <a:ext cx="0" cy="127578"/>
+            </a:xfrm>
+            <a:prstGeom prst="line">
+              <a:avLst/>
+            </a:prstGeom>
+            <a:ln w="12700" cmpd="sng">
+              <a:solidFill>
+                <a:schemeClr val="tx1"/>
+              </a:solidFill>
+              <a:headEnd type="oval"/>
+            </a:ln>
+          </p:spPr>
+          <p:style>
+            <a:lnRef idx="1">
+              <a:schemeClr val="accent1"/>
+            </a:lnRef>
+            <a:fillRef idx="0">
+              <a:schemeClr val="accent1"/>
+            </a:fillRef>
+            <a:effectRef idx="0">
+              <a:schemeClr val="accent1"/>
+            </a:effectRef>
+            <a:fontRef idx="minor">
+              <a:schemeClr val="tx1"/>
+            </a:fontRef>
+          </p:style>
+        </p:cxnSp>
+        <p:cxnSp>
+          <p:nvCxnSpPr>
+            <p:cNvPr id="681" name="Gerader Verbinder 680">
+              <a:extLst>
+                <a:ext uri="{FF2B5EF4-FFF2-40B4-BE49-F238E27FC236}">
+                  <a16:creationId xmlns:a16="http://schemas.microsoft.com/office/drawing/2014/main" id="{92DD85C7-64B7-40A6-842C-D1D2257AD19A}"/>
+                </a:ext>
+              </a:extLst>
+            </p:cNvPr>
+            <p:cNvCxnSpPr>
+              <a:cxnSpLocks/>
+            </p:cNvCxnSpPr>
+            <p:nvPr/>
+          </p:nvCxnSpPr>
+          <p:spPr>
+            <a:xfrm>
+              <a:off x="1384067" y="2202359"/>
+              <a:ext cx="0" cy="127578"/>
+            </a:xfrm>
+            <a:prstGeom prst="line">
+              <a:avLst/>
+            </a:prstGeom>
+            <a:ln w="12700" cmpd="sng">
+              <a:solidFill>
+                <a:schemeClr val="tx1"/>
+              </a:solidFill>
+              <a:headEnd type="oval"/>
+            </a:ln>
+          </p:spPr>
+          <p:style>
+            <a:lnRef idx="1">
+              <a:schemeClr val="accent1"/>
+            </a:lnRef>
+            <a:fillRef idx="0">
+              <a:schemeClr val="accent1"/>
+            </a:fillRef>
+            <a:effectRef idx="0">
+              <a:schemeClr val="accent1"/>
+            </a:effectRef>
+            <a:fontRef idx="minor">
+              <a:schemeClr val="tx1"/>
+            </a:fontRef>
+          </p:style>
+        </p:cxnSp>
+        <p:cxnSp>
+          <p:nvCxnSpPr>
+            <p:cNvPr id="682" name="Gerader Verbinder 681">
+              <a:extLst>
+                <a:ext uri="{FF2B5EF4-FFF2-40B4-BE49-F238E27FC236}">
+                  <a16:creationId xmlns:a16="http://schemas.microsoft.com/office/drawing/2014/main" id="{9F7A3202-D3D4-4B96-A9CC-4DFF2C50B02E}"/>
+                </a:ext>
+              </a:extLst>
+            </p:cNvPr>
+            <p:cNvCxnSpPr>
+              <a:cxnSpLocks/>
+            </p:cNvCxnSpPr>
+            <p:nvPr/>
+          </p:nvCxnSpPr>
+          <p:spPr>
+            <a:xfrm>
+              <a:off x="1814524" y="2202359"/>
+              <a:ext cx="0" cy="127578"/>
+            </a:xfrm>
+            <a:prstGeom prst="line">
+              <a:avLst/>
+            </a:prstGeom>
+            <a:ln w="12700" cmpd="sng">
+              <a:solidFill>
+                <a:schemeClr val="tx1"/>
+              </a:solidFill>
+              <a:headEnd type="oval"/>
+            </a:ln>
+          </p:spPr>
+          <p:style>
+            <a:lnRef idx="1">
+              <a:schemeClr val="accent1"/>
+            </a:lnRef>
+            <a:fillRef idx="0">
+              <a:schemeClr val="accent1"/>
+            </a:fillRef>
+            <a:effectRef idx="0">
+              <a:schemeClr val="accent1"/>
+            </a:effectRef>
+            <a:fontRef idx="minor">
+              <a:schemeClr val="tx1"/>
+            </a:fontRef>
+          </p:style>
+        </p:cxnSp>
+        <p:cxnSp>
+          <p:nvCxnSpPr>
+            <p:cNvPr id="683" name="Gerader Verbinder 682">
+              <a:extLst>
+                <a:ext uri="{FF2B5EF4-FFF2-40B4-BE49-F238E27FC236}">
+                  <a16:creationId xmlns:a16="http://schemas.microsoft.com/office/drawing/2014/main" id="{D0E4D3BD-765E-4DC5-9770-E433E1504183}"/>
+                </a:ext>
+              </a:extLst>
+            </p:cNvPr>
+            <p:cNvCxnSpPr>
+              <a:cxnSpLocks/>
+            </p:cNvCxnSpPr>
+            <p:nvPr/>
+          </p:nvCxnSpPr>
+          <p:spPr>
+            <a:xfrm>
+              <a:off x="2246302" y="2202359"/>
+              <a:ext cx="0" cy="127578"/>
+            </a:xfrm>
+            <a:prstGeom prst="line">
+              <a:avLst/>
+            </a:prstGeom>
+            <a:ln w="12700" cmpd="sng">
+              <a:solidFill>
+                <a:schemeClr val="tx1"/>
+              </a:solidFill>
+              <a:headEnd type="oval"/>
+            </a:ln>
+          </p:spPr>
+          <p:style>
+            <a:lnRef idx="1">
+              <a:schemeClr val="accent1"/>
+            </a:lnRef>
+            <a:fillRef idx="0">
+              <a:schemeClr val="accent1"/>
+            </a:fillRef>
+            <a:effectRef idx="0">
+              <a:schemeClr val="accent1"/>
+            </a:effectRef>
+            <a:fontRef idx="minor">
+              <a:schemeClr val="tx1"/>
+            </a:fontRef>
+          </p:style>
+        </p:cxnSp>
+        <p:cxnSp>
+          <p:nvCxnSpPr>
+            <p:cNvPr id="684" name="Gerader Verbinder 683">
+              <a:extLst>
+                <a:ext uri="{FF2B5EF4-FFF2-40B4-BE49-F238E27FC236}">
+                  <a16:creationId xmlns:a16="http://schemas.microsoft.com/office/drawing/2014/main" id="{E6DC5144-4C03-41CF-8B4E-C8122C47F17A}"/>
+                </a:ext>
+              </a:extLst>
+            </p:cNvPr>
+            <p:cNvCxnSpPr>
+              <a:cxnSpLocks/>
+            </p:cNvCxnSpPr>
+            <p:nvPr/>
+          </p:nvCxnSpPr>
+          <p:spPr>
+            <a:xfrm>
+              <a:off x="2675093" y="2202359"/>
+              <a:ext cx="0" cy="127578"/>
+            </a:xfrm>
+            <a:prstGeom prst="line">
+              <a:avLst/>
+            </a:prstGeom>
+            <a:ln w="12700" cmpd="sng">
+              <a:solidFill>
+                <a:schemeClr val="tx1"/>
+              </a:solidFill>
+              <a:headEnd type="oval"/>
+            </a:ln>
+          </p:spPr>
+          <p:style>
+            <a:lnRef idx="1">
+              <a:schemeClr val="accent1"/>
+            </a:lnRef>
+            <a:fillRef idx="0">
+              <a:schemeClr val="accent1"/>
+            </a:fillRef>
+            <a:effectRef idx="0">
+              <a:schemeClr val="accent1"/>
+            </a:effectRef>
+            <a:fontRef idx="minor">
+              <a:schemeClr val="tx1"/>
+            </a:fontRef>
+          </p:style>
+        </p:cxnSp>
+        <p:cxnSp>
+          <p:nvCxnSpPr>
+            <p:cNvPr id="685" name="Gerader Verbinder 684">
+              <a:extLst>
+                <a:ext uri="{FF2B5EF4-FFF2-40B4-BE49-F238E27FC236}">
+                  <a16:creationId xmlns:a16="http://schemas.microsoft.com/office/drawing/2014/main" id="{9B6E304F-DD4E-4BC6-935F-035A797B158A}"/>
+                </a:ext>
+              </a:extLst>
+            </p:cNvPr>
+            <p:cNvCxnSpPr>
+              <a:cxnSpLocks/>
+            </p:cNvCxnSpPr>
+            <p:nvPr/>
+          </p:nvCxnSpPr>
+          <p:spPr>
+            <a:xfrm>
+              <a:off x="3106871" y="2202359"/>
+              <a:ext cx="0" cy="127578"/>
+            </a:xfrm>
+            <a:prstGeom prst="line">
+              <a:avLst/>
+            </a:prstGeom>
+            <a:ln w="12700" cmpd="sng">
+              <a:solidFill>
+                <a:schemeClr val="tx1"/>
+              </a:solidFill>
+              <a:headEnd type="oval"/>
+            </a:ln>
+          </p:spPr>
+          <p:style>
+            <a:lnRef idx="1">
+              <a:schemeClr val="accent1"/>
+            </a:lnRef>
+            <a:fillRef idx="0">
+              <a:schemeClr val="accent1"/>
+            </a:fillRef>
+            <a:effectRef idx="0">
+              <a:schemeClr val="accent1"/>
+            </a:effectRef>
+            <a:fontRef idx="minor">
+              <a:schemeClr val="tx1"/>
+            </a:fontRef>
+          </p:style>
+        </p:cxnSp>
+        <p:sp>
+          <p:nvSpPr>
+            <p:cNvPr id="686" name="Textfeld 685">
+              <a:extLst>
+                <a:ext uri="{FF2B5EF4-FFF2-40B4-BE49-F238E27FC236}">
+                  <a16:creationId xmlns:a16="http://schemas.microsoft.com/office/drawing/2014/main" id="{652FB26B-12F5-48E0-9E64-2372D01E027A}"/>
+                </a:ext>
+              </a:extLst>
+            </p:cNvPr>
+            <p:cNvSpPr txBox="1"/>
+            <p:nvPr/>
+          </p:nvSpPr>
+          <p:spPr>
+            <a:xfrm>
+              <a:off x="435501" y="1968434"/>
               <a:ext cx="335348" cy="261610"/>
             </a:xfrm>
             <a:prstGeom prst="rect">

--- a/doc/Labels.pptx
+++ b/doc/Labels.pptx
@@ -262,7 +262,7 @@
           <a:p>
             <a:fld id="{C6985964-12C0-46FB-9AC3-21523FFAE508}" type="datetimeFigureOut">
               <a:rPr lang="de-DE" smtClean="0"/>
-              <a:t>13.07.2024</a:t>
+              <a:t>20.10.2024</a:t>
             </a:fld>
             <a:endParaRPr lang="de-DE"/>
           </a:p>
@@ -460,7 +460,7 @@
           <a:p>
             <a:fld id="{C6985964-12C0-46FB-9AC3-21523FFAE508}" type="datetimeFigureOut">
               <a:rPr lang="de-DE" smtClean="0"/>
-              <a:t>13.07.2024</a:t>
+              <a:t>20.10.2024</a:t>
             </a:fld>
             <a:endParaRPr lang="de-DE"/>
           </a:p>
@@ -668,7 +668,7 @@
           <a:p>
             <a:fld id="{C6985964-12C0-46FB-9AC3-21523FFAE508}" type="datetimeFigureOut">
               <a:rPr lang="de-DE" smtClean="0"/>
-              <a:t>13.07.2024</a:t>
+              <a:t>20.10.2024</a:t>
             </a:fld>
             <a:endParaRPr lang="de-DE"/>
           </a:p>
@@ -866,7 +866,7 @@
           <a:p>
             <a:fld id="{C6985964-12C0-46FB-9AC3-21523FFAE508}" type="datetimeFigureOut">
               <a:rPr lang="de-DE" smtClean="0"/>
-              <a:t>13.07.2024</a:t>
+              <a:t>20.10.2024</a:t>
             </a:fld>
             <a:endParaRPr lang="de-DE"/>
           </a:p>
@@ -1141,7 +1141,7 @@
           <a:p>
             <a:fld id="{C6985964-12C0-46FB-9AC3-21523FFAE508}" type="datetimeFigureOut">
               <a:rPr lang="de-DE" smtClean="0"/>
-              <a:t>13.07.2024</a:t>
+              <a:t>20.10.2024</a:t>
             </a:fld>
             <a:endParaRPr lang="de-DE"/>
           </a:p>
@@ -1406,7 +1406,7 @@
           <a:p>
             <a:fld id="{C6985964-12C0-46FB-9AC3-21523FFAE508}" type="datetimeFigureOut">
               <a:rPr lang="de-DE" smtClean="0"/>
-              <a:t>13.07.2024</a:t>
+              <a:t>20.10.2024</a:t>
             </a:fld>
             <a:endParaRPr lang="de-DE"/>
           </a:p>
@@ -1818,7 +1818,7 @@
           <a:p>
             <a:fld id="{C6985964-12C0-46FB-9AC3-21523FFAE508}" type="datetimeFigureOut">
               <a:rPr lang="de-DE" smtClean="0"/>
-              <a:t>13.07.2024</a:t>
+              <a:t>20.10.2024</a:t>
             </a:fld>
             <a:endParaRPr lang="de-DE"/>
           </a:p>
@@ -1959,7 +1959,7 @@
           <a:p>
             <a:fld id="{C6985964-12C0-46FB-9AC3-21523FFAE508}" type="datetimeFigureOut">
               <a:rPr lang="de-DE" smtClean="0"/>
-              <a:t>13.07.2024</a:t>
+              <a:t>20.10.2024</a:t>
             </a:fld>
             <a:endParaRPr lang="de-DE"/>
           </a:p>
@@ -2072,7 +2072,7 @@
           <a:p>
             <a:fld id="{C6985964-12C0-46FB-9AC3-21523FFAE508}" type="datetimeFigureOut">
               <a:rPr lang="de-DE" smtClean="0"/>
-              <a:t>13.07.2024</a:t>
+              <a:t>20.10.2024</a:t>
             </a:fld>
             <a:endParaRPr lang="de-DE"/>
           </a:p>
@@ -2383,7 +2383,7 @@
           <a:p>
             <a:fld id="{C6985964-12C0-46FB-9AC3-21523FFAE508}" type="datetimeFigureOut">
               <a:rPr lang="de-DE" smtClean="0"/>
-              <a:t>13.07.2024</a:t>
+              <a:t>20.10.2024</a:t>
             </a:fld>
             <a:endParaRPr lang="de-DE"/>
           </a:p>
@@ -2671,7 +2671,7 @@
           <a:p>
             <a:fld id="{C6985964-12C0-46FB-9AC3-21523FFAE508}" type="datetimeFigureOut">
               <a:rPr lang="de-DE" smtClean="0"/>
-              <a:t>13.07.2024</a:t>
+              <a:t>20.10.2024</a:t>
             </a:fld>
             <a:endParaRPr lang="de-DE"/>
           </a:p>
@@ -2912,7 +2912,7 @@
           <a:p>
             <a:fld id="{C6985964-12C0-46FB-9AC3-21523FFAE508}" type="datetimeFigureOut">
               <a:rPr lang="de-DE" smtClean="0"/>
-              <a:t>13.07.2024</a:t>
+              <a:t>20.10.2024</a:t>
             </a:fld>
             <a:endParaRPr lang="de-DE"/>
           </a:p>
@@ -30056,7 +30056,7 @@
         </p:nvGrpSpPr>
         <p:grpSpPr>
           <a:xfrm>
-            <a:off x="424057" y="4427044"/>
+            <a:off x="446766" y="4666496"/>
             <a:ext cx="2885758" cy="601738"/>
             <a:chOff x="435501" y="5817124"/>
             <a:chExt cx="2885758" cy="601738"/>
@@ -40326,6 +40326,7594 @@
                 <a:rPr lang="de-DE" sz="1100" dirty="0"/>
                 <a:t>V+</a:t>
               </a:r>
+            </a:p>
+          </p:txBody>
+        </p:sp>
+      </p:grpSp>
+      <p:grpSp>
+        <p:nvGrpSpPr>
+          <p:cNvPr id="12" name="Gruppieren 11">
+            <a:extLst>
+              <a:ext uri="{FF2B5EF4-FFF2-40B4-BE49-F238E27FC236}">
+                <a16:creationId xmlns:a16="http://schemas.microsoft.com/office/drawing/2014/main" id="{9C35743B-8CD3-4D7B-B76F-C53927BE3F17}"/>
+              </a:ext>
+            </a:extLst>
+          </p:cNvPr>
+          <p:cNvGrpSpPr/>
+          <p:nvPr/>
+        </p:nvGrpSpPr>
+        <p:grpSpPr>
+          <a:xfrm>
+            <a:off x="8584492" y="701872"/>
+            <a:ext cx="2885758" cy="719818"/>
+            <a:chOff x="8584492" y="701872"/>
+            <a:chExt cx="2885758" cy="719818"/>
+          </a:xfrm>
+        </p:grpSpPr>
+        <p:sp>
+          <p:nvSpPr>
+            <p:cNvPr id="341" name="Rechteck 340">
+              <a:extLst>
+                <a:ext uri="{FF2B5EF4-FFF2-40B4-BE49-F238E27FC236}">
+                  <a16:creationId xmlns:a16="http://schemas.microsoft.com/office/drawing/2014/main" id="{CD53FB4B-AC3E-4997-85EE-7DC5F5CC0020}"/>
+                </a:ext>
+              </a:extLst>
+            </p:cNvPr>
+            <p:cNvSpPr/>
+            <p:nvPr/>
+          </p:nvSpPr>
+          <p:spPr>
+            <a:xfrm>
+              <a:off x="8886612" y="804044"/>
+              <a:ext cx="431417" cy="240224"/>
+            </a:xfrm>
+            <a:prstGeom prst="rect">
+              <a:avLst/>
+            </a:prstGeom>
+            <a:solidFill>
+              <a:schemeClr val="bg1">
+                <a:lumMod val="95000"/>
+              </a:schemeClr>
+            </a:solidFill>
+            <a:ln w="15875">
+              <a:solidFill>
+                <a:schemeClr val="tx1"/>
+              </a:solidFill>
+            </a:ln>
+          </p:spPr>
+          <p:style>
+            <a:lnRef idx="2">
+              <a:schemeClr val="accent1">
+                <a:shade val="50000"/>
+              </a:schemeClr>
+            </a:lnRef>
+            <a:fillRef idx="1">
+              <a:schemeClr val="accent1"/>
+            </a:fillRef>
+            <a:effectRef idx="0">
+              <a:schemeClr val="accent1"/>
+            </a:effectRef>
+            <a:fontRef idx="minor">
+              <a:schemeClr val="lt1"/>
+            </a:fontRef>
+          </p:style>
+          <p:txBody>
+            <a:bodyPr lIns="36000" rIns="36000" rtlCol="0" anchor="ctr"/>
+            <a:lstStyle/>
+            <a:p>
+              <a:pPr algn="ctr"/>
+              <a:r>
+                <a:rPr lang="de-DE" sz="1100" dirty="0">
+                  <a:solidFill>
+                    <a:schemeClr val="tx1"/>
+                  </a:solidFill>
+                </a:rPr>
+                <a:t>EK1</a:t>
+              </a:r>
+              <a:endParaRPr lang="de-DE" sz="1400" dirty="0">
+                <a:solidFill>
+                  <a:schemeClr val="tx1"/>
+                </a:solidFill>
+              </a:endParaRPr>
+            </a:p>
+          </p:txBody>
+        </p:sp>
+        <p:sp>
+          <p:nvSpPr>
+            <p:cNvPr id="353" name="Textfeld 352">
+              <a:extLst>
+                <a:ext uri="{FF2B5EF4-FFF2-40B4-BE49-F238E27FC236}">
+                  <a16:creationId xmlns:a16="http://schemas.microsoft.com/office/drawing/2014/main" id="{E1BAC56D-3419-47E0-937E-C6E57EEDA296}"/>
+                </a:ext>
+              </a:extLst>
+            </p:cNvPr>
+            <p:cNvSpPr txBox="1"/>
+            <p:nvPr/>
+          </p:nvSpPr>
+          <p:spPr>
+            <a:xfrm>
+              <a:off x="8968731" y="1160080"/>
+              <a:ext cx="266420" cy="261610"/>
+            </a:xfrm>
+            <a:prstGeom prst="rect">
+              <a:avLst/>
+            </a:prstGeom>
+            <a:noFill/>
+          </p:spPr>
+          <p:txBody>
+            <a:bodyPr wrap="none" rtlCol="0">
+              <a:spAutoFit/>
+            </a:bodyPr>
+            <a:lstStyle/>
+            <a:p>
+              <a:r>
+                <a:rPr lang="de-DE" sz="1100" dirty="0"/>
+                <a:t>A</a:t>
+              </a:r>
+            </a:p>
+          </p:txBody>
+        </p:sp>
+        <p:sp>
+          <p:nvSpPr>
+            <p:cNvPr id="362" name="Textfeld 361">
+              <a:extLst>
+                <a:ext uri="{FF2B5EF4-FFF2-40B4-BE49-F238E27FC236}">
+                  <a16:creationId xmlns:a16="http://schemas.microsoft.com/office/drawing/2014/main" id="{FFC2CDD4-1259-493F-A3B4-DE63EDABD350}"/>
+                </a:ext>
+              </a:extLst>
+            </p:cNvPr>
+            <p:cNvSpPr txBox="1"/>
+            <p:nvPr/>
+          </p:nvSpPr>
+          <p:spPr>
+            <a:xfrm>
+              <a:off x="9403087" y="1160080"/>
+              <a:ext cx="261610" cy="261610"/>
+            </a:xfrm>
+            <a:prstGeom prst="rect">
+              <a:avLst/>
+            </a:prstGeom>
+            <a:noFill/>
+          </p:spPr>
+          <p:txBody>
+            <a:bodyPr wrap="none" rtlCol="0">
+              <a:spAutoFit/>
+            </a:bodyPr>
+            <a:lstStyle/>
+            <a:p>
+              <a:r>
+                <a:rPr lang="de-DE" sz="1100" dirty="0"/>
+                <a:t>B</a:t>
+              </a:r>
+            </a:p>
+          </p:txBody>
+        </p:sp>
+        <p:sp>
+          <p:nvSpPr>
+            <p:cNvPr id="364" name="Textfeld 363">
+              <a:extLst>
+                <a:ext uri="{FF2B5EF4-FFF2-40B4-BE49-F238E27FC236}">
+                  <a16:creationId xmlns:a16="http://schemas.microsoft.com/office/drawing/2014/main" id="{A49C1832-1C45-47D4-B22A-DDCAD3EB066C}"/>
+                </a:ext>
+              </a:extLst>
+            </p:cNvPr>
+            <p:cNvSpPr txBox="1"/>
+            <p:nvPr/>
+          </p:nvSpPr>
+          <p:spPr>
+            <a:xfrm>
+              <a:off x="9833479" y="1160080"/>
+              <a:ext cx="260008" cy="261610"/>
+            </a:xfrm>
+            <a:prstGeom prst="rect">
+              <a:avLst/>
+            </a:prstGeom>
+            <a:noFill/>
+          </p:spPr>
+          <p:txBody>
+            <a:bodyPr wrap="none" rtlCol="0">
+              <a:spAutoFit/>
+            </a:bodyPr>
+            <a:lstStyle/>
+            <a:p>
+              <a:r>
+                <a:rPr lang="de-DE" sz="1100" dirty="0"/>
+                <a:t>C</a:t>
+              </a:r>
+            </a:p>
+          </p:txBody>
+        </p:sp>
+        <p:sp>
+          <p:nvSpPr>
+            <p:cNvPr id="365" name="Textfeld 364">
+              <a:extLst>
+                <a:ext uri="{FF2B5EF4-FFF2-40B4-BE49-F238E27FC236}">
+                  <a16:creationId xmlns:a16="http://schemas.microsoft.com/office/drawing/2014/main" id="{4F05D8BA-E7D3-4CEC-9CA1-3298D30A8EEE}"/>
+                </a:ext>
+              </a:extLst>
+            </p:cNvPr>
+            <p:cNvSpPr txBox="1"/>
+            <p:nvPr/>
+          </p:nvSpPr>
+          <p:spPr>
+            <a:xfrm>
+              <a:off x="10267832" y="1160080"/>
+              <a:ext cx="271228" cy="261610"/>
+            </a:xfrm>
+            <a:prstGeom prst="rect">
+              <a:avLst/>
+            </a:prstGeom>
+            <a:noFill/>
+          </p:spPr>
+          <p:txBody>
+            <a:bodyPr wrap="none" rtlCol="0">
+              <a:spAutoFit/>
+            </a:bodyPr>
+            <a:lstStyle/>
+            <a:p>
+              <a:r>
+                <a:rPr lang="de-DE" sz="1100" dirty="0"/>
+                <a:t>D</a:t>
+              </a:r>
+            </a:p>
+          </p:txBody>
+        </p:sp>
+        <p:sp>
+          <p:nvSpPr>
+            <p:cNvPr id="366" name="Textfeld 365">
+              <a:extLst>
+                <a:ext uri="{FF2B5EF4-FFF2-40B4-BE49-F238E27FC236}">
+                  <a16:creationId xmlns:a16="http://schemas.microsoft.com/office/drawing/2014/main" id="{B92E6AAB-D714-4E45-AD9A-12023B4345B3}"/>
+                </a:ext>
+              </a:extLst>
+            </p:cNvPr>
+            <p:cNvSpPr txBox="1"/>
+            <p:nvPr/>
+          </p:nvSpPr>
+          <p:spPr>
+            <a:xfrm>
+              <a:off x="10698607" y="1160080"/>
+              <a:ext cx="253596" cy="261610"/>
+            </a:xfrm>
+            <a:prstGeom prst="rect">
+              <a:avLst/>
+            </a:prstGeom>
+            <a:noFill/>
+          </p:spPr>
+          <p:txBody>
+            <a:bodyPr wrap="none" rtlCol="0">
+              <a:spAutoFit/>
+            </a:bodyPr>
+            <a:lstStyle/>
+            <a:p>
+              <a:r>
+                <a:rPr lang="de-DE" sz="1100" dirty="0"/>
+                <a:t>E</a:t>
+              </a:r>
+            </a:p>
+          </p:txBody>
+        </p:sp>
+        <p:sp>
+          <p:nvSpPr>
+            <p:cNvPr id="367" name="Textfeld 366">
+              <a:extLst>
+                <a:ext uri="{FF2B5EF4-FFF2-40B4-BE49-F238E27FC236}">
+                  <a16:creationId xmlns:a16="http://schemas.microsoft.com/office/drawing/2014/main" id="{7C13963F-363F-4567-8B7A-B4968B7D215E}"/>
+                </a:ext>
+              </a:extLst>
+            </p:cNvPr>
+            <p:cNvSpPr txBox="1"/>
+            <p:nvPr/>
+          </p:nvSpPr>
+          <p:spPr>
+            <a:xfrm>
+              <a:off x="11132207" y="1160080"/>
+              <a:ext cx="248786" cy="261610"/>
+            </a:xfrm>
+            <a:prstGeom prst="rect">
+              <a:avLst/>
+            </a:prstGeom>
+            <a:noFill/>
+          </p:spPr>
+          <p:txBody>
+            <a:bodyPr wrap="none" rtlCol="0">
+              <a:spAutoFit/>
+            </a:bodyPr>
+            <a:lstStyle/>
+            <a:p>
+              <a:r>
+                <a:rPr lang="de-DE" sz="1100" dirty="0"/>
+                <a:t>F</a:t>
+              </a:r>
+            </a:p>
+          </p:txBody>
+        </p:sp>
+        <p:sp>
+          <p:nvSpPr>
+            <p:cNvPr id="368" name="Rechteck 367">
+              <a:extLst>
+                <a:ext uri="{FF2B5EF4-FFF2-40B4-BE49-F238E27FC236}">
+                  <a16:creationId xmlns:a16="http://schemas.microsoft.com/office/drawing/2014/main" id="{609A3600-F03E-437C-A6D8-8E9D6EA0B0FF}"/>
+                </a:ext>
+              </a:extLst>
+            </p:cNvPr>
+            <p:cNvSpPr/>
+            <p:nvPr/>
+          </p:nvSpPr>
+          <p:spPr>
+            <a:xfrm>
+              <a:off x="9317350" y="804044"/>
+              <a:ext cx="431417" cy="240224"/>
+            </a:xfrm>
+            <a:prstGeom prst="rect">
+              <a:avLst/>
+            </a:prstGeom>
+            <a:solidFill>
+              <a:schemeClr val="bg1">
+                <a:lumMod val="95000"/>
+              </a:schemeClr>
+            </a:solidFill>
+            <a:ln w="15875">
+              <a:solidFill>
+                <a:schemeClr val="tx1"/>
+              </a:solidFill>
+            </a:ln>
+          </p:spPr>
+          <p:style>
+            <a:lnRef idx="2">
+              <a:schemeClr val="accent1">
+                <a:shade val="50000"/>
+              </a:schemeClr>
+            </a:lnRef>
+            <a:fillRef idx="1">
+              <a:schemeClr val="accent1"/>
+            </a:fillRef>
+            <a:effectRef idx="0">
+              <a:schemeClr val="accent1"/>
+            </a:effectRef>
+            <a:fontRef idx="minor">
+              <a:schemeClr val="lt1"/>
+            </a:fontRef>
+          </p:style>
+          <p:txBody>
+            <a:bodyPr lIns="36000" rIns="36000" rtlCol="0" anchor="ctr"/>
+            <a:lstStyle/>
+            <a:p>
+              <a:pPr algn="ctr"/>
+              <a:r>
+                <a:rPr lang="de-DE" sz="1100" dirty="0">
+                  <a:solidFill>
+                    <a:schemeClr val="tx1"/>
+                  </a:solidFill>
+                </a:rPr>
+                <a:t>EK2</a:t>
+              </a:r>
+              <a:endParaRPr lang="de-DE" sz="1400" dirty="0">
+                <a:solidFill>
+                  <a:schemeClr val="tx1"/>
+                </a:solidFill>
+              </a:endParaRPr>
+            </a:p>
+          </p:txBody>
+        </p:sp>
+        <p:sp>
+          <p:nvSpPr>
+            <p:cNvPr id="369" name="Rechteck 368">
+              <a:extLst>
+                <a:ext uri="{FF2B5EF4-FFF2-40B4-BE49-F238E27FC236}">
+                  <a16:creationId xmlns:a16="http://schemas.microsoft.com/office/drawing/2014/main" id="{8FD909F7-0458-45F1-B06E-2456D4A9F516}"/>
+                </a:ext>
+              </a:extLst>
+            </p:cNvPr>
+            <p:cNvSpPr/>
+            <p:nvPr/>
+          </p:nvSpPr>
+          <p:spPr>
+            <a:xfrm>
+              <a:off x="9747807" y="804044"/>
+              <a:ext cx="431417" cy="240224"/>
+            </a:xfrm>
+            <a:prstGeom prst="rect">
+              <a:avLst/>
+            </a:prstGeom>
+            <a:solidFill>
+              <a:schemeClr val="bg1">
+                <a:lumMod val="95000"/>
+              </a:schemeClr>
+            </a:solidFill>
+            <a:ln w="15875">
+              <a:solidFill>
+                <a:schemeClr val="tx1"/>
+              </a:solidFill>
+            </a:ln>
+          </p:spPr>
+          <p:style>
+            <a:lnRef idx="2">
+              <a:schemeClr val="accent1">
+                <a:shade val="50000"/>
+              </a:schemeClr>
+            </a:lnRef>
+            <a:fillRef idx="1">
+              <a:schemeClr val="accent1"/>
+            </a:fillRef>
+            <a:effectRef idx="0">
+              <a:schemeClr val="accent1"/>
+            </a:effectRef>
+            <a:fontRef idx="minor">
+              <a:schemeClr val="lt1"/>
+            </a:fontRef>
+          </p:style>
+          <p:txBody>
+            <a:bodyPr lIns="36000" rIns="36000" rtlCol="0" anchor="ctr"/>
+            <a:lstStyle/>
+            <a:p>
+              <a:pPr algn="ctr"/>
+              <a:r>
+                <a:rPr lang="de-DE" sz="1100" dirty="0">
+                  <a:solidFill>
+                    <a:schemeClr val="tx1"/>
+                  </a:solidFill>
+                </a:rPr>
+                <a:t>EK3</a:t>
+              </a:r>
+              <a:endParaRPr lang="de-DE" sz="1400" dirty="0">
+                <a:solidFill>
+                  <a:schemeClr val="tx1"/>
+                </a:solidFill>
+              </a:endParaRPr>
+            </a:p>
+          </p:txBody>
+        </p:sp>
+        <p:sp>
+          <p:nvSpPr>
+            <p:cNvPr id="370" name="Rechteck 369">
+              <a:extLst>
+                <a:ext uri="{FF2B5EF4-FFF2-40B4-BE49-F238E27FC236}">
+                  <a16:creationId xmlns:a16="http://schemas.microsoft.com/office/drawing/2014/main" id="{5A5876AE-77F3-42D7-821C-8DF70290992B}"/>
+                </a:ext>
+              </a:extLst>
+            </p:cNvPr>
+            <p:cNvSpPr/>
+            <p:nvPr/>
+          </p:nvSpPr>
+          <p:spPr>
+            <a:xfrm>
+              <a:off x="10177638" y="804044"/>
+              <a:ext cx="431417" cy="240224"/>
+            </a:xfrm>
+            <a:prstGeom prst="rect">
+              <a:avLst/>
+            </a:prstGeom>
+            <a:solidFill>
+              <a:schemeClr val="bg1">
+                <a:lumMod val="95000"/>
+              </a:schemeClr>
+            </a:solidFill>
+            <a:ln w="15875">
+              <a:solidFill>
+                <a:schemeClr val="tx1"/>
+              </a:solidFill>
+            </a:ln>
+          </p:spPr>
+          <p:style>
+            <a:lnRef idx="2">
+              <a:schemeClr val="accent1">
+                <a:shade val="50000"/>
+              </a:schemeClr>
+            </a:lnRef>
+            <a:fillRef idx="1">
+              <a:schemeClr val="accent1"/>
+            </a:fillRef>
+            <a:effectRef idx="0">
+              <a:schemeClr val="accent1"/>
+            </a:effectRef>
+            <a:fontRef idx="minor">
+              <a:schemeClr val="lt1"/>
+            </a:fontRef>
+          </p:style>
+          <p:txBody>
+            <a:bodyPr lIns="36000" rIns="36000" rtlCol="0" anchor="ctr"/>
+            <a:lstStyle/>
+            <a:p>
+              <a:pPr algn="ctr"/>
+              <a:r>
+                <a:rPr lang="de-DE" sz="1100" dirty="0">
+                  <a:solidFill>
+                    <a:schemeClr val="tx1"/>
+                  </a:solidFill>
+                </a:rPr>
+                <a:t>EK4</a:t>
+              </a:r>
+              <a:endParaRPr lang="de-DE" sz="1400" dirty="0">
+                <a:solidFill>
+                  <a:schemeClr val="tx1"/>
+                </a:solidFill>
+              </a:endParaRPr>
+            </a:p>
+          </p:txBody>
+        </p:sp>
+        <p:sp>
+          <p:nvSpPr>
+            <p:cNvPr id="371" name="Rechteck 370">
+              <a:extLst>
+                <a:ext uri="{FF2B5EF4-FFF2-40B4-BE49-F238E27FC236}">
+                  <a16:creationId xmlns:a16="http://schemas.microsoft.com/office/drawing/2014/main" id="{3EE175AF-CEAC-4853-A499-DE61917588B3}"/>
+                </a:ext>
+              </a:extLst>
+            </p:cNvPr>
+            <p:cNvSpPr/>
+            <p:nvPr/>
+          </p:nvSpPr>
+          <p:spPr>
+            <a:xfrm>
+              <a:off x="10608376" y="804044"/>
+              <a:ext cx="431417" cy="240224"/>
+            </a:xfrm>
+            <a:prstGeom prst="rect">
+              <a:avLst/>
+            </a:prstGeom>
+            <a:solidFill>
+              <a:schemeClr val="bg1">
+                <a:lumMod val="95000"/>
+              </a:schemeClr>
+            </a:solidFill>
+            <a:ln w="15875">
+              <a:solidFill>
+                <a:schemeClr val="tx1"/>
+              </a:solidFill>
+            </a:ln>
+          </p:spPr>
+          <p:style>
+            <a:lnRef idx="2">
+              <a:schemeClr val="accent1">
+                <a:shade val="50000"/>
+              </a:schemeClr>
+            </a:lnRef>
+            <a:fillRef idx="1">
+              <a:schemeClr val="accent1"/>
+            </a:fillRef>
+            <a:effectRef idx="0">
+              <a:schemeClr val="accent1"/>
+            </a:effectRef>
+            <a:fontRef idx="minor">
+              <a:schemeClr val="lt1"/>
+            </a:fontRef>
+          </p:style>
+          <p:txBody>
+            <a:bodyPr lIns="36000" rIns="36000" rtlCol="0" anchor="ctr"/>
+            <a:lstStyle/>
+            <a:p>
+              <a:pPr algn="ctr"/>
+              <a:r>
+                <a:rPr lang="de-DE" sz="1100" dirty="0">
+                  <a:solidFill>
+                    <a:schemeClr val="tx1"/>
+                  </a:solidFill>
+                </a:rPr>
+                <a:t>EK5</a:t>
+              </a:r>
+              <a:endParaRPr lang="de-DE" sz="1400" dirty="0">
+                <a:solidFill>
+                  <a:schemeClr val="tx1"/>
+                </a:solidFill>
+              </a:endParaRPr>
+            </a:p>
+          </p:txBody>
+        </p:sp>
+        <p:sp>
+          <p:nvSpPr>
+            <p:cNvPr id="372" name="Rechteck 371">
+              <a:extLst>
+                <a:ext uri="{FF2B5EF4-FFF2-40B4-BE49-F238E27FC236}">
+                  <a16:creationId xmlns:a16="http://schemas.microsoft.com/office/drawing/2014/main" id="{A239E5FD-376F-4448-8763-65B9524745D2}"/>
+                </a:ext>
+              </a:extLst>
+            </p:cNvPr>
+            <p:cNvSpPr/>
+            <p:nvPr/>
+          </p:nvSpPr>
+          <p:spPr>
+            <a:xfrm>
+              <a:off x="11038833" y="804044"/>
+              <a:ext cx="431417" cy="240224"/>
+            </a:xfrm>
+            <a:prstGeom prst="rect">
+              <a:avLst/>
+            </a:prstGeom>
+            <a:solidFill>
+              <a:schemeClr val="bg1">
+                <a:lumMod val="95000"/>
+              </a:schemeClr>
+            </a:solidFill>
+            <a:ln w="15875">
+              <a:solidFill>
+                <a:schemeClr val="tx1"/>
+              </a:solidFill>
+            </a:ln>
+          </p:spPr>
+          <p:style>
+            <a:lnRef idx="2">
+              <a:schemeClr val="accent1">
+                <a:shade val="50000"/>
+              </a:schemeClr>
+            </a:lnRef>
+            <a:fillRef idx="1">
+              <a:schemeClr val="accent1"/>
+            </a:fillRef>
+            <a:effectRef idx="0">
+              <a:schemeClr val="accent1"/>
+            </a:effectRef>
+            <a:fontRef idx="minor">
+              <a:schemeClr val="lt1"/>
+            </a:fontRef>
+          </p:style>
+          <p:txBody>
+            <a:bodyPr lIns="36000" rIns="36000" rtlCol="0" anchor="ctr"/>
+            <a:lstStyle/>
+            <a:p>
+              <a:pPr algn="ctr"/>
+              <a:r>
+                <a:rPr lang="de-DE" sz="1100" dirty="0">
+                  <a:solidFill>
+                    <a:schemeClr val="tx1"/>
+                  </a:solidFill>
+                </a:rPr>
+                <a:t>EK6</a:t>
+              </a:r>
+              <a:endParaRPr lang="de-DE" sz="1400" dirty="0">
+                <a:solidFill>
+                  <a:schemeClr val="tx1"/>
+                </a:solidFill>
+              </a:endParaRPr>
+            </a:p>
+          </p:txBody>
+        </p:sp>
+        <p:sp>
+          <p:nvSpPr>
+            <p:cNvPr id="373" name="Rechteck 372">
+              <a:extLst>
+                <a:ext uri="{FF2B5EF4-FFF2-40B4-BE49-F238E27FC236}">
+                  <a16:creationId xmlns:a16="http://schemas.microsoft.com/office/drawing/2014/main" id="{EF851C50-4C96-444A-BC56-7B0831A965C1}"/>
+                </a:ext>
+              </a:extLst>
+            </p:cNvPr>
+            <p:cNvSpPr/>
+            <p:nvPr/>
+          </p:nvSpPr>
+          <p:spPr>
+            <a:xfrm>
+              <a:off x="8596017" y="804033"/>
+              <a:ext cx="291253" cy="240224"/>
+            </a:xfrm>
+            <a:prstGeom prst="rect">
+              <a:avLst/>
+            </a:prstGeom>
+            <a:solidFill>
+              <a:srgbClr val="FF7D7D"/>
+            </a:solidFill>
+            <a:ln w="15875">
+              <a:solidFill>
+                <a:schemeClr val="tx1"/>
+              </a:solidFill>
+            </a:ln>
+          </p:spPr>
+          <p:style>
+            <a:lnRef idx="2">
+              <a:schemeClr val="accent1">
+                <a:shade val="50000"/>
+              </a:schemeClr>
+            </a:lnRef>
+            <a:fillRef idx="1">
+              <a:schemeClr val="accent1"/>
+            </a:fillRef>
+            <a:effectRef idx="0">
+              <a:schemeClr val="accent1"/>
+            </a:effectRef>
+            <a:fontRef idx="minor">
+              <a:schemeClr val="lt1"/>
+            </a:fontRef>
+          </p:style>
+          <p:txBody>
+            <a:bodyPr lIns="36000" rIns="36000" rtlCol="0" anchor="ctr"/>
+            <a:lstStyle/>
+            <a:p>
+              <a:pPr algn="ctr"/>
+              <a:endParaRPr lang="de-DE" sz="1400" dirty="0">
+                <a:solidFill>
+                  <a:schemeClr val="tx1"/>
+                </a:solidFill>
+              </a:endParaRPr>
+            </a:p>
+          </p:txBody>
+        </p:sp>
+        <p:cxnSp>
+          <p:nvCxnSpPr>
+            <p:cNvPr id="374" name="Gerader Verbinder 373">
+              <a:extLst>
+                <a:ext uri="{FF2B5EF4-FFF2-40B4-BE49-F238E27FC236}">
+                  <a16:creationId xmlns:a16="http://schemas.microsoft.com/office/drawing/2014/main" id="{694B5590-BD01-4960-B4B8-D3F2305BE848}"/>
+                </a:ext>
+              </a:extLst>
+            </p:cNvPr>
+            <p:cNvCxnSpPr>
+              <a:cxnSpLocks/>
+            </p:cNvCxnSpPr>
+            <p:nvPr/>
+          </p:nvCxnSpPr>
+          <p:spPr>
+            <a:xfrm flipV="1">
+              <a:off x="8734739" y="1047685"/>
+              <a:ext cx="0" cy="127578"/>
+            </a:xfrm>
+            <a:prstGeom prst="line">
+              <a:avLst/>
+            </a:prstGeom>
+            <a:ln w="12700" cmpd="sng">
+              <a:solidFill>
+                <a:schemeClr val="tx1"/>
+              </a:solidFill>
+              <a:headEnd type="oval"/>
+            </a:ln>
+          </p:spPr>
+          <p:style>
+            <a:lnRef idx="1">
+              <a:schemeClr val="accent1"/>
+            </a:lnRef>
+            <a:fillRef idx="0">
+              <a:schemeClr val="accent1"/>
+            </a:fillRef>
+            <a:effectRef idx="0">
+              <a:schemeClr val="accent1"/>
+            </a:effectRef>
+            <a:fontRef idx="minor">
+              <a:schemeClr val="tx1"/>
+            </a:fontRef>
+          </p:style>
+        </p:cxnSp>
+        <p:cxnSp>
+          <p:nvCxnSpPr>
+            <p:cNvPr id="375" name="Gerader Verbinder 374">
+              <a:extLst>
+                <a:ext uri="{FF2B5EF4-FFF2-40B4-BE49-F238E27FC236}">
+                  <a16:creationId xmlns:a16="http://schemas.microsoft.com/office/drawing/2014/main" id="{61676E8D-B695-47EB-8327-0C75CFCD091C}"/>
+                </a:ext>
+              </a:extLst>
+            </p:cNvPr>
+            <p:cNvCxnSpPr>
+              <a:cxnSpLocks/>
+            </p:cNvCxnSpPr>
+            <p:nvPr/>
+          </p:nvCxnSpPr>
+          <p:spPr>
+            <a:xfrm flipV="1">
+              <a:off x="9101280" y="1044755"/>
+              <a:ext cx="0" cy="127578"/>
+            </a:xfrm>
+            <a:prstGeom prst="line">
+              <a:avLst/>
+            </a:prstGeom>
+            <a:ln w="12700" cmpd="sng">
+              <a:solidFill>
+                <a:schemeClr val="tx1"/>
+              </a:solidFill>
+              <a:headEnd type="oval"/>
+            </a:ln>
+          </p:spPr>
+          <p:style>
+            <a:lnRef idx="1">
+              <a:schemeClr val="accent1"/>
+            </a:lnRef>
+            <a:fillRef idx="0">
+              <a:schemeClr val="accent1"/>
+            </a:fillRef>
+            <a:effectRef idx="0">
+              <a:schemeClr val="accent1"/>
+            </a:effectRef>
+            <a:fontRef idx="minor">
+              <a:schemeClr val="tx1"/>
+            </a:fontRef>
+          </p:style>
+        </p:cxnSp>
+        <p:cxnSp>
+          <p:nvCxnSpPr>
+            <p:cNvPr id="376" name="Gerader Verbinder 375">
+              <a:extLst>
+                <a:ext uri="{FF2B5EF4-FFF2-40B4-BE49-F238E27FC236}">
+                  <a16:creationId xmlns:a16="http://schemas.microsoft.com/office/drawing/2014/main" id="{3716826D-C830-4CB7-802C-2D9CA2DF8217}"/>
+                </a:ext>
+              </a:extLst>
+            </p:cNvPr>
+            <p:cNvCxnSpPr>
+              <a:cxnSpLocks/>
+            </p:cNvCxnSpPr>
+            <p:nvPr/>
+          </p:nvCxnSpPr>
+          <p:spPr>
+            <a:xfrm flipV="1">
+              <a:off x="9533058" y="1044755"/>
+              <a:ext cx="0" cy="127578"/>
+            </a:xfrm>
+            <a:prstGeom prst="line">
+              <a:avLst/>
+            </a:prstGeom>
+            <a:ln w="12700" cmpd="sng">
+              <a:solidFill>
+                <a:schemeClr val="tx1"/>
+              </a:solidFill>
+              <a:headEnd type="oval"/>
+            </a:ln>
+          </p:spPr>
+          <p:style>
+            <a:lnRef idx="1">
+              <a:schemeClr val="accent1"/>
+            </a:lnRef>
+            <a:fillRef idx="0">
+              <a:schemeClr val="accent1"/>
+            </a:fillRef>
+            <a:effectRef idx="0">
+              <a:schemeClr val="accent1"/>
+            </a:effectRef>
+            <a:fontRef idx="minor">
+              <a:schemeClr val="tx1"/>
+            </a:fontRef>
+          </p:style>
+        </p:cxnSp>
+        <p:cxnSp>
+          <p:nvCxnSpPr>
+            <p:cNvPr id="377" name="Gerader Verbinder 376">
+              <a:extLst>
+                <a:ext uri="{FF2B5EF4-FFF2-40B4-BE49-F238E27FC236}">
+                  <a16:creationId xmlns:a16="http://schemas.microsoft.com/office/drawing/2014/main" id="{9BE9EB65-63E0-443F-93AE-90A3A2BA08B9}"/>
+                </a:ext>
+              </a:extLst>
+            </p:cNvPr>
+            <p:cNvCxnSpPr>
+              <a:cxnSpLocks/>
+            </p:cNvCxnSpPr>
+            <p:nvPr/>
+          </p:nvCxnSpPr>
+          <p:spPr>
+            <a:xfrm flipV="1">
+              <a:off x="9963515" y="1044755"/>
+              <a:ext cx="0" cy="127578"/>
+            </a:xfrm>
+            <a:prstGeom prst="line">
+              <a:avLst/>
+            </a:prstGeom>
+            <a:ln w="12700" cmpd="sng">
+              <a:solidFill>
+                <a:schemeClr val="tx1"/>
+              </a:solidFill>
+              <a:headEnd type="oval"/>
+            </a:ln>
+          </p:spPr>
+          <p:style>
+            <a:lnRef idx="1">
+              <a:schemeClr val="accent1"/>
+            </a:lnRef>
+            <a:fillRef idx="0">
+              <a:schemeClr val="accent1"/>
+            </a:fillRef>
+            <a:effectRef idx="0">
+              <a:schemeClr val="accent1"/>
+            </a:effectRef>
+            <a:fontRef idx="minor">
+              <a:schemeClr val="tx1"/>
+            </a:fontRef>
+          </p:style>
+        </p:cxnSp>
+        <p:cxnSp>
+          <p:nvCxnSpPr>
+            <p:cNvPr id="378" name="Gerader Verbinder 377">
+              <a:extLst>
+                <a:ext uri="{FF2B5EF4-FFF2-40B4-BE49-F238E27FC236}">
+                  <a16:creationId xmlns:a16="http://schemas.microsoft.com/office/drawing/2014/main" id="{622EE7C1-FD7D-49E8-AF59-B0C83AB4DCFF}"/>
+                </a:ext>
+              </a:extLst>
+            </p:cNvPr>
+            <p:cNvCxnSpPr>
+              <a:cxnSpLocks/>
+            </p:cNvCxnSpPr>
+            <p:nvPr/>
+          </p:nvCxnSpPr>
+          <p:spPr>
+            <a:xfrm flipV="1">
+              <a:off x="10395293" y="1044755"/>
+              <a:ext cx="0" cy="127578"/>
+            </a:xfrm>
+            <a:prstGeom prst="line">
+              <a:avLst/>
+            </a:prstGeom>
+            <a:ln w="12700" cmpd="sng">
+              <a:solidFill>
+                <a:schemeClr val="tx1"/>
+              </a:solidFill>
+              <a:headEnd type="oval"/>
+            </a:ln>
+          </p:spPr>
+          <p:style>
+            <a:lnRef idx="1">
+              <a:schemeClr val="accent1"/>
+            </a:lnRef>
+            <a:fillRef idx="0">
+              <a:schemeClr val="accent1"/>
+            </a:fillRef>
+            <a:effectRef idx="0">
+              <a:schemeClr val="accent1"/>
+            </a:effectRef>
+            <a:fontRef idx="minor">
+              <a:schemeClr val="tx1"/>
+            </a:fontRef>
+          </p:style>
+        </p:cxnSp>
+        <p:cxnSp>
+          <p:nvCxnSpPr>
+            <p:cNvPr id="379" name="Gerader Verbinder 378">
+              <a:extLst>
+                <a:ext uri="{FF2B5EF4-FFF2-40B4-BE49-F238E27FC236}">
+                  <a16:creationId xmlns:a16="http://schemas.microsoft.com/office/drawing/2014/main" id="{53C3353B-FCFF-4E92-BA73-AB40600E56EA}"/>
+                </a:ext>
+              </a:extLst>
+            </p:cNvPr>
+            <p:cNvCxnSpPr>
+              <a:cxnSpLocks/>
+            </p:cNvCxnSpPr>
+            <p:nvPr/>
+          </p:nvCxnSpPr>
+          <p:spPr>
+            <a:xfrm flipV="1">
+              <a:off x="10824084" y="1044755"/>
+              <a:ext cx="0" cy="127578"/>
+            </a:xfrm>
+            <a:prstGeom prst="line">
+              <a:avLst/>
+            </a:prstGeom>
+            <a:ln w="12700" cmpd="sng">
+              <a:solidFill>
+                <a:schemeClr val="tx1"/>
+              </a:solidFill>
+              <a:headEnd type="oval"/>
+            </a:ln>
+          </p:spPr>
+          <p:style>
+            <a:lnRef idx="1">
+              <a:schemeClr val="accent1"/>
+            </a:lnRef>
+            <a:fillRef idx="0">
+              <a:schemeClr val="accent1"/>
+            </a:fillRef>
+            <a:effectRef idx="0">
+              <a:schemeClr val="accent1"/>
+            </a:effectRef>
+            <a:fontRef idx="minor">
+              <a:schemeClr val="tx1"/>
+            </a:fontRef>
+          </p:style>
+        </p:cxnSp>
+        <p:cxnSp>
+          <p:nvCxnSpPr>
+            <p:cNvPr id="380" name="Gerader Verbinder 379">
+              <a:extLst>
+                <a:ext uri="{FF2B5EF4-FFF2-40B4-BE49-F238E27FC236}">
+                  <a16:creationId xmlns:a16="http://schemas.microsoft.com/office/drawing/2014/main" id="{496AACCD-E261-4C1E-A634-7C03B2E0A64B}"/>
+                </a:ext>
+              </a:extLst>
+            </p:cNvPr>
+            <p:cNvCxnSpPr>
+              <a:cxnSpLocks/>
+            </p:cNvCxnSpPr>
+            <p:nvPr/>
+          </p:nvCxnSpPr>
+          <p:spPr>
+            <a:xfrm flipV="1">
+              <a:off x="11255862" y="1044755"/>
+              <a:ext cx="0" cy="127578"/>
+            </a:xfrm>
+            <a:prstGeom prst="line">
+              <a:avLst/>
+            </a:prstGeom>
+            <a:ln w="12700" cmpd="sng">
+              <a:solidFill>
+                <a:schemeClr val="tx1"/>
+              </a:solidFill>
+              <a:headEnd type="oval"/>
+            </a:ln>
+          </p:spPr>
+          <p:style>
+            <a:lnRef idx="1">
+              <a:schemeClr val="accent1"/>
+            </a:lnRef>
+            <a:fillRef idx="0">
+              <a:schemeClr val="accent1"/>
+            </a:fillRef>
+            <a:effectRef idx="0">
+              <a:schemeClr val="accent1"/>
+            </a:effectRef>
+            <a:fontRef idx="minor">
+              <a:schemeClr val="tx1"/>
+            </a:fontRef>
+          </p:style>
+        </p:cxnSp>
+        <p:sp>
+          <p:nvSpPr>
+            <p:cNvPr id="381" name="Textfeld 380">
+              <a:extLst>
+                <a:ext uri="{FF2B5EF4-FFF2-40B4-BE49-F238E27FC236}">
+                  <a16:creationId xmlns:a16="http://schemas.microsoft.com/office/drawing/2014/main" id="{F0669D47-64ED-4309-A4F5-4CC6B1DB8CC6}"/>
+                </a:ext>
+              </a:extLst>
+            </p:cNvPr>
+            <p:cNvSpPr txBox="1"/>
+            <p:nvPr/>
+          </p:nvSpPr>
+          <p:spPr>
+            <a:xfrm>
+              <a:off x="8584492" y="1160080"/>
+              <a:ext cx="335348" cy="261610"/>
+            </a:xfrm>
+            <a:prstGeom prst="rect">
+              <a:avLst/>
+            </a:prstGeom>
+            <a:noFill/>
+          </p:spPr>
+          <p:txBody>
+            <a:bodyPr wrap="none" rtlCol="0">
+              <a:spAutoFit/>
+            </a:bodyPr>
+            <a:lstStyle/>
+            <a:p>
+              <a:r>
+                <a:rPr lang="de-DE" sz="1100" dirty="0"/>
+                <a:t>V+</a:t>
+              </a:r>
+            </a:p>
+          </p:txBody>
+        </p:sp>
+        <p:sp>
+          <p:nvSpPr>
+            <p:cNvPr id="10" name="Rechteck 9">
+              <a:extLst>
+                <a:ext uri="{FF2B5EF4-FFF2-40B4-BE49-F238E27FC236}">
+                  <a16:creationId xmlns:a16="http://schemas.microsoft.com/office/drawing/2014/main" id="{9E6B7576-9E81-4E54-B1FD-DC3E5467B4C0}"/>
+                </a:ext>
+              </a:extLst>
+            </p:cNvPr>
+            <p:cNvSpPr/>
+            <p:nvPr/>
+          </p:nvSpPr>
+          <p:spPr>
+            <a:xfrm>
+              <a:off x="8601530" y="701872"/>
+              <a:ext cx="290589" cy="94681"/>
+            </a:xfrm>
+            <a:prstGeom prst="rect">
+              <a:avLst/>
+            </a:prstGeom>
+            <a:noFill/>
+            <a:ln>
+              <a:noFill/>
+            </a:ln>
+          </p:spPr>
+          <p:style>
+            <a:lnRef idx="2">
+              <a:schemeClr val="accent1">
+                <a:shade val="50000"/>
+              </a:schemeClr>
+            </a:lnRef>
+            <a:fillRef idx="1">
+              <a:schemeClr val="accent1"/>
+            </a:fillRef>
+            <a:effectRef idx="0">
+              <a:schemeClr val="accent1"/>
+            </a:effectRef>
+            <a:fontRef idx="minor">
+              <a:schemeClr val="lt1"/>
+            </a:fontRef>
+          </p:style>
+          <p:txBody>
+            <a:bodyPr rtlCol="0" anchor="ctr"/>
+            <a:lstStyle/>
+            <a:p>
+              <a:pPr algn="ctr"/>
+              <a:endParaRPr lang="de-DE"/>
+            </a:p>
+          </p:txBody>
+        </p:sp>
+      </p:grpSp>
+      <p:grpSp>
+        <p:nvGrpSpPr>
+          <p:cNvPr id="18" name="Gruppieren 17">
+            <a:extLst>
+              <a:ext uri="{FF2B5EF4-FFF2-40B4-BE49-F238E27FC236}">
+                <a16:creationId xmlns:a16="http://schemas.microsoft.com/office/drawing/2014/main" id="{E7DDF833-34F8-4D58-959A-D2F4F28D3B23}"/>
+              </a:ext>
+            </a:extLst>
+          </p:cNvPr>
+          <p:cNvGrpSpPr/>
+          <p:nvPr/>
+        </p:nvGrpSpPr>
+        <p:grpSpPr>
+          <a:xfrm>
+            <a:off x="8633011" y="5841198"/>
+            <a:ext cx="2885758" cy="716755"/>
+            <a:chOff x="8633011" y="5841198"/>
+            <a:chExt cx="2885758" cy="716755"/>
+          </a:xfrm>
+        </p:grpSpPr>
+        <p:sp>
+          <p:nvSpPr>
+            <p:cNvPr id="471" name="Rechteck 470">
+              <a:extLst>
+                <a:ext uri="{FF2B5EF4-FFF2-40B4-BE49-F238E27FC236}">
+                  <a16:creationId xmlns:a16="http://schemas.microsoft.com/office/drawing/2014/main" id="{AEEA5B33-C636-4450-AE7D-21635A32EC03}"/>
+                </a:ext>
+              </a:extLst>
+            </p:cNvPr>
+            <p:cNvSpPr/>
+            <p:nvPr/>
+          </p:nvSpPr>
+          <p:spPr>
+            <a:xfrm>
+              <a:off x="8935131" y="5940307"/>
+              <a:ext cx="431417" cy="240224"/>
+            </a:xfrm>
+            <a:prstGeom prst="rect">
+              <a:avLst/>
+            </a:prstGeom>
+            <a:solidFill>
+              <a:schemeClr val="accent2">
+                <a:lumMod val="20000"/>
+                <a:lumOff val="80000"/>
+              </a:schemeClr>
+            </a:solidFill>
+            <a:ln w="15875">
+              <a:solidFill>
+                <a:schemeClr val="tx1"/>
+              </a:solidFill>
+            </a:ln>
+          </p:spPr>
+          <p:style>
+            <a:lnRef idx="2">
+              <a:schemeClr val="accent1">
+                <a:shade val="50000"/>
+              </a:schemeClr>
+            </a:lnRef>
+            <a:fillRef idx="1">
+              <a:schemeClr val="accent1"/>
+            </a:fillRef>
+            <a:effectRef idx="0">
+              <a:schemeClr val="accent1"/>
+            </a:effectRef>
+            <a:fontRef idx="minor">
+              <a:schemeClr val="lt1"/>
+            </a:fontRef>
+          </p:style>
+          <p:txBody>
+            <a:bodyPr lIns="36000" rIns="36000" rtlCol="0" anchor="ctr"/>
+            <a:lstStyle/>
+            <a:p>
+              <a:pPr algn="ctr"/>
+              <a:r>
+                <a:rPr lang="de-DE" sz="1100" dirty="0">
+                  <a:solidFill>
+                    <a:schemeClr val="tx1"/>
+                  </a:solidFill>
+                </a:rPr>
+                <a:t>R1</a:t>
+              </a:r>
+              <a:endParaRPr lang="de-DE" sz="1400" dirty="0">
+                <a:solidFill>
+                  <a:schemeClr val="tx1"/>
+                </a:solidFill>
+              </a:endParaRPr>
+            </a:p>
+          </p:txBody>
+        </p:sp>
+        <p:sp>
+          <p:nvSpPr>
+            <p:cNvPr id="472" name="Textfeld 471">
+              <a:extLst>
+                <a:ext uri="{FF2B5EF4-FFF2-40B4-BE49-F238E27FC236}">
+                  <a16:creationId xmlns:a16="http://schemas.microsoft.com/office/drawing/2014/main" id="{8DC973CA-1422-4550-94B6-20BFE99FA61A}"/>
+                </a:ext>
+              </a:extLst>
+            </p:cNvPr>
+            <p:cNvSpPr txBox="1"/>
+            <p:nvPr/>
+          </p:nvSpPr>
+          <p:spPr>
+            <a:xfrm>
+              <a:off x="9017250" y="6296343"/>
+              <a:ext cx="266420" cy="261610"/>
+            </a:xfrm>
+            <a:prstGeom prst="rect">
+              <a:avLst/>
+            </a:prstGeom>
+            <a:noFill/>
+          </p:spPr>
+          <p:txBody>
+            <a:bodyPr wrap="none" rtlCol="0">
+              <a:spAutoFit/>
+            </a:bodyPr>
+            <a:lstStyle/>
+            <a:p>
+              <a:r>
+                <a:rPr lang="de-DE" sz="1100" dirty="0"/>
+                <a:t>A</a:t>
+              </a:r>
+            </a:p>
+          </p:txBody>
+        </p:sp>
+        <p:sp>
+          <p:nvSpPr>
+            <p:cNvPr id="473" name="Textfeld 472">
+              <a:extLst>
+                <a:ext uri="{FF2B5EF4-FFF2-40B4-BE49-F238E27FC236}">
+                  <a16:creationId xmlns:a16="http://schemas.microsoft.com/office/drawing/2014/main" id="{36CE6AB9-297B-4061-B61C-C4233CCFEECC}"/>
+                </a:ext>
+              </a:extLst>
+            </p:cNvPr>
+            <p:cNvSpPr txBox="1"/>
+            <p:nvPr/>
+          </p:nvSpPr>
+          <p:spPr>
+            <a:xfrm>
+              <a:off x="9451606" y="6296343"/>
+              <a:ext cx="261610" cy="261610"/>
+            </a:xfrm>
+            <a:prstGeom prst="rect">
+              <a:avLst/>
+            </a:prstGeom>
+            <a:noFill/>
+          </p:spPr>
+          <p:txBody>
+            <a:bodyPr wrap="none" rtlCol="0">
+              <a:spAutoFit/>
+            </a:bodyPr>
+            <a:lstStyle/>
+            <a:p>
+              <a:r>
+                <a:rPr lang="de-DE" sz="1100" dirty="0"/>
+                <a:t>B</a:t>
+              </a:r>
+            </a:p>
+          </p:txBody>
+        </p:sp>
+        <p:sp>
+          <p:nvSpPr>
+            <p:cNvPr id="474" name="Textfeld 473">
+              <a:extLst>
+                <a:ext uri="{FF2B5EF4-FFF2-40B4-BE49-F238E27FC236}">
+                  <a16:creationId xmlns:a16="http://schemas.microsoft.com/office/drawing/2014/main" id="{6C9932FE-6D74-4A22-87DD-3EA54F0A59E7}"/>
+                </a:ext>
+              </a:extLst>
+            </p:cNvPr>
+            <p:cNvSpPr txBox="1"/>
+            <p:nvPr/>
+          </p:nvSpPr>
+          <p:spPr>
+            <a:xfrm>
+              <a:off x="9881998" y="6296343"/>
+              <a:ext cx="260008" cy="261610"/>
+            </a:xfrm>
+            <a:prstGeom prst="rect">
+              <a:avLst/>
+            </a:prstGeom>
+            <a:noFill/>
+          </p:spPr>
+          <p:txBody>
+            <a:bodyPr wrap="none" rtlCol="0">
+              <a:spAutoFit/>
+            </a:bodyPr>
+            <a:lstStyle/>
+            <a:p>
+              <a:r>
+                <a:rPr lang="de-DE" sz="1100" dirty="0"/>
+                <a:t>C</a:t>
+              </a:r>
+            </a:p>
+          </p:txBody>
+        </p:sp>
+        <p:sp>
+          <p:nvSpPr>
+            <p:cNvPr id="475" name="Textfeld 474">
+              <a:extLst>
+                <a:ext uri="{FF2B5EF4-FFF2-40B4-BE49-F238E27FC236}">
+                  <a16:creationId xmlns:a16="http://schemas.microsoft.com/office/drawing/2014/main" id="{C143DEFE-852C-4CA4-9389-84D0CCFDC588}"/>
+                </a:ext>
+              </a:extLst>
+            </p:cNvPr>
+            <p:cNvSpPr txBox="1"/>
+            <p:nvPr/>
+          </p:nvSpPr>
+          <p:spPr>
+            <a:xfrm>
+              <a:off x="10316351" y="6296343"/>
+              <a:ext cx="271228" cy="261610"/>
+            </a:xfrm>
+            <a:prstGeom prst="rect">
+              <a:avLst/>
+            </a:prstGeom>
+            <a:noFill/>
+          </p:spPr>
+          <p:txBody>
+            <a:bodyPr wrap="none" rtlCol="0">
+              <a:spAutoFit/>
+            </a:bodyPr>
+            <a:lstStyle/>
+            <a:p>
+              <a:r>
+                <a:rPr lang="de-DE" sz="1100" dirty="0"/>
+                <a:t>D</a:t>
+              </a:r>
+            </a:p>
+          </p:txBody>
+        </p:sp>
+        <p:sp>
+          <p:nvSpPr>
+            <p:cNvPr id="476" name="Textfeld 475">
+              <a:extLst>
+                <a:ext uri="{FF2B5EF4-FFF2-40B4-BE49-F238E27FC236}">
+                  <a16:creationId xmlns:a16="http://schemas.microsoft.com/office/drawing/2014/main" id="{E1B3EB20-CF1C-468A-882E-E5BF834FDA71}"/>
+                </a:ext>
+              </a:extLst>
+            </p:cNvPr>
+            <p:cNvSpPr txBox="1"/>
+            <p:nvPr/>
+          </p:nvSpPr>
+          <p:spPr>
+            <a:xfrm>
+              <a:off x="10747126" y="6296343"/>
+              <a:ext cx="253596" cy="261610"/>
+            </a:xfrm>
+            <a:prstGeom prst="rect">
+              <a:avLst/>
+            </a:prstGeom>
+            <a:noFill/>
+          </p:spPr>
+          <p:txBody>
+            <a:bodyPr wrap="none" rtlCol="0">
+              <a:spAutoFit/>
+            </a:bodyPr>
+            <a:lstStyle/>
+            <a:p>
+              <a:r>
+                <a:rPr lang="de-DE" sz="1100" dirty="0"/>
+                <a:t>E</a:t>
+              </a:r>
+            </a:p>
+          </p:txBody>
+        </p:sp>
+        <p:sp>
+          <p:nvSpPr>
+            <p:cNvPr id="477" name="Textfeld 476">
+              <a:extLst>
+                <a:ext uri="{FF2B5EF4-FFF2-40B4-BE49-F238E27FC236}">
+                  <a16:creationId xmlns:a16="http://schemas.microsoft.com/office/drawing/2014/main" id="{AB2B473A-7D26-4F71-8E5E-BE6FA926A923}"/>
+                </a:ext>
+              </a:extLst>
+            </p:cNvPr>
+            <p:cNvSpPr txBox="1"/>
+            <p:nvPr/>
+          </p:nvSpPr>
+          <p:spPr>
+            <a:xfrm>
+              <a:off x="11180726" y="6296343"/>
+              <a:ext cx="248786" cy="261610"/>
+            </a:xfrm>
+            <a:prstGeom prst="rect">
+              <a:avLst/>
+            </a:prstGeom>
+            <a:noFill/>
+          </p:spPr>
+          <p:txBody>
+            <a:bodyPr wrap="none" rtlCol="0">
+              <a:spAutoFit/>
+            </a:bodyPr>
+            <a:lstStyle/>
+            <a:p>
+              <a:r>
+                <a:rPr lang="de-DE" sz="1100" dirty="0"/>
+                <a:t>F</a:t>
+              </a:r>
+            </a:p>
+          </p:txBody>
+        </p:sp>
+        <p:sp>
+          <p:nvSpPr>
+            <p:cNvPr id="478" name="Rechteck 477">
+              <a:extLst>
+                <a:ext uri="{FF2B5EF4-FFF2-40B4-BE49-F238E27FC236}">
+                  <a16:creationId xmlns:a16="http://schemas.microsoft.com/office/drawing/2014/main" id="{F103E261-C0E1-416A-89A7-5331D3FC8AED}"/>
+                </a:ext>
+              </a:extLst>
+            </p:cNvPr>
+            <p:cNvSpPr/>
+            <p:nvPr/>
+          </p:nvSpPr>
+          <p:spPr>
+            <a:xfrm>
+              <a:off x="9365869" y="5940307"/>
+              <a:ext cx="431417" cy="240224"/>
+            </a:xfrm>
+            <a:prstGeom prst="rect">
+              <a:avLst/>
+            </a:prstGeom>
+            <a:solidFill>
+              <a:schemeClr val="accent6">
+                <a:lumMod val="20000"/>
+                <a:lumOff val="80000"/>
+              </a:schemeClr>
+            </a:solidFill>
+            <a:ln w="15875">
+              <a:solidFill>
+                <a:schemeClr val="tx1"/>
+              </a:solidFill>
+            </a:ln>
+          </p:spPr>
+          <p:style>
+            <a:lnRef idx="2">
+              <a:schemeClr val="accent1">
+                <a:shade val="50000"/>
+              </a:schemeClr>
+            </a:lnRef>
+            <a:fillRef idx="1">
+              <a:schemeClr val="accent1"/>
+            </a:fillRef>
+            <a:effectRef idx="0">
+              <a:schemeClr val="accent1"/>
+            </a:effectRef>
+            <a:fontRef idx="minor">
+              <a:schemeClr val="lt1"/>
+            </a:fontRef>
+          </p:style>
+          <p:txBody>
+            <a:bodyPr lIns="36000" rIns="36000" rtlCol="0" anchor="ctr"/>
+            <a:lstStyle/>
+            <a:p>
+              <a:pPr algn="ctr"/>
+              <a:r>
+                <a:rPr lang="de-DE" sz="1100" dirty="0">
+                  <a:solidFill>
+                    <a:schemeClr val="tx1"/>
+                  </a:solidFill>
+                </a:rPr>
+                <a:t>G1</a:t>
+              </a:r>
+              <a:endParaRPr lang="de-DE" sz="1400" dirty="0">
+                <a:solidFill>
+                  <a:schemeClr val="tx1"/>
+                </a:solidFill>
+              </a:endParaRPr>
+            </a:p>
+          </p:txBody>
+        </p:sp>
+        <p:sp>
+          <p:nvSpPr>
+            <p:cNvPr id="479" name="Rechteck 478">
+              <a:extLst>
+                <a:ext uri="{FF2B5EF4-FFF2-40B4-BE49-F238E27FC236}">
+                  <a16:creationId xmlns:a16="http://schemas.microsoft.com/office/drawing/2014/main" id="{452BFF23-70B0-4608-8741-34BEA7E6F7D7}"/>
+                </a:ext>
+              </a:extLst>
+            </p:cNvPr>
+            <p:cNvSpPr/>
+            <p:nvPr/>
+          </p:nvSpPr>
+          <p:spPr>
+            <a:xfrm>
+              <a:off x="9796326" y="5940307"/>
+              <a:ext cx="431417" cy="240224"/>
+            </a:xfrm>
+            <a:prstGeom prst="rect">
+              <a:avLst/>
+            </a:prstGeom>
+            <a:solidFill>
+              <a:schemeClr val="accent1">
+                <a:lumMod val="20000"/>
+                <a:lumOff val="80000"/>
+              </a:schemeClr>
+            </a:solidFill>
+            <a:ln w="15875">
+              <a:solidFill>
+                <a:schemeClr val="tx1"/>
+              </a:solidFill>
+            </a:ln>
+          </p:spPr>
+          <p:style>
+            <a:lnRef idx="2">
+              <a:schemeClr val="accent1">
+                <a:shade val="50000"/>
+              </a:schemeClr>
+            </a:lnRef>
+            <a:fillRef idx="1">
+              <a:schemeClr val="accent1"/>
+            </a:fillRef>
+            <a:effectRef idx="0">
+              <a:schemeClr val="accent1"/>
+            </a:effectRef>
+            <a:fontRef idx="minor">
+              <a:schemeClr val="lt1"/>
+            </a:fontRef>
+          </p:style>
+          <p:txBody>
+            <a:bodyPr lIns="36000" rIns="36000" rtlCol="0" anchor="ctr"/>
+            <a:lstStyle/>
+            <a:p>
+              <a:pPr algn="ctr"/>
+              <a:r>
+                <a:rPr lang="de-DE" sz="1100" dirty="0">
+                  <a:solidFill>
+                    <a:schemeClr val="tx1"/>
+                  </a:solidFill>
+                </a:rPr>
+                <a:t>B1</a:t>
+              </a:r>
+              <a:endParaRPr lang="de-DE" sz="1400" dirty="0">
+                <a:solidFill>
+                  <a:schemeClr val="tx1"/>
+                </a:solidFill>
+              </a:endParaRPr>
+            </a:p>
+          </p:txBody>
+        </p:sp>
+        <p:sp>
+          <p:nvSpPr>
+            <p:cNvPr id="480" name="Rechteck 479">
+              <a:extLst>
+                <a:ext uri="{FF2B5EF4-FFF2-40B4-BE49-F238E27FC236}">
+                  <a16:creationId xmlns:a16="http://schemas.microsoft.com/office/drawing/2014/main" id="{19317EF5-0C8C-4FEC-8D06-2808E60C6CDE}"/>
+                </a:ext>
+              </a:extLst>
+            </p:cNvPr>
+            <p:cNvSpPr/>
+            <p:nvPr/>
+          </p:nvSpPr>
+          <p:spPr>
+            <a:xfrm>
+              <a:off x="10226157" y="5940307"/>
+              <a:ext cx="431417" cy="240224"/>
+            </a:xfrm>
+            <a:prstGeom prst="rect">
+              <a:avLst/>
+            </a:prstGeom>
+            <a:solidFill>
+              <a:schemeClr val="bg1">
+                <a:lumMod val="95000"/>
+              </a:schemeClr>
+            </a:solidFill>
+            <a:ln w="15875">
+              <a:solidFill>
+                <a:schemeClr val="tx1"/>
+              </a:solidFill>
+            </a:ln>
+          </p:spPr>
+          <p:style>
+            <a:lnRef idx="2">
+              <a:schemeClr val="accent1">
+                <a:shade val="50000"/>
+              </a:schemeClr>
+            </a:lnRef>
+            <a:fillRef idx="1">
+              <a:schemeClr val="accent1"/>
+            </a:fillRef>
+            <a:effectRef idx="0">
+              <a:schemeClr val="accent1"/>
+            </a:effectRef>
+            <a:fontRef idx="minor">
+              <a:schemeClr val="lt1"/>
+            </a:fontRef>
+          </p:style>
+          <p:txBody>
+            <a:bodyPr lIns="36000" rIns="36000" rtlCol="0" anchor="ctr"/>
+            <a:lstStyle/>
+            <a:p>
+              <a:pPr algn="ctr"/>
+              <a:r>
+                <a:rPr lang="de-DE" sz="1100" dirty="0">
+                  <a:solidFill>
+                    <a:schemeClr val="tx1"/>
+                  </a:solidFill>
+                </a:rPr>
+                <a:t>EK1</a:t>
+              </a:r>
+              <a:endParaRPr lang="de-DE" sz="1400" dirty="0">
+                <a:solidFill>
+                  <a:schemeClr val="tx1"/>
+                </a:solidFill>
+              </a:endParaRPr>
+            </a:p>
+          </p:txBody>
+        </p:sp>
+        <p:sp>
+          <p:nvSpPr>
+            <p:cNvPr id="481" name="Rechteck 480">
+              <a:extLst>
+                <a:ext uri="{FF2B5EF4-FFF2-40B4-BE49-F238E27FC236}">
+                  <a16:creationId xmlns:a16="http://schemas.microsoft.com/office/drawing/2014/main" id="{E9FDB453-4204-42B9-BB28-DBB60A7E7133}"/>
+                </a:ext>
+              </a:extLst>
+            </p:cNvPr>
+            <p:cNvSpPr/>
+            <p:nvPr/>
+          </p:nvSpPr>
+          <p:spPr>
+            <a:xfrm>
+              <a:off x="10656895" y="5940307"/>
+              <a:ext cx="431417" cy="240224"/>
+            </a:xfrm>
+            <a:prstGeom prst="rect">
+              <a:avLst/>
+            </a:prstGeom>
+            <a:solidFill>
+              <a:schemeClr val="bg1">
+                <a:lumMod val="95000"/>
+              </a:schemeClr>
+            </a:solidFill>
+            <a:ln w="15875">
+              <a:solidFill>
+                <a:schemeClr val="tx1"/>
+              </a:solidFill>
+            </a:ln>
+          </p:spPr>
+          <p:style>
+            <a:lnRef idx="2">
+              <a:schemeClr val="accent1">
+                <a:shade val="50000"/>
+              </a:schemeClr>
+            </a:lnRef>
+            <a:fillRef idx="1">
+              <a:schemeClr val="accent1"/>
+            </a:fillRef>
+            <a:effectRef idx="0">
+              <a:schemeClr val="accent1"/>
+            </a:effectRef>
+            <a:fontRef idx="minor">
+              <a:schemeClr val="lt1"/>
+            </a:fontRef>
+          </p:style>
+          <p:txBody>
+            <a:bodyPr lIns="36000" rIns="36000" rtlCol="0" anchor="ctr"/>
+            <a:lstStyle/>
+            <a:p>
+              <a:pPr algn="ctr"/>
+              <a:r>
+                <a:rPr lang="de-DE" sz="1100" dirty="0">
+                  <a:solidFill>
+                    <a:schemeClr val="tx1"/>
+                  </a:solidFill>
+                </a:rPr>
+                <a:t>EK2</a:t>
+              </a:r>
+              <a:endParaRPr lang="de-DE" sz="1400" dirty="0">
+                <a:solidFill>
+                  <a:schemeClr val="tx1"/>
+                </a:solidFill>
+              </a:endParaRPr>
+            </a:p>
+          </p:txBody>
+        </p:sp>
+        <p:sp>
+          <p:nvSpPr>
+            <p:cNvPr id="482" name="Rechteck 481">
+              <a:extLst>
+                <a:ext uri="{FF2B5EF4-FFF2-40B4-BE49-F238E27FC236}">
+                  <a16:creationId xmlns:a16="http://schemas.microsoft.com/office/drawing/2014/main" id="{96F3D707-50F1-4BE9-B5E2-0AE4E7A57573}"/>
+                </a:ext>
+              </a:extLst>
+            </p:cNvPr>
+            <p:cNvSpPr/>
+            <p:nvPr/>
+          </p:nvSpPr>
+          <p:spPr>
+            <a:xfrm>
+              <a:off x="11087352" y="5940307"/>
+              <a:ext cx="431417" cy="240224"/>
+            </a:xfrm>
+            <a:prstGeom prst="rect">
+              <a:avLst/>
+            </a:prstGeom>
+            <a:solidFill>
+              <a:schemeClr val="bg1">
+                <a:lumMod val="95000"/>
+              </a:schemeClr>
+            </a:solidFill>
+            <a:ln w="15875">
+              <a:solidFill>
+                <a:schemeClr val="tx1"/>
+              </a:solidFill>
+            </a:ln>
+          </p:spPr>
+          <p:style>
+            <a:lnRef idx="2">
+              <a:schemeClr val="accent1">
+                <a:shade val="50000"/>
+              </a:schemeClr>
+            </a:lnRef>
+            <a:fillRef idx="1">
+              <a:schemeClr val="accent1"/>
+            </a:fillRef>
+            <a:effectRef idx="0">
+              <a:schemeClr val="accent1"/>
+            </a:effectRef>
+            <a:fontRef idx="minor">
+              <a:schemeClr val="lt1"/>
+            </a:fontRef>
+          </p:style>
+          <p:txBody>
+            <a:bodyPr lIns="36000" rIns="36000" rtlCol="0" anchor="ctr"/>
+            <a:lstStyle/>
+            <a:p>
+              <a:pPr algn="ctr"/>
+              <a:r>
+                <a:rPr lang="de-DE" sz="1100" dirty="0">
+                  <a:solidFill>
+                    <a:schemeClr val="tx1"/>
+                  </a:solidFill>
+                </a:rPr>
+                <a:t>EK3</a:t>
+              </a:r>
+              <a:endParaRPr lang="de-DE" sz="1400" dirty="0">
+                <a:solidFill>
+                  <a:schemeClr val="tx1"/>
+                </a:solidFill>
+              </a:endParaRPr>
+            </a:p>
+          </p:txBody>
+        </p:sp>
+        <p:sp>
+          <p:nvSpPr>
+            <p:cNvPr id="483" name="Rechteck 482">
+              <a:extLst>
+                <a:ext uri="{FF2B5EF4-FFF2-40B4-BE49-F238E27FC236}">
+                  <a16:creationId xmlns:a16="http://schemas.microsoft.com/office/drawing/2014/main" id="{EE1E150B-107A-404B-890B-9607B4C0EDF8}"/>
+                </a:ext>
+              </a:extLst>
+            </p:cNvPr>
+            <p:cNvSpPr/>
+            <p:nvPr/>
+          </p:nvSpPr>
+          <p:spPr>
+            <a:xfrm>
+              <a:off x="8644536" y="5940296"/>
+              <a:ext cx="291253" cy="240224"/>
+            </a:xfrm>
+            <a:prstGeom prst="rect">
+              <a:avLst/>
+            </a:prstGeom>
+            <a:solidFill>
+              <a:srgbClr val="FF7D7D"/>
+            </a:solidFill>
+            <a:ln w="15875">
+              <a:solidFill>
+                <a:schemeClr val="tx1"/>
+              </a:solidFill>
+            </a:ln>
+          </p:spPr>
+          <p:style>
+            <a:lnRef idx="2">
+              <a:schemeClr val="accent1">
+                <a:shade val="50000"/>
+              </a:schemeClr>
+            </a:lnRef>
+            <a:fillRef idx="1">
+              <a:schemeClr val="accent1"/>
+            </a:fillRef>
+            <a:effectRef idx="0">
+              <a:schemeClr val="accent1"/>
+            </a:effectRef>
+            <a:fontRef idx="minor">
+              <a:schemeClr val="lt1"/>
+            </a:fontRef>
+          </p:style>
+          <p:txBody>
+            <a:bodyPr lIns="36000" rIns="36000" rtlCol="0" anchor="ctr"/>
+            <a:lstStyle/>
+            <a:p>
+              <a:pPr algn="ctr"/>
+              <a:endParaRPr lang="de-DE" sz="1400" dirty="0">
+                <a:solidFill>
+                  <a:schemeClr val="tx1"/>
+                </a:solidFill>
+              </a:endParaRPr>
+            </a:p>
+          </p:txBody>
+        </p:sp>
+        <p:cxnSp>
+          <p:nvCxnSpPr>
+            <p:cNvPr id="484" name="Gerader Verbinder 483">
+              <a:extLst>
+                <a:ext uri="{FF2B5EF4-FFF2-40B4-BE49-F238E27FC236}">
+                  <a16:creationId xmlns:a16="http://schemas.microsoft.com/office/drawing/2014/main" id="{080C8A9D-D103-40A7-9CE4-5A5E0F688BDD}"/>
+                </a:ext>
+              </a:extLst>
+            </p:cNvPr>
+            <p:cNvCxnSpPr>
+              <a:cxnSpLocks/>
+            </p:cNvCxnSpPr>
+            <p:nvPr/>
+          </p:nvCxnSpPr>
+          <p:spPr>
+            <a:xfrm flipV="1">
+              <a:off x="8783258" y="6184937"/>
+              <a:ext cx="0" cy="127578"/>
+            </a:xfrm>
+            <a:prstGeom prst="line">
+              <a:avLst/>
+            </a:prstGeom>
+            <a:ln w="12700" cmpd="sng">
+              <a:solidFill>
+                <a:schemeClr val="tx1"/>
+              </a:solidFill>
+              <a:headEnd type="oval"/>
+            </a:ln>
+          </p:spPr>
+          <p:style>
+            <a:lnRef idx="1">
+              <a:schemeClr val="accent1"/>
+            </a:lnRef>
+            <a:fillRef idx="0">
+              <a:schemeClr val="accent1"/>
+            </a:fillRef>
+            <a:effectRef idx="0">
+              <a:schemeClr val="accent1"/>
+            </a:effectRef>
+            <a:fontRef idx="minor">
+              <a:schemeClr val="tx1"/>
+            </a:fontRef>
+          </p:style>
+        </p:cxnSp>
+        <p:cxnSp>
+          <p:nvCxnSpPr>
+            <p:cNvPr id="485" name="Gerader Verbinder 484">
+              <a:extLst>
+                <a:ext uri="{FF2B5EF4-FFF2-40B4-BE49-F238E27FC236}">
+                  <a16:creationId xmlns:a16="http://schemas.microsoft.com/office/drawing/2014/main" id="{8790B4B2-ED97-4B4F-B214-B449EFDAB572}"/>
+                </a:ext>
+              </a:extLst>
+            </p:cNvPr>
+            <p:cNvCxnSpPr>
+              <a:cxnSpLocks/>
+            </p:cNvCxnSpPr>
+            <p:nvPr/>
+          </p:nvCxnSpPr>
+          <p:spPr>
+            <a:xfrm flipV="1">
+              <a:off x="9149799" y="6182007"/>
+              <a:ext cx="0" cy="127578"/>
+            </a:xfrm>
+            <a:prstGeom prst="line">
+              <a:avLst/>
+            </a:prstGeom>
+            <a:ln w="12700" cmpd="sng">
+              <a:solidFill>
+                <a:schemeClr val="tx1"/>
+              </a:solidFill>
+              <a:headEnd type="oval"/>
+            </a:ln>
+          </p:spPr>
+          <p:style>
+            <a:lnRef idx="1">
+              <a:schemeClr val="accent1"/>
+            </a:lnRef>
+            <a:fillRef idx="0">
+              <a:schemeClr val="accent1"/>
+            </a:fillRef>
+            <a:effectRef idx="0">
+              <a:schemeClr val="accent1"/>
+            </a:effectRef>
+            <a:fontRef idx="minor">
+              <a:schemeClr val="tx1"/>
+            </a:fontRef>
+          </p:style>
+        </p:cxnSp>
+        <p:cxnSp>
+          <p:nvCxnSpPr>
+            <p:cNvPr id="486" name="Gerader Verbinder 485">
+              <a:extLst>
+                <a:ext uri="{FF2B5EF4-FFF2-40B4-BE49-F238E27FC236}">
+                  <a16:creationId xmlns:a16="http://schemas.microsoft.com/office/drawing/2014/main" id="{AFCC80A1-C3BE-486C-BDF4-251A154AAEAD}"/>
+                </a:ext>
+              </a:extLst>
+            </p:cNvPr>
+            <p:cNvCxnSpPr>
+              <a:cxnSpLocks/>
+            </p:cNvCxnSpPr>
+            <p:nvPr/>
+          </p:nvCxnSpPr>
+          <p:spPr>
+            <a:xfrm flipV="1">
+              <a:off x="9581577" y="6182007"/>
+              <a:ext cx="0" cy="127578"/>
+            </a:xfrm>
+            <a:prstGeom prst="line">
+              <a:avLst/>
+            </a:prstGeom>
+            <a:ln w="12700" cmpd="sng">
+              <a:solidFill>
+                <a:schemeClr val="tx1"/>
+              </a:solidFill>
+              <a:headEnd type="oval"/>
+            </a:ln>
+          </p:spPr>
+          <p:style>
+            <a:lnRef idx="1">
+              <a:schemeClr val="accent1"/>
+            </a:lnRef>
+            <a:fillRef idx="0">
+              <a:schemeClr val="accent1"/>
+            </a:fillRef>
+            <a:effectRef idx="0">
+              <a:schemeClr val="accent1"/>
+            </a:effectRef>
+            <a:fontRef idx="minor">
+              <a:schemeClr val="tx1"/>
+            </a:fontRef>
+          </p:style>
+        </p:cxnSp>
+        <p:cxnSp>
+          <p:nvCxnSpPr>
+            <p:cNvPr id="487" name="Gerader Verbinder 486">
+              <a:extLst>
+                <a:ext uri="{FF2B5EF4-FFF2-40B4-BE49-F238E27FC236}">
+                  <a16:creationId xmlns:a16="http://schemas.microsoft.com/office/drawing/2014/main" id="{54D1D7BD-F230-4BF4-9B7D-1DA35C4B0964}"/>
+                </a:ext>
+              </a:extLst>
+            </p:cNvPr>
+            <p:cNvCxnSpPr>
+              <a:cxnSpLocks/>
+            </p:cNvCxnSpPr>
+            <p:nvPr/>
+          </p:nvCxnSpPr>
+          <p:spPr>
+            <a:xfrm flipV="1">
+              <a:off x="10012034" y="6182007"/>
+              <a:ext cx="0" cy="127578"/>
+            </a:xfrm>
+            <a:prstGeom prst="line">
+              <a:avLst/>
+            </a:prstGeom>
+            <a:ln w="12700" cmpd="sng">
+              <a:solidFill>
+                <a:schemeClr val="tx1"/>
+              </a:solidFill>
+              <a:headEnd type="oval"/>
+            </a:ln>
+          </p:spPr>
+          <p:style>
+            <a:lnRef idx="1">
+              <a:schemeClr val="accent1"/>
+            </a:lnRef>
+            <a:fillRef idx="0">
+              <a:schemeClr val="accent1"/>
+            </a:fillRef>
+            <a:effectRef idx="0">
+              <a:schemeClr val="accent1"/>
+            </a:effectRef>
+            <a:fontRef idx="minor">
+              <a:schemeClr val="tx1"/>
+            </a:fontRef>
+          </p:style>
+        </p:cxnSp>
+        <p:cxnSp>
+          <p:nvCxnSpPr>
+            <p:cNvPr id="488" name="Gerader Verbinder 487">
+              <a:extLst>
+                <a:ext uri="{FF2B5EF4-FFF2-40B4-BE49-F238E27FC236}">
+                  <a16:creationId xmlns:a16="http://schemas.microsoft.com/office/drawing/2014/main" id="{E3B4CDD3-2687-40DF-B4BF-5C263FF158A6}"/>
+                </a:ext>
+              </a:extLst>
+            </p:cNvPr>
+            <p:cNvCxnSpPr>
+              <a:cxnSpLocks/>
+            </p:cNvCxnSpPr>
+            <p:nvPr/>
+          </p:nvCxnSpPr>
+          <p:spPr>
+            <a:xfrm flipV="1">
+              <a:off x="10443812" y="6182007"/>
+              <a:ext cx="0" cy="127578"/>
+            </a:xfrm>
+            <a:prstGeom prst="line">
+              <a:avLst/>
+            </a:prstGeom>
+            <a:ln w="12700" cmpd="sng">
+              <a:solidFill>
+                <a:schemeClr val="tx1"/>
+              </a:solidFill>
+              <a:headEnd type="oval"/>
+            </a:ln>
+          </p:spPr>
+          <p:style>
+            <a:lnRef idx="1">
+              <a:schemeClr val="accent1"/>
+            </a:lnRef>
+            <a:fillRef idx="0">
+              <a:schemeClr val="accent1"/>
+            </a:fillRef>
+            <a:effectRef idx="0">
+              <a:schemeClr val="accent1"/>
+            </a:effectRef>
+            <a:fontRef idx="minor">
+              <a:schemeClr val="tx1"/>
+            </a:fontRef>
+          </p:style>
+        </p:cxnSp>
+        <p:cxnSp>
+          <p:nvCxnSpPr>
+            <p:cNvPr id="489" name="Gerader Verbinder 488">
+              <a:extLst>
+                <a:ext uri="{FF2B5EF4-FFF2-40B4-BE49-F238E27FC236}">
+                  <a16:creationId xmlns:a16="http://schemas.microsoft.com/office/drawing/2014/main" id="{4E64BDD7-EC8A-40F2-A06F-9F07EA7906F7}"/>
+                </a:ext>
+              </a:extLst>
+            </p:cNvPr>
+            <p:cNvCxnSpPr>
+              <a:cxnSpLocks/>
+            </p:cNvCxnSpPr>
+            <p:nvPr/>
+          </p:nvCxnSpPr>
+          <p:spPr>
+            <a:xfrm flipV="1">
+              <a:off x="10872603" y="6182007"/>
+              <a:ext cx="0" cy="127578"/>
+            </a:xfrm>
+            <a:prstGeom prst="line">
+              <a:avLst/>
+            </a:prstGeom>
+            <a:ln w="12700" cmpd="sng">
+              <a:solidFill>
+                <a:schemeClr val="tx1"/>
+              </a:solidFill>
+              <a:headEnd type="oval"/>
+            </a:ln>
+          </p:spPr>
+          <p:style>
+            <a:lnRef idx="1">
+              <a:schemeClr val="accent1"/>
+            </a:lnRef>
+            <a:fillRef idx="0">
+              <a:schemeClr val="accent1"/>
+            </a:fillRef>
+            <a:effectRef idx="0">
+              <a:schemeClr val="accent1"/>
+            </a:effectRef>
+            <a:fontRef idx="minor">
+              <a:schemeClr val="tx1"/>
+            </a:fontRef>
+          </p:style>
+        </p:cxnSp>
+        <p:cxnSp>
+          <p:nvCxnSpPr>
+            <p:cNvPr id="490" name="Gerader Verbinder 489">
+              <a:extLst>
+                <a:ext uri="{FF2B5EF4-FFF2-40B4-BE49-F238E27FC236}">
+                  <a16:creationId xmlns:a16="http://schemas.microsoft.com/office/drawing/2014/main" id="{E0497BDB-242C-49CE-BABF-026FA7F98440}"/>
+                </a:ext>
+              </a:extLst>
+            </p:cNvPr>
+            <p:cNvCxnSpPr>
+              <a:cxnSpLocks/>
+            </p:cNvCxnSpPr>
+            <p:nvPr/>
+          </p:nvCxnSpPr>
+          <p:spPr>
+            <a:xfrm flipV="1">
+              <a:off x="11304381" y="6182007"/>
+              <a:ext cx="0" cy="127578"/>
+            </a:xfrm>
+            <a:prstGeom prst="line">
+              <a:avLst/>
+            </a:prstGeom>
+            <a:ln w="12700" cmpd="sng">
+              <a:solidFill>
+                <a:schemeClr val="tx1"/>
+              </a:solidFill>
+              <a:headEnd type="oval"/>
+            </a:ln>
+          </p:spPr>
+          <p:style>
+            <a:lnRef idx="1">
+              <a:schemeClr val="accent1"/>
+            </a:lnRef>
+            <a:fillRef idx="0">
+              <a:schemeClr val="accent1"/>
+            </a:fillRef>
+            <a:effectRef idx="0">
+              <a:schemeClr val="accent1"/>
+            </a:effectRef>
+            <a:fontRef idx="minor">
+              <a:schemeClr val="tx1"/>
+            </a:fontRef>
+          </p:style>
+        </p:cxnSp>
+        <p:sp>
+          <p:nvSpPr>
+            <p:cNvPr id="491" name="Textfeld 490">
+              <a:extLst>
+                <a:ext uri="{FF2B5EF4-FFF2-40B4-BE49-F238E27FC236}">
+                  <a16:creationId xmlns:a16="http://schemas.microsoft.com/office/drawing/2014/main" id="{9969FB83-0C07-4F8E-8825-B3FFD99AB060}"/>
+                </a:ext>
+              </a:extLst>
+            </p:cNvPr>
+            <p:cNvSpPr txBox="1"/>
+            <p:nvPr/>
+          </p:nvSpPr>
+          <p:spPr>
+            <a:xfrm>
+              <a:off x="8633011" y="6296343"/>
+              <a:ext cx="335348" cy="261610"/>
+            </a:xfrm>
+            <a:prstGeom prst="rect">
+              <a:avLst/>
+            </a:prstGeom>
+            <a:noFill/>
+          </p:spPr>
+          <p:txBody>
+            <a:bodyPr wrap="none" rtlCol="0">
+              <a:spAutoFit/>
+            </a:bodyPr>
+            <a:lstStyle/>
+            <a:p>
+              <a:r>
+                <a:rPr lang="de-DE" sz="1100" dirty="0"/>
+                <a:t>V+</a:t>
+              </a:r>
+            </a:p>
+          </p:txBody>
+        </p:sp>
+        <p:sp>
+          <p:nvSpPr>
+            <p:cNvPr id="492" name="Rechteck 491">
+              <a:extLst>
+                <a:ext uri="{FF2B5EF4-FFF2-40B4-BE49-F238E27FC236}">
+                  <a16:creationId xmlns:a16="http://schemas.microsoft.com/office/drawing/2014/main" id="{13CBDF55-4894-4688-AFBE-D3D18D4C6934}"/>
+                </a:ext>
+              </a:extLst>
+            </p:cNvPr>
+            <p:cNvSpPr/>
+            <p:nvPr/>
+          </p:nvSpPr>
+          <p:spPr>
+            <a:xfrm>
+              <a:off x="8644341" y="5841198"/>
+              <a:ext cx="290589" cy="94681"/>
+            </a:xfrm>
+            <a:prstGeom prst="rect">
+              <a:avLst/>
+            </a:prstGeom>
+            <a:noFill/>
+            <a:ln>
+              <a:noFill/>
+            </a:ln>
+          </p:spPr>
+          <p:style>
+            <a:lnRef idx="2">
+              <a:schemeClr val="accent1">
+                <a:shade val="50000"/>
+              </a:schemeClr>
+            </a:lnRef>
+            <a:fillRef idx="1">
+              <a:schemeClr val="accent1"/>
+            </a:fillRef>
+            <a:effectRef idx="0">
+              <a:schemeClr val="accent1"/>
+            </a:effectRef>
+            <a:fontRef idx="minor">
+              <a:schemeClr val="lt1"/>
+            </a:fontRef>
+          </p:style>
+          <p:txBody>
+            <a:bodyPr rtlCol="0" anchor="ctr"/>
+            <a:lstStyle/>
+            <a:p>
+              <a:pPr algn="ctr"/>
+              <a:endParaRPr lang="de-DE"/>
+            </a:p>
+          </p:txBody>
+        </p:sp>
+      </p:grpSp>
+      <p:grpSp>
+        <p:nvGrpSpPr>
+          <p:cNvPr id="13" name="Gruppieren 12">
+            <a:extLst>
+              <a:ext uri="{FF2B5EF4-FFF2-40B4-BE49-F238E27FC236}">
+                <a16:creationId xmlns:a16="http://schemas.microsoft.com/office/drawing/2014/main" id="{5A0BFD3C-51C7-43E4-8565-5BC90C1904BC}"/>
+              </a:ext>
+            </a:extLst>
+          </p:cNvPr>
+          <p:cNvGrpSpPr/>
+          <p:nvPr/>
+        </p:nvGrpSpPr>
+        <p:grpSpPr>
+          <a:xfrm>
+            <a:off x="8614979" y="1594721"/>
+            <a:ext cx="2885758" cy="714052"/>
+            <a:chOff x="8614979" y="1594721"/>
+            <a:chExt cx="2885758" cy="714052"/>
+          </a:xfrm>
+        </p:grpSpPr>
+        <p:sp>
+          <p:nvSpPr>
+            <p:cNvPr id="493" name="Rechteck 492">
+              <a:extLst>
+                <a:ext uri="{FF2B5EF4-FFF2-40B4-BE49-F238E27FC236}">
+                  <a16:creationId xmlns:a16="http://schemas.microsoft.com/office/drawing/2014/main" id="{BF756BA1-A781-4773-B6C0-98C949705102}"/>
+                </a:ext>
+              </a:extLst>
+            </p:cNvPr>
+            <p:cNvSpPr/>
+            <p:nvPr/>
+          </p:nvSpPr>
+          <p:spPr>
+            <a:xfrm>
+              <a:off x="8917099" y="1691127"/>
+              <a:ext cx="431417" cy="240224"/>
+            </a:xfrm>
+            <a:prstGeom prst="rect">
+              <a:avLst/>
+            </a:prstGeom>
+            <a:solidFill>
+              <a:schemeClr val="bg1">
+                <a:lumMod val="95000"/>
+              </a:schemeClr>
+            </a:solidFill>
+            <a:ln w="15875">
+              <a:solidFill>
+                <a:schemeClr val="tx1"/>
+              </a:solidFill>
+            </a:ln>
+          </p:spPr>
+          <p:style>
+            <a:lnRef idx="2">
+              <a:schemeClr val="accent1">
+                <a:shade val="50000"/>
+              </a:schemeClr>
+            </a:lnRef>
+            <a:fillRef idx="1">
+              <a:schemeClr val="accent1"/>
+            </a:fillRef>
+            <a:effectRef idx="0">
+              <a:schemeClr val="accent1"/>
+            </a:effectRef>
+            <a:fontRef idx="minor">
+              <a:schemeClr val="lt1"/>
+            </a:fontRef>
+          </p:style>
+          <p:txBody>
+            <a:bodyPr lIns="36000" rIns="36000" rtlCol="0" anchor="ctr"/>
+            <a:lstStyle/>
+            <a:p>
+              <a:pPr algn="ctr"/>
+              <a:endParaRPr lang="de-DE" sz="1400" dirty="0">
+                <a:solidFill>
+                  <a:schemeClr val="tx1"/>
+                </a:solidFill>
+              </a:endParaRPr>
+            </a:p>
+          </p:txBody>
+        </p:sp>
+        <p:sp>
+          <p:nvSpPr>
+            <p:cNvPr id="494" name="Textfeld 493">
+              <a:extLst>
+                <a:ext uri="{FF2B5EF4-FFF2-40B4-BE49-F238E27FC236}">
+                  <a16:creationId xmlns:a16="http://schemas.microsoft.com/office/drawing/2014/main" id="{D549F00B-F606-4370-87A7-DB0E0DCE5492}"/>
+                </a:ext>
+              </a:extLst>
+            </p:cNvPr>
+            <p:cNvSpPr txBox="1"/>
+            <p:nvPr/>
+          </p:nvSpPr>
+          <p:spPr>
+            <a:xfrm>
+              <a:off x="8999218" y="2047163"/>
+              <a:ext cx="266420" cy="261610"/>
+            </a:xfrm>
+            <a:prstGeom prst="rect">
+              <a:avLst/>
+            </a:prstGeom>
+            <a:noFill/>
+          </p:spPr>
+          <p:txBody>
+            <a:bodyPr wrap="none" rtlCol="0">
+              <a:spAutoFit/>
+            </a:bodyPr>
+            <a:lstStyle/>
+            <a:p>
+              <a:r>
+                <a:rPr lang="de-DE" sz="1100" dirty="0"/>
+                <a:t>A</a:t>
+              </a:r>
+            </a:p>
+          </p:txBody>
+        </p:sp>
+        <p:sp>
+          <p:nvSpPr>
+            <p:cNvPr id="495" name="Textfeld 494">
+              <a:extLst>
+                <a:ext uri="{FF2B5EF4-FFF2-40B4-BE49-F238E27FC236}">
+                  <a16:creationId xmlns:a16="http://schemas.microsoft.com/office/drawing/2014/main" id="{0FE7B4BF-25E5-41E3-98B8-768D88968F73}"/>
+                </a:ext>
+              </a:extLst>
+            </p:cNvPr>
+            <p:cNvSpPr txBox="1"/>
+            <p:nvPr/>
+          </p:nvSpPr>
+          <p:spPr>
+            <a:xfrm>
+              <a:off x="9433574" y="2047163"/>
+              <a:ext cx="261610" cy="261610"/>
+            </a:xfrm>
+            <a:prstGeom prst="rect">
+              <a:avLst/>
+            </a:prstGeom>
+            <a:noFill/>
+          </p:spPr>
+          <p:txBody>
+            <a:bodyPr wrap="none" rtlCol="0">
+              <a:spAutoFit/>
+            </a:bodyPr>
+            <a:lstStyle/>
+            <a:p>
+              <a:r>
+                <a:rPr lang="de-DE" sz="1100" dirty="0"/>
+                <a:t>B</a:t>
+              </a:r>
+            </a:p>
+          </p:txBody>
+        </p:sp>
+        <p:sp>
+          <p:nvSpPr>
+            <p:cNvPr id="496" name="Textfeld 495">
+              <a:extLst>
+                <a:ext uri="{FF2B5EF4-FFF2-40B4-BE49-F238E27FC236}">
+                  <a16:creationId xmlns:a16="http://schemas.microsoft.com/office/drawing/2014/main" id="{E5C6B2A3-C8B1-4E7D-B3B4-9D4B7B1C59DA}"/>
+                </a:ext>
+              </a:extLst>
+            </p:cNvPr>
+            <p:cNvSpPr txBox="1"/>
+            <p:nvPr/>
+          </p:nvSpPr>
+          <p:spPr>
+            <a:xfrm>
+              <a:off x="9863966" y="2047163"/>
+              <a:ext cx="260008" cy="261610"/>
+            </a:xfrm>
+            <a:prstGeom prst="rect">
+              <a:avLst/>
+            </a:prstGeom>
+            <a:noFill/>
+          </p:spPr>
+          <p:txBody>
+            <a:bodyPr wrap="none" rtlCol="0">
+              <a:spAutoFit/>
+            </a:bodyPr>
+            <a:lstStyle/>
+            <a:p>
+              <a:r>
+                <a:rPr lang="de-DE" sz="1100" dirty="0"/>
+                <a:t>C</a:t>
+              </a:r>
+            </a:p>
+          </p:txBody>
+        </p:sp>
+        <p:sp>
+          <p:nvSpPr>
+            <p:cNvPr id="497" name="Textfeld 496">
+              <a:extLst>
+                <a:ext uri="{FF2B5EF4-FFF2-40B4-BE49-F238E27FC236}">
+                  <a16:creationId xmlns:a16="http://schemas.microsoft.com/office/drawing/2014/main" id="{FBEB48F2-1F31-46DD-8527-81A27C1C81E8}"/>
+                </a:ext>
+              </a:extLst>
+            </p:cNvPr>
+            <p:cNvSpPr txBox="1"/>
+            <p:nvPr/>
+          </p:nvSpPr>
+          <p:spPr>
+            <a:xfrm>
+              <a:off x="10298319" y="2047163"/>
+              <a:ext cx="271228" cy="261610"/>
+            </a:xfrm>
+            <a:prstGeom prst="rect">
+              <a:avLst/>
+            </a:prstGeom>
+            <a:noFill/>
+          </p:spPr>
+          <p:txBody>
+            <a:bodyPr wrap="none" rtlCol="0">
+              <a:spAutoFit/>
+            </a:bodyPr>
+            <a:lstStyle/>
+            <a:p>
+              <a:r>
+                <a:rPr lang="de-DE" sz="1100" dirty="0"/>
+                <a:t>D</a:t>
+              </a:r>
+            </a:p>
+          </p:txBody>
+        </p:sp>
+        <p:sp>
+          <p:nvSpPr>
+            <p:cNvPr id="498" name="Textfeld 497">
+              <a:extLst>
+                <a:ext uri="{FF2B5EF4-FFF2-40B4-BE49-F238E27FC236}">
+                  <a16:creationId xmlns:a16="http://schemas.microsoft.com/office/drawing/2014/main" id="{2F00A8D0-EA48-4844-B125-28A4CEEB65D5}"/>
+                </a:ext>
+              </a:extLst>
+            </p:cNvPr>
+            <p:cNvSpPr txBox="1"/>
+            <p:nvPr/>
+          </p:nvSpPr>
+          <p:spPr>
+            <a:xfrm>
+              <a:off x="10729094" y="2047163"/>
+              <a:ext cx="253596" cy="261610"/>
+            </a:xfrm>
+            <a:prstGeom prst="rect">
+              <a:avLst/>
+            </a:prstGeom>
+            <a:noFill/>
+          </p:spPr>
+          <p:txBody>
+            <a:bodyPr wrap="none" rtlCol="0">
+              <a:spAutoFit/>
+            </a:bodyPr>
+            <a:lstStyle/>
+            <a:p>
+              <a:r>
+                <a:rPr lang="de-DE" sz="1100" dirty="0"/>
+                <a:t>E</a:t>
+              </a:r>
+            </a:p>
+          </p:txBody>
+        </p:sp>
+        <p:sp>
+          <p:nvSpPr>
+            <p:cNvPr id="499" name="Textfeld 498">
+              <a:extLst>
+                <a:ext uri="{FF2B5EF4-FFF2-40B4-BE49-F238E27FC236}">
+                  <a16:creationId xmlns:a16="http://schemas.microsoft.com/office/drawing/2014/main" id="{CF32A4F6-7897-40C2-8014-A7F87C003370}"/>
+                </a:ext>
+              </a:extLst>
+            </p:cNvPr>
+            <p:cNvSpPr txBox="1"/>
+            <p:nvPr/>
+          </p:nvSpPr>
+          <p:spPr>
+            <a:xfrm>
+              <a:off x="11162694" y="2047163"/>
+              <a:ext cx="248786" cy="261610"/>
+            </a:xfrm>
+            <a:prstGeom prst="rect">
+              <a:avLst/>
+            </a:prstGeom>
+            <a:noFill/>
+          </p:spPr>
+          <p:txBody>
+            <a:bodyPr wrap="none" rtlCol="0">
+              <a:spAutoFit/>
+            </a:bodyPr>
+            <a:lstStyle/>
+            <a:p>
+              <a:r>
+                <a:rPr lang="de-DE" sz="1100" dirty="0"/>
+                <a:t>F</a:t>
+              </a:r>
+            </a:p>
+          </p:txBody>
+        </p:sp>
+        <p:sp>
+          <p:nvSpPr>
+            <p:cNvPr id="500" name="Rechteck 499">
+              <a:extLst>
+                <a:ext uri="{FF2B5EF4-FFF2-40B4-BE49-F238E27FC236}">
+                  <a16:creationId xmlns:a16="http://schemas.microsoft.com/office/drawing/2014/main" id="{ABA2E02A-2F7F-4C4F-A670-84A696B961FC}"/>
+                </a:ext>
+              </a:extLst>
+            </p:cNvPr>
+            <p:cNvSpPr/>
+            <p:nvPr/>
+          </p:nvSpPr>
+          <p:spPr>
+            <a:xfrm>
+              <a:off x="9347837" y="1691127"/>
+              <a:ext cx="431417" cy="240224"/>
+            </a:xfrm>
+            <a:prstGeom prst="rect">
+              <a:avLst/>
+            </a:prstGeom>
+            <a:solidFill>
+              <a:schemeClr val="bg1">
+                <a:lumMod val="95000"/>
+              </a:schemeClr>
+            </a:solidFill>
+            <a:ln w="15875">
+              <a:solidFill>
+                <a:schemeClr val="tx1"/>
+              </a:solidFill>
+            </a:ln>
+          </p:spPr>
+          <p:style>
+            <a:lnRef idx="2">
+              <a:schemeClr val="accent1">
+                <a:shade val="50000"/>
+              </a:schemeClr>
+            </a:lnRef>
+            <a:fillRef idx="1">
+              <a:schemeClr val="accent1"/>
+            </a:fillRef>
+            <a:effectRef idx="0">
+              <a:schemeClr val="accent1"/>
+            </a:effectRef>
+            <a:fontRef idx="minor">
+              <a:schemeClr val="lt1"/>
+            </a:fontRef>
+          </p:style>
+          <p:txBody>
+            <a:bodyPr lIns="36000" rIns="36000" rtlCol="0" anchor="ctr"/>
+            <a:lstStyle/>
+            <a:p>
+              <a:pPr algn="ctr"/>
+              <a:endParaRPr lang="de-DE" sz="1400" dirty="0">
+                <a:solidFill>
+                  <a:schemeClr val="tx1"/>
+                </a:solidFill>
+              </a:endParaRPr>
+            </a:p>
+          </p:txBody>
+        </p:sp>
+        <p:sp>
+          <p:nvSpPr>
+            <p:cNvPr id="501" name="Rechteck 500">
+              <a:extLst>
+                <a:ext uri="{FF2B5EF4-FFF2-40B4-BE49-F238E27FC236}">
+                  <a16:creationId xmlns:a16="http://schemas.microsoft.com/office/drawing/2014/main" id="{81E10252-6C91-4313-ADE7-72B1422317A6}"/>
+                </a:ext>
+              </a:extLst>
+            </p:cNvPr>
+            <p:cNvSpPr/>
+            <p:nvPr/>
+          </p:nvSpPr>
+          <p:spPr>
+            <a:xfrm>
+              <a:off x="9778294" y="1691127"/>
+              <a:ext cx="431417" cy="240224"/>
+            </a:xfrm>
+            <a:prstGeom prst="rect">
+              <a:avLst/>
+            </a:prstGeom>
+            <a:solidFill>
+              <a:schemeClr val="bg1">
+                <a:lumMod val="95000"/>
+              </a:schemeClr>
+            </a:solidFill>
+            <a:ln w="15875">
+              <a:solidFill>
+                <a:schemeClr val="tx1"/>
+              </a:solidFill>
+            </a:ln>
+          </p:spPr>
+          <p:style>
+            <a:lnRef idx="2">
+              <a:schemeClr val="accent1">
+                <a:shade val="50000"/>
+              </a:schemeClr>
+            </a:lnRef>
+            <a:fillRef idx="1">
+              <a:schemeClr val="accent1"/>
+            </a:fillRef>
+            <a:effectRef idx="0">
+              <a:schemeClr val="accent1"/>
+            </a:effectRef>
+            <a:fontRef idx="minor">
+              <a:schemeClr val="lt1"/>
+            </a:fontRef>
+          </p:style>
+          <p:txBody>
+            <a:bodyPr lIns="36000" rIns="36000" rtlCol="0" anchor="ctr"/>
+            <a:lstStyle/>
+            <a:p>
+              <a:pPr algn="ctr"/>
+              <a:endParaRPr lang="de-DE" sz="1400" dirty="0">
+                <a:solidFill>
+                  <a:schemeClr val="tx1"/>
+                </a:solidFill>
+              </a:endParaRPr>
+            </a:p>
+          </p:txBody>
+        </p:sp>
+        <p:sp>
+          <p:nvSpPr>
+            <p:cNvPr id="502" name="Rechteck 501">
+              <a:extLst>
+                <a:ext uri="{FF2B5EF4-FFF2-40B4-BE49-F238E27FC236}">
+                  <a16:creationId xmlns:a16="http://schemas.microsoft.com/office/drawing/2014/main" id="{8C79B377-38A8-467F-BC79-1AA2F1F81FBF}"/>
+                </a:ext>
+              </a:extLst>
+            </p:cNvPr>
+            <p:cNvSpPr/>
+            <p:nvPr/>
+          </p:nvSpPr>
+          <p:spPr>
+            <a:xfrm>
+              <a:off x="10208125" y="1691127"/>
+              <a:ext cx="431417" cy="240224"/>
+            </a:xfrm>
+            <a:prstGeom prst="rect">
+              <a:avLst/>
+            </a:prstGeom>
+            <a:solidFill>
+              <a:schemeClr val="bg1">
+                <a:lumMod val="95000"/>
+              </a:schemeClr>
+            </a:solidFill>
+            <a:ln w="15875">
+              <a:solidFill>
+                <a:schemeClr val="tx1"/>
+              </a:solidFill>
+            </a:ln>
+          </p:spPr>
+          <p:style>
+            <a:lnRef idx="2">
+              <a:schemeClr val="accent1">
+                <a:shade val="50000"/>
+              </a:schemeClr>
+            </a:lnRef>
+            <a:fillRef idx="1">
+              <a:schemeClr val="accent1"/>
+            </a:fillRef>
+            <a:effectRef idx="0">
+              <a:schemeClr val="accent1"/>
+            </a:effectRef>
+            <a:fontRef idx="minor">
+              <a:schemeClr val="lt1"/>
+            </a:fontRef>
+          </p:style>
+          <p:txBody>
+            <a:bodyPr lIns="36000" rIns="36000" rtlCol="0" anchor="ctr"/>
+            <a:lstStyle/>
+            <a:p>
+              <a:pPr algn="ctr"/>
+              <a:endParaRPr lang="de-DE" sz="1400" dirty="0">
+                <a:solidFill>
+                  <a:schemeClr val="tx1"/>
+                </a:solidFill>
+              </a:endParaRPr>
+            </a:p>
+          </p:txBody>
+        </p:sp>
+        <p:sp>
+          <p:nvSpPr>
+            <p:cNvPr id="503" name="Rechteck 502">
+              <a:extLst>
+                <a:ext uri="{FF2B5EF4-FFF2-40B4-BE49-F238E27FC236}">
+                  <a16:creationId xmlns:a16="http://schemas.microsoft.com/office/drawing/2014/main" id="{105AF5EC-CAB8-4696-AC09-C4413695A033}"/>
+                </a:ext>
+              </a:extLst>
+            </p:cNvPr>
+            <p:cNvSpPr/>
+            <p:nvPr/>
+          </p:nvSpPr>
+          <p:spPr>
+            <a:xfrm>
+              <a:off x="10638863" y="1691127"/>
+              <a:ext cx="431417" cy="240224"/>
+            </a:xfrm>
+            <a:prstGeom prst="rect">
+              <a:avLst/>
+            </a:prstGeom>
+            <a:solidFill>
+              <a:schemeClr val="bg1">
+                <a:lumMod val="95000"/>
+              </a:schemeClr>
+            </a:solidFill>
+            <a:ln w="15875">
+              <a:solidFill>
+                <a:schemeClr val="tx1"/>
+              </a:solidFill>
+            </a:ln>
+          </p:spPr>
+          <p:style>
+            <a:lnRef idx="2">
+              <a:schemeClr val="accent1">
+                <a:shade val="50000"/>
+              </a:schemeClr>
+            </a:lnRef>
+            <a:fillRef idx="1">
+              <a:schemeClr val="accent1"/>
+            </a:fillRef>
+            <a:effectRef idx="0">
+              <a:schemeClr val="accent1"/>
+            </a:effectRef>
+            <a:fontRef idx="minor">
+              <a:schemeClr val="lt1"/>
+            </a:fontRef>
+          </p:style>
+          <p:txBody>
+            <a:bodyPr lIns="36000" rIns="36000" rtlCol="0" anchor="ctr"/>
+            <a:lstStyle/>
+            <a:p>
+              <a:pPr algn="ctr"/>
+              <a:endParaRPr lang="de-DE" sz="1400" dirty="0">
+                <a:solidFill>
+                  <a:schemeClr val="tx1"/>
+                </a:solidFill>
+              </a:endParaRPr>
+            </a:p>
+          </p:txBody>
+        </p:sp>
+        <p:sp>
+          <p:nvSpPr>
+            <p:cNvPr id="504" name="Rechteck 503">
+              <a:extLst>
+                <a:ext uri="{FF2B5EF4-FFF2-40B4-BE49-F238E27FC236}">
+                  <a16:creationId xmlns:a16="http://schemas.microsoft.com/office/drawing/2014/main" id="{8A4ED7B6-22F7-4B3E-A313-BD4BDCDF2163}"/>
+                </a:ext>
+              </a:extLst>
+            </p:cNvPr>
+            <p:cNvSpPr/>
+            <p:nvPr/>
+          </p:nvSpPr>
+          <p:spPr>
+            <a:xfrm>
+              <a:off x="11069320" y="1691127"/>
+              <a:ext cx="431417" cy="240224"/>
+            </a:xfrm>
+            <a:prstGeom prst="rect">
+              <a:avLst/>
+            </a:prstGeom>
+            <a:solidFill>
+              <a:schemeClr val="bg1">
+                <a:lumMod val="95000"/>
+              </a:schemeClr>
+            </a:solidFill>
+            <a:ln w="15875">
+              <a:solidFill>
+                <a:schemeClr val="tx1"/>
+              </a:solidFill>
+            </a:ln>
+          </p:spPr>
+          <p:style>
+            <a:lnRef idx="2">
+              <a:schemeClr val="accent1">
+                <a:shade val="50000"/>
+              </a:schemeClr>
+            </a:lnRef>
+            <a:fillRef idx="1">
+              <a:schemeClr val="accent1"/>
+            </a:fillRef>
+            <a:effectRef idx="0">
+              <a:schemeClr val="accent1"/>
+            </a:effectRef>
+            <a:fontRef idx="minor">
+              <a:schemeClr val="lt1"/>
+            </a:fontRef>
+          </p:style>
+          <p:txBody>
+            <a:bodyPr lIns="36000" rIns="36000" rtlCol="0" anchor="ctr"/>
+            <a:lstStyle/>
+            <a:p>
+              <a:pPr algn="ctr"/>
+              <a:endParaRPr lang="de-DE" sz="1400" dirty="0">
+                <a:solidFill>
+                  <a:schemeClr val="tx1"/>
+                </a:solidFill>
+              </a:endParaRPr>
+            </a:p>
+          </p:txBody>
+        </p:sp>
+        <p:sp>
+          <p:nvSpPr>
+            <p:cNvPr id="505" name="Rechteck 504">
+              <a:extLst>
+                <a:ext uri="{FF2B5EF4-FFF2-40B4-BE49-F238E27FC236}">
+                  <a16:creationId xmlns:a16="http://schemas.microsoft.com/office/drawing/2014/main" id="{6C54D970-ABAE-4BC5-9042-D479883A2022}"/>
+                </a:ext>
+              </a:extLst>
+            </p:cNvPr>
+            <p:cNvSpPr/>
+            <p:nvPr/>
+          </p:nvSpPr>
+          <p:spPr>
+            <a:xfrm>
+              <a:off x="8626504" y="1691116"/>
+              <a:ext cx="291253" cy="240224"/>
+            </a:xfrm>
+            <a:prstGeom prst="rect">
+              <a:avLst/>
+            </a:prstGeom>
+            <a:solidFill>
+              <a:srgbClr val="FF7D7D"/>
+            </a:solidFill>
+            <a:ln w="15875">
+              <a:solidFill>
+                <a:schemeClr val="tx1"/>
+              </a:solidFill>
+            </a:ln>
+          </p:spPr>
+          <p:style>
+            <a:lnRef idx="2">
+              <a:schemeClr val="accent1">
+                <a:shade val="50000"/>
+              </a:schemeClr>
+            </a:lnRef>
+            <a:fillRef idx="1">
+              <a:schemeClr val="accent1"/>
+            </a:fillRef>
+            <a:effectRef idx="0">
+              <a:schemeClr val="accent1"/>
+            </a:effectRef>
+            <a:fontRef idx="minor">
+              <a:schemeClr val="lt1"/>
+            </a:fontRef>
+          </p:style>
+          <p:txBody>
+            <a:bodyPr lIns="36000" rIns="36000" rtlCol="0" anchor="ctr"/>
+            <a:lstStyle/>
+            <a:p>
+              <a:pPr algn="ctr"/>
+              <a:endParaRPr lang="de-DE" sz="1400" dirty="0">
+                <a:solidFill>
+                  <a:schemeClr val="tx1"/>
+                </a:solidFill>
+              </a:endParaRPr>
+            </a:p>
+          </p:txBody>
+        </p:sp>
+        <p:cxnSp>
+          <p:nvCxnSpPr>
+            <p:cNvPr id="506" name="Gerader Verbinder 505">
+              <a:extLst>
+                <a:ext uri="{FF2B5EF4-FFF2-40B4-BE49-F238E27FC236}">
+                  <a16:creationId xmlns:a16="http://schemas.microsoft.com/office/drawing/2014/main" id="{FC00B098-ABA5-4A93-84A1-0758CACE54A3}"/>
+                </a:ext>
+              </a:extLst>
+            </p:cNvPr>
+            <p:cNvCxnSpPr>
+              <a:cxnSpLocks/>
+            </p:cNvCxnSpPr>
+            <p:nvPr/>
+          </p:nvCxnSpPr>
+          <p:spPr>
+            <a:xfrm flipV="1">
+              <a:off x="8765226" y="1934768"/>
+              <a:ext cx="0" cy="127578"/>
+            </a:xfrm>
+            <a:prstGeom prst="line">
+              <a:avLst/>
+            </a:prstGeom>
+            <a:ln w="12700" cmpd="sng">
+              <a:solidFill>
+                <a:schemeClr val="tx1"/>
+              </a:solidFill>
+              <a:headEnd type="oval"/>
+            </a:ln>
+          </p:spPr>
+          <p:style>
+            <a:lnRef idx="1">
+              <a:schemeClr val="accent1"/>
+            </a:lnRef>
+            <a:fillRef idx="0">
+              <a:schemeClr val="accent1"/>
+            </a:fillRef>
+            <a:effectRef idx="0">
+              <a:schemeClr val="accent1"/>
+            </a:effectRef>
+            <a:fontRef idx="minor">
+              <a:schemeClr val="tx1"/>
+            </a:fontRef>
+          </p:style>
+        </p:cxnSp>
+        <p:cxnSp>
+          <p:nvCxnSpPr>
+            <p:cNvPr id="507" name="Gerader Verbinder 506">
+              <a:extLst>
+                <a:ext uri="{FF2B5EF4-FFF2-40B4-BE49-F238E27FC236}">
+                  <a16:creationId xmlns:a16="http://schemas.microsoft.com/office/drawing/2014/main" id="{BA9C5A7A-30F3-4484-B36E-71D540CD12CE}"/>
+                </a:ext>
+              </a:extLst>
+            </p:cNvPr>
+            <p:cNvCxnSpPr>
+              <a:cxnSpLocks/>
+            </p:cNvCxnSpPr>
+            <p:nvPr/>
+          </p:nvCxnSpPr>
+          <p:spPr>
+            <a:xfrm flipV="1">
+              <a:off x="9131767" y="1931838"/>
+              <a:ext cx="0" cy="127578"/>
+            </a:xfrm>
+            <a:prstGeom prst="line">
+              <a:avLst/>
+            </a:prstGeom>
+            <a:ln w="12700" cmpd="sng">
+              <a:solidFill>
+                <a:schemeClr val="tx1"/>
+              </a:solidFill>
+              <a:headEnd type="oval"/>
+            </a:ln>
+          </p:spPr>
+          <p:style>
+            <a:lnRef idx="1">
+              <a:schemeClr val="accent1"/>
+            </a:lnRef>
+            <a:fillRef idx="0">
+              <a:schemeClr val="accent1"/>
+            </a:fillRef>
+            <a:effectRef idx="0">
+              <a:schemeClr val="accent1"/>
+            </a:effectRef>
+            <a:fontRef idx="minor">
+              <a:schemeClr val="tx1"/>
+            </a:fontRef>
+          </p:style>
+        </p:cxnSp>
+        <p:cxnSp>
+          <p:nvCxnSpPr>
+            <p:cNvPr id="508" name="Gerader Verbinder 507">
+              <a:extLst>
+                <a:ext uri="{FF2B5EF4-FFF2-40B4-BE49-F238E27FC236}">
+                  <a16:creationId xmlns:a16="http://schemas.microsoft.com/office/drawing/2014/main" id="{3D74D2F6-BEC1-4512-985D-AC9932C56DCE}"/>
+                </a:ext>
+              </a:extLst>
+            </p:cNvPr>
+            <p:cNvCxnSpPr>
+              <a:cxnSpLocks/>
+            </p:cNvCxnSpPr>
+            <p:nvPr/>
+          </p:nvCxnSpPr>
+          <p:spPr>
+            <a:xfrm flipV="1">
+              <a:off x="9563545" y="1931838"/>
+              <a:ext cx="0" cy="127578"/>
+            </a:xfrm>
+            <a:prstGeom prst="line">
+              <a:avLst/>
+            </a:prstGeom>
+            <a:ln w="12700" cmpd="sng">
+              <a:solidFill>
+                <a:schemeClr val="tx1"/>
+              </a:solidFill>
+              <a:headEnd type="oval"/>
+            </a:ln>
+          </p:spPr>
+          <p:style>
+            <a:lnRef idx="1">
+              <a:schemeClr val="accent1"/>
+            </a:lnRef>
+            <a:fillRef idx="0">
+              <a:schemeClr val="accent1"/>
+            </a:fillRef>
+            <a:effectRef idx="0">
+              <a:schemeClr val="accent1"/>
+            </a:effectRef>
+            <a:fontRef idx="minor">
+              <a:schemeClr val="tx1"/>
+            </a:fontRef>
+          </p:style>
+        </p:cxnSp>
+        <p:cxnSp>
+          <p:nvCxnSpPr>
+            <p:cNvPr id="509" name="Gerader Verbinder 508">
+              <a:extLst>
+                <a:ext uri="{FF2B5EF4-FFF2-40B4-BE49-F238E27FC236}">
+                  <a16:creationId xmlns:a16="http://schemas.microsoft.com/office/drawing/2014/main" id="{75A2481E-E9EC-471C-9DD1-84660332EB73}"/>
+                </a:ext>
+              </a:extLst>
+            </p:cNvPr>
+            <p:cNvCxnSpPr>
+              <a:cxnSpLocks/>
+            </p:cNvCxnSpPr>
+            <p:nvPr/>
+          </p:nvCxnSpPr>
+          <p:spPr>
+            <a:xfrm flipV="1">
+              <a:off x="9994002" y="1931838"/>
+              <a:ext cx="0" cy="127578"/>
+            </a:xfrm>
+            <a:prstGeom prst="line">
+              <a:avLst/>
+            </a:prstGeom>
+            <a:ln w="12700" cmpd="sng">
+              <a:solidFill>
+                <a:schemeClr val="tx1"/>
+              </a:solidFill>
+              <a:headEnd type="oval"/>
+            </a:ln>
+          </p:spPr>
+          <p:style>
+            <a:lnRef idx="1">
+              <a:schemeClr val="accent1"/>
+            </a:lnRef>
+            <a:fillRef idx="0">
+              <a:schemeClr val="accent1"/>
+            </a:fillRef>
+            <a:effectRef idx="0">
+              <a:schemeClr val="accent1"/>
+            </a:effectRef>
+            <a:fontRef idx="minor">
+              <a:schemeClr val="tx1"/>
+            </a:fontRef>
+          </p:style>
+        </p:cxnSp>
+        <p:cxnSp>
+          <p:nvCxnSpPr>
+            <p:cNvPr id="510" name="Gerader Verbinder 509">
+              <a:extLst>
+                <a:ext uri="{FF2B5EF4-FFF2-40B4-BE49-F238E27FC236}">
+                  <a16:creationId xmlns:a16="http://schemas.microsoft.com/office/drawing/2014/main" id="{3006832A-C940-4B75-8589-1999CB048023}"/>
+                </a:ext>
+              </a:extLst>
+            </p:cNvPr>
+            <p:cNvCxnSpPr>
+              <a:cxnSpLocks/>
+            </p:cNvCxnSpPr>
+            <p:nvPr/>
+          </p:nvCxnSpPr>
+          <p:spPr>
+            <a:xfrm flipV="1">
+              <a:off x="10425780" y="1931838"/>
+              <a:ext cx="0" cy="127578"/>
+            </a:xfrm>
+            <a:prstGeom prst="line">
+              <a:avLst/>
+            </a:prstGeom>
+            <a:ln w="12700" cmpd="sng">
+              <a:solidFill>
+                <a:schemeClr val="tx1"/>
+              </a:solidFill>
+              <a:headEnd type="oval"/>
+            </a:ln>
+          </p:spPr>
+          <p:style>
+            <a:lnRef idx="1">
+              <a:schemeClr val="accent1"/>
+            </a:lnRef>
+            <a:fillRef idx="0">
+              <a:schemeClr val="accent1"/>
+            </a:fillRef>
+            <a:effectRef idx="0">
+              <a:schemeClr val="accent1"/>
+            </a:effectRef>
+            <a:fontRef idx="minor">
+              <a:schemeClr val="tx1"/>
+            </a:fontRef>
+          </p:style>
+        </p:cxnSp>
+        <p:cxnSp>
+          <p:nvCxnSpPr>
+            <p:cNvPr id="511" name="Gerader Verbinder 510">
+              <a:extLst>
+                <a:ext uri="{FF2B5EF4-FFF2-40B4-BE49-F238E27FC236}">
+                  <a16:creationId xmlns:a16="http://schemas.microsoft.com/office/drawing/2014/main" id="{0B1B750A-1BA4-4472-8216-F7343C58157D}"/>
+                </a:ext>
+              </a:extLst>
+            </p:cNvPr>
+            <p:cNvCxnSpPr>
+              <a:cxnSpLocks/>
+            </p:cNvCxnSpPr>
+            <p:nvPr/>
+          </p:nvCxnSpPr>
+          <p:spPr>
+            <a:xfrm flipV="1">
+              <a:off x="10854571" y="1931838"/>
+              <a:ext cx="0" cy="127578"/>
+            </a:xfrm>
+            <a:prstGeom prst="line">
+              <a:avLst/>
+            </a:prstGeom>
+            <a:ln w="12700" cmpd="sng">
+              <a:solidFill>
+                <a:schemeClr val="tx1"/>
+              </a:solidFill>
+              <a:headEnd type="oval"/>
+            </a:ln>
+          </p:spPr>
+          <p:style>
+            <a:lnRef idx="1">
+              <a:schemeClr val="accent1"/>
+            </a:lnRef>
+            <a:fillRef idx="0">
+              <a:schemeClr val="accent1"/>
+            </a:fillRef>
+            <a:effectRef idx="0">
+              <a:schemeClr val="accent1"/>
+            </a:effectRef>
+            <a:fontRef idx="minor">
+              <a:schemeClr val="tx1"/>
+            </a:fontRef>
+          </p:style>
+        </p:cxnSp>
+        <p:cxnSp>
+          <p:nvCxnSpPr>
+            <p:cNvPr id="512" name="Gerader Verbinder 511">
+              <a:extLst>
+                <a:ext uri="{FF2B5EF4-FFF2-40B4-BE49-F238E27FC236}">
+                  <a16:creationId xmlns:a16="http://schemas.microsoft.com/office/drawing/2014/main" id="{58DED4ED-A62B-4891-B5B4-97763FE8A7AE}"/>
+                </a:ext>
+              </a:extLst>
+            </p:cNvPr>
+            <p:cNvCxnSpPr>
+              <a:cxnSpLocks/>
+            </p:cNvCxnSpPr>
+            <p:nvPr/>
+          </p:nvCxnSpPr>
+          <p:spPr>
+            <a:xfrm flipV="1">
+              <a:off x="11286349" y="1931838"/>
+              <a:ext cx="0" cy="127578"/>
+            </a:xfrm>
+            <a:prstGeom prst="line">
+              <a:avLst/>
+            </a:prstGeom>
+            <a:ln w="12700" cmpd="sng">
+              <a:solidFill>
+                <a:schemeClr val="tx1"/>
+              </a:solidFill>
+              <a:headEnd type="oval"/>
+            </a:ln>
+          </p:spPr>
+          <p:style>
+            <a:lnRef idx="1">
+              <a:schemeClr val="accent1"/>
+            </a:lnRef>
+            <a:fillRef idx="0">
+              <a:schemeClr val="accent1"/>
+            </a:fillRef>
+            <a:effectRef idx="0">
+              <a:schemeClr val="accent1"/>
+            </a:effectRef>
+            <a:fontRef idx="minor">
+              <a:schemeClr val="tx1"/>
+            </a:fontRef>
+          </p:style>
+        </p:cxnSp>
+        <p:sp>
+          <p:nvSpPr>
+            <p:cNvPr id="513" name="Textfeld 512">
+              <a:extLst>
+                <a:ext uri="{FF2B5EF4-FFF2-40B4-BE49-F238E27FC236}">
+                  <a16:creationId xmlns:a16="http://schemas.microsoft.com/office/drawing/2014/main" id="{573D58EA-9111-400E-8D9E-726F15CD18E5}"/>
+                </a:ext>
+              </a:extLst>
+            </p:cNvPr>
+            <p:cNvSpPr txBox="1"/>
+            <p:nvPr/>
+          </p:nvSpPr>
+          <p:spPr>
+            <a:xfrm>
+              <a:off x="8614979" y="2047163"/>
+              <a:ext cx="335348" cy="261610"/>
+            </a:xfrm>
+            <a:prstGeom prst="rect">
+              <a:avLst/>
+            </a:prstGeom>
+            <a:noFill/>
+          </p:spPr>
+          <p:txBody>
+            <a:bodyPr wrap="none" rtlCol="0">
+              <a:spAutoFit/>
+            </a:bodyPr>
+            <a:lstStyle/>
+            <a:p>
+              <a:r>
+                <a:rPr lang="de-DE" sz="1100" dirty="0"/>
+                <a:t>V+</a:t>
+              </a:r>
+            </a:p>
+          </p:txBody>
+        </p:sp>
+        <p:sp>
+          <p:nvSpPr>
+            <p:cNvPr id="514" name="Rechteck 513">
+              <a:extLst>
+                <a:ext uri="{FF2B5EF4-FFF2-40B4-BE49-F238E27FC236}">
+                  <a16:creationId xmlns:a16="http://schemas.microsoft.com/office/drawing/2014/main" id="{0F9258F9-6185-49B5-B55A-10789DE36C87}"/>
+                </a:ext>
+              </a:extLst>
+            </p:cNvPr>
+            <p:cNvSpPr/>
+            <p:nvPr/>
+          </p:nvSpPr>
+          <p:spPr>
+            <a:xfrm>
+              <a:off x="8626835" y="1594721"/>
+              <a:ext cx="290589" cy="94681"/>
+            </a:xfrm>
+            <a:prstGeom prst="rect">
+              <a:avLst/>
+            </a:prstGeom>
+            <a:noFill/>
+            <a:ln>
+              <a:noFill/>
+            </a:ln>
+          </p:spPr>
+          <p:style>
+            <a:lnRef idx="2">
+              <a:schemeClr val="accent1">
+                <a:shade val="50000"/>
+              </a:schemeClr>
+            </a:lnRef>
+            <a:fillRef idx="1">
+              <a:schemeClr val="accent1"/>
+            </a:fillRef>
+            <a:effectRef idx="0">
+              <a:schemeClr val="accent1"/>
+            </a:effectRef>
+            <a:fontRef idx="minor">
+              <a:schemeClr val="lt1"/>
+            </a:fontRef>
+          </p:style>
+          <p:txBody>
+            <a:bodyPr rtlCol="0" anchor="ctr"/>
+            <a:lstStyle/>
+            <a:p>
+              <a:pPr algn="ctr"/>
+              <a:endParaRPr lang="de-DE"/>
+            </a:p>
+          </p:txBody>
+        </p:sp>
+      </p:grpSp>
+      <p:grpSp>
+        <p:nvGrpSpPr>
+          <p:cNvPr id="14" name="Gruppieren 13">
+            <a:extLst>
+              <a:ext uri="{FF2B5EF4-FFF2-40B4-BE49-F238E27FC236}">
+                <a16:creationId xmlns:a16="http://schemas.microsoft.com/office/drawing/2014/main" id="{00ADBDE9-2EE2-4833-87F8-79D95DC77528}"/>
+              </a:ext>
+            </a:extLst>
+          </p:cNvPr>
+          <p:cNvGrpSpPr/>
+          <p:nvPr/>
+        </p:nvGrpSpPr>
+        <p:grpSpPr>
+          <a:xfrm>
+            <a:off x="8625364" y="2457620"/>
+            <a:ext cx="2885758" cy="712426"/>
+            <a:chOff x="8625364" y="2457620"/>
+            <a:chExt cx="2885758" cy="712426"/>
+          </a:xfrm>
+        </p:grpSpPr>
+        <p:sp>
+          <p:nvSpPr>
+            <p:cNvPr id="383" name="Rechteck 382">
+              <a:extLst>
+                <a:ext uri="{FF2B5EF4-FFF2-40B4-BE49-F238E27FC236}">
+                  <a16:creationId xmlns:a16="http://schemas.microsoft.com/office/drawing/2014/main" id="{FB4A03D8-9077-427D-B59B-CCF60F41545E}"/>
+                </a:ext>
+              </a:extLst>
+            </p:cNvPr>
+            <p:cNvSpPr/>
+            <p:nvPr/>
+          </p:nvSpPr>
+          <p:spPr>
+            <a:xfrm>
+              <a:off x="8927484" y="2552400"/>
+              <a:ext cx="431417" cy="240224"/>
+            </a:xfrm>
+            <a:prstGeom prst="rect">
+              <a:avLst/>
+            </a:prstGeom>
+            <a:solidFill>
+              <a:schemeClr val="accent4">
+                <a:lumMod val="20000"/>
+                <a:lumOff val="80000"/>
+              </a:schemeClr>
+            </a:solidFill>
+            <a:ln w="15875">
+              <a:solidFill>
+                <a:schemeClr val="tx1"/>
+              </a:solidFill>
+            </a:ln>
+          </p:spPr>
+          <p:style>
+            <a:lnRef idx="2">
+              <a:schemeClr val="accent1">
+                <a:shade val="50000"/>
+              </a:schemeClr>
+            </a:lnRef>
+            <a:fillRef idx="1">
+              <a:schemeClr val="accent1"/>
+            </a:fillRef>
+            <a:effectRef idx="0">
+              <a:schemeClr val="accent1"/>
+            </a:effectRef>
+            <a:fontRef idx="minor">
+              <a:schemeClr val="lt1"/>
+            </a:fontRef>
+          </p:style>
+          <p:txBody>
+            <a:bodyPr lIns="36000" rIns="36000" rtlCol="0" anchor="ctr"/>
+            <a:lstStyle/>
+            <a:p>
+              <a:pPr algn="ctr"/>
+              <a:r>
+                <a:rPr lang="de-DE" sz="1100" dirty="0">
+                  <a:solidFill>
+                    <a:schemeClr val="tx1"/>
+                  </a:solidFill>
+                </a:rPr>
+                <a:t>WW1</a:t>
+              </a:r>
+              <a:endParaRPr lang="de-DE" sz="1400" dirty="0">
+                <a:solidFill>
+                  <a:schemeClr val="tx1"/>
+                </a:solidFill>
+              </a:endParaRPr>
+            </a:p>
+          </p:txBody>
+        </p:sp>
+        <p:sp>
+          <p:nvSpPr>
+            <p:cNvPr id="384" name="Textfeld 383">
+              <a:extLst>
+                <a:ext uri="{FF2B5EF4-FFF2-40B4-BE49-F238E27FC236}">
+                  <a16:creationId xmlns:a16="http://schemas.microsoft.com/office/drawing/2014/main" id="{6B6DC688-0323-4243-82BF-B20885C09415}"/>
+                </a:ext>
+              </a:extLst>
+            </p:cNvPr>
+            <p:cNvSpPr txBox="1"/>
+            <p:nvPr/>
+          </p:nvSpPr>
+          <p:spPr>
+            <a:xfrm>
+              <a:off x="9009603" y="2908436"/>
+              <a:ext cx="266420" cy="261610"/>
+            </a:xfrm>
+            <a:prstGeom prst="rect">
+              <a:avLst/>
+            </a:prstGeom>
+            <a:noFill/>
+          </p:spPr>
+          <p:txBody>
+            <a:bodyPr wrap="none" rtlCol="0">
+              <a:spAutoFit/>
+            </a:bodyPr>
+            <a:lstStyle/>
+            <a:p>
+              <a:r>
+                <a:rPr lang="de-DE" sz="1100" dirty="0"/>
+                <a:t>A</a:t>
+              </a:r>
+            </a:p>
+          </p:txBody>
+        </p:sp>
+        <p:sp>
+          <p:nvSpPr>
+            <p:cNvPr id="385" name="Textfeld 384">
+              <a:extLst>
+                <a:ext uri="{FF2B5EF4-FFF2-40B4-BE49-F238E27FC236}">
+                  <a16:creationId xmlns:a16="http://schemas.microsoft.com/office/drawing/2014/main" id="{BE8B85CB-A9F4-42D1-9B2A-1366BEEADA3F}"/>
+                </a:ext>
+              </a:extLst>
+            </p:cNvPr>
+            <p:cNvSpPr txBox="1"/>
+            <p:nvPr/>
+          </p:nvSpPr>
+          <p:spPr>
+            <a:xfrm>
+              <a:off x="9443959" y="2908436"/>
+              <a:ext cx="261610" cy="261610"/>
+            </a:xfrm>
+            <a:prstGeom prst="rect">
+              <a:avLst/>
+            </a:prstGeom>
+            <a:noFill/>
+          </p:spPr>
+          <p:txBody>
+            <a:bodyPr wrap="none" rtlCol="0">
+              <a:spAutoFit/>
+            </a:bodyPr>
+            <a:lstStyle/>
+            <a:p>
+              <a:r>
+                <a:rPr lang="de-DE" sz="1100" dirty="0"/>
+                <a:t>B</a:t>
+              </a:r>
+            </a:p>
+          </p:txBody>
+        </p:sp>
+        <p:sp>
+          <p:nvSpPr>
+            <p:cNvPr id="386" name="Textfeld 385">
+              <a:extLst>
+                <a:ext uri="{FF2B5EF4-FFF2-40B4-BE49-F238E27FC236}">
+                  <a16:creationId xmlns:a16="http://schemas.microsoft.com/office/drawing/2014/main" id="{6359FF55-EAFA-47F1-81CD-BDC82A40C0E6}"/>
+                </a:ext>
+              </a:extLst>
+            </p:cNvPr>
+            <p:cNvSpPr txBox="1"/>
+            <p:nvPr/>
+          </p:nvSpPr>
+          <p:spPr>
+            <a:xfrm>
+              <a:off x="9874351" y="2908436"/>
+              <a:ext cx="260008" cy="261610"/>
+            </a:xfrm>
+            <a:prstGeom prst="rect">
+              <a:avLst/>
+            </a:prstGeom>
+            <a:noFill/>
+          </p:spPr>
+          <p:txBody>
+            <a:bodyPr wrap="none" rtlCol="0">
+              <a:spAutoFit/>
+            </a:bodyPr>
+            <a:lstStyle/>
+            <a:p>
+              <a:r>
+                <a:rPr lang="de-DE" sz="1100" dirty="0"/>
+                <a:t>C</a:t>
+              </a:r>
+            </a:p>
+          </p:txBody>
+        </p:sp>
+        <p:sp>
+          <p:nvSpPr>
+            <p:cNvPr id="387" name="Textfeld 386">
+              <a:extLst>
+                <a:ext uri="{FF2B5EF4-FFF2-40B4-BE49-F238E27FC236}">
+                  <a16:creationId xmlns:a16="http://schemas.microsoft.com/office/drawing/2014/main" id="{06311417-EBF3-4E83-9FF4-7D541548024A}"/>
+                </a:ext>
+              </a:extLst>
+            </p:cNvPr>
+            <p:cNvSpPr txBox="1"/>
+            <p:nvPr/>
+          </p:nvSpPr>
+          <p:spPr>
+            <a:xfrm>
+              <a:off x="10308704" y="2908436"/>
+              <a:ext cx="271228" cy="261610"/>
+            </a:xfrm>
+            <a:prstGeom prst="rect">
+              <a:avLst/>
+            </a:prstGeom>
+            <a:noFill/>
+          </p:spPr>
+          <p:txBody>
+            <a:bodyPr wrap="none" rtlCol="0">
+              <a:spAutoFit/>
+            </a:bodyPr>
+            <a:lstStyle/>
+            <a:p>
+              <a:r>
+                <a:rPr lang="de-DE" sz="1100" dirty="0"/>
+                <a:t>D</a:t>
+              </a:r>
+            </a:p>
+          </p:txBody>
+        </p:sp>
+        <p:sp>
+          <p:nvSpPr>
+            <p:cNvPr id="388" name="Textfeld 387">
+              <a:extLst>
+                <a:ext uri="{FF2B5EF4-FFF2-40B4-BE49-F238E27FC236}">
+                  <a16:creationId xmlns:a16="http://schemas.microsoft.com/office/drawing/2014/main" id="{0FC5D31A-D837-43D1-9F6C-00BC4A27FC96}"/>
+                </a:ext>
+              </a:extLst>
+            </p:cNvPr>
+            <p:cNvSpPr txBox="1"/>
+            <p:nvPr/>
+          </p:nvSpPr>
+          <p:spPr>
+            <a:xfrm>
+              <a:off x="10739479" y="2908436"/>
+              <a:ext cx="253596" cy="261610"/>
+            </a:xfrm>
+            <a:prstGeom prst="rect">
+              <a:avLst/>
+            </a:prstGeom>
+            <a:noFill/>
+          </p:spPr>
+          <p:txBody>
+            <a:bodyPr wrap="none" rtlCol="0">
+              <a:spAutoFit/>
+            </a:bodyPr>
+            <a:lstStyle/>
+            <a:p>
+              <a:r>
+                <a:rPr lang="de-DE" sz="1100" dirty="0"/>
+                <a:t>E</a:t>
+              </a:r>
+            </a:p>
+          </p:txBody>
+        </p:sp>
+        <p:sp>
+          <p:nvSpPr>
+            <p:cNvPr id="389" name="Textfeld 388">
+              <a:extLst>
+                <a:ext uri="{FF2B5EF4-FFF2-40B4-BE49-F238E27FC236}">
+                  <a16:creationId xmlns:a16="http://schemas.microsoft.com/office/drawing/2014/main" id="{ECFC4F1D-D618-4820-A68A-63A200B33E1C}"/>
+                </a:ext>
+              </a:extLst>
+            </p:cNvPr>
+            <p:cNvSpPr txBox="1"/>
+            <p:nvPr/>
+          </p:nvSpPr>
+          <p:spPr>
+            <a:xfrm>
+              <a:off x="11173079" y="2908436"/>
+              <a:ext cx="248786" cy="261610"/>
+            </a:xfrm>
+            <a:prstGeom prst="rect">
+              <a:avLst/>
+            </a:prstGeom>
+            <a:noFill/>
+          </p:spPr>
+          <p:txBody>
+            <a:bodyPr wrap="none" rtlCol="0">
+              <a:spAutoFit/>
+            </a:bodyPr>
+            <a:lstStyle/>
+            <a:p>
+              <a:r>
+                <a:rPr lang="de-DE" sz="1100" dirty="0"/>
+                <a:t>F</a:t>
+              </a:r>
+            </a:p>
+          </p:txBody>
+        </p:sp>
+        <p:sp>
+          <p:nvSpPr>
+            <p:cNvPr id="390" name="Rechteck 389">
+              <a:extLst>
+                <a:ext uri="{FF2B5EF4-FFF2-40B4-BE49-F238E27FC236}">
+                  <a16:creationId xmlns:a16="http://schemas.microsoft.com/office/drawing/2014/main" id="{F34972B8-3090-4181-86F9-4D7A0AFBE114}"/>
+                </a:ext>
+              </a:extLst>
+            </p:cNvPr>
+            <p:cNvSpPr/>
+            <p:nvPr/>
+          </p:nvSpPr>
+          <p:spPr>
+            <a:xfrm>
+              <a:off x="9358222" y="2552400"/>
+              <a:ext cx="431417" cy="240224"/>
+            </a:xfrm>
+            <a:prstGeom prst="rect">
+              <a:avLst/>
+            </a:prstGeom>
+            <a:solidFill>
+              <a:schemeClr val="bg1"/>
+            </a:solidFill>
+            <a:ln w="15875">
+              <a:solidFill>
+                <a:schemeClr val="tx1"/>
+              </a:solidFill>
+            </a:ln>
+          </p:spPr>
+          <p:style>
+            <a:lnRef idx="2">
+              <a:schemeClr val="accent1">
+                <a:shade val="50000"/>
+              </a:schemeClr>
+            </a:lnRef>
+            <a:fillRef idx="1">
+              <a:schemeClr val="accent1"/>
+            </a:fillRef>
+            <a:effectRef idx="0">
+              <a:schemeClr val="accent1"/>
+            </a:effectRef>
+            <a:fontRef idx="minor">
+              <a:schemeClr val="lt1"/>
+            </a:fontRef>
+          </p:style>
+          <p:txBody>
+            <a:bodyPr lIns="36000" rIns="36000" rtlCol="0" anchor="ctr"/>
+            <a:lstStyle/>
+            <a:p>
+              <a:pPr algn="ctr"/>
+              <a:r>
+                <a:rPr lang="de-DE" sz="1100" dirty="0">
+                  <a:solidFill>
+                    <a:schemeClr val="tx1"/>
+                  </a:solidFill>
+                </a:rPr>
+                <a:t>KW1</a:t>
+              </a:r>
+              <a:endParaRPr lang="de-DE" sz="1400" dirty="0">
+                <a:solidFill>
+                  <a:schemeClr val="tx1"/>
+                </a:solidFill>
+              </a:endParaRPr>
+            </a:p>
+          </p:txBody>
+        </p:sp>
+        <p:sp>
+          <p:nvSpPr>
+            <p:cNvPr id="391" name="Rechteck 390">
+              <a:extLst>
+                <a:ext uri="{FF2B5EF4-FFF2-40B4-BE49-F238E27FC236}">
+                  <a16:creationId xmlns:a16="http://schemas.microsoft.com/office/drawing/2014/main" id="{751A2B38-06DE-4FE3-B55B-6F6C3DD6C2FD}"/>
+                </a:ext>
+              </a:extLst>
+            </p:cNvPr>
+            <p:cNvSpPr/>
+            <p:nvPr/>
+          </p:nvSpPr>
+          <p:spPr>
+            <a:xfrm>
+              <a:off x="9788679" y="2552400"/>
+              <a:ext cx="431417" cy="240224"/>
+            </a:xfrm>
+            <a:prstGeom prst="rect">
+              <a:avLst/>
+            </a:prstGeom>
+            <a:solidFill>
+              <a:schemeClr val="accent4">
+                <a:lumMod val="20000"/>
+                <a:lumOff val="80000"/>
+              </a:schemeClr>
+            </a:solidFill>
+            <a:ln w="15875">
+              <a:solidFill>
+                <a:schemeClr val="tx1"/>
+              </a:solidFill>
+            </a:ln>
+          </p:spPr>
+          <p:style>
+            <a:lnRef idx="2">
+              <a:schemeClr val="accent1">
+                <a:shade val="50000"/>
+              </a:schemeClr>
+            </a:lnRef>
+            <a:fillRef idx="1">
+              <a:schemeClr val="accent1"/>
+            </a:fillRef>
+            <a:effectRef idx="0">
+              <a:schemeClr val="accent1"/>
+            </a:effectRef>
+            <a:fontRef idx="minor">
+              <a:schemeClr val="lt1"/>
+            </a:fontRef>
+          </p:style>
+          <p:txBody>
+            <a:bodyPr lIns="36000" rIns="36000" rtlCol="0" anchor="ctr"/>
+            <a:lstStyle/>
+            <a:p>
+              <a:pPr algn="ctr"/>
+              <a:r>
+                <a:rPr lang="de-DE" sz="1100" dirty="0">
+                  <a:solidFill>
+                    <a:schemeClr val="tx1"/>
+                  </a:solidFill>
+                </a:rPr>
+                <a:t>WW2</a:t>
+              </a:r>
+              <a:endParaRPr lang="de-DE" sz="1400" dirty="0">
+                <a:solidFill>
+                  <a:schemeClr val="tx1"/>
+                </a:solidFill>
+              </a:endParaRPr>
+            </a:p>
+          </p:txBody>
+        </p:sp>
+        <p:sp>
+          <p:nvSpPr>
+            <p:cNvPr id="392" name="Rechteck 391">
+              <a:extLst>
+                <a:ext uri="{FF2B5EF4-FFF2-40B4-BE49-F238E27FC236}">
+                  <a16:creationId xmlns:a16="http://schemas.microsoft.com/office/drawing/2014/main" id="{BE2EBE64-8CE4-4EFB-83CE-D84FD810AC4B}"/>
+                </a:ext>
+              </a:extLst>
+            </p:cNvPr>
+            <p:cNvSpPr/>
+            <p:nvPr/>
+          </p:nvSpPr>
+          <p:spPr>
+            <a:xfrm>
+              <a:off x="10218510" y="2552400"/>
+              <a:ext cx="431417" cy="240224"/>
+            </a:xfrm>
+            <a:prstGeom prst="rect">
+              <a:avLst/>
+            </a:prstGeom>
+            <a:solidFill>
+              <a:schemeClr val="bg1"/>
+            </a:solidFill>
+            <a:ln w="15875">
+              <a:solidFill>
+                <a:schemeClr val="tx1"/>
+              </a:solidFill>
+            </a:ln>
+          </p:spPr>
+          <p:style>
+            <a:lnRef idx="2">
+              <a:schemeClr val="accent1">
+                <a:shade val="50000"/>
+              </a:schemeClr>
+            </a:lnRef>
+            <a:fillRef idx="1">
+              <a:schemeClr val="accent1"/>
+            </a:fillRef>
+            <a:effectRef idx="0">
+              <a:schemeClr val="accent1"/>
+            </a:effectRef>
+            <a:fontRef idx="minor">
+              <a:schemeClr val="lt1"/>
+            </a:fontRef>
+          </p:style>
+          <p:txBody>
+            <a:bodyPr lIns="36000" rIns="36000" rtlCol="0" anchor="ctr"/>
+            <a:lstStyle/>
+            <a:p>
+              <a:pPr algn="ctr"/>
+              <a:r>
+                <a:rPr lang="de-DE" sz="1100" dirty="0">
+                  <a:solidFill>
+                    <a:schemeClr val="tx1"/>
+                  </a:solidFill>
+                </a:rPr>
+                <a:t>WK2</a:t>
+              </a:r>
+              <a:endParaRPr lang="de-DE" sz="1400" dirty="0">
+                <a:solidFill>
+                  <a:schemeClr val="tx1"/>
+                </a:solidFill>
+              </a:endParaRPr>
+            </a:p>
+          </p:txBody>
+        </p:sp>
+        <p:sp>
+          <p:nvSpPr>
+            <p:cNvPr id="393" name="Rechteck 392">
+              <a:extLst>
+                <a:ext uri="{FF2B5EF4-FFF2-40B4-BE49-F238E27FC236}">
+                  <a16:creationId xmlns:a16="http://schemas.microsoft.com/office/drawing/2014/main" id="{E0494194-E7CA-4684-8590-63FCD72826F5}"/>
+                </a:ext>
+              </a:extLst>
+            </p:cNvPr>
+            <p:cNvSpPr/>
+            <p:nvPr/>
+          </p:nvSpPr>
+          <p:spPr>
+            <a:xfrm>
+              <a:off x="10649248" y="2552400"/>
+              <a:ext cx="431417" cy="240224"/>
+            </a:xfrm>
+            <a:prstGeom prst="rect">
+              <a:avLst/>
+            </a:prstGeom>
+            <a:solidFill>
+              <a:schemeClr val="accent4">
+                <a:lumMod val="20000"/>
+                <a:lumOff val="80000"/>
+              </a:schemeClr>
+            </a:solidFill>
+            <a:ln w="15875">
+              <a:solidFill>
+                <a:schemeClr val="tx1"/>
+              </a:solidFill>
+            </a:ln>
+          </p:spPr>
+          <p:style>
+            <a:lnRef idx="2">
+              <a:schemeClr val="accent1">
+                <a:shade val="50000"/>
+              </a:schemeClr>
+            </a:lnRef>
+            <a:fillRef idx="1">
+              <a:schemeClr val="accent1"/>
+            </a:fillRef>
+            <a:effectRef idx="0">
+              <a:schemeClr val="accent1"/>
+            </a:effectRef>
+            <a:fontRef idx="minor">
+              <a:schemeClr val="lt1"/>
+            </a:fontRef>
+          </p:style>
+          <p:txBody>
+            <a:bodyPr lIns="36000" rIns="36000" rtlCol="0" anchor="ctr"/>
+            <a:lstStyle/>
+            <a:p>
+              <a:pPr algn="ctr"/>
+              <a:r>
+                <a:rPr lang="de-DE" sz="1100" dirty="0">
+                  <a:solidFill>
+                    <a:schemeClr val="tx1"/>
+                  </a:solidFill>
+                </a:rPr>
+                <a:t>WW3</a:t>
+              </a:r>
+              <a:endParaRPr lang="de-DE" sz="1400" dirty="0">
+                <a:solidFill>
+                  <a:schemeClr val="tx1"/>
+                </a:solidFill>
+              </a:endParaRPr>
+            </a:p>
+          </p:txBody>
+        </p:sp>
+        <p:sp>
+          <p:nvSpPr>
+            <p:cNvPr id="394" name="Rechteck 393">
+              <a:extLst>
+                <a:ext uri="{FF2B5EF4-FFF2-40B4-BE49-F238E27FC236}">
+                  <a16:creationId xmlns:a16="http://schemas.microsoft.com/office/drawing/2014/main" id="{893689AB-C2EC-47F8-BB1D-14D3CF782D9F}"/>
+                </a:ext>
+              </a:extLst>
+            </p:cNvPr>
+            <p:cNvSpPr/>
+            <p:nvPr/>
+          </p:nvSpPr>
+          <p:spPr>
+            <a:xfrm>
+              <a:off x="11079705" y="2552400"/>
+              <a:ext cx="431417" cy="240224"/>
+            </a:xfrm>
+            <a:prstGeom prst="rect">
+              <a:avLst/>
+            </a:prstGeom>
+            <a:solidFill>
+              <a:schemeClr val="bg1"/>
+            </a:solidFill>
+            <a:ln w="15875">
+              <a:solidFill>
+                <a:schemeClr val="tx1"/>
+              </a:solidFill>
+            </a:ln>
+          </p:spPr>
+          <p:style>
+            <a:lnRef idx="2">
+              <a:schemeClr val="accent1">
+                <a:shade val="50000"/>
+              </a:schemeClr>
+            </a:lnRef>
+            <a:fillRef idx="1">
+              <a:schemeClr val="accent1"/>
+            </a:fillRef>
+            <a:effectRef idx="0">
+              <a:schemeClr val="accent1"/>
+            </a:effectRef>
+            <a:fontRef idx="minor">
+              <a:schemeClr val="lt1"/>
+            </a:fontRef>
+          </p:style>
+          <p:txBody>
+            <a:bodyPr lIns="36000" rIns="36000" rtlCol="0" anchor="ctr"/>
+            <a:lstStyle/>
+            <a:p>
+              <a:pPr algn="ctr"/>
+              <a:r>
+                <a:rPr lang="de-DE" sz="1100" dirty="0">
+                  <a:solidFill>
+                    <a:schemeClr val="tx1"/>
+                  </a:solidFill>
+                </a:rPr>
+                <a:t>KW3</a:t>
+              </a:r>
+              <a:endParaRPr lang="de-DE" sz="1400" dirty="0">
+                <a:solidFill>
+                  <a:schemeClr val="tx1"/>
+                </a:solidFill>
+              </a:endParaRPr>
+            </a:p>
+          </p:txBody>
+        </p:sp>
+        <p:sp>
+          <p:nvSpPr>
+            <p:cNvPr id="395" name="Rechteck 394">
+              <a:extLst>
+                <a:ext uri="{FF2B5EF4-FFF2-40B4-BE49-F238E27FC236}">
+                  <a16:creationId xmlns:a16="http://schemas.microsoft.com/office/drawing/2014/main" id="{E854FC58-D823-4BE4-959F-D705EC3E5D01}"/>
+                </a:ext>
+              </a:extLst>
+            </p:cNvPr>
+            <p:cNvSpPr/>
+            <p:nvPr/>
+          </p:nvSpPr>
+          <p:spPr>
+            <a:xfrm>
+              <a:off x="8636889" y="2552389"/>
+              <a:ext cx="291253" cy="240224"/>
+            </a:xfrm>
+            <a:prstGeom prst="rect">
+              <a:avLst/>
+            </a:prstGeom>
+            <a:solidFill>
+              <a:srgbClr val="FF7D7D"/>
+            </a:solidFill>
+            <a:ln w="15875">
+              <a:solidFill>
+                <a:schemeClr val="tx1"/>
+              </a:solidFill>
+            </a:ln>
+          </p:spPr>
+          <p:style>
+            <a:lnRef idx="2">
+              <a:schemeClr val="accent1">
+                <a:shade val="50000"/>
+              </a:schemeClr>
+            </a:lnRef>
+            <a:fillRef idx="1">
+              <a:schemeClr val="accent1"/>
+            </a:fillRef>
+            <a:effectRef idx="0">
+              <a:schemeClr val="accent1"/>
+            </a:effectRef>
+            <a:fontRef idx="minor">
+              <a:schemeClr val="lt1"/>
+            </a:fontRef>
+          </p:style>
+          <p:txBody>
+            <a:bodyPr lIns="36000" rIns="36000" rtlCol="0" anchor="ctr"/>
+            <a:lstStyle/>
+            <a:p>
+              <a:pPr algn="ctr"/>
+              <a:endParaRPr lang="de-DE" sz="1400" dirty="0">
+                <a:solidFill>
+                  <a:schemeClr val="tx1"/>
+                </a:solidFill>
+              </a:endParaRPr>
+            </a:p>
+          </p:txBody>
+        </p:sp>
+        <p:cxnSp>
+          <p:nvCxnSpPr>
+            <p:cNvPr id="396" name="Gerader Verbinder 395">
+              <a:extLst>
+                <a:ext uri="{FF2B5EF4-FFF2-40B4-BE49-F238E27FC236}">
+                  <a16:creationId xmlns:a16="http://schemas.microsoft.com/office/drawing/2014/main" id="{B042FAF2-1302-4E29-B66C-71B533877B90}"/>
+                </a:ext>
+              </a:extLst>
+            </p:cNvPr>
+            <p:cNvCxnSpPr>
+              <a:cxnSpLocks/>
+            </p:cNvCxnSpPr>
+            <p:nvPr/>
+          </p:nvCxnSpPr>
+          <p:spPr>
+            <a:xfrm flipV="1">
+              <a:off x="8775611" y="2796041"/>
+              <a:ext cx="0" cy="127578"/>
+            </a:xfrm>
+            <a:prstGeom prst="line">
+              <a:avLst/>
+            </a:prstGeom>
+            <a:ln w="12700" cmpd="sng">
+              <a:solidFill>
+                <a:schemeClr val="tx1"/>
+              </a:solidFill>
+              <a:headEnd type="oval"/>
+            </a:ln>
+          </p:spPr>
+          <p:style>
+            <a:lnRef idx="1">
+              <a:schemeClr val="accent1"/>
+            </a:lnRef>
+            <a:fillRef idx="0">
+              <a:schemeClr val="accent1"/>
+            </a:fillRef>
+            <a:effectRef idx="0">
+              <a:schemeClr val="accent1"/>
+            </a:effectRef>
+            <a:fontRef idx="minor">
+              <a:schemeClr val="tx1"/>
+            </a:fontRef>
+          </p:style>
+        </p:cxnSp>
+        <p:cxnSp>
+          <p:nvCxnSpPr>
+            <p:cNvPr id="397" name="Gerader Verbinder 396">
+              <a:extLst>
+                <a:ext uri="{FF2B5EF4-FFF2-40B4-BE49-F238E27FC236}">
+                  <a16:creationId xmlns:a16="http://schemas.microsoft.com/office/drawing/2014/main" id="{9A476F31-4043-4CE4-AD88-B4D61D1C3262}"/>
+                </a:ext>
+              </a:extLst>
+            </p:cNvPr>
+            <p:cNvCxnSpPr>
+              <a:cxnSpLocks/>
+            </p:cNvCxnSpPr>
+            <p:nvPr/>
+          </p:nvCxnSpPr>
+          <p:spPr>
+            <a:xfrm flipV="1">
+              <a:off x="9142152" y="2793111"/>
+              <a:ext cx="0" cy="127578"/>
+            </a:xfrm>
+            <a:prstGeom prst="line">
+              <a:avLst/>
+            </a:prstGeom>
+            <a:ln w="12700" cmpd="sng">
+              <a:solidFill>
+                <a:schemeClr val="tx1"/>
+              </a:solidFill>
+              <a:headEnd type="oval"/>
+            </a:ln>
+          </p:spPr>
+          <p:style>
+            <a:lnRef idx="1">
+              <a:schemeClr val="accent1"/>
+            </a:lnRef>
+            <a:fillRef idx="0">
+              <a:schemeClr val="accent1"/>
+            </a:fillRef>
+            <a:effectRef idx="0">
+              <a:schemeClr val="accent1"/>
+            </a:effectRef>
+            <a:fontRef idx="minor">
+              <a:schemeClr val="tx1"/>
+            </a:fontRef>
+          </p:style>
+        </p:cxnSp>
+        <p:cxnSp>
+          <p:nvCxnSpPr>
+            <p:cNvPr id="398" name="Gerader Verbinder 397">
+              <a:extLst>
+                <a:ext uri="{FF2B5EF4-FFF2-40B4-BE49-F238E27FC236}">
+                  <a16:creationId xmlns:a16="http://schemas.microsoft.com/office/drawing/2014/main" id="{1421F43C-0EB2-4FA0-9D89-BEA6D6E281B9}"/>
+                </a:ext>
+              </a:extLst>
+            </p:cNvPr>
+            <p:cNvCxnSpPr>
+              <a:cxnSpLocks/>
+            </p:cNvCxnSpPr>
+            <p:nvPr/>
+          </p:nvCxnSpPr>
+          <p:spPr>
+            <a:xfrm flipV="1">
+              <a:off x="9573930" y="2793111"/>
+              <a:ext cx="0" cy="127578"/>
+            </a:xfrm>
+            <a:prstGeom prst="line">
+              <a:avLst/>
+            </a:prstGeom>
+            <a:ln w="12700" cmpd="sng">
+              <a:solidFill>
+                <a:schemeClr val="tx1"/>
+              </a:solidFill>
+              <a:headEnd type="oval"/>
+            </a:ln>
+          </p:spPr>
+          <p:style>
+            <a:lnRef idx="1">
+              <a:schemeClr val="accent1"/>
+            </a:lnRef>
+            <a:fillRef idx="0">
+              <a:schemeClr val="accent1"/>
+            </a:fillRef>
+            <a:effectRef idx="0">
+              <a:schemeClr val="accent1"/>
+            </a:effectRef>
+            <a:fontRef idx="minor">
+              <a:schemeClr val="tx1"/>
+            </a:fontRef>
+          </p:style>
+        </p:cxnSp>
+        <p:cxnSp>
+          <p:nvCxnSpPr>
+            <p:cNvPr id="399" name="Gerader Verbinder 398">
+              <a:extLst>
+                <a:ext uri="{FF2B5EF4-FFF2-40B4-BE49-F238E27FC236}">
+                  <a16:creationId xmlns:a16="http://schemas.microsoft.com/office/drawing/2014/main" id="{54155417-C668-4745-875D-7522722C91B0}"/>
+                </a:ext>
+              </a:extLst>
+            </p:cNvPr>
+            <p:cNvCxnSpPr>
+              <a:cxnSpLocks/>
+            </p:cNvCxnSpPr>
+            <p:nvPr/>
+          </p:nvCxnSpPr>
+          <p:spPr>
+            <a:xfrm flipV="1">
+              <a:off x="10004387" y="2793111"/>
+              <a:ext cx="0" cy="127578"/>
+            </a:xfrm>
+            <a:prstGeom prst="line">
+              <a:avLst/>
+            </a:prstGeom>
+            <a:ln w="12700" cmpd="sng">
+              <a:solidFill>
+                <a:schemeClr val="tx1"/>
+              </a:solidFill>
+              <a:headEnd type="oval"/>
+            </a:ln>
+          </p:spPr>
+          <p:style>
+            <a:lnRef idx="1">
+              <a:schemeClr val="accent1"/>
+            </a:lnRef>
+            <a:fillRef idx="0">
+              <a:schemeClr val="accent1"/>
+            </a:fillRef>
+            <a:effectRef idx="0">
+              <a:schemeClr val="accent1"/>
+            </a:effectRef>
+            <a:fontRef idx="minor">
+              <a:schemeClr val="tx1"/>
+            </a:fontRef>
+          </p:style>
+        </p:cxnSp>
+        <p:cxnSp>
+          <p:nvCxnSpPr>
+            <p:cNvPr id="400" name="Gerader Verbinder 399">
+              <a:extLst>
+                <a:ext uri="{FF2B5EF4-FFF2-40B4-BE49-F238E27FC236}">
+                  <a16:creationId xmlns:a16="http://schemas.microsoft.com/office/drawing/2014/main" id="{E3119FBC-D860-46A4-ABB5-75EFF7BFE2CF}"/>
+                </a:ext>
+              </a:extLst>
+            </p:cNvPr>
+            <p:cNvCxnSpPr>
+              <a:cxnSpLocks/>
+            </p:cNvCxnSpPr>
+            <p:nvPr/>
+          </p:nvCxnSpPr>
+          <p:spPr>
+            <a:xfrm flipV="1">
+              <a:off x="10436165" y="2793111"/>
+              <a:ext cx="0" cy="127578"/>
+            </a:xfrm>
+            <a:prstGeom prst="line">
+              <a:avLst/>
+            </a:prstGeom>
+            <a:ln w="12700" cmpd="sng">
+              <a:solidFill>
+                <a:schemeClr val="tx1"/>
+              </a:solidFill>
+              <a:headEnd type="oval"/>
+            </a:ln>
+          </p:spPr>
+          <p:style>
+            <a:lnRef idx="1">
+              <a:schemeClr val="accent1"/>
+            </a:lnRef>
+            <a:fillRef idx="0">
+              <a:schemeClr val="accent1"/>
+            </a:fillRef>
+            <a:effectRef idx="0">
+              <a:schemeClr val="accent1"/>
+            </a:effectRef>
+            <a:fontRef idx="minor">
+              <a:schemeClr val="tx1"/>
+            </a:fontRef>
+          </p:style>
+        </p:cxnSp>
+        <p:cxnSp>
+          <p:nvCxnSpPr>
+            <p:cNvPr id="401" name="Gerader Verbinder 400">
+              <a:extLst>
+                <a:ext uri="{FF2B5EF4-FFF2-40B4-BE49-F238E27FC236}">
+                  <a16:creationId xmlns:a16="http://schemas.microsoft.com/office/drawing/2014/main" id="{3439615E-F8EB-4289-A727-08A560CF1BB0}"/>
+                </a:ext>
+              </a:extLst>
+            </p:cNvPr>
+            <p:cNvCxnSpPr>
+              <a:cxnSpLocks/>
+            </p:cNvCxnSpPr>
+            <p:nvPr/>
+          </p:nvCxnSpPr>
+          <p:spPr>
+            <a:xfrm flipV="1">
+              <a:off x="10864956" y="2793111"/>
+              <a:ext cx="0" cy="127578"/>
+            </a:xfrm>
+            <a:prstGeom prst="line">
+              <a:avLst/>
+            </a:prstGeom>
+            <a:ln w="12700" cmpd="sng">
+              <a:solidFill>
+                <a:schemeClr val="tx1"/>
+              </a:solidFill>
+              <a:headEnd type="oval"/>
+            </a:ln>
+          </p:spPr>
+          <p:style>
+            <a:lnRef idx="1">
+              <a:schemeClr val="accent1"/>
+            </a:lnRef>
+            <a:fillRef idx="0">
+              <a:schemeClr val="accent1"/>
+            </a:fillRef>
+            <a:effectRef idx="0">
+              <a:schemeClr val="accent1"/>
+            </a:effectRef>
+            <a:fontRef idx="minor">
+              <a:schemeClr val="tx1"/>
+            </a:fontRef>
+          </p:style>
+        </p:cxnSp>
+        <p:cxnSp>
+          <p:nvCxnSpPr>
+            <p:cNvPr id="402" name="Gerader Verbinder 401">
+              <a:extLst>
+                <a:ext uri="{FF2B5EF4-FFF2-40B4-BE49-F238E27FC236}">
+                  <a16:creationId xmlns:a16="http://schemas.microsoft.com/office/drawing/2014/main" id="{BC8DABB5-4425-4240-A3BA-39575AE6E968}"/>
+                </a:ext>
+              </a:extLst>
+            </p:cNvPr>
+            <p:cNvCxnSpPr>
+              <a:cxnSpLocks/>
+            </p:cNvCxnSpPr>
+            <p:nvPr/>
+          </p:nvCxnSpPr>
+          <p:spPr>
+            <a:xfrm flipV="1">
+              <a:off x="11296734" y="2793111"/>
+              <a:ext cx="0" cy="127578"/>
+            </a:xfrm>
+            <a:prstGeom prst="line">
+              <a:avLst/>
+            </a:prstGeom>
+            <a:ln w="12700" cmpd="sng">
+              <a:solidFill>
+                <a:schemeClr val="tx1"/>
+              </a:solidFill>
+              <a:headEnd type="oval"/>
+            </a:ln>
+          </p:spPr>
+          <p:style>
+            <a:lnRef idx="1">
+              <a:schemeClr val="accent1"/>
+            </a:lnRef>
+            <a:fillRef idx="0">
+              <a:schemeClr val="accent1"/>
+            </a:fillRef>
+            <a:effectRef idx="0">
+              <a:schemeClr val="accent1"/>
+            </a:effectRef>
+            <a:fontRef idx="minor">
+              <a:schemeClr val="tx1"/>
+            </a:fontRef>
+          </p:style>
+        </p:cxnSp>
+        <p:sp>
+          <p:nvSpPr>
+            <p:cNvPr id="403" name="Textfeld 402">
+              <a:extLst>
+                <a:ext uri="{FF2B5EF4-FFF2-40B4-BE49-F238E27FC236}">
+                  <a16:creationId xmlns:a16="http://schemas.microsoft.com/office/drawing/2014/main" id="{23FF347C-261A-4106-8F02-5C0920EF7F42}"/>
+                </a:ext>
+              </a:extLst>
+            </p:cNvPr>
+            <p:cNvSpPr txBox="1"/>
+            <p:nvPr/>
+          </p:nvSpPr>
+          <p:spPr>
+            <a:xfrm>
+              <a:off x="8625364" y="2908436"/>
+              <a:ext cx="335348" cy="261610"/>
+            </a:xfrm>
+            <a:prstGeom prst="rect">
+              <a:avLst/>
+            </a:prstGeom>
+            <a:noFill/>
+          </p:spPr>
+          <p:txBody>
+            <a:bodyPr wrap="none" rtlCol="0">
+              <a:spAutoFit/>
+            </a:bodyPr>
+            <a:lstStyle/>
+            <a:p>
+              <a:r>
+                <a:rPr lang="de-DE" sz="1100" dirty="0"/>
+                <a:t>V+</a:t>
+              </a:r>
+            </a:p>
+          </p:txBody>
+        </p:sp>
+        <p:sp>
+          <p:nvSpPr>
+            <p:cNvPr id="515" name="Rechteck 514">
+              <a:extLst>
+                <a:ext uri="{FF2B5EF4-FFF2-40B4-BE49-F238E27FC236}">
+                  <a16:creationId xmlns:a16="http://schemas.microsoft.com/office/drawing/2014/main" id="{3B283EF3-1862-4C69-A737-39FD95C3EB54}"/>
+                </a:ext>
+              </a:extLst>
+            </p:cNvPr>
+            <p:cNvSpPr/>
+            <p:nvPr/>
+          </p:nvSpPr>
+          <p:spPr>
+            <a:xfrm>
+              <a:off x="8634510" y="2457620"/>
+              <a:ext cx="290589" cy="94681"/>
+            </a:xfrm>
+            <a:prstGeom prst="rect">
+              <a:avLst/>
+            </a:prstGeom>
+            <a:noFill/>
+            <a:ln>
+              <a:noFill/>
+            </a:ln>
+          </p:spPr>
+          <p:style>
+            <a:lnRef idx="2">
+              <a:schemeClr val="accent1">
+                <a:shade val="50000"/>
+              </a:schemeClr>
+            </a:lnRef>
+            <a:fillRef idx="1">
+              <a:schemeClr val="accent1"/>
+            </a:fillRef>
+            <a:effectRef idx="0">
+              <a:schemeClr val="accent1"/>
+            </a:effectRef>
+            <a:fontRef idx="minor">
+              <a:schemeClr val="lt1"/>
+            </a:fontRef>
+          </p:style>
+          <p:txBody>
+            <a:bodyPr rtlCol="0" anchor="ctr"/>
+            <a:lstStyle/>
+            <a:p>
+              <a:pPr algn="ctr"/>
+              <a:endParaRPr lang="de-DE"/>
+            </a:p>
+          </p:txBody>
+        </p:sp>
+      </p:grpSp>
+      <p:grpSp>
+        <p:nvGrpSpPr>
+          <p:cNvPr id="15" name="Gruppieren 14">
+            <a:extLst>
+              <a:ext uri="{FF2B5EF4-FFF2-40B4-BE49-F238E27FC236}">
+                <a16:creationId xmlns:a16="http://schemas.microsoft.com/office/drawing/2014/main" id="{A52D9ECE-9F92-4DC8-88CA-453B95D95FCA}"/>
+              </a:ext>
+            </a:extLst>
+          </p:cNvPr>
+          <p:cNvGrpSpPr/>
+          <p:nvPr/>
+        </p:nvGrpSpPr>
+        <p:grpSpPr>
+          <a:xfrm>
+            <a:off x="8632948" y="3281008"/>
+            <a:ext cx="2885758" cy="718244"/>
+            <a:chOff x="8632948" y="3281008"/>
+            <a:chExt cx="2885758" cy="718244"/>
+          </a:xfrm>
+        </p:grpSpPr>
+        <p:sp>
+          <p:nvSpPr>
+            <p:cNvPr id="405" name="Rechteck 404">
+              <a:extLst>
+                <a:ext uri="{FF2B5EF4-FFF2-40B4-BE49-F238E27FC236}">
+                  <a16:creationId xmlns:a16="http://schemas.microsoft.com/office/drawing/2014/main" id="{E4BD9FA5-0F08-4C57-AE3B-9340A96069B7}"/>
+                </a:ext>
+              </a:extLst>
+            </p:cNvPr>
+            <p:cNvSpPr/>
+            <p:nvPr/>
+          </p:nvSpPr>
+          <p:spPr>
+            <a:xfrm>
+              <a:off x="8935068" y="3378431"/>
+              <a:ext cx="431417" cy="240224"/>
+            </a:xfrm>
+            <a:prstGeom prst="rect">
+              <a:avLst/>
+            </a:prstGeom>
+            <a:solidFill>
+              <a:schemeClr val="accent4">
+                <a:lumMod val="20000"/>
+                <a:lumOff val="80000"/>
+              </a:schemeClr>
+            </a:solidFill>
+            <a:ln w="15875">
+              <a:solidFill>
+                <a:schemeClr val="tx1"/>
+              </a:solidFill>
+            </a:ln>
+          </p:spPr>
+          <p:style>
+            <a:lnRef idx="2">
+              <a:schemeClr val="accent1">
+                <a:shade val="50000"/>
+              </a:schemeClr>
+            </a:lnRef>
+            <a:fillRef idx="1">
+              <a:schemeClr val="accent1"/>
+            </a:fillRef>
+            <a:effectRef idx="0">
+              <a:schemeClr val="accent1"/>
+            </a:effectRef>
+            <a:fontRef idx="minor">
+              <a:schemeClr val="lt1"/>
+            </a:fontRef>
+          </p:style>
+          <p:txBody>
+            <a:bodyPr lIns="36000" rIns="36000" rtlCol="0" anchor="ctr"/>
+            <a:lstStyle/>
+            <a:p>
+              <a:pPr algn="ctr"/>
+              <a:r>
+                <a:rPr lang="de-DE" sz="1100" dirty="0">
+                  <a:solidFill>
+                    <a:schemeClr val="tx1"/>
+                  </a:solidFill>
+                </a:rPr>
+                <a:t>WW1</a:t>
+              </a:r>
+              <a:endParaRPr lang="de-DE" sz="1400" dirty="0">
+                <a:solidFill>
+                  <a:schemeClr val="tx1"/>
+                </a:solidFill>
+              </a:endParaRPr>
+            </a:p>
+          </p:txBody>
+        </p:sp>
+        <p:sp>
+          <p:nvSpPr>
+            <p:cNvPr id="406" name="Textfeld 405">
+              <a:extLst>
+                <a:ext uri="{FF2B5EF4-FFF2-40B4-BE49-F238E27FC236}">
+                  <a16:creationId xmlns:a16="http://schemas.microsoft.com/office/drawing/2014/main" id="{7C117B9C-6A55-48F5-8A80-D7D2DC5D88AE}"/>
+                </a:ext>
+              </a:extLst>
+            </p:cNvPr>
+            <p:cNvSpPr txBox="1"/>
+            <p:nvPr/>
+          </p:nvSpPr>
+          <p:spPr>
+            <a:xfrm>
+              <a:off x="9017187" y="3737642"/>
+              <a:ext cx="266420" cy="261610"/>
+            </a:xfrm>
+            <a:prstGeom prst="rect">
+              <a:avLst/>
+            </a:prstGeom>
+            <a:noFill/>
+          </p:spPr>
+          <p:txBody>
+            <a:bodyPr wrap="square" rtlCol="0">
+              <a:spAutoFit/>
+            </a:bodyPr>
+            <a:lstStyle/>
+            <a:p>
+              <a:r>
+                <a:rPr lang="de-DE" sz="1100" dirty="0"/>
+                <a:t>A</a:t>
+              </a:r>
+            </a:p>
+          </p:txBody>
+        </p:sp>
+        <p:sp>
+          <p:nvSpPr>
+            <p:cNvPr id="407" name="Textfeld 406">
+              <a:extLst>
+                <a:ext uri="{FF2B5EF4-FFF2-40B4-BE49-F238E27FC236}">
+                  <a16:creationId xmlns:a16="http://schemas.microsoft.com/office/drawing/2014/main" id="{1ED356A9-0826-4062-BCD5-2729119B3FE1}"/>
+                </a:ext>
+              </a:extLst>
+            </p:cNvPr>
+            <p:cNvSpPr txBox="1"/>
+            <p:nvPr/>
+          </p:nvSpPr>
+          <p:spPr>
+            <a:xfrm>
+              <a:off x="9451543" y="3737642"/>
+              <a:ext cx="261610" cy="261610"/>
+            </a:xfrm>
+            <a:prstGeom prst="rect">
+              <a:avLst/>
+            </a:prstGeom>
+            <a:noFill/>
+          </p:spPr>
+          <p:txBody>
+            <a:bodyPr wrap="square" rtlCol="0">
+              <a:spAutoFit/>
+            </a:bodyPr>
+            <a:lstStyle/>
+            <a:p>
+              <a:r>
+                <a:rPr lang="de-DE" sz="1100" dirty="0"/>
+                <a:t>B</a:t>
+              </a:r>
+            </a:p>
+          </p:txBody>
+        </p:sp>
+        <p:sp>
+          <p:nvSpPr>
+            <p:cNvPr id="408" name="Textfeld 407">
+              <a:extLst>
+                <a:ext uri="{FF2B5EF4-FFF2-40B4-BE49-F238E27FC236}">
+                  <a16:creationId xmlns:a16="http://schemas.microsoft.com/office/drawing/2014/main" id="{98454800-19E7-40CE-9EAB-ADAB8D9E89B8}"/>
+                </a:ext>
+              </a:extLst>
+            </p:cNvPr>
+            <p:cNvSpPr txBox="1"/>
+            <p:nvPr/>
+          </p:nvSpPr>
+          <p:spPr>
+            <a:xfrm>
+              <a:off x="9881935" y="3737642"/>
+              <a:ext cx="260008" cy="261610"/>
+            </a:xfrm>
+            <a:prstGeom prst="rect">
+              <a:avLst/>
+            </a:prstGeom>
+            <a:noFill/>
+          </p:spPr>
+          <p:txBody>
+            <a:bodyPr wrap="square" rtlCol="0">
+              <a:spAutoFit/>
+            </a:bodyPr>
+            <a:lstStyle/>
+            <a:p>
+              <a:r>
+                <a:rPr lang="de-DE" sz="1100" dirty="0"/>
+                <a:t>C</a:t>
+              </a:r>
+            </a:p>
+          </p:txBody>
+        </p:sp>
+        <p:sp>
+          <p:nvSpPr>
+            <p:cNvPr id="409" name="Textfeld 408">
+              <a:extLst>
+                <a:ext uri="{FF2B5EF4-FFF2-40B4-BE49-F238E27FC236}">
+                  <a16:creationId xmlns:a16="http://schemas.microsoft.com/office/drawing/2014/main" id="{78764186-3DAF-4D52-A98F-D24A5FE858B7}"/>
+                </a:ext>
+              </a:extLst>
+            </p:cNvPr>
+            <p:cNvSpPr txBox="1"/>
+            <p:nvPr/>
+          </p:nvSpPr>
+          <p:spPr>
+            <a:xfrm>
+              <a:off x="10316288" y="3737642"/>
+              <a:ext cx="271228" cy="261610"/>
+            </a:xfrm>
+            <a:prstGeom prst="rect">
+              <a:avLst/>
+            </a:prstGeom>
+            <a:noFill/>
+          </p:spPr>
+          <p:txBody>
+            <a:bodyPr wrap="square" rtlCol="0">
+              <a:spAutoFit/>
+            </a:bodyPr>
+            <a:lstStyle/>
+            <a:p>
+              <a:r>
+                <a:rPr lang="de-DE" sz="1100" dirty="0"/>
+                <a:t>D</a:t>
+              </a:r>
+            </a:p>
+          </p:txBody>
+        </p:sp>
+        <p:sp>
+          <p:nvSpPr>
+            <p:cNvPr id="410" name="Textfeld 409">
+              <a:extLst>
+                <a:ext uri="{FF2B5EF4-FFF2-40B4-BE49-F238E27FC236}">
+                  <a16:creationId xmlns:a16="http://schemas.microsoft.com/office/drawing/2014/main" id="{07BB152E-1789-461A-B3F7-90D21B6CCF7D}"/>
+                </a:ext>
+              </a:extLst>
+            </p:cNvPr>
+            <p:cNvSpPr txBox="1"/>
+            <p:nvPr/>
+          </p:nvSpPr>
+          <p:spPr>
+            <a:xfrm>
+              <a:off x="10747063" y="3737642"/>
+              <a:ext cx="253596" cy="261610"/>
+            </a:xfrm>
+            <a:prstGeom prst="rect">
+              <a:avLst/>
+            </a:prstGeom>
+            <a:noFill/>
+          </p:spPr>
+          <p:txBody>
+            <a:bodyPr wrap="square" rtlCol="0">
+              <a:spAutoFit/>
+            </a:bodyPr>
+            <a:lstStyle/>
+            <a:p>
+              <a:r>
+                <a:rPr lang="de-DE" sz="1100" dirty="0"/>
+                <a:t>E</a:t>
+              </a:r>
+            </a:p>
+          </p:txBody>
+        </p:sp>
+        <p:sp>
+          <p:nvSpPr>
+            <p:cNvPr id="411" name="Textfeld 410">
+              <a:extLst>
+                <a:ext uri="{FF2B5EF4-FFF2-40B4-BE49-F238E27FC236}">
+                  <a16:creationId xmlns:a16="http://schemas.microsoft.com/office/drawing/2014/main" id="{1AE87F19-E943-4554-B9B2-798A59210099}"/>
+                </a:ext>
+              </a:extLst>
+            </p:cNvPr>
+            <p:cNvSpPr txBox="1"/>
+            <p:nvPr/>
+          </p:nvSpPr>
+          <p:spPr>
+            <a:xfrm>
+              <a:off x="11180663" y="3737642"/>
+              <a:ext cx="248786" cy="261610"/>
+            </a:xfrm>
+            <a:prstGeom prst="rect">
+              <a:avLst/>
+            </a:prstGeom>
+            <a:noFill/>
+          </p:spPr>
+          <p:txBody>
+            <a:bodyPr wrap="square" rtlCol="0">
+              <a:spAutoFit/>
+            </a:bodyPr>
+            <a:lstStyle/>
+            <a:p>
+              <a:r>
+                <a:rPr lang="de-DE" sz="1100" dirty="0"/>
+                <a:t>F</a:t>
+              </a:r>
+            </a:p>
+          </p:txBody>
+        </p:sp>
+        <p:sp>
+          <p:nvSpPr>
+            <p:cNvPr id="412" name="Rechteck 411">
+              <a:extLst>
+                <a:ext uri="{FF2B5EF4-FFF2-40B4-BE49-F238E27FC236}">
+                  <a16:creationId xmlns:a16="http://schemas.microsoft.com/office/drawing/2014/main" id="{1189E0A8-53B8-49C1-92D6-CE539E112DE4}"/>
+                </a:ext>
+              </a:extLst>
+            </p:cNvPr>
+            <p:cNvSpPr/>
+            <p:nvPr/>
+          </p:nvSpPr>
+          <p:spPr>
+            <a:xfrm>
+              <a:off x="9365806" y="3378431"/>
+              <a:ext cx="431417" cy="240224"/>
+            </a:xfrm>
+            <a:prstGeom prst="rect">
+              <a:avLst/>
+            </a:prstGeom>
+            <a:solidFill>
+              <a:schemeClr val="bg1"/>
+            </a:solidFill>
+            <a:ln w="15875">
+              <a:solidFill>
+                <a:schemeClr val="tx1"/>
+              </a:solidFill>
+            </a:ln>
+          </p:spPr>
+          <p:style>
+            <a:lnRef idx="2">
+              <a:schemeClr val="accent1">
+                <a:shade val="50000"/>
+              </a:schemeClr>
+            </a:lnRef>
+            <a:fillRef idx="1">
+              <a:schemeClr val="accent1"/>
+            </a:fillRef>
+            <a:effectRef idx="0">
+              <a:schemeClr val="accent1"/>
+            </a:effectRef>
+            <a:fontRef idx="minor">
+              <a:schemeClr val="lt1"/>
+            </a:fontRef>
+          </p:style>
+          <p:txBody>
+            <a:bodyPr lIns="36000" rIns="36000" rtlCol="0" anchor="ctr"/>
+            <a:lstStyle/>
+            <a:p>
+              <a:pPr algn="ctr"/>
+              <a:r>
+                <a:rPr lang="de-DE" sz="1100" dirty="0">
+                  <a:solidFill>
+                    <a:schemeClr val="tx1"/>
+                  </a:solidFill>
+                </a:rPr>
+                <a:t>KW1</a:t>
+              </a:r>
+              <a:endParaRPr lang="de-DE" sz="1400" dirty="0">
+                <a:solidFill>
+                  <a:schemeClr val="tx1"/>
+                </a:solidFill>
+              </a:endParaRPr>
+            </a:p>
+          </p:txBody>
+        </p:sp>
+        <p:sp>
+          <p:nvSpPr>
+            <p:cNvPr id="413" name="Rechteck 412">
+              <a:extLst>
+                <a:ext uri="{FF2B5EF4-FFF2-40B4-BE49-F238E27FC236}">
+                  <a16:creationId xmlns:a16="http://schemas.microsoft.com/office/drawing/2014/main" id="{620C9388-1DC1-47E8-8F7A-78E6896F5E00}"/>
+                </a:ext>
+              </a:extLst>
+            </p:cNvPr>
+            <p:cNvSpPr/>
+            <p:nvPr/>
+          </p:nvSpPr>
+          <p:spPr>
+            <a:xfrm>
+              <a:off x="9796263" y="3378431"/>
+              <a:ext cx="431417" cy="240224"/>
+            </a:xfrm>
+            <a:prstGeom prst="rect">
+              <a:avLst/>
+            </a:prstGeom>
+            <a:solidFill>
+              <a:schemeClr val="accent4">
+                <a:lumMod val="20000"/>
+                <a:lumOff val="80000"/>
+              </a:schemeClr>
+            </a:solidFill>
+            <a:ln w="15875">
+              <a:solidFill>
+                <a:schemeClr val="tx1"/>
+              </a:solidFill>
+            </a:ln>
+          </p:spPr>
+          <p:style>
+            <a:lnRef idx="2">
+              <a:schemeClr val="accent1">
+                <a:shade val="50000"/>
+              </a:schemeClr>
+            </a:lnRef>
+            <a:fillRef idx="1">
+              <a:schemeClr val="accent1"/>
+            </a:fillRef>
+            <a:effectRef idx="0">
+              <a:schemeClr val="accent1"/>
+            </a:effectRef>
+            <a:fontRef idx="minor">
+              <a:schemeClr val="lt1"/>
+            </a:fontRef>
+          </p:style>
+          <p:txBody>
+            <a:bodyPr lIns="36000" rIns="36000" rtlCol="0" anchor="ctr"/>
+            <a:lstStyle/>
+            <a:p>
+              <a:pPr algn="ctr"/>
+              <a:r>
+                <a:rPr lang="de-DE" sz="1100" dirty="0">
+                  <a:solidFill>
+                    <a:schemeClr val="tx1"/>
+                  </a:solidFill>
+                </a:rPr>
+                <a:t>WW2</a:t>
+              </a:r>
+              <a:endParaRPr lang="de-DE" sz="1400" dirty="0">
+                <a:solidFill>
+                  <a:schemeClr val="tx1"/>
+                </a:solidFill>
+              </a:endParaRPr>
+            </a:p>
+          </p:txBody>
+        </p:sp>
+        <p:sp>
+          <p:nvSpPr>
+            <p:cNvPr id="414" name="Rechteck 413">
+              <a:extLst>
+                <a:ext uri="{FF2B5EF4-FFF2-40B4-BE49-F238E27FC236}">
+                  <a16:creationId xmlns:a16="http://schemas.microsoft.com/office/drawing/2014/main" id="{8C5D3576-033E-423E-8BA3-8DB9B5C4D4C7}"/>
+                </a:ext>
+              </a:extLst>
+            </p:cNvPr>
+            <p:cNvSpPr/>
+            <p:nvPr/>
+          </p:nvSpPr>
+          <p:spPr>
+            <a:xfrm>
+              <a:off x="10226094" y="3378431"/>
+              <a:ext cx="431417" cy="240224"/>
+            </a:xfrm>
+            <a:prstGeom prst="rect">
+              <a:avLst/>
+            </a:prstGeom>
+            <a:solidFill>
+              <a:schemeClr val="bg1"/>
+            </a:solidFill>
+            <a:ln w="15875">
+              <a:solidFill>
+                <a:schemeClr val="tx1"/>
+              </a:solidFill>
+            </a:ln>
+          </p:spPr>
+          <p:style>
+            <a:lnRef idx="2">
+              <a:schemeClr val="accent1">
+                <a:shade val="50000"/>
+              </a:schemeClr>
+            </a:lnRef>
+            <a:fillRef idx="1">
+              <a:schemeClr val="accent1"/>
+            </a:fillRef>
+            <a:effectRef idx="0">
+              <a:schemeClr val="accent1"/>
+            </a:effectRef>
+            <a:fontRef idx="minor">
+              <a:schemeClr val="lt1"/>
+            </a:fontRef>
+          </p:style>
+          <p:txBody>
+            <a:bodyPr lIns="36000" rIns="36000" rtlCol="0" anchor="ctr"/>
+            <a:lstStyle/>
+            <a:p>
+              <a:pPr algn="ctr"/>
+              <a:r>
+                <a:rPr lang="de-DE" sz="1100" dirty="0">
+                  <a:solidFill>
+                    <a:schemeClr val="tx1"/>
+                  </a:solidFill>
+                </a:rPr>
+                <a:t>WK2</a:t>
+              </a:r>
+              <a:endParaRPr lang="de-DE" sz="1400" dirty="0">
+                <a:solidFill>
+                  <a:schemeClr val="tx1"/>
+                </a:solidFill>
+              </a:endParaRPr>
+            </a:p>
+          </p:txBody>
+        </p:sp>
+        <p:sp>
+          <p:nvSpPr>
+            <p:cNvPr id="415" name="Rechteck 414">
+              <a:extLst>
+                <a:ext uri="{FF2B5EF4-FFF2-40B4-BE49-F238E27FC236}">
+                  <a16:creationId xmlns:a16="http://schemas.microsoft.com/office/drawing/2014/main" id="{D90E6270-11C4-4226-B68D-4ADA87242062}"/>
+                </a:ext>
+              </a:extLst>
+            </p:cNvPr>
+            <p:cNvSpPr/>
+            <p:nvPr/>
+          </p:nvSpPr>
+          <p:spPr>
+            <a:xfrm>
+              <a:off x="10656832" y="3378431"/>
+              <a:ext cx="431417" cy="240224"/>
+            </a:xfrm>
+            <a:prstGeom prst="rect">
+              <a:avLst/>
+            </a:prstGeom>
+            <a:solidFill>
+              <a:schemeClr val="bg1">
+                <a:lumMod val="95000"/>
+              </a:schemeClr>
+            </a:solidFill>
+            <a:ln w="15875">
+              <a:solidFill>
+                <a:schemeClr val="tx1"/>
+              </a:solidFill>
+            </a:ln>
+          </p:spPr>
+          <p:style>
+            <a:lnRef idx="2">
+              <a:schemeClr val="accent1">
+                <a:shade val="50000"/>
+              </a:schemeClr>
+            </a:lnRef>
+            <a:fillRef idx="1">
+              <a:schemeClr val="accent1"/>
+            </a:fillRef>
+            <a:effectRef idx="0">
+              <a:schemeClr val="accent1"/>
+            </a:effectRef>
+            <a:fontRef idx="minor">
+              <a:schemeClr val="lt1"/>
+            </a:fontRef>
+          </p:style>
+          <p:txBody>
+            <a:bodyPr lIns="36000" rIns="36000" rtlCol="0" anchor="ctr"/>
+            <a:lstStyle/>
+            <a:p>
+              <a:pPr algn="ctr"/>
+              <a:r>
+                <a:rPr lang="de-DE" sz="1100" dirty="0">
+                  <a:solidFill>
+                    <a:schemeClr val="tx1"/>
+                  </a:solidFill>
+                </a:rPr>
+                <a:t>EK1</a:t>
+              </a:r>
+              <a:endParaRPr lang="de-DE" sz="1400" dirty="0">
+                <a:solidFill>
+                  <a:schemeClr val="tx1"/>
+                </a:solidFill>
+              </a:endParaRPr>
+            </a:p>
+          </p:txBody>
+        </p:sp>
+        <p:sp>
+          <p:nvSpPr>
+            <p:cNvPr id="416" name="Rechteck 415">
+              <a:extLst>
+                <a:ext uri="{FF2B5EF4-FFF2-40B4-BE49-F238E27FC236}">
+                  <a16:creationId xmlns:a16="http://schemas.microsoft.com/office/drawing/2014/main" id="{21CD1C7D-D0FF-42F8-854C-8AF94086D019}"/>
+                </a:ext>
+              </a:extLst>
+            </p:cNvPr>
+            <p:cNvSpPr/>
+            <p:nvPr/>
+          </p:nvSpPr>
+          <p:spPr>
+            <a:xfrm>
+              <a:off x="11087289" y="3378431"/>
+              <a:ext cx="431417" cy="240224"/>
+            </a:xfrm>
+            <a:prstGeom prst="rect">
+              <a:avLst/>
+            </a:prstGeom>
+            <a:solidFill>
+              <a:schemeClr val="bg1">
+                <a:lumMod val="95000"/>
+              </a:schemeClr>
+            </a:solidFill>
+            <a:ln w="15875">
+              <a:solidFill>
+                <a:schemeClr val="tx1"/>
+              </a:solidFill>
+            </a:ln>
+          </p:spPr>
+          <p:style>
+            <a:lnRef idx="2">
+              <a:schemeClr val="accent1">
+                <a:shade val="50000"/>
+              </a:schemeClr>
+            </a:lnRef>
+            <a:fillRef idx="1">
+              <a:schemeClr val="accent1"/>
+            </a:fillRef>
+            <a:effectRef idx="0">
+              <a:schemeClr val="accent1"/>
+            </a:effectRef>
+            <a:fontRef idx="minor">
+              <a:schemeClr val="lt1"/>
+            </a:fontRef>
+          </p:style>
+          <p:txBody>
+            <a:bodyPr lIns="36000" rIns="36000" rtlCol="0" anchor="ctr"/>
+            <a:lstStyle/>
+            <a:p>
+              <a:pPr algn="ctr"/>
+              <a:r>
+                <a:rPr lang="de-DE" sz="1100" dirty="0">
+                  <a:solidFill>
+                    <a:schemeClr val="tx1"/>
+                  </a:solidFill>
+                </a:rPr>
+                <a:t>EK2</a:t>
+              </a:r>
+              <a:endParaRPr lang="de-DE" sz="1400" dirty="0">
+                <a:solidFill>
+                  <a:schemeClr val="tx1"/>
+                </a:solidFill>
+              </a:endParaRPr>
+            </a:p>
+          </p:txBody>
+        </p:sp>
+        <p:sp>
+          <p:nvSpPr>
+            <p:cNvPr id="417" name="Rechteck 416">
+              <a:extLst>
+                <a:ext uri="{FF2B5EF4-FFF2-40B4-BE49-F238E27FC236}">
+                  <a16:creationId xmlns:a16="http://schemas.microsoft.com/office/drawing/2014/main" id="{4B114AB5-93C4-46A3-8366-CBA555687405}"/>
+                </a:ext>
+              </a:extLst>
+            </p:cNvPr>
+            <p:cNvSpPr/>
+            <p:nvPr/>
+          </p:nvSpPr>
+          <p:spPr>
+            <a:xfrm>
+              <a:off x="8644473" y="3378420"/>
+              <a:ext cx="291253" cy="240224"/>
+            </a:xfrm>
+            <a:prstGeom prst="rect">
+              <a:avLst/>
+            </a:prstGeom>
+            <a:solidFill>
+              <a:srgbClr val="FF7D7D"/>
+            </a:solidFill>
+            <a:ln w="15875">
+              <a:solidFill>
+                <a:schemeClr val="tx1"/>
+              </a:solidFill>
+            </a:ln>
+          </p:spPr>
+          <p:style>
+            <a:lnRef idx="2">
+              <a:schemeClr val="accent1">
+                <a:shade val="50000"/>
+              </a:schemeClr>
+            </a:lnRef>
+            <a:fillRef idx="1">
+              <a:schemeClr val="accent1"/>
+            </a:fillRef>
+            <a:effectRef idx="0">
+              <a:schemeClr val="accent1"/>
+            </a:effectRef>
+            <a:fontRef idx="minor">
+              <a:schemeClr val="lt1"/>
+            </a:fontRef>
+          </p:style>
+          <p:txBody>
+            <a:bodyPr lIns="36000" rIns="36000" rtlCol="0" anchor="ctr"/>
+            <a:lstStyle/>
+            <a:p>
+              <a:pPr algn="ctr"/>
+              <a:endParaRPr lang="de-DE" sz="1400" dirty="0">
+                <a:solidFill>
+                  <a:schemeClr val="tx1"/>
+                </a:solidFill>
+              </a:endParaRPr>
+            </a:p>
+          </p:txBody>
+        </p:sp>
+        <p:cxnSp>
+          <p:nvCxnSpPr>
+            <p:cNvPr id="418" name="Gerader Verbinder 417">
+              <a:extLst>
+                <a:ext uri="{FF2B5EF4-FFF2-40B4-BE49-F238E27FC236}">
+                  <a16:creationId xmlns:a16="http://schemas.microsoft.com/office/drawing/2014/main" id="{F04D5579-7D6A-45DF-B429-376D5E6C40FE}"/>
+                </a:ext>
+              </a:extLst>
+            </p:cNvPr>
+            <p:cNvCxnSpPr>
+              <a:cxnSpLocks/>
+            </p:cNvCxnSpPr>
+            <p:nvPr/>
+          </p:nvCxnSpPr>
+          <p:spPr>
+            <a:xfrm flipV="1">
+              <a:off x="8783195" y="3622072"/>
+              <a:ext cx="0" cy="127578"/>
+            </a:xfrm>
+            <a:prstGeom prst="line">
+              <a:avLst/>
+            </a:prstGeom>
+            <a:ln w="12700" cmpd="sng">
+              <a:solidFill>
+                <a:schemeClr val="tx1"/>
+              </a:solidFill>
+              <a:headEnd type="oval"/>
+            </a:ln>
+          </p:spPr>
+          <p:style>
+            <a:lnRef idx="1">
+              <a:schemeClr val="accent1"/>
+            </a:lnRef>
+            <a:fillRef idx="0">
+              <a:schemeClr val="accent1"/>
+            </a:fillRef>
+            <a:effectRef idx="0">
+              <a:schemeClr val="accent1"/>
+            </a:effectRef>
+            <a:fontRef idx="minor">
+              <a:schemeClr val="tx1"/>
+            </a:fontRef>
+          </p:style>
+        </p:cxnSp>
+        <p:cxnSp>
+          <p:nvCxnSpPr>
+            <p:cNvPr id="419" name="Gerader Verbinder 418">
+              <a:extLst>
+                <a:ext uri="{FF2B5EF4-FFF2-40B4-BE49-F238E27FC236}">
+                  <a16:creationId xmlns:a16="http://schemas.microsoft.com/office/drawing/2014/main" id="{72F58C29-5EEE-433C-94DB-D669083B9466}"/>
+                </a:ext>
+              </a:extLst>
+            </p:cNvPr>
+            <p:cNvCxnSpPr>
+              <a:cxnSpLocks/>
+            </p:cNvCxnSpPr>
+            <p:nvPr/>
+          </p:nvCxnSpPr>
+          <p:spPr>
+            <a:xfrm flipV="1">
+              <a:off x="9149736" y="3619142"/>
+              <a:ext cx="0" cy="127578"/>
+            </a:xfrm>
+            <a:prstGeom prst="line">
+              <a:avLst/>
+            </a:prstGeom>
+            <a:ln w="12700" cmpd="sng">
+              <a:solidFill>
+                <a:schemeClr val="tx1"/>
+              </a:solidFill>
+              <a:headEnd type="oval"/>
+            </a:ln>
+          </p:spPr>
+          <p:style>
+            <a:lnRef idx="1">
+              <a:schemeClr val="accent1"/>
+            </a:lnRef>
+            <a:fillRef idx="0">
+              <a:schemeClr val="accent1"/>
+            </a:fillRef>
+            <a:effectRef idx="0">
+              <a:schemeClr val="accent1"/>
+            </a:effectRef>
+            <a:fontRef idx="minor">
+              <a:schemeClr val="tx1"/>
+            </a:fontRef>
+          </p:style>
+        </p:cxnSp>
+        <p:cxnSp>
+          <p:nvCxnSpPr>
+            <p:cNvPr id="420" name="Gerader Verbinder 419">
+              <a:extLst>
+                <a:ext uri="{FF2B5EF4-FFF2-40B4-BE49-F238E27FC236}">
+                  <a16:creationId xmlns:a16="http://schemas.microsoft.com/office/drawing/2014/main" id="{FE4EE38A-2ADE-46F8-8DDA-6CE3C08DD17B}"/>
+                </a:ext>
+              </a:extLst>
+            </p:cNvPr>
+            <p:cNvCxnSpPr>
+              <a:cxnSpLocks/>
+            </p:cNvCxnSpPr>
+            <p:nvPr/>
+          </p:nvCxnSpPr>
+          <p:spPr>
+            <a:xfrm flipV="1">
+              <a:off x="9581514" y="3619142"/>
+              <a:ext cx="0" cy="127578"/>
+            </a:xfrm>
+            <a:prstGeom prst="line">
+              <a:avLst/>
+            </a:prstGeom>
+            <a:ln w="12700" cmpd="sng">
+              <a:solidFill>
+                <a:schemeClr val="tx1"/>
+              </a:solidFill>
+              <a:headEnd type="oval"/>
+            </a:ln>
+          </p:spPr>
+          <p:style>
+            <a:lnRef idx="1">
+              <a:schemeClr val="accent1"/>
+            </a:lnRef>
+            <a:fillRef idx="0">
+              <a:schemeClr val="accent1"/>
+            </a:fillRef>
+            <a:effectRef idx="0">
+              <a:schemeClr val="accent1"/>
+            </a:effectRef>
+            <a:fontRef idx="minor">
+              <a:schemeClr val="tx1"/>
+            </a:fontRef>
+          </p:style>
+        </p:cxnSp>
+        <p:cxnSp>
+          <p:nvCxnSpPr>
+            <p:cNvPr id="421" name="Gerader Verbinder 420">
+              <a:extLst>
+                <a:ext uri="{FF2B5EF4-FFF2-40B4-BE49-F238E27FC236}">
+                  <a16:creationId xmlns:a16="http://schemas.microsoft.com/office/drawing/2014/main" id="{A1F1015C-5CD0-4F6B-B143-F1FF43726489}"/>
+                </a:ext>
+              </a:extLst>
+            </p:cNvPr>
+            <p:cNvCxnSpPr>
+              <a:cxnSpLocks/>
+            </p:cNvCxnSpPr>
+            <p:nvPr/>
+          </p:nvCxnSpPr>
+          <p:spPr>
+            <a:xfrm flipV="1">
+              <a:off x="10011971" y="3619142"/>
+              <a:ext cx="0" cy="127578"/>
+            </a:xfrm>
+            <a:prstGeom prst="line">
+              <a:avLst/>
+            </a:prstGeom>
+            <a:ln w="12700" cmpd="sng">
+              <a:solidFill>
+                <a:schemeClr val="tx1"/>
+              </a:solidFill>
+              <a:headEnd type="oval"/>
+            </a:ln>
+          </p:spPr>
+          <p:style>
+            <a:lnRef idx="1">
+              <a:schemeClr val="accent1"/>
+            </a:lnRef>
+            <a:fillRef idx="0">
+              <a:schemeClr val="accent1"/>
+            </a:fillRef>
+            <a:effectRef idx="0">
+              <a:schemeClr val="accent1"/>
+            </a:effectRef>
+            <a:fontRef idx="minor">
+              <a:schemeClr val="tx1"/>
+            </a:fontRef>
+          </p:style>
+        </p:cxnSp>
+        <p:cxnSp>
+          <p:nvCxnSpPr>
+            <p:cNvPr id="422" name="Gerader Verbinder 421">
+              <a:extLst>
+                <a:ext uri="{FF2B5EF4-FFF2-40B4-BE49-F238E27FC236}">
+                  <a16:creationId xmlns:a16="http://schemas.microsoft.com/office/drawing/2014/main" id="{A21A2CE7-78EA-40C4-BDD4-6AA73A958B81}"/>
+                </a:ext>
+              </a:extLst>
+            </p:cNvPr>
+            <p:cNvCxnSpPr>
+              <a:cxnSpLocks/>
+            </p:cNvCxnSpPr>
+            <p:nvPr/>
+          </p:nvCxnSpPr>
+          <p:spPr>
+            <a:xfrm flipV="1">
+              <a:off x="10443749" y="3619142"/>
+              <a:ext cx="0" cy="127578"/>
+            </a:xfrm>
+            <a:prstGeom prst="line">
+              <a:avLst/>
+            </a:prstGeom>
+            <a:ln w="12700" cmpd="sng">
+              <a:solidFill>
+                <a:schemeClr val="tx1"/>
+              </a:solidFill>
+              <a:headEnd type="oval"/>
+            </a:ln>
+          </p:spPr>
+          <p:style>
+            <a:lnRef idx="1">
+              <a:schemeClr val="accent1"/>
+            </a:lnRef>
+            <a:fillRef idx="0">
+              <a:schemeClr val="accent1"/>
+            </a:fillRef>
+            <a:effectRef idx="0">
+              <a:schemeClr val="accent1"/>
+            </a:effectRef>
+            <a:fontRef idx="minor">
+              <a:schemeClr val="tx1"/>
+            </a:fontRef>
+          </p:style>
+        </p:cxnSp>
+        <p:cxnSp>
+          <p:nvCxnSpPr>
+            <p:cNvPr id="423" name="Gerader Verbinder 422">
+              <a:extLst>
+                <a:ext uri="{FF2B5EF4-FFF2-40B4-BE49-F238E27FC236}">
+                  <a16:creationId xmlns:a16="http://schemas.microsoft.com/office/drawing/2014/main" id="{3965A0BD-7D03-458D-9101-7CFE07DAD9E0}"/>
+                </a:ext>
+              </a:extLst>
+            </p:cNvPr>
+            <p:cNvCxnSpPr>
+              <a:cxnSpLocks/>
+            </p:cNvCxnSpPr>
+            <p:nvPr/>
+          </p:nvCxnSpPr>
+          <p:spPr>
+            <a:xfrm flipV="1">
+              <a:off x="10872540" y="3619142"/>
+              <a:ext cx="0" cy="127578"/>
+            </a:xfrm>
+            <a:prstGeom prst="line">
+              <a:avLst/>
+            </a:prstGeom>
+            <a:ln w="12700" cmpd="sng">
+              <a:solidFill>
+                <a:schemeClr val="tx1"/>
+              </a:solidFill>
+              <a:headEnd type="oval"/>
+            </a:ln>
+          </p:spPr>
+          <p:style>
+            <a:lnRef idx="1">
+              <a:schemeClr val="accent1"/>
+            </a:lnRef>
+            <a:fillRef idx="0">
+              <a:schemeClr val="accent1"/>
+            </a:fillRef>
+            <a:effectRef idx="0">
+              <a:schemeClr val="accent1"/>
+            </a:effectRef>
+            <a:fontRef idx="minor">
+              <a:schemeClr val="tx1"/>
+            </a:fontRef>
+          </p:style>
+        </p:cxnSp>
+        <p:cxnSp>
+          <p:nvCxnSpPr>
+            <p:cNvPr id="424" name="Gerader Verbinder 423">
+              <a:extLst>
+                <a:ext uri="{FF2B5EF4-FFF2-40B4-BE49-F238E27FC236}">
+                  <a16:creationId xmlns:a16="http://schemas.microsoft.com/office/drawing/2014/main" id="{F58EB247-301F-49B2-AB7F-7F15F831DCAB}"/>
+                </a:ext>
+              </a:extLst>
+            </p:cNvPr>
+            <p:cNvCxnSpPr>
+              <a:cxnSpLocks/>
+            </p:cNvCxnSpPr>
+            <p:nvPr/>
+          </p:nvCxnSpPr>
+          <p:spPr>
+            <a:xfrm flipV="1">
+              <a:off x="11304318" y="3619142"/>
+              <a:ext cx="0" cy="127578"/>
+            </a:xfrm>
+            <a:prstGeom prst="line">
+              <a:avLst/>
+            </a:prstGeom>
+            <a:ln w="12700" cmpd="sng">
+              <a:solidFill>
+                <a:schemeClr val="tx1"/>
+              </a:solidFill>
+              <a:headEnd type="oval"/>
+            </a:ln>
+          </p:spPr>
+          <p:style>
+            <a:lnRef idx="1">
+              <a:schemeClr val="accent1"/>
+            </a:lnRef>
+            <a:fillRef idx="0">
+              <a:schemeClr val="accent1"/>
+            </a:fillRef>
+            <a:effectRef idx="0">
+              <a:schemeClr val="accent1"/>
+            </a:effectRef>
+            <a:fontRef idx="minor">
+              <a:schemeClr val="tx1"/>
+            </a:fontRef>
+          </p:style>
+        </p:cxnSp>
+        <p:sp>
+          <p:nvSpPr>
+            <p:cNvPr id="425" name="Textfeld 424">
+              <a:extLst>
+                <a:ext uri="{FF2B5EF4-FFF2-40B4-BE49-F238E27FC236}">
+                  <a16:creationId xmlns:a16="http://schemas.microsoft.com/office/drawing/2014/main" id="{490FFB58-8A2F-4A1B-BBD6-07E174CA6DD6}"/>
+                </a:ext>
+              </a:extLst>
+            </p:cNvPr>
+            <p:cNvSpPr txBox="1"/>
+            <p:nvPr/>
+          </p:nvSpPr>
+          <p:spPr>
+            <a:xfrm>
+              <a:off x="8632948" y="3737642"/>
+              <a:ext cx="335348" cy="261610"/>
+            </a:xfrm>
+            <a:prstGeom prst="rect">
+              <a:avLst/>
+            </a:prstGeom>
+            <a:noFill/>
+          </p:spPr>
+          <p:txBody>
+            <a:bodyPr wrap="square" rtlCol="0">
+              <a:spAutoFit/>
+            </a:bodyPr>
+            <a:lstStyle/>
+            <a:p>
+              <a:r>
+                <a:rPr lang="de-DE" sz="1100" dirty="0"/>
+                <a:t>V+</a:t>
+              </a:r>
+            </a:p>
+          </p:txBody>
+        </p:sp>
+        <p:sp>
+          <p:nvSpPr>
+            <p:cNvPr id="516" name="Rechteck 515">
+              <a:extLst>
+                <a:ext uri="{FF2B5EF4-FFF2-40B4-BE49-F238E27FC236}">
+                  <a16:creationId xmlns:a16="http://schemas.microsoft.com/office/drawing/2014/main" id="{E739BB43-94FF-46EF-997A-E1B7B42CC7F0}"/>
+                </a:ext>
+              </a:extLst>
+            </p:cNvPr>
+            <p:cNvSpPr/>
+            <p:nvPr/>
+          </p:nvSpPr>
+          <p:spPr>
+            <a:xfrm>
+              <a:off x="8653617" y="3281008"/>
+              <a:ext cx="290589" cy="94681"/>
+            </a:xfrm>
+            <a:prstGeom prst="rect">
+              <a:avLst/>
+            </a:prstGeom>
+            <a:noFill/>
+            <a:ln>
+              <a:noFill/>
+            </a:ln>
+          </p:spPr>
+          <p:style>
+            <a:lnRef idx="2">
+              <a:schemeClr val="accent1">
+                <a:shade val="50000"/>
+              </a:schemeClr>
+            </a:lnRef>
+            <a:fillRef idx="1">
+              <a:schemeClr val="accent1"/>
+            </a:fillRef>
+            <a:effectRef idx="0">
+              <a:schemeClr val="accent1"/>
+            </a:effectRef>
+            <a:fontRef idx="minor">
+              <a:schemeClr val="lt1"/>
+            </a:fontRef>
+          </p:style>
+          <p:txBody>
+            <a:bodyPr rtlCol="0" anchor="ctr"/>
+            <a:lstStyle/>
+            <a:p>
+              <a:pPr algn="ctr"/>
+              <a:endParaRPr lang="de-DE"/>
+            </a:p>
+          </p:txBody>
+        </p:sp>
+      </p:grpSp>
+      <p:grpSp>
+        <p:nvGrpSpPr>
+          <p:cNvPr id="16" name="Gruppieren 15">
+            <a:extLst>
+              <a:ext uri="{FF2B5EF4-FFF2-40B4-BE49-F238E27FC236}">
+                <a16:creationId xmlns:a16="http://schemas.microsoft.com/office/drawing/2014/main" id="{018A57FC-CF42-40F8-B449-15F0D1ABA362}"/>
+              </a:ext>
+            </a:extLst>
+          </p:cNvPr>
+          <p:cNvGrpSpPr/>
+          <p:nvPr/>
+        </p:nvGrpSpPr>
+        <p:grpSpPr>
+          <a:xfrm>
+            <a:off x="8614979" y="4147143"/>
+            <a:ext cx="2885758" cy="716138"/>
+            <a:chOff x="8614979" y="4147143"/>
+            <a:chExt cx="2885758" cy="716138"/>
+          </a:xfrm>
+        </p:grpSpPr>
+        <p:sp>
+          <p:nvSpPr>
+            <p:cNvPr id="427" name="Rechteck 426">
+              <a:extLst>
+                <a:ext uri="{FF2B5EF4-FFF2-40B4-BE49-F238E27FC236}">
+                  <a16:creationId xmlns:a16="http://schemas.microsoft.com/office/drawing/2014/main" id="{85ED4E42-885E-4B15-A452-844C88A2B12A}"/>
+                </a:ext>
+              </a:extLst>
+            </p:cNvPr>
+            <p:cNvSpPr/>
+            <p:nvPr/>
+          </p:nvSpPr>
+          <p:spPr>
+            <a:xfrm>
+              <a:off x="8917099" y="4245635"/>
+              <a:ext cx="431417" cy="240224"/>
+            </a:xfrm>
+            <a:prstGeom prst="rect">
+              <a:avLst/>
+            </a:prstGeom>
+            <a:solidFill>
+              <a:schemeClr val="accent2">
+                <a:lumMod val="20000"/>
+                <a:lumOff val="80000"/>
+              </a:schemeClr>
+            </a:solidFill>
+            <a:ln w="15875">
+              <a:solidFill>
+                <a:schemeClr val="tx1"/>
+              </a:solidFill>
+            </a:ln>
+          </p:spPr>
+          <p:style>
+            <a:lnRef idx="2">
+              <a:schemeClr val="accent1">
+                <a:shade val="50000"/>
+              </a:schemeClr>
+            </a:lnRef>
+            <a:fillRef idx="1">
+              <a:schemeClr val="accent1"/>
+            </a:fillRef>
+            <a:effectRef idx="0">
+              <a:schemeClr val="accent1"/>
+            </a:effectRef>
+            <a:fontRef idx="minor">
+              <a:schemeClr val="lt1"/>
+            </a:fontRef>
+          </p:style>
+          <p:txBody>
+            <a:bodyPr lIns="36000" rIns="36000" rtlCol="0" anchor="ctr"/>
+            <a:lstStyle/>
+            <a:p>
+              <a:pPr algn="ctr"/>
+              <a:r>
+                <a:rPr lang="de-DE" sz="1100" dirty="0">
+                  <a:solidFill>
+                    <a:schemeClr val="tx1"/>
+                  </a:solidFill>
+                </a:rPr>
+                <a:t>R1</a:t>
+              </a:r>
+              <a:endParaRPr lang="de-DE" sz="1400" dirty="0">
+                <a:solidFill>
+                  <a:schemeClr val="tx1"/>
+                </a:solidFill>
+              </a:endParaRPr>
+            </a:p>
+          </p:txBody>
+        </p:sp>
+        <p:sp>
+          <p:nvSpPr>
+            <p:cNvPr id="428" name="Textfeld 427">
+              <a:extLst>
+                <a:ext uri="{FF2B5EF4-FFF2-40B4-BE49-F238E27FC236}">
+                  <a16:creationId xmlns:a16="http://schemas.microsoft.com/office/drawing/2014/main" id="{B0C7162C-CC65-4B81-B602-533B8847403F}"/>
+                </a:ext>
+              </a:extLst>
+            </p:cNvPr>
+            <p:cNvSpPr txBox="1"/>
+            <p:nvPr/>
+          </p:nvSpPr>
+          <p:spPr>
+            <a:xfrm>
+              <a:off x="8999218" y="4601671"/>
+              <a:ext cx="266420" cy="261610"/>
+            </a:xfrm>
+            <a:prstGeom prst="rect">
+              <a:avLst/>
+            </a:prstGeom>
+            <a:noFill/>
+          </p:spPr>
+          <p:txBody>
+            <a:bodyPr wrap="none" rtlCol="0">
+              <a:spAutoFit/>
+            </a:bodyPr>
+            <a:lstStyle/>
+            <a:p>
+              <a:r>
+                <a:rPr lang="de-DE" sz="1100" dirty="0"/>
+                <a:t>A</a:t>
+              </a:r>
+            </a:p>
+          </p:txBody>
+        </p:sp>
+        <p:sp>
+          <p:nvSpPr>
+            <p:cNvPr id="429" name="Textfeld 428">
+              <a:extLst>
+                <a:ext uri="{FF2B5EF4-FFF2-40B4-BE49-F238E27FC236}">
+                  <a16:creationId xmlns:a16="http://schemas.microsoft.com/office/drawing/2014/main" id="{C00A528C-E810-4EFE-82CC-462A4938FD04}"/>
+                </a:ext>
+              </a:extLst>
+            </p:cNvPr>
+            <p:cNvSpPr txBox="1"/>
+            <p:nvPr/>
+          </p:nvSpPr>
+          <p:spPr>
+            <a:xfrm>
+              <a:off x="9433574" y="4601671"/>
+              <a:ext cx="261610" cy="261610"/>
+            </a:xfrm>
+            <a:prstGeom prst="rect">
+              <a:avLst/>
+            </a:prstGeom>
+            <a:noFill/>
+          </p:spPr>
+          <p:txBody>
+            <a:bodyPr wrap="none" rtlCol="0">
+              <a:spAutoFit/>
+            </a:bodyPr>
+            <a:lstStyle/>
+            <a:p>
+              <a:r>
+                <a:rPr lang="de-DE" sz="1100" dirty="0"/>
+                <a:t>B</a:t>
+              </a:r>
+            </a:p>
+          </p:txBody>
+        </p:sp>
+        <p:sp>
+          <p:nvSpPr>
+            <p:cNvPr id="430" name="Textfeld 429">
+              <a:extLst>
+                <a:ext uri="{FF2B5EF4-FFF2-40B4-BE49-F238E27FC236}">
+                  <a16:creationId xmlns:a16="http://schemas.microsoft.com/office/drawing/2014/main" id="{1F451949-AE39-44ED-BF92-1412D6B4BCE6}"/>
+                </a:ext>
+              </a:extLst>
+            </p:cNvPr>
+            <p:cNvSpPr txBox="1"/>
+            <p:nvPr/>
+          </p:nvSpPr>
+          <p:spPr>
+            <a:xfrm>
+              <a:off x="9863966" y="4601671"/>
+              <a:ext cx="260008" cy="261610"/>
+            </a:xfrm>
+            <a:prstGeom prst="rect">
+              <a:avLst/>
+            </a:prstGeom>
+            <a:noFill/>
+          </p:spPr>
+          <p:txBody>
+            <a:bodyPr wrap="none" rtlCol="0">
+              <a:spAutoFit/>
+            </a:bodyPr>
+            <a:lstStyle/>
+            <a:p>
+              <a:r>
+                <a:rPr lang="de-DE" sz="1100" dirty="0"/>
+                <a:t>C</a:t>
+              </a:r>
+            </a:p>
+          </p:txBody>
+        </p:sp>
+        <p:sp>
+          <p:nvSpPr>
+            <p:cNvPr id="431" name="Textfeld 430">
+              <a:extLst>
+                <a:ext uri="{FF2B5EF4-FFF2-40B4-BE49-F238E27FC236}">
+                  <a16:creationId xmlns:a16="http://schemas.microsoft.com/office/drawing/2014/main" id="{622D335B-C75E-4D2F-9D08-2DE0CB4AC638}"/>
+                </a:ext>
+              </a:extLst>
+            </p:cNvPr>
+            <p:cNvSpPr txBox="1"/>
+            <p:nvPr/>
+          </p:nvSpPr>
+          <p:spPr>
+            <a:xfrm>
+              <a:off x="10298319" y="4601671"/>
+              <a:ext cx="271228" cy="261610"/>
+            </a:xfrm>
+            <a:prstGeom prst="rect">
+              <a:avLst/>
+            </a:prstGeom>
+            <a:noFill/>
+          </p:spPr>
+          <p:txBody>
+            <a:bodyPr wrap="none" rtlCol="0">
+              <a:spAutoFit/>
+            </a:bodyPr>
+            <a:lstStyle/>
+            <a:p>
+              <a:r>
+                <a:rPr lang="de-DE" sz="1100" dirty="0"/>
+                <a:t>D</a:t>
+              </a:r>
+            </a:p>
+          </p:txBody>
+        </p:sp>
+        <p:sp>
+          <p:nvSpPr>
+            <p:cNvPr id="432" name="Textfeld 431">
+              <a:extLst>
+                <a:ext uri="{FF2B5EF4-FFF2-40B4-BE49-F238E27FC236}">
+                  <a16:creationId xmlns:a16="http://schemas.microsoft.com/office/drawing/2014/main" id="{052139AA-3774-4261-92F8-A78A82F23E68}"/>
+                </a:ext>
+              </a:extLst>
+            </p:cNvPr>
+            <p:cNvSpPr txBox="1"/>
+            <p:nvPr/>
+          </p:nvSpPr>
+          <p:spPr>
+            <a:xfrm>
+              <a:off x="10729094" y="4601671"/>
+              <a:ext cx="253596" cy="261610"/>
+            </a:xfrm>
+            <a:prstGeom prst="rect">
+              <a:avLst/>
+            </a:prstGeom>
+            <a:noFill/>
+          </p:spPr>
+          <p:txBody>
+            <a:bodyPr wrap="none" rtlCol="0">
+              <a:spAutoFit/>
+            </a:bodyPr>
+            <a:lstStyle/>
+            <a:p>
+              <a:r>
+                <a:rPr lang="de-DE" sz="1100" dirty="0"/>
+                <a:t>E</a:t>
+              </a:r>
+            </a:p>
+          </p:txBody>
+        </p:sp>
+        <p:sp>
+          <p:nvSpPr>
+            <p:cNvPr id="433" name="Textfeld 432">
+              <a:extLst>
+                <a:ext uri="{FF2B5EF4-FFF2-40B4-BE49-F238E27FC236}">
+                  <a16:creationId xmlns:a16="http://schemas.microsoft.com/office/drawing/2014/main" id="{A8D19011-D975-452A-A4DB-33EE1D1F81D8}"/>
+                </a:ext>
+              </a:extLst>
+            </p:cNvPr>
+            <p:cNvSpPr txBox="1"/>
+            <p:nvPr/>
+          </p:nvSpPr>
+          <p:spPr>
+            <a:xfrm>
+              <a:off x="11162694" y="4601671"/>
+              <a:ext cx="248786" cy="261610"/>
+            </a:xfrm>
+            <a:prstGeom prst="rect">
+              <a:avLst/>
+            </a:prstGeom>
+            <a:noFill/>
+          </p:spPr>
+          <p:txBody>
+            <a:bodyPr wrap="none" rtlCol="0">
+              <a:spAutoFit/>
+            </a:bodyPr>
+            <a:lstStyle/>
+            <a:p>
+              <a:r>
+                <a:rPr lang="de-DE" sz="1100" dirty="0"/>
+                <a:t>F</a:t>
+              </a:r>
+            </a:p>
+          </p:txBody>
+        </p:sp>
+        <p:sp>
+          <p:nvSpPr>
+            <p:cNvPr id="434" name="Rechteck 433">
+              <a:extLst>
+                <a:ext uri="{FF2B5EF4-FFF2-40B4-BE49-F238E27FC236}">
+                  <a16:creationId xmlns:a16="http://schemas.microsoft.com/office/drawing/2014/main" id="{2A3E81FC-4D33-4D47-B953-A6C0095D17B0}"/>
+                </a:ext>
+              </a:extLst>
+            </p:cNvPr>
+            <p:cNvSpPr/>
+            <p:nvPr/>
+          </p:nvSpPr>
+          <p:spPr>
+            <a:xfrm>
+              <a:off x="9347837" y="4245635"/>
+              <a:ext cx="431417" cy="240224"/>
+            </a:xfrm>
+            <a:prstGeom prst="rect">
+              <a:avLst/>
+            </a:prstGeom>
+            <a:solidFill>
+              <a:schemeClr val="accent6">
+                <a:lumMod val="20000"/>
+                <a:lumOff val="80000"/>
+              </a:schemeClr>
+            </a:solidFill>
+            <a:ln w="15875">
+              <a:solidFill>
+                <a:schemeClr val="tx1"/>
+              </a:solidFill>
+            </a:ln>
+          </p:spPr>
+          <p:style>
+            <a:lnRef idx="2">
+              <a:schemeClr val="accent1">
+                <a:shade val="50000"/>
+              </a:schemeClr>
+            </a:lnRef>
+            <a:fillRef idx="1">
+              <a:schemeClr val="accent1"/>
+            </a:fillRef>
+            <a:effectRef idx="0">
+              <a:schemeClr val="accent1"/>
+            </a:effectRef>
+            <a:fontRef idx="minor">
+              <a:schemeClr val="lt1"/>
+            </a:fontRef>
+          </p:style>
+          <p:txBody>
+            <a:bodyPr lIns="36000" rIns="36000" rtlCol="0" anchor="ctr"/>
+            <a:lstStyle/>
+            <a:p>
+              <a:pPr algn="ctr"/>
+              <a:r>
+                <a:rPr lang="de-DE" sz="1100" dirty="0">
+                  <a:solidFill>
+                    <a:schemeClr val="tx1"/>
+                  </a:solidFill>
+                </a:rPr>
+                <a:t>G1</a:t>
+              </a:r>
+              <a:endParaRPr lang="de-DE" sz="1400" dirty="0">
+                <a:solidFill>
+                  <a:schemeClr val="tx1"/>
+                </a:solidFill>
+              </a:endParaRPr>
+            </a:p>
+          </p:txBody>
+        </p:sp>
+        <p:sp>
+          <p:nvSpPr>
+            <p:cNvPr id="435" name="Rechteck 434">
+              <a:extLst>
+                <a:ext uri="{FF2B5EF4-FFF2-40B4-BE49-F238E27FC236}">
+                  <a16:creationId xmlns:a16="http://schemas.microsoft.com/office/drawing/2014/main" id="{87844345-1E25-493B-AB14-A292F4C2C802}"/>
+                </a:ext>
+              </a:extLst>
+            </p:cNvPr>
+            <p:cNvSpPr/>
+            <p:nvPr/>
+          </p:nvSpPr>
+          <p:spPr>
+            <a:xfrm>
+              <a:off x="9778294" y="4245635"/>
+              <a:ext cx="431417" cy="240224"/>
+            </a:xfrm>
+            <a:prstGeom prst="rect">
+              <a:avLst/>
+            </a:prstGeom>
+            <a:solidFill>
+              <a:schemeClr val="accent1">
+                <a:lumMod val="20000"/>
+                <a:lumOff val="80000"/>
+              </a:schemeClr>
+            </a:solidFill>
+            <a:ln w="15875">
+              <a:solidFill>
+                <a:schemeClr val="tx1"/>
+              </a:solidFill>
+            </a:ln>
+          </p:spPr>
+          <p:style>
+            <a:lnRef idx="2">
+              <a:schemeClr val="accent1">
+                <a:shade val="50000"/>
+              </a:schemeClr>
+            </a:lnRef>
+            <a:fillRef idx="1">
+              <a:schemeClr val="accent1"/>
+            </a:fillRef>
+            <a:effectRef idx="0">
+              <a:schemeClr val="accent1"/>
+            </a:effectRef>
+            <a:fontRef idx="minor">
+              <a:schemeClr val="lt1"/>
+            </a:fontRef>
+          </p:style>
+          <p:txBody>
+            <a:bodyPr lIns="36000" rIns="36000" rtlCol="0" anchor="ctr"/>
+            <a:lstStyle/>
+            <a:p>
+              <a:pPr algn="ctr"/>
+              <a:r>
+                <a:rPr lang="de-DE" sz="1100" dirty="0">
+                  <a:solidFill>
+                    <a:schemeClr val="tx1"/>
+                  </a:solidFill>
+                </a:rPr>
+                <a:t>B1</a:t>
+              </a:r>
+              <a:endParaRPr lang="de-DE" sz="1400" dirty="0">
+                <a:solidFill>
+                  <a:schemeClr val="tx1"/>
+                </a:solidFill>
+              </a:endParaRPr>
+            </a:p>
+          </p:txBody>
+        </p:sp>
+        <p:sp>
+          <p:nvSpPr>
+            <p:cNvPr id="436" name="Rechteck 435">
+              <a:extLst>
+                <a:ext uri="{FF2B5EF4-FFF2-40B4-BE49-F238E27FC236}">
+                  <a16:creationId xmlns:a16="http://schemas.microsoft.com/office/drawing/2014/main" id="{F98011C2-F643-40E9-8320-8DA8B474340F}"/>
+                </a:ext>
+              </a:extLst>
+            </p:cNvPr>
+            <p:cNvSpPr/>
+            <p:nvPr/>
+          </p:nvSpPr>
+          <p:spPr>
+            <a:xfrm>
+              <a:off x="10208125" y="4245635"/>
+              <a:ext cx="431417" cy="240224"/>
+            </a:xfrm>
+            <a:prstGeom prst="rect">
+              <a:avLst/>
+            </a:prstGeom>
+            <a:solidFill>
+              <a:schemeClr val="accent2">
+                <a:lumMod val="20000"/>
+                <a:lumOff val="80000"/>
+              </a:schemeClr>
+            </a:solidFill>
+            <a:ln w="15875">
+              <a:solidFill>
+                <a:schemeClr val="tx1"/>
+              </a:solidFill>
+            </a:ln>
+          </p:spPr>
+          <p:style>
+            <a:lnRef idx="2">
+              <a:schemeClr val="accent1">
+                <a:shade val="50000"/>
+              </a:schemeClr>
+            </a:lnRef>
+            <a:fillRef idx="1">
+              <a:schemeClr val="accent1"/>
+            </a:fillRef>
+            <a:effectRef idx="0">
+              <a:schemeClr val="accent1"/>
+            </a:effectRef>
+            <a:fontRef idx="minor">
+              <a:schemeClr val="lt1"/>
+            </a:fontRef>
+          </p:style>
+          <p:txBody>
+            <a:bodyPr lIns="36000" rIns="36000" rtlCol="0" anchor="ctr"/>
+            <a:lstStyle/>
+            <a:p>
+              <a:pPr algn="ctr"/>
+              <a:r>
+                <a:rPr lang="de-DE" sz="1100" dirty="0">
+                  <a:solidFill>
+                    <a:schemeClr val="tx1"/>
+                  </a:solidFill>
+                </a:rPr>
+                <a:t>R2</a:t>
+              </a:r>
+              <a:endParaRPr lang="de-DE" sz="1400" dirty="0">
+                <a:solidFill>
+                  <a:schemeClr val="tx1"/>
+                </a:solidFill>
+              </a:endParaRPr>
+            </a:p>
+          </p:txBody>
+        </p:sp>
+        <p:sp>
+          <p:nvSpPr>
+            <p:cNvPr id="437" name="Rechteck 436">
+              <a:extLst>
+                <a:ext uri="{FF2B5EF4-FFF2-40B4-BE49-F238E27FC236}">
+                  <a16:creationId xmlns:a16="http://schemas.microsoft.com/office/drawing/2014/main" id="{F060412B-4C2B-47CB-ACFB-367E904AE435}"/>
+                </a:ext>
+              </a:extLst>
+            </p:cNvPr>
+            <p:cNvSpPr/>
+            <p:nvPr/>
+          </p:nvSpPr>
+          <p:spPr>
+            <a:xfrm>
+              <a:off x="10638863" y="4245635"/>
+              <a:ext cx="431417" cy="240224"/>
+            </a:xfrm>
+            <a:prstGeom prst="rect">
+              <a:avLst/>
+            </a:prstGeom>
+            <a:solidFill>
+              <a:schemeClr val="accent6">
+                <a:lumMod val="20000"/>
+                <a:lumOff val="80000"/>
+              </a:schemeClr>
+            </a:solidFill>
+            <a:ln w="15875">
+              <a:solidFill>
+                <a:schemeClr val="tx1"/>
+              </a:solidFill>
+            </a:ln>
+          </p:spPr>
+          <p:style>
+            <a:lnRef idx="2">
+              <a:schemeClr val="accent1">
+                <a:shade val="50000"/>
+              </a:schemeClr>
+            </a:lnRef>
+            <a:fillRef idx="1">
+              <a:schemeClr val="accent1"/>
+            </a:fillRef>
+            <a:effectRef idx="0">
+              <a:schemeClr val="accent1"/>
+            </a:effectRef>
+            <a:fontRef idx="minor">
+              <a:schemeClr val="lt1"/>
+            </a:fontRef>
+          </p:style>
+          <p:txBody>
+            <a:bodyPr lIns="36000" rIns="36000" rtlCol="0" anchor="ctr"/>
+            <a:lstStyle/>
+            <a:p>
+              <a:pPr algn="ctr"/>
+              <a:r>
+                <a:rPr lang="de-DE" sz="1100" dirty="0">
+                  <a:solidFill>
+                    <a:schemeClr val="tx1"/>
+                  </a:solidFill>
+                </a:rPr>
+                <a:t>G2</a:t>
+              </a:r>
+              <a:endParaRPr lang="de-DE" sz="1400" dirty="0">
+                <a:solidFill>
+                  <a:schemeClr val="tx1"/>
+                </a:solidFill>
+              </a:endParaRPr>
+            </a:p>
+          </p:txBody>
+        </p:sp>
+        <p:sp>
+          <p:nvSpPr>
+            <p:cNvPr id="438" name="Rechteck 437">
+              <a:extLst>
+                <a:ext uri="{FF2B5EF4-FFF2-40B4-BE49-F238E27FC236}">
+                  <a16:creationId xmlns:a16="http://schemas.microsoft.com/office/drawing/2014/main" id="{20F756D6-772A-4708-A562-C2B3EEA0491D}"/>
+                </a:ext>
+              </a:extLst>
+            </p:cNvPr>
+            <p:cNvSpPr/>
+            <p:nvPr/>
+          </p:nvSpPr>
+          <p:spPr>
+            <a:xfrm>
+              <a:off x="11069320" y="4245635"/>
+              <a:ext cx="431417" cy="240224"/>
+            </a:xfrm>
+            <a:prstGeom prst="rect">
+              <a:avLst/>
+            </a:prstGeom>
+            <a:solidFill>
+              <a:schemeClr val="accent1">
+                <a:lumMod val="20000"/>
+                <a:lumOff val="80000"/>
+              </a:schemeClr>
+            </a:solidFill>
+            <a:ln w="15875">
+              <a:solidFill>
+                <a:schemeClr val="tx1"/>
+              </a:solidFill>
+            </a:ln>
+          </p:spPr>
+          <p:style>
+            <a:lnRef idx="2">
+              <a:schemeClr val="accent1">
+                <a:shade val="50000"/>
+              </a:schemeClr>
+            </a:lnRef>
+            <a:fillRef idx="1">
+              <a:schemeClr val="accent1"/>
+            </a:fillRef>
+            <a:effectRef idx="0">
+              <a:schemeClr val="accent1"/>
+            </a:effectRef>
+            <a:fontRef idx="minor">
+              <a:schemeClr val="lt1"/>
+            </a:fontRef>
+          </p:style>
+          <p:txBody>
+            <a:bodyPr lIns="36000" rIns="36000" rtlCol="0" anchor="ctr"/>
+            <a:lstStyle/>
+            <a:p>
+              <a:pPr algn="ctr"/>
+              <a:r>
+                <a:rPr lang="de-DE" sz="1100" dirty="0">
+                  <a:solidFill>
+                    <a:schemeClr val="tx1"/>
+                  </a:solidFill>
+                </a:rPr>
+                <a:t>B2</a:t>
+              </a:r>
+              <a:endParaRPr lang="de-DE" sz="1400" dirty="0">
+                <a:solidFill>
+                  <a:schemeClr val="tx1"/>
+                </a:solidFill>
+              </a:endParaRPr>
+            </a:p>
+          </p:txBody>
+        </p:sp>
+        <p:sp>
+          <p:nvSpPr>
+            <p:cNvPr id="439" name="Rechteck 438">
+              <a:extLst>
+                <a:ext uri="{FF2B5EF4-FFF2-40B4-BE49-F238E27FC236}">
+                  <a16:creationId xmlns:a16="http://schemas.microsoft.com/office/drawing/2014/main" id="{DFD17897-B995-4500-A9C5-382993AA07A2}"/>
+                </a:ext>
+              </a:extLst>
+            </p:cNvPr>
+            <p:cNvSpPr/>
+            <p:nvPr/>
+          </p:nvSpPr>
+          <p:spPr>
+            <a:xfrm>
+              <a:off x="8626504" y="4245624"/>
+              <a:ext cx="291253" cy="240224"/>
+            </a:xfrm>
+            <a:prstGeom prst="rect">
+              <a:avLst/>
+            </a:prstGeom>
+            <a:solidFill>
+              <a:srgbClr val="FF7D7D"/>
+            </a:solidFill>
+            <a:ln w="15875">
+              <a:solidFill>
+                <a:schemeClr val="tx1"/>
+              </a:solidFill>
+            </a:ln>
+          </p:spPr>
+          <p:style>
+            <a:lnRef idx="2">
+              <a:schemeClr val="accent1">
+                <a:shade val="50000"/>
+              </a:schemeClr>
+            </a:lnRef>
+            <a:fillRef idx="1">
+              <a:schemeClr val="accent1"/>
+            </a:fillRef>
+            <a:effectRef idx="0">
+              <a:schemeClr val="accent1"/>
+            </a:effectRef>
+            <a:fontRef idx="minor">
+              <a:schemeClr val="lt1"/>
+            </a:fontRef>
+          </p:style>
+          <p:txBody>
+            <a:bodyPr lIns="36000" rIns="36000" rtlCol="0" anchor="ctr"/>
+            <a:lstStyle/>
+            <a:p>
+              <a:pPr algn="ctr"/>
+              <a:endParaRPr lang="de-DE" sz="1400" dirty="0">
+                <a:solidFill>
+                  <a:schemeClr val="tx1"/>
+                </a:solidFill>
+              </a:endParaRPr>
+            </a:p>
+          </p:txBody>
+        </p:sp>
+        <p:cxnSp>
+          <p:nvCxnSpPr>
+            <p:cNvPr id="440" name="Gerader Verbinder 439">
+              <a:extLst>
+                <a:ext uri="{FF2B5EF4-FFF2-40B4-BE49-F238E27FC236}">
+                  <a16:creationId xmlns:a16="http://schemas.microsoft.com/office/drawing/2014/main" id="{2675279C-924F-49B8-B4D0-A72509432268}"/>
+                </a:ext>
+              </a:extLst>
+            </p:cNvPr>
+            <p:cNvCxnSpPr>
+              <a:cxnSpLocks/>
+            </p:cNvCxnSpPr>
+            <p:nvPr/>
+          </p:nvCxnSpPr>
+          <p:spPr>
+            <a:xfrm flipV="1">
+              <a:off x="8765226" y="4486101"/>
+              <a:ext cx="0" cy="127578"/>
+            </a:xfrm>
+            <a:prstGeom prst="line">
+              <a:avLst/>
+            </a:prstGeom>
+            <a:ln w="12700" cmpd="sng">
+              <a:solidFill>
+                <a:schemeClr val="tx1"/>
+              </a:solidFill>
+              <a:headEnd type="oval"/>
+            </a:ln>
+          </p:spPr>
+          <p:style>
+            <a:lnRef idx="1">
+              <a:schemeClr val="accent1"/>
+            </a:lnRef>
+            <a:fillRef idx="0">
+              <a:schemeClr val="accent1"/>
+            </a:fillRef>
+            <a:effectRef idx="0">
+              <a:schemeClr val="accent1"/>
+            </a:effectRef>
+            <a:fontRef idx="minor">
+              <a:schemeClr val="tx1"/>
+            </a:fontRef>
+          </p:style>
+        </p:cxnSp>
+        <p:cxnSp>
+          <p:nvCxnSpPr>
+            <p:cNvPr id="441" name="Gerader Verbinder 440">
+              <a:extLst>
+                <a:ext uri="{FF2B5EF4-FFF2-40B4-BE49-F238E27FC236}">
+                  <a16:creationId xmlns:a16="http://schemas.microsoft.com/office/drawing/2014/main" id="{71530EAC-0BC5-4C07-B0A8-8AFD04CE2B47}"/>
+                </a:ext>
+              </a:extLst>
+            </p:cNvPr>
+            <p:cNvCxnSpPr>
+              <a:cxnSpLocks/>
+            </p:cNvCxnSpPr>
+            <p:nvPr/>
+          </p:nvCxnSpPr>
+          <p:spPr>
+            <a:xfrm flipV="1">
+              <a:off x="9131767" y="4483171"/>
+              <a:ext cx="0" cy="127578"/>
+            </a:xfrm>
+            <a:prstGeom prst="line">
+              <a:avLst/>
+            </a:prstGeom>
+            <a:ln w="12700" cmpd="sng">
+              <a:solidFill>
+                <a:schemeClr val="tx1"/>
+              </a:solidFill>
+              <a:headEnd type="oval"/>
+            </a:ln>
+          </p:spPr>
+          <p:style>
+            <a:lnRef idx="1">
+              <a:schemeClr val="accent1"/>
+            </a:lnRef>
+            <a:fillRef idx="0">
+              <a:schemeClr val="accent1"/>
+            </a:fillRef>
+            <a:effectRef idx="0">
+              <a:schemeClr val="accent1"/>
+            </a:effectRef>
+            <a:fontRef idx="minor">
+              <a:schemeClr val="tx1"/>
+            </a:fontRef>
+          </p:style>
+        </p:cxnSp>
+        <p:cxnSp>
+          <p:nvCxnSpPr>
+            <p:cNvPr id="442" name="Gerader Verbinder 441">
+              <a:extLst>
+                <a:ext uri="{FF2B5EF4-FFF2-40B4-BE49-F238E27FC236}">
+                  <a16:creationId xmlns:a16="http://schemas.microsoft.com/office/drawing/2014/main" id="{BFD212C6-1275-42C0-B605-1D4F06C66CB8}"/>
+                </a:ext>
+              </a:extLst>
+            </p:cNvPr>
+            <p:cNvCxnSpPr>
+              <a:cxnSpLocks/>
+            </p:cNvCxnSpPr>
+            <p:nvPr/>
+          </p:nvCxnSpPr>
+          <p:spPr>
+            <a:xfrm flipV="1">
+              <a:off x="9563545" y="4483171"/>
+              <a:ext cx="0" cy="127578"/>
+            </a:xfrm>
+            <a:prstGeom prst="line">
+              <a:avLst/>
+            </a:prstGeom>
+            <a:ln w="12700" cmpd="sng">
+              <a:solidFill>
+                <a:schemeClr val="tx1"/>
+              </a:solidFill>
+              <a:headEnd type="oval"/>
+            </a:ln>
+          </p:spPr>
+          <p:style>
+            <a:lnRef idx="1">
+              <a:schemeClr val="accent1"/>
+            </a:lnRef>
+            <a:fillRef idx="0">
+              <a:schemeClr val="accent1"/>
+            </a:fillRef>
+            <a:effectRef idx="0">
+              <a:schemeClr val="accent1"/>
+            </a:effectRef>
+            <a:fontRef idx="minor">
+              <a:schemeClr val="tx1"/>
+            </a:fontRef>
+          </p:style>
+        </p:cxnSp>
+        <p:cxnSp>
+          <p:nvCxnSpPr>
+            <p:cNvPr id="443" name="Gerader Verbinder 442">
+              <a:extLst>
+                <a:ext uri="{FF2B5EF4-FFF2-40B4-BE49-F238E27FC236}">
+                  <a16:creationId xmlns:a16="http://schemas.microsoft.com/office/drawing/2014/main" id="{D57BB948-0237-4C0A-B7A7-D9E48162AA3C}"/>
+                </a:ext>
+              </a:extLst>
+            </p:cNvPr>
+            <p:cNvCxnSpPr>
+              <a:cxnSpLocks/>
+            </p:cNvCxnSpPr>
+            <p:nvPr/>
+          </p:nvCxnSpPr>
+          <p:spPr>
+            <a:xfrm flipV="1">
+              <a:off x="9994002" y="4483171"/>
+              <a:ext cx="0" cy="127578"/>
+            </a:xfrm>
+            <a:prstGeom prst="line">
+              <a:avLst/>
+            </a:prstGeom>
+            <a:ln w="12700" cmpd="sng">
+              <a:solidFill>
+                <a:schemeClr val="tx1"/>
+              </a:solidFill>
+              <a:headEnd type="oval"/>
+            </a:ln>
+          </p:spPr>
+          <p:style>
+            <a:lnRef idx="1">
+              <a:schemeClr val="accent1"/>
+            </a:lnRef>
+            <a:fillRef idx="0">
+              <a:schemeClr val="accent1"/>
+            </a:fillRef>
+            <a:effectRef idx="0">
+              <a:schemeClr val="accent1"/>
+            </a:effectRef>
+            <a:fontRef idx="minor">
+              <a:schemeClr val="tx1"/>
+            </a:fontRef>
+          </p:style>
+        </p:cxnSp>
+        <p:cxnSp>
+          <p:nvCxnSpPr>
+            <p:cNvPr id="444" name="Gerader Verbinder 443">
+              <a:extLst>
+                <a:ext uri="{FF2B5EF4-FFF2-40B4-BE49-F238E27FC236}">
+                  <a16:creationId xmlns:a16="http://schemas.microsoft.com/office/drawing/2014/main" id="{932362AC-1DB6-4F44-850E-843501F716FA}"/>
+                </a:ext>
+              </a:extLst>
+            </p:cNvPr>
+            <p:cNvCxnSpPr>
+              <a:cxnSpLocks/>
+            </p:cNvCxnSpPr>
+            <p:nvPr/>
+          </p:nvCxnSpPr>
+          <p:spPr>
+            <a:xfrm flipV="1">
+              <a:off x="10425780" y="4483171"/>
+              <a:ext cx="0" cy="127578"/>
+            </a:xfrm>
+            <a:prstGeom prst="line">
+              <a:avLst/>
+            </a:prstGeom>
+            <a:ln w="12700" cmpd="sng">
+              <a:solidFill>
+                <a:schemeClr val="tx1"/>
+              </a:solidFill>
+              <a:headEnd type="oval"/>
+            </a:ln>
+          </p:spPr>
+          <p:style>
+            <a:lnRef idx="1">
+              <a:schemeClr val="accent1"/>
+            </a:lnRef>
+            <a:fillRef idx="0">
+              <a:schemeClr val="accent1"/>
+            </a:fillRef>
+            <a:effectRef idx="0">
+              <a:schemeClr val="accent1"/>
+            </a:effectRef>
+            <a:fontRef idx="minor">
+              <a:schemeClr val="tx1"/>
+            </a:fontRef>
+          </p:style>
+        </p:cxnSp>
+        <p:cxnSp>
+          <p:nvCxnSpPr>
+            <p:cNvPr id="445" name="Gerader Verbinder 444">
+              <a:extLst>
+                <a:ext uri="{FF2B5EF4-FFF2-40B4-BE49-F238E27FC236}">
+                  <a16:creationId xmlns:a16="http://schemas.microsoft.com/office/drawing/2014/main" id="{703FD912-B0E7-4039-9229-852877FD0C46}"/>
+                </a:ext>
+              </a:extLst>
+            </p:cNvPr>
+            <p:cNvCxnSpPr>
+              <a:cxnSpLocks/>
+            </p:cNvCxnSpPr>
+            <p:nvPr/>
+          </p:nvCxnSpPr>
+          <p:spPr>
+            <a:xfrm flipV="1">
+              <a:off x="10854571" y="4483171"/>
+              <a:ext cx="0" cy="127578"/>
+            </a:xfrm>
+            <a:prstGeom prst="line">
+              <a:avLst/>
+            </a:prstGeom>
+            <a:ln w="12700" cmpd="sng">
+              <a:solidFill>
+                <a:schemeClr val="tx1"/>
+              </a:solidFill>
+              <a:headEnd type="oval"/>
+            </a:ln>
+          </p:spPr>
+          <p:style>
+            <a:lnRef idx="1">
+              <a:schemeClr val="accent1"/>
+            </a:lnRef>
+            <a:fillRef idx="0">
+              <a:schemeClr val="accent1"/>
+            </a:fillRef>
+            <a:effectRef idx="0">
+              <a:schemeClr val="accent1"/>
+            </a:effectRef>
+            <a:fontRef idx="minor">
+              <a:schemeClr val="tx1"/>
+            </a:fontRef>
+          </p:style>
+        </p:cxnSp>
+        <p:cxnSp>
+          <p:nvCxnSpPr>
+            <p:cNvPr id="446" name="Gerader Verbinder 445">
+              <a:extLst>
+                <a:ext uri="{FF2B5EF4-FFF2-40B4-BE49-F238E27FC236}">
+                  <a16:creationId xmlns:a16="http://schemas.microsoft.com/office/drawing/2014/main" id="{239BDCC0-DC1B-4352-9D6C-CAEA7FC14428}"/>
+                </a:ext>
+              </a:extLst>
+            </p:cNvPr>
+            <p:cNvCxnSpPr>
+              <a:cxnSpLocks/>
+            </p:cNvCxnSpPr>
+            <p:nvPr/>
+          </p:nvCxnSpPr>
+          <p:spPr>
+            <a:xfrm flipV="1">
+              <a:off x="11286349" y="4483171"/>
+              <a:ext cx="0" cy="127578"/>
+            </a:xfrm>
+            <a:prstGeom prst="line">
+              <a:avLst/>
+            </a:prstGeom>
+            <a:ln w="12700" cmpd="sng">
+              <a:solidFill>
+                <a:schemeClr val="tx1"/>
+              </a:solidFill>
+              <a:headEnd type="oval"/>
+            </a:ln>
+          </p:spPr>
+          <p:style>
+            <a:lnRef idx="1">
+              <a:schemeClr val="accent1"/>
+            </a:lnRef>
+            <a:fillRef idx="0">
+              <a:schemeClr val="accent1"/>
+            </a:fillRef>
+            <a:effectRef idx="0">
+              <a:schemeClr val="accent1"/>
+            </a:effectRef>
+            <a:fontRef idx="minor">
+              <a:schemeClr val="tx1"/>
+            </a:fontRef>
+          </p:style>
+        </p:cxnSp>
+        <p:sp>
+          <p:nvSpPr>
+            <p:cNvPr id="447" name="Textfeld 446">
+              <a:extLst>
+                <a:ext uri="{FF2B5EF4-FFF2-40B4-BE49-F238E27FC236}">
+                  <a16:creationId xmlns:a16="http://schemas.microsoft.com/office/drawing/2014/main" id="{102C295A-C44C-4699-BB63-4D829BF10BA5}"/>
+                </a:ext>
+              </a:extLst>
+            </p:cNvPr>
+            <p:cNvSpPr txBox="1"/>
+            <p:nvPr/>
+          </p:nvSpPr>
+          <p:spPr>
+            <a:xfrm>
+              <a:off x="8614979" y="4601671"/>
+              <a:ext cx="335348" cy="261610"/>
+            </a:xfrm>
+            <a:prstGeom prst="rect">
+              <a:avLst/>
+            </a:prstGeom>
+            <a:noFill/>
+          </p:spPr>
+          <p:txBody>
+            <a:bodyPr wrap="none" rtlCol="0">
+              <a:spAutoFit/>
+            </a:bodyPr>
+            <a:lstStyle/>
+            <a:p>
+              <a:r>
+                <a:rPr lang="de-DE" sz="1100" dirty="0"/>
+                <a:t>V+</a:t>
+              </a:r>
+            </a:p>
+          </p:txBody>
+        </p:sp>
+        <p:sp>
+          <p:nvSpPr>
+            <p:cNvPr id="517" name="Rechteck 516">
+              <a:extLst>
+                <a:ext uri="{FF2B5EF4-FFF2-40B4-BE49-F238E27FC236}">
+                  <a16:creationId xmlns:a16="http://schemas.microsoft.com/office/drawing/2014/main" id="{AF39CAED-B97D-4B79-9DB2-2CEE819D1E8F}"/>
+                </a:ext>
+              </a:extLst>
+            </p:cNvPr>
+            <p:cNvSpPr/>
+            <p:nvPr/>
+          </p:nvSpPr>
+          <p:spPr>
+            <a:xfrm>
+              <a:off x="8632103" y="4147143"/>
+              <a:ext cx="290589" cy="94681"/>
+            </a:xfrm>
+            <a:prstGeom prst="rect">
+              <a:avLst/>
+            </a:prstGeom>
+            <a:noFill/>
+            <a:ln>
+              <a:noFill/>
+            </a:ln>
+          </p:spPr>
+          <p:style>
+            <a:lnRef idx="2">
+              <a:schemeClr val="accent1">
+                <a:shade val="50000"/>
+              </a:schemeClr>
+            </a:lnRef>
+            <a:fillRef idx="1">
+              <a:schemeClr val="accent1"/>
+            </a:fillRef>
+            <a:effectRef idx="0">
+              <a:schemeClr val="accent1"/>
+            </a:effectRef>
+            <a:fontRef idx="minor">
+              <a:schemeClr val="lt1"/>
+            </a:fontRef>
+          </p:style>
+          <p:txBody>
+            <a:bodyPr rtlCol="0" anchor="ctr"/>
+            <a:lstStyle/>
+            <a:p>
+              <a:pPr algn="ctr"/>
+              <a:endParaRPr lang="de-DE"/>
+            </a:p>
+          </p:txBody>
+        </p:sp>
+      </p:grpSp>
+      <p:grpSp>
+        <p:nvGrpSpPr>
+          <p:cNvPr id="17" name="Gruppieren 16">
+            <a:extLst>
+              <a:ext uri="{FF2B5EF4-FFF2-40B4-BE49-F238E27FC236}">
+                <a16:creationId xmlns:a16="http://schemas.microsoft.com/office/drawing/2014/main" id="{0B0915AE-FCAA-425F-9FAA-0161CCF3E242}"/>
+              </a:ext>
+            </a:extLst>
+          </p:cNvPr>
+          <p:cNvGrpSpPr/>
+          <p:nvPr/>
+        </p:nvGrpSpPr>
+        <p:grpSpPr>
+          <a:xfrm>
+            <a:off x="8625219" y="4990577"/>
+            <a:ext cx="2885758" cy="712591"/>
+            <a:chOff x="8625219" y="4990577"/>
+            <a:chExt cx="2885758" cy="712591"/>
+          </a:xfrm>
+        </p:grpSpPr>
+        <p:sp>
+          <p:nvSpPr>
+            <p:cNvPr id="449" name="Rechteck 448">
+              <a:extLst>
+                <a:ext uri="{FF2B5EF4-FFF2-40B4-BE49-F238E27FC236}">
+                  <a16:creationId xmlns:a16="http://schemas.microsoft.com/office/drawing/2014/main" id="{88BCE560-7D3A-49CF-A83E-10032FB5D4AB}"/>
+                </a:ext>
+              </a:extLst>
+            </p:cNvPr>
+            <p:cNvSpPr/>
+            <p:nvPr/>
+          </p:nvSpPr>
+          <p:spPr>
+            <a:xfrm>
+              <a:off x="8927339" y="5085522"/>
+              <a:ext cx="431417" cy="240224"/>
+            </a:xfrm>
+            <a:prstGeom prst="rect">
+              <a:avLst/>
+            </a:prstGeom>
+            <a:solidFill>
+              <a:schemeClr val="accent2">
+                <a:lumMod val="20000"/>
+                <a:lumOff val="80000"/>
+              </a:schemeClr>
+            </a:solidFill>
+            <a:ln w="15875">
+              <a:solidFill>
+                <a:schemeClr val="tx1"/>
+              </a:solidFill>
+            </a:ln>
+          </p:spPr>
+          <p:style>
+            <a:lnRef idx="2">
+              <a:schemeClr val="accent1">
+                <a:shade val="50000"/>
+              </a:schemeClr>
+            </a:lnRef>
+            <a:fillRef idx="1">
+              <a:schemeClr val="accent1"/>
+            </a:fillRef>
+            <a:effectRef idx="0">
+              <a:schemeClr val="accent1"/>
+            </a:effectRef>
+            <a:fontRef idx="minor">
+              <a:schemeClr val="lt1"/>
+            </a:fontRef>
+          </p:style>
+          <p:txBody>
+            <a:bodyPr lIns="36000" rIns="36000" rtlCol="0" anchor="ctr"/>
+            <a:lstStyle/>
+            <a:p>
+              <a:pPr algn="ctr"/>
+              <a:r>
+                <a:rPr lang="de-DE" sz="1100" dirty="0">
+                  <a:solidFill>
+                    <a:schemeClr val="tx1"/>
+                  </a:solidFill>
+                </a:rPr>
+                <a:t>R1</a:t>
+              </a:r>
+              <a:endParaRPr lang="de-DE" sz="1400" dirty="0">
+                <a:solidFill>
+                  <a:schemeClr val="tx1"/>
+                </a:solidFill>
+              </a:endParaRPr>
+            </a:p>
+          </p:txBody>
+        </p:sp>
+        <p:sp>
+          <p:nvSpPr>
+            <p:cNvPr id="450" name="Textfeld 449">
+              <a:extLst>
+                <a:ext uri="{FF2B5EF4-FFF2-40B4-BE49-F238E27FC236}">
+                  <a16:creationId xmlns:a16="http://schemas.microsoft.com/office/drawing/2014/main" id="{08EE3B56-AF78-4B86-9B03-FEFCE35123CC}"/>
+                </a:ext>
+              </a:extLst>
+            </p:cNvPr>
+            <p:cNvSpPr txBox="1"/>
+            <p:nvPr/>
+          </p:nvSpPr>
+          <p:spPr>
+            <a:xfrm>
+              <a:off x="9009458" y="5441558"/>
+              <a:ext cx="266420" cy="261610"/>
+            </a:xfrm>
+            <a:prstGeom prst="rect">
+              <a:avLst/>
+            </a:prstGeom>
+            <a:noFill/>
+          </p:spPr>
+          <p:txBody>
+            <a:bodyPr wrap="none" rtlCol="0">
+              <a:spAutoFit/>
+            </a:bodyPr>
+            <a:lstStyle/>
+            <a:p>
+              <a:r>
+                <a:rPr lang="de-DE" sz="1100" dirty="0"/>
+                <a:t>A</a:t>
+              </a:r>
+            </a:p>
+          </p:txBody>
+        </p:sp>
+        <p:sp>
+          <p:nvSpPr>
+            <p:cNvPr id="451" name="Textfeld 450">
+              <a:extLst>
+                <a:ext uri="{FF2B5EF4-FFF2-40B4-BE49-F238E27FC236}">
+                  <a16:creationId xmlns:a16="http://schemas.microsoft.com/office/drawing/2014/main" id="{745CE971-E54F-4EA8-9893-65954D425525}"/>
+                </a:ext>
+              </a:extLst>
+            </p:cNvPr>
+            <p:cNvSpPr txBox="1"/>
+            <p:nvPr/>
+          </p:nvSpPr>
+          <p:spPr>
+            <a:xfrm>
+              <a:off x="9443814" y="5441558"/>
+              <a:ext cx="261610" cy="261610"/>
+            </a:xfrm>
+            <a:prstGeom prst="rect">
+              <a:avLst/>
+            </a:prstGeom>
+            <a:noFill/>
+          </p:spPr>
+          <p:txBody>
+            <a:bodyPr wrap="none" rtlCol="0">
+              <a:spAutoFit/>
+            </a:bodyPr>
+            <a:lstStyle/>
+            <a:p>
+              <a:r>
+                <a:rPr lang="de-DE" sz="1100" dirty="0"/>
+                <a:t>B</a:t>
+              </a:r>
+            </a:p>
+          </p:txBody>
+        </p:sp>
+        <p:sp>
+          <p:nvSpPr>
+            <p:cNvPr id="452" name="Textfeld 451">
+              <a:extLst>
+                <a:ext uri="{FF2B5EF4-FFF2-40B4-BE49-F238E27FC236}">
+                  <a16:creationId xmlns:a16="http://schemas.microsoft.com/office/drawing/2014/main" id="{9316D9D2-EE5C-4F04-A02B-F229C7FBC15B}"/>
+                </a:ext>
+              </a:extLst>
+            </p:cNvPr>
+            <p:cNvSpPr txBox="1"/>
+            <p:nvPr/>
+          </p:nvSpPr>
+          <p:spPr>
+            <a:xfrm>
+              <a:off x="9874206" y="5441558"/>
+              <a:ext cx="260008" cy="261610"/>
+            </a:xfrm>
+            <a:prstGeom prst="rect">
+              <a:avLst/>
+            </a:prstGeom>
+            <a:noFill/>
+          </p:spPr>
+          <p:txBody>
+            <a:bodyPr wrap="none" rtlCol="0">
+              <a:spAutoFit/>
+            </a:bodyPr>
+            <a:lstStyle/>
+            <a:p>
+              <a:r>
+                <a:rPr lang="de-DE" sz="1100" dirty="0"/>
+                <a:t>C</a:t>
+              </a:r>
+            </a:p>
+          </p:txBody>
+        </p:sp>
+        <p:sp>
+          <p:nvSpPr>
+            <p:cNvPr id="453" name="Textfeld 452">
+              <a:extLst>
+                <a:ext uri="{FF2B5EF4-FFF2-40B4-BE49-F238E27FC236}">
+                  <a16:creationId xmlns:a16="http://schemas.microsoft.com/office/drawing/2014/main" id="{2C7195EB-6D7F-4CA2-878F-6B0C5506F6D1}"/>
+                </a:ext>
+              </a:extLst>
+            </p:cNvPr>
+            <p:cNvSpPr txBox="1"/>
+            <p:nvPr/>
+          </p:nvSpPr>
+          <p:spPr>
+            <a:xfrm>
+              <a:off x="10308559" y="5441558"/>
+              <a:ext cx="271228" cy="261610"/>
+            </a:xfrm>
+            <a:prstGeom prst="rect">
+              <a:avLst/>
+            </a:prstGeom>
+            <a:noFill/>
+          </p:spPr>
+          <p:txBody>
+            <a:bodyPr wrap="none" rtlCol="0">
+              <a:spAutoFit/>
+            </a:bodyPr>
+            <a:lstStyle/>
+            <a:p>
+              <a:r>
+                <a:rPr lang="de-DE" sz="1100" dirty="0"/>
+                <a:t>D</a:t>
+              </a:r>
+            </a:p>
+          </p:txBody>
+        </p:sp>
+        <p:sp>
+          <p:nvSpPr>
+            <p:cNvPr id="454" name="Textfeld 453">
+              <a:extLst>
+                <a:ext uri="{FF2B5EF4-FFF2-40B4-BE49-F238E27FC236}">
+                  <a16:creationId xmlns:a16="http://schemas.microsoft.com/office/drawing/2014/main" id="{C1B8B89C-278C-4B41-87B4-5197244EF6B7}"/>
+                </a:ext>
+              </a:extLst>
+            </p:cNvPr>
+            <p:cNvSpPr txBox="1"/>
+            <p:nvPr/>
+          </p:nvSpPr>
+          <p:spPr>
+            <a:xfrm>
+              <a:off x="10739334" y="5441558"/>
+              <a:ext cx="253596" cy="261610"/>
+            </a:xfrm>
+            <a:prstGeom prst="rect">
+              <a:avLst/>
+            </a:prstGeom>
+            <a:noFill/>
+          </p:spPr>
+          <p:txBody>
+            <a:bodyPr wrap="none" rtlCol="0">
+              <a:spAutoFit/>
+            </a:bodyPr>
+            <a:lstStyle/>
+            <a:p>
+              <a:r>
+                <a:rPr lang="de-DE" sz="1100" dirty="0"/>
+                <a:t>E</a:t>
+              </a:r>
+            </a:p>
+          </p:txBody>
+        </p:sp>
+        <p:sp>
+          <p:nvSpPr>
+            <p:cNvPr id="455" name="Textfeld 454">
+              <a:extLst>
+                <a:ext uri="{FF2B5EF4-FFF2-40B4-BE49-F238E27FC236}">
+                  <a16:creationId xmlns:a16="http://schemas.microsoft.com/office/drawing/2014/main" id="{2DFDFF40-9367-4B92-A096-0428CDCCBB3F}"/>
+                </a:ext>
+              </a:extLst>
+            </p:cNvPr>
+            <p:cNvSpPr txBox="1"/>
+            <p:nvPr/>
+          </p:nvSpPr>
+          <p:spPr>
+            <a:xfrm>
+              <a:off x="11172934" y="5441558"/>
+              <a:ext cx="248786" cy="261610"/>
+            </a:xfrm>
+            <a:prstGeom prst="rect">
+              <a:avLst/>
+            </a:prstGeom>
+            <a:noFill/>
+          </p:spPr>
+          <p:txBody>
+            <a:bodyPr wrap="none" rtlCol="0">
+              <a:spAutoFit/>
+            </a:bodyPr>
+            <a:lstStyle/>
+            <a:p>
+              <a:r>
+                <a:rPr lang="de-DE" sz="1100" dirty="0"/>
+                <a:t>F</a:t>
+              </a:r>
+            </a:p>
+          </p:txBody>
+        </p:sp>
+        <p:sp>
+          <p:nvSpPr>
+            <p:cNvPr id="456" name="Rechteck 455">
+              <a:extLst>
+                <a:ext uri="{FF2B5EF4-FFF2-40B4-BE49-F238E27FC236}">
+                  <a16:creationId xmlns:a16="http://schemas.microsoft.com/office/drawing/2014/main" id="{65F2D574-E968-4D4D-A9CB-2BDB14A92D2F}"/>
+                </a:ext>
+              </a:extLst>
+            </p:cNvPr>
+            <p:cNvSpPr/>
+            <p:nvPr/>
+          </p:nvSpPr>
+          <p:spPr>
+            <a:xfrm>
+              <a:off x="9358077" y="5085522"/>
+              <a:ext cx="431417" cy="240224"/>
+            </a:xfrm>
+            <a:prstGeom prst="rect">
+              <a:avLst/>
+            </a:prstGeom>
+            <a:solidFill>
+              <a:schemeClr val="accent6">
+                <a:lumMod val="20000"/>
+                <a:lumOff val="80000"/>
+              </a:schemeClr>
+            </a:solidFill>
+            <a:ln w="15875">
+              <a:solidFill>
+                <a:schemeClr val="tx1"/>
+              </a:solidFill>
+            </a:ln>
+          </p:spPr>
+          <p:style>
+            <a:lnRef idx="2">
+              <a:schemeClr val="accent1">
+                <a:shade val="50000"/>
+              </a:schemeClr>
+            </a:lnRef>
+            <a:fillRef idx="1">
+              <a:schemeClr val="accent1"/>
+            </a:fillRef>
+            <a:effectRef idx="0">
+              <a:schemeClr val="accent1"/>
+            </a:effectRef>
+            <a:fontRef idx="minor">
+              <a:schemeClr val="lt1"/>
+            </a:fontRef>
+          </p:style>
+          <p:txBody>
+            <a:bodyPr lIns="36000" rIns="36000" rtlCol="0" anchor="ctr"/>
+            <a:lstStyle/>
+            <a:p>
+              <a:pPr algn="ctr"/>
+              <a:r>
+                <a:rPr lang="de-DE" sz="1100" dirty="0">
+                  <a:solidFill>
+                    <a:schemeClr val="tx1"/>
+                  </a:solidFill>
+                </a:rPr>
+                <a:t>G1</a:t>
+              </a:r>
+              <a:endParaRPr lang="de-DE" sz="1400" dirty="0">
+                <a:solidFill>
+                  <a:schemeClr val="tx1"/>
+                </a:solidFill>
+              </a:endParaRPr>
+            </a:p>
+          </p:txBody>
+        </p:sp>
+        <p:sp>
+          <p:nvSpPr>
+            <p:cNvPr id="457" name="Rechteck 456">
+              <a:extLst>
+                <a:ext uri="{FF2B5EF4-FFF2-40B4-BE49-F238E27FC236}">
+                  <a16:creationId xmlns:a16="http://schemas.microsoft.com/office/drawing/2014/main" id="{DD78EA98-185F-48AC-9525-58EF9FC4BAB5}"/>
+                </a:ext>
+              </a:extLst>
+            </p:cNvPr>
+            <p:cNvSpPr/>
+            <p:nvPr/>
+          </p:nvSpPr>
+          <p:spPr>
+            <a:xfrm>
+              <a:off x="9788534" y="5085522"/>
+              <a:ext cx="431417" cy="240224"/>
+            </a:xfrm>
+            <a:prstGeom prst="rect">
+              <a:avLst/>
+            </a:prstGeom>
+            <a:solidFill>
+              <a:schemeClr val="accent1">
+                <a:lumMod val="20000"/>
+                <a:lumOff val="80000"/>
+              </a:schemeClr>
+            </a:solidFill>
+            <a:ln w="15875">
+              <a:solidFill>
+                <a:schemeClr val="tx1"/>
+              </a:solidFill>
+            </a:ln>
+          </p:spPr>
+          <p:style>
+            <a:lnRef idx="2">
+              <a:schemeClr val="accent1">
+                <a:shade val="50000"/>
+              </a:schemeClr>
+            </a:lnRef>
+            <a:fillRef idx="1">
+              <a:schemeClr val="accent1"/>
+            </a:fillRef>
+            <a:effectRef idx="0">
+              <a:schemeClr val="accent1"/>
+            </a:effectRef>
+            <a:fontRef idx="minor">
+              <a:schemeClr val="lt1"/>
+            </a:fontRef>
+          </p:style>
+          <p:txBody>
+            <a:bodyPr lIns="36000" rIns="36000" rtlCol="0" anchor="ctr"/>
+            <a:lstStyle/>
+            <a:p>
+              <a:pPr algn="ctr"/>
+              <a:r>
+                <a:rPr lang="de-DE" sz="1100" dirty="0">
+                  <a:solidFill>
+                    <a:schemeClr val="tx1"/>
+                  </a:solidFill>
+                </a:rPr>
+                <a:t>B1</a:t>
+              </a:r>
+              <a:endParaRPr lang="de-DE" sz="1400" dirty="0">
+                <a:solidFill>
+                  <a:schemeClr val="tx1"/>
+                </a:solidFill>
+              </a:endParaRPr>
+            </a:p>
+          </p:txBody>
+        </p:sp>
+        <p:sp>
+          <p:nvSpPr>
+            <p:cNvPr id="458" name="Rechteck 457">
+              <a:extLst>
+                <a:ext uri="{FF2B5EF4-FFF2-40B4-BE49-F238E27FC236}">
+                  <a16:creationId xmlns:a16="http://schemas.microsoft.com/office/drawing/2014/main" id="{D72FC709-7FF8-4A50-82F2-B6C4C1B324D0}"/>
+                </a:ext>
+              </a:extLst>
+            </p:cNvPr>
+            <p:cNvSpPr/>
+            <p:nvPr/>
+          </p:nvSpPr>
+          <p:spPr>
+            <a:xfrm>
+              <a:off x="10218365" y="5085522"/>
+              <a:ext cx="431417" cy="240224"/>
+            </a:xfrm>
+            <a:prstGeom prst="rect">
+              <a:avLst/>
+            </a:prstGeom>
+            <a:solidFill>
+              <a:schemeClr val="accent4">
+                <a:lumMod val="20000"/>
+                <a:lumOff val="80000"/>
+              </a:schemeClr>
+            </a:solidFill>
+            <a:ln w="15875">
+              <a:solidFill>
+                <a:schemeClr val="tx1"/>
+              </a:solidFill>
+            </a:ln>
+          </p:spPr>
+          <p:style>
+            <a:lnRef idx="2">
+              <a:schemeClr val="accent1">
+                <a:shade val="50000"/>
+              </a:schemeClr>
+            </a:lnRef>
+            <a:fillRef idx="1">
+              <a:schemeClr val="accent1"/>
+            </a:fillRef>
+            <a:effectRef idx="0">
+              <a:schemeClr val="accent1"/>
+            </a:effectRef>
+            <a:fontRef idx="minor">
+              <a:schemeClr val="lt1"/>
+            </a:fontRef>
+          </p:style>
+          <p:txBody>
+            <a:bodyPr lIns="36000" rIns="36000" rtlCol="0" anchor="ctr"/>
+            <a:lstStyle/>
+            <a:p>
+              <a:pPr algn="ctr"/>
+              <a:r>
+                <a:rPr lang="de-DE" sz="1100" dirty="0">
+                  <a:solidFill>
+                    <a:schemeClr val="tx1"/>
+                  </a:solidFill>
+                </a:rPr>
+                <a:t>WW1</a:t>
+              </a:r>
+              <a:endParaRPr lang="de-DE" sz="1400" dirty="0">
+                <a:solidFill>
+                  <a:schemeClr val="tx1"/>
+                </a:solidFill>
+              </a:endParaRPr>
+            </a:p>
+          </p:txBody>
+        </p:sp>
+        <p:sp>
+          <p:nvSpPr>
+            <p:cNvPr id="459" name="Rechteck 458">
+              <a:extLst>
+                <a:ext uri="{FF2B5EF4-FFF2-40B4-BE49-F238E27FC236}">
+                  <a16:creationId xmlns:a16="http://schemas.microsoft.com/office/drawing/2014/main" id="{D1C4332B-31A3-4A28-82F5-07DB47DFBFDF}"/>
+                </a:ext>
+              </a:extLst>
+            </p:cNvPr>
+            <p:cNvSpPr/>
+            <p:nvPr/>
+          </p:nvSpPr>
+          <p:spPr>
+            <a:xfrm>
+              <a:off x="10649103" y="5085522"/>
+              <a:ext cx="431417" cy="240224"/>
+            </a:xfrm>
+            <a:prstGeom prst="rect">
+              <a:avLst/>
+            </a:prstGeom>
+            <a:solidFill>
+              <a:schemeClr val="bg1"/>
+            </a:solidFill>
+            <a:ln w="15875">
+              <a:solidFill>
+                <a:schemeClr val="tx1"/>
+              </a:solidFill>
+            </a:ln>
+          </p:spPr>
+          <p:style>
+            <a:lnRef idx="2">
+              <a:schemeClr val="accent1">
+                <a:shade val="50000"/>
+              </a:schemeClr>
+            </a:lnRef>
+            <a:fillRef idx="1">
+              <a:schemeClr val="accent1"/>
+            </a:fillRef>
+            <a:effectRef idx="0">
+              <a:schemeClr val="accent1"/>
+            </a:effectRef>
+            <a:fontRef idx="minor">
+              <a:schemeClr val="lt1"/>
+            </a:fontRef>
+          </p:style>
+          <p:txBody>
+            <a:bodyPr lIns="36000" rIns="36000" rtlCol="0" anchor="ctr"/>
+            <a:lstStyle/>
+            <a:p>
+              <a:pPr algn="ctr"/>
+              <a:r>
+                <a:rPr lang="de-DE" sz="1100" dirty="0">
+                  <a:solidFill>
+                    <a:schemeClr val="tx1"/>
+                  </a:solidFill>
+                </a:rPr>
+                <a:t>KW1</a:t>
+              </a:r>
+              <a:endParaRPr lang="de-DE" sz="1400" dirty="0">
+                <a:solidFill>
+                  <a:schemeClr val="tx1"/>
+                </a:solidFill>
+              </a:endParaRPr>
+            </a:p>
+          </p:txBody>
+        </p:sp>
+        <p:sp>
+          <p:nvSpPr>
+            <p:cNvPr id="460" name="Rechteck 459">
+              <a:extLst>
+                <a:ext uri="{FF2B5EF4-FFF2-40B4-BE49-F238E27FC236}">
+                  <a16:creationId xmlns:a16="http://schemas.microsoft.com/office/drawing/2014/main" id="{B12114A8-81FF-4405-A5B0-08328E62174C}"/>
+                </a:ext>
+              </a:extLst>
+            </p:cNvPr>
+            <p:cNvSpPr/>
+            <p:nvPr/>
+          </p:nvSpPr>
+          <p:spPr>
+            <a:xfrm>
+              <a:off x="11079560" y="5085522"/>
+              <a:ext cx="431417" cy="240224"/>
+            </a:xfrm>
+            <a:prstGeom prst="rect">
+              <a:avLst/>
+            </a:prstGeom>
+            <a:solidFill>
+              <a:schemeClr val="bg1">
+                <a:lumMod val="95000"/>
+              </a:schemeClr>
+            </a:solidFill>
+            <a:ln w="15875">
+              <a:solidFill>
+                <a:schemeClr val="tx1"/>
+              </a:solidFill>
+            </a:ln>
+          </p:spPr>
+          <p:style>
+            <a:lnRef idx="2">
+              <a:schemeClr val="accent1">
+                <a:shade val="50000"/>
+              </a:schemeClr>
+            </a:lnRef>
+            <a:fillRef idx="1">
+              <a:schemeClr val="accent1"/>
+            </a:fillRef>
+            <a:effectRef idx="0">
+              <a:schemeClr val="accent1"/>
+            </a:effectRef>
+            <a:fontRef idx="minor">
+              <a:schemeClr val="lt1"/>
+            </a:fontRef>
+          </p:style>
+          <p:txBody>
+            <a:bodyPr lIns="36000" rIns="36000" rtlCol="0" anchor="ctr"/>
+            <a:lstStyle/>
+            <a:p>
+              <a:pPr algn="ctr"/>
+              <a:r>
+                <a:rPr lang="de-DE" sz="1100" dirty="0">
+                  <a:solidFill>
+                    <a:schemeClr val="tx1"/>
+                  </a:solidFill>
+                </a:rPr>
+                <a:t>EK1</a:t>
+              </a:r>
+              <a:endParaRPr lang="de-DE" sz="1400" dirty="0">
+                <a:solidFill>
+                  <a:schemeClr val="tx1"/>
+                </a:solidFill>
+              </a:endParaRPr>
+            </a:p>
+          </p:txBody>
+        </p:sp>
+        <p:sp>
+          <p:nvSpPr>
+            <p:cNvPr id="461" name="Rechteck 460">
+              <a:extLst>
+                <a:ext uri="{FF2B5EF4-FFF2-40B4-BE49-F238E27FC236}">
+                  <a16:creationId xmlns:a16="http://schemas.microsoft.com/office/drawing/2014/main" id="{BD514BA8-D8D1-417C-9B1B-ACD1C3C17C09}"/>
+                </a:ext>
+              </a:extLst>
+            </p:cNvPr>
+            <p:cNvSpPr/>
+            <p:nvPr/>
+          </p:nvSpPr>
+          <p:spPr>
+            <a:xfrm>
+              <a:off x="8636744" y="5085511"/>
+              <a:ext cx="291253" cy="240224"/>
+            </a:xfrm>
+            <a:prstGeom prst="rect">
+              <a:avLst/>
+            </a:prstGeom>
+            <a:solidFill>
+              <a:srgbClr val="FF7D7D"/>
+            </a:solidFill>
+            <a:ln w="15875">
+              <a:solidFill>
+                <a:schemeClr val="tx1"/>
+              </a:solidFill>
+            </a:ln>
+          </p:spPr>
+          <p:style>
+            <a:lnRef idx="2">
+              <a:schemeClr val="accent1">
+                <a:shade val="50000"/>
+              </a:schemeClr>
+            </a:lnRef>
+            <a:fillRef idx="1">
+              <a:schemeClr val="accent1"/>
+            </a:fillRef>
+            <a:effectRef idx="0">
+              <a:schemeClr val="accent1"/>
+            </a:effectRef>
+            <a:fontRef idx="minor">
+              <a:schemeClr val="lt1"/>
+            </a:fontRef>
+          </p:style>
+          <p:txBody>
+            <a:bodyPr lIns="36000" rIns="36000" rtlCol="0" anchor="ctr"/>
+            <a:lstStyle/>
+            <a:p>
+              <a:pPr algn="ctr"/>
+              <a:endParaRPr lang="de-DE" sz="1400" dirty="0">
+                <a:solidFill>
+                  <a:schemeClr val="tx1"/>
+                </a:solidFill>
+              </a:endParaRPr>
+            </a:p>
+          </p:txBody>
+        </p:sp>
+        <p:cxnSp>
+          <p:nvCxnSpPr>
+            <p:cNvPr id="462" name="Gerader Verbinder 461">
+              <a:extLst>
+                <a:ext uri="{FF2B5EF4-FFF2-40B4-BE49-F238E27FC236}">
+                  <a16:creationId xmlns:a16="http://schemas.microsoft.com/office/drawing/2014/main" id="{6A998D17-3C45-4CC5-B8C9-79FE18D0B2B4}"/>
+                </a:ext>
+              </a:extLst>
+            </p:cNvPr>
+            <p:cNvCxnSpPr>
+              <a:cxnSpLocks/>
+            </p:cNvCxnSpPr>
+            <p:nvPr/>
+          </p:nvCxnSpPr>
+          <p:spPr>
+            <a:xfrm flipV="1">
+              <a:off x="8775466" y="5325988"/>
+              <a:ext cx="0" cy="127578"/>
+            </a:xfrm>
+            <a:prstGeom prst="line">
+              <a:avLst/>
+            </a:prstGeom>
+            <a:ln w="12700" cmpd="sng">
+              <a:solidFill>
+                <a:schemeClr val="tx1"/>
+              </a:solidFill>
+              <a:headEnd type="oval"/>
+            </a:ln>
+          </p:spPr>
+          <p:style>
+            <a:lnRef idx="1">
+              <a:schemeClr val="accent1"/>
+            </a:lnRef>
+            <a:fillRef idx="0">
+              <a:schemeClr val="accent1"/>
+            </a:fillRef>
+            <a:effectRef idx="0">
+              <a:schemeClr val="accent1"/>
+            </a:effectRef>
+            <a:fontRef idx="minor">
+              <a:schemeClr val="tx1"/>
+            </a:fontRef>
+          </p:style>
+        </p:cxnSp>
+        <p:cxnSp>
+          <p:nvCxnSpPr>
+            <p:cNvPr id="463" name="Gerader Verbinder 462">
+              <a:extLst>
+                <a:ext uri="{FF2B5EF4-FFF2-40B4-BE49-F238E27FC236}">
+                  <a16:creationId xmlns:a16="http://schemas.microsoft.com/office/drawing/2014/main" id="{5E8DD942-C912-44EF-9F7E-383AE8D32745}"/>
+                </a:ext>
+              </a:extLst>
+            </p:cNvPr>
+            <p:cNvCxnSpPr>
+              <a:cxnSpLocks/>
+            </p:cNvCxnSpPr>
+            <p:nvPr/>
+          </p:nvCxnSpPr>
+          <p:spPr>
+            <a:xfrm flipV="1">
+              <a:off x="9142007" y="5323058"/>
+              <a:ext cx="0" cy="127578"/>
+            </a:xfrm>
+            <a:prstGeom prst="line">
+              <a:avLst/>
+            </a:prstGeom>
+            <a:ln w="12700" cmpd="sng">
+              <a:solidFill>
+                <a:schemeClr val="tx1"/>
+              </a:solidFill>
+              <a:headEnd type="oval"/>
+            </a:ln>
+          </p:spPr>
+          <p:style>
+            <a:lnRef idx="1">
+              <a:schemeClr val="accent1"/>
+            </a:lnRef>
+            <a:fillRef idx="0">
+              <a:schemeClr val="accent1"/>
+            </a:fillRef>
+            <a:effectRef idx="0">
+              <a:schemeClr val="accent1"/>
+            </a:effectRef>
+            <a:fontRef idx="minor">
+              <a:schemeClr val="tx1"/>
+            </a:fontRef>
+          </p:style>
+        </p:cxnSp>
+        <p:cxnSp>
+          <p:nvCxnSpPr>
+            <p:cNvPr id="464" name="Gerader Verbinder 463">
+              <a:extLst>
+                <a:ext uri="{FF2B5EF4-FFF2-40B4-BE49-F238E27FC236}">
+                  <a16:creationId xmlns:a16="http://schemas.microsoft.com/office/drawing/2014/main" id="{7B9CB3C6-3B48-4BC9-BC80-690E72CF8032}"/>
+                </a:ext>
+              </a:extLst>
+            </p:cNvPr>
+            <p:cNvCxnSpPr>
+              <a:cxnSpLocks/>
+            </p:cNvCxnSpPr>
+            <p:nvPr/>
+          </p:nvCxnSpPr>
+          <p:spPr>
+            <a:xfrm flipV="1">
+              <a:off x="9573785" y="5323058"/>
+              <a:ext cx="0" cy="127578"/>
+            </a:xfrm>
+            <a:prstGeom prst="line">
+              <a:avLst/>
+            </a:prstGeom>
+            <a:ln w="12700" cmpd="sng">
+              <a:solidFill>
+                <a:schemeClr val="tx1"/>
+              </a:solidFill>
+              <a:headEnd type="oval"/>
+            </a:ln>
+          </p:spPr>
+          <p:style>
+            <a:lnRef idx="1">
+              <a:schemeClr val="accent1"/>
+            </a:lnRef>
+            <a:fillRef idx="0">
+              <a:schemeClr val="accent1"/>
+            </a:fillRef>
+            <a:effectRef idx="0">
+              <a:schemeClr val="accent1"/>
+            </a:effectRef>
+            <a:fontRef idx="minor">
+              <a:schemeClr val="tx1"/>
+            </a:fontRef>
+          </p:style>
+        </p:cxnSp>
+        <p:cxnSp>
+          <p:nvCxnSpPr>
+            <p:cNvPr id="465" name="Gerader Verbinder 464">
+              <a:extLst>
+                <a:ext uri="{FF2B5EF4-FFF2-40B4-BE49-F238E27FC236}">
+                  <a16:creationId xmlns:a16="http://schemas.microsoft.com/office/drawing/2014/main" id="{B61B4522-0450-4B82-A562-781A6CE445B5}"/>
+                </a:ext>
+              </a:extLst>
+            </p:cNvPr>
+            <p:cNvCxnSpPr>
+              <a:cxnSpLocks/>
+            </p:cNvCxnSpPr>
+            <p:nvPr/>
+          </p:nvCxnSpPr>
+          <p:spPr>
+            <a:xfrm flipV="1">
+              <a:off x="10004242" y="5323058"/>
+              <a:ext cx="0" cy="127578"/>
+            </a:xfrm>
+            <a:prstGeom prst="line">
+              <a:avLst/>
+            </a:prstGeom>
+            <a:ln w="12700" cmpd="sng">
+              <a:solidFill>
+                <a:schemeClr val="tx1"/>
+              </a:solidFill>
+              <a:headEnd type="oval"/>
+            </a:ln>
+          </p:spPr>
+          <p:style>
+            <a:lnRef idx="1">
+              <a:schemeClr val="accent1"/>
+            </a:lnRef>
+            <a:fillRef idx="0">
+              <a:schemeClr val="accent1"/>
+            </a:fillRef>
+            <a:effectRef idx="0">
+              <a:schemeClr val="accent1"/>
+            </a:effectRef>
+            <a:fontRef idx="minor">
+              <a:schemeClr val="tx1"/>
+            </a:fontRef>
+          </p:style>
+        </p:cxnSp>
+        <p:cxnSp>
+          <p:nvCxnSpPr>
+            <p:cNvPr id="466" name="Gerader Verbinder 465">
+              <a:extLst>
+                <a:ext uri="{FF2B5EF4-FFF2-40B4-BE49-F238E27FC236}">
+                  <a16:creationId xmlns:a16="http://schemas.microsoft.com/office/drawing/2014/main" id="{16A67AE6-4B69-4A3A-AE62-241F5A88E033}"/>
+                </a:ext>
+              </a:extLst>
+            </p:cNvPr>
+            <p:cNvCxnSpPr>
+              <a:cxnSpLocks/>
+            </p:cNvCxnSpPr>
+            <p:nvPr/>
+          </p:nvCxnSpPr>
+          <p:spPr>
+            <a:xfrm flipV="1">
+              <a:off x="10436020" y="5323058"/>
+              <a:ext cx="0" cy="127578"/>
+            </a:xfrm>
+            <a:prstGeom prst="line">
+              <a:avLst/>
+            </a:prstGeom>
+            <a:ln w="12700" cmpd="sng">
+              <a:solidFill>
+                <a:schemeClr val="tx1"/>
+              </a:solidFill>
+              <a:headEnd type="oval"/>
+            </a:ln>
+          </p:spPr>
+          <p:style>
+            <a:lnRef idx="1">
+              <a:schemeClr val="accent1"/>
+            </a:lnRef>
+            <a:fillRef idx="0">
+              <a:schemeClr val="accent1"/>
+            </a:fillRef>
+            <a:effectRef idx="0">
+              <a:schemeClr val="accent1"/>
+            </a:effectRef>
+            <a:fontRef idx="minor">
+              <a:schemeClr val="tx1"/>
+            </a:fontRef>
+          </p:style>
+        </p:cxnSp>
+        <p:cxnSp>
+          <p:nvCxnSpPr>
+            <p:cNvPr id="467" name="Gerader Verbinder 466">
+              <a:extLst>
+                <a:ext uri="{FF2B5EF4-FFF2-40B4-BE49-F238E27FC236}">
+                  <a16:creationId xmlns:a16="http://schemas.microsoft.com/office/drawing/2014/main" id="{9A44DA99-C55F-4D80-BFAA-58AB94C48D67}"/>
+                </a:ext>
+              </a:extLst>
+            </p:cNvPr>
+            <p:cNvCxnSpPr>
+              <a:cxnSpLocks/>
+            </p:cNvCxnSpPr>
+            <p:nvPr/>
+          </p:nvCxnSpPr>
+          <p:spPr>
+            <a:xfrm flipV="1">
+              <a:off x="10864811" y="5323058"/>
+              <a:ext cx="0" cy="127578"/>
+            </a:xfrm>
+            <a:prstGeom prst="line">
+              <a:avLst/>
+            </a:prstGeom>
+            <a:ln w="12700" cmpd="sng">
+              <a:solidFill>
+                <a:schemeClr val="tx1"/>
+              </a:solidFill>
+              <a:headEnd type="oval"/>
+            </a:ln>
+          </p:spPr>
+          <p:style>
+            <a:lnRef idx="1">
+              <a:schemeClr val="accent1"/>
+            </a:lnRef>
+            <a:fillRef idx="0">
+              <a:schemeClr val="accent1"/>
+            </a:fillRef>
+            <a:effectRef idx="0">
+              <a:schemeClr val="accent1"/>
+            </a:effectRef>
+            <a:fontRef idx="minor">
+              <a:schemeClr val="tx1"/>
+            </a:fontRef>
+          </p:style>
+        </p:cxnSp>
+        <p:cxnSp>
+          <p:nvCxnSpPr>
+            <p:cNvPr id="468" name="Gerader Verbinder 467">
+              <a:extLst>
+                <a:ext uri="{FF2B5EF4-FFF2-40B4-BE49-F238E27FC236}">
+                  <a16:creationId xmlns:a16="http://schemas.microsoft.com/office/drawing/2014/main" id="{3A7DFB51-EDD6-41F0-B61B-8951E660A010}"/>
+                </a:ext>
+              </a:extLst>
+            </p:cNvPr>
+            <p:cNvCxnSpPr>
+              <a:cxnSpLocks/>
+            </p:cNvCxnSpPr>
+            <p:nvPr/>
+          </p:nvCxnSpPr>
+          <p:spPr>
+            <a:xfrm flipV="1">
+              <a:off x="11296589" y="5323058"/>
+              <a:ext cx="0" cy="127578"/>
+            </a:xfrm>
+            <a:prstGeom prst="line">
+              <a:avLst/>
+            </a:prstGeom>
+            <a:ln w="12700" cmpd="sng">
+              <a:solidFill>
+                <a:schemeClr val="tx1"/>
+              </a:solidFill>
+              <a:headEnd type="oval"/>
+            </a:ln>
+          </p:spPr>
+          <p:style>
+            <a:lnRef idx="1">
+              <a:schemeClr val="accent1"/>
+            </a:lnRef>
+            <a:fillRef idx="0">
+              <a:schemeClr val="accent1"/>
+            </a:fillRef>
+            <a:effectRef idx="0">
+              <a:schemeClr val="accent1"/>
+            </a:effectRef>
+            <a:fontRef idx="minor">
+              <a:schemeClr val="tx1"/>
+            </a:fontRef>
+          </p:style>
+        </p:cxnSp>
+        <p:sp>
+          <p:nvSpPr>
+            <p:cNvPr id="469" name="Textfeld 468">
+              <a:extLst>
+                <a:ext uri="{FF2B5EF4-FFF2-40B4-BE49-F238E27FC236}">
+                  <a16:creationId xmlns:a16="http://schemas.microsoft.com/office/drawing/2014/main" id="{F226EE02-C143-4C63-94AC-C7E2A44E2DEE}"/>
+                </a:ext>
+              </a:extLst>
+            </p:cNvPr>
+            <p:cNvSpPr txBox="1"/>
+            <p:nvPr/>
+          </p:nvSpPr>
+          <p:spPr>
+            <a:xfrm>
+              <a:off x="8625219" y="5441558"/>
+              <a:ext cx="335348" cy="261610"/>
+            </a:xfrm>
+            <a:prstGeom prst="rect">
+              <a:avLst/>
+            </a:prstGeom>
+            <a:noFill/>
+          </p:spPr>
+          <p:txBody>
+            <a:bodyPr wrap="none" rtlCol="0">
+              <a:spAutoFit/>
+            </a:bodyPr>
+            <a:lstStyle/>
+            <a:p>
+              <a:r>
+                <a:rPr lang="de-DE" sz="1100" dirty="0"/>
+                <a:t>V+</a:t>
+              </a:r>
+            </a:p>
+          </p:txBody>
+        </p:sp>
+        <p:sp>
+          <p:nvSpPr>
+            <p:cNvPr id="518" name="Rechteck 517">
+              <a:extLst>
+                <a:ext uri="{FF2B5EF4-FFF2-40B4-BE49-F238E27FC236}">
+                  <a16:creationId xmlns:a16="http://schemas.microsoft.com/office/drawing/2014/main" id="{6CD8E0E5-BF80-47FA-A6C8-5A8ABE9BBA8E}"/>
+                </a:ext>
+              </a:extLst>
+            </p:cNvPr>
+            <p:cNvSpPr/>
+            <p:nvPr/>
+          </p:nvSpPr>
+          <p:spPr>
+            <a:xfrm>
+              <a:off x="8632103" y="4990577"/>
+              <a:ext cx="290589" cy="94681"/>
+            </a:xfrm>
+            <a:prstGeom prst="rect">
+              <a:avLst/>
+            </a:prstGeom>
+            <a:noFill/>
+            <a:ln>
+              <a:noFill/>
+            </a:ln>
+          </p:spPr>
+          <p:style>
+            <a:lnRef idx="2">
+              <a:schemeClr val="accent1">
+                <a:shade val="50000"/>
+              </a:schemeClr>
+            </a:lnRef>
+            <a:fillRef idx="1">
+              <a:schemeClr val="accent1"/>
+            </a:fillRef>
+            <a:effectRef idx="0">
+              <a:schemeClr val="accent1"/>
+            </a:effectRef>
+            <a:fontRef idx="minor">
+              <a:schemeClr val="lt1"/>
+            </a:fontRef>
+          </p:style>
+          <p:txBody>
+            <a:bodyPr rtlCol="0" anchor="ctr"/>
+            <a:lstStyle/>
+            <a:p>
+              <a:pPr algn="ctr"/>
+              <a:endParaRPr lang="de-DE"/>
             </a:p>
           </p:txBody>
         </p:sp>
